--- a/Lecture slides/NYT C04 - Action Research.pptx
+++ b/Lecture slides/NYT C04 - Action Research.pptx
@@ -59,6 +59,8 @@
     <p:sldId id="304" r:id="rId55"/>
     <p:sldId id="305" r:id="rId56"/>
     <p:sldId id="306" r:id="rId57"/>
+    <p:sldId id="307" r:id="rId58"/>
+    <p:sldId id="308" r:id="rId59"/>
   </p:sldIdLst>
   <p:sldSz cy="5143500" cx="9144000"/>
   <p:notesSz cx="6858000" cy="9144000"/>
@@ -3018,7 +3020,7 @@
   <p:cSld>
     <p:spTree>
       <p:nvGrpSpPr>
-        <p:cNvPr id="236" name="Shape 236"/>
+        <p:cNvPr id="235" name="Shape 235"/>
         <p:cNvGrpSpPr/>
         <p:nvPr/>
       </p:nvGrpSpPr>
@@ -3032,7 +3034,7 @@
       </p:grpSpPr>
       <p:sp>
         <p:nvSpPr>
-          <p:cNvPr id="237" name="Google Shape;237;g2c3601aed9a_0_4:notes"/>
+          <p:cNvPr id="236" name="Google Shape;236;g2c4bb9ecca5_0_0:notes"/>
           <p:cNvSpPr/>
           <p:nvPr>
             <p:ph idx="2" type="sldImg"/>
@@ -3067,7 +3069,7 @@
       </p:sp>
       <p:sp>
         <p:nvSpPr>
-          <p:cNvPr id="238" name="Google Shape;238;g2c3601aed9a_0_4:notes"/>
+          <p:cNvPr id="237" name="Google Shape;237;g2c4bb9ecca5_0_0:notes"/>
           <p:cNvSpPr txBox="1"/>
           <p:nvPr>
             <p:ph idx="1" type="body"/>
@@ -3117,7 +3119,7 @@
   <p:cSld>
     <p:spTree>
       <p:nvGrpSpPr>
-        <p:cNvPr id="241" name="Shape 241"/>
+        <p:cNvPr id="242" name="Shape 242"/>
         <p:cNvGrpSpPr/>
         <p:nvPr/>
       </p:nvGrpSpPr>
@@ -3131,7 +3133,7 @@
       </p:grpSpPr>
       <p:sp>
         <p:nvSpPr>
-          <p:cNvPr id="242" name="Google Shape;242;gf428e7a1d1_0_7:notes"/>
+          <p:cNvPr id="243" name="Google Shape;243;g2c7a6e2504f_0_0:notes"/>
           <p:cNvSpPr/>
           <p:nvPr>
             <p:ph idx="2" type="sldImg"/>
@@ -3166,7 +3168,7 @@
       </p:sp>
       <p:sp>
         <p:nvSpPr>
-          <p:cNvPr id="243" name="Google Shape;243;gf428e7a1d1_0_7:notes"/>
+          <p:cNvPr id="244" name="Google Shape;244;g2c7a6e2504f_0_0:notes"/>
           <p:cNvSpPr txBox="1"/>
           <p:nvPr>
             <p:ph idx="1" type="body"/>
@@ -3216,7 +3218,7 @@
   <p:cSld>
     <p:spTree>
       <p:nvGrpSpPr>
-        <p:cNvPr id="248" name="Shape 248"/>
+        <p:cNvPr id="249" name="Shape 249"/>
         <p:cNvGrpSpPr/>
         <p:nvPr/>
       </p:nvGrpSpPr>
@@ -3230,7 +3232,7 @@
       </p:grpSpPr>
       <p:sp>
         <p:nvSpPr>
-          <p:cNvPr id="249" name="Google Shape;249;gf428e7a1d1_0_13:notes"/>
+          <p:cNvPr id="250" name="Google Shape;250;g2c3601aed9a_0_4:notes"/>
           <p:cNvSpPr/>
           <p:nvPr>
             <p:ph idx="2" type="sldImg"/>
@@ -3265,7 +3267,7 @@
       </p:sp>
       <p:sp>
         <p:nvSpPr>
-          <p:cNvPr id="250" name="Google Shape;250;gf428e7a1d1_0_13:notes"/>
+          <p:cNvPr id="251" name="Google Shape;251;g2c3601aed9a_0_4:notes"/>
           <p:cNvSpPr txBox="1"/>
           <p:nvPr>
             <p:ph idx="1" type="body"/>
@@ -3315,7 +3317,7 @@
   <p:cSld>
     <p:spTree>
       <p:nvGrpSpPr>
-        <p:cNvPr id="255" name="Shape 255"/>
+        <p:cNvPr id="254" name="Shape 254"/>
         <p:cNvGrpSpPr/>
         <p:nvPr/>
       </p:nvGrpSpPr>
@@ -3329,7 +3331,7 @@
       </p:grpSpPr>
       <p:sp>
         <p:nvSpPr>
-          <p:cNvPr id="256" name="Google Shape;256;g2c3601aed9a_0_78:notes"/>
+          <p:cNvPr id="255" name="Google Shape;255;gf428e7a1d1_0_7:notes"/>
           <p:cNvSpPr/>
           <p:nvPr>
             <p:ph idx="2" type="sldImg"/>
@@ -3364,7 +3366,7 @@
       </p:sp>
       <p:sp>
         <p:nvSpPr>
-          <p:cNvPr id="257" name="Google Shape;257;g2c3601aed9a_0_78:notes"/>
+          <p:cNvPr id="256" name="Google Shape;256;gf428e7a1d1_0_7:notes"/>
           <p:cNvSpPr txBox="1"/>
           <p:nvPr>
             <p:ph idx="1" type="body"/>
@@ -3414,7 +3416,7 @@
   <p:cSld>
     <p:spTree>
       <p:nvGrpSpPr>
-        <p:cNvPr id="263" name="Shape 263"/>
+        <p:cNvPr id="261" name="Shape 261"/>
         <p:cNvGrpSpPr/>
         <p:nvPr/>
       </p:nvGrpSpPr>
@@ -3428,7 +3430,7 @@
       </p:grpSpPr>
       <p:sp>
         <p:nvSpPr>
-          <p:cNvPr id="264" name="Google Shape;264;g133be5e16e8_0_8:notes"/>
+          <p:cNvPr id="262" name="Google Shape;262;gf428e7a1d1_0_13:notes"/>
           <p:cNvSpPr/>
           <p:nvPr>
             <p:ph idx="2" type="sldImg"/>
@@ -3463,7 +3465,7 @@
       </p:sp>
       <p:sp>
         <p:nvSpPr>
-          <p:cNvPr id="265" name="Google Shape;265;g133be5e16e8_0_8:notes"/>
+          <p:cNvPr id="263" name="Google Shape;263;gf428e7a1d1_0_13:notes"/>
           <p:cNvSpPr txBox="1"/>
           <p:nvPr>
             <p:ph idx="1" type="body"/>
@@ -3513,7 +3515,7 @@
   <p:cSld>
     <p:spTree>
       <p:nvGrpSpPr>
-        <p:cNvPr id="270" name="Shape 270"/>
+        <p:cNvPr id="268" name="Shape 268"/>
         <p:cNvGrpSpPr/>
         <p:nvPr/>
       </p:nvGrpSpPr>
@@ -3527,7 +3529,7 @@
       </p:grpSpPr>
       <p:sp>
         <p:nvSpPr>
-          <p:cNvPr id="271" name="Google Shape;271;g133be5e16e8_0_40:notes"/>
+          <p:cNvPr id="269" name="Google Shape;269;g2c3601aed9a_0_78:notes"/>
           <p:cNvSpPr/>
           <p:nvPr>
             <p:ph idx="2" type="sldImg"/>
@@ -3562,7 +3564,7 @@
       </p:sp>
       <p:sp>
         <p:nvSpPr>
-          <p:cNvPr id="272" name="Google Shape;272;g133be5e16e8_0_40:notes"/>
+          <p:cNvPr id="270" name="Google Shape;270;g2c3601aed9a_0_78:notes"/>
           <p:cNvSpPr txBox="1"/>
           <p:nvPr>
             <p:ph idx="1" type="body"/>
@@ -3612,7 +3614,7 @@
   <p:cSld>
     <p:spTree>
       <p:nvGrpSpPr>
-        <p:cNvPr id="277" name="Shape 277"/>
+        <p:cNvPr id="276" name="Shape 276"/>
         <p:cNvGrpSpPr/>
         <p:nvPr/>
       </p:nvGrpSpPr>
@@ -3626,7 +3628,7 @@
       </p:grpSpPr>
       <p:sp>
         <p:nvSpPr>
-          <p:cNvPr id="278" name="Google Shape;278;g2c3601aed9a_0_86:notes"/>
+          <p:cNvPr id="277" name="Google Shape;277;g133be5e16e8_0_8:notes"/>
           <p:cNvSpPr/>
           <p:nvPr>
             <p:ph idx="2" type="sldImg"/>
@@ -3661,7 +3663,7 @@
       </p:sp>
       <p:sp>
         <p:nvSpPr>
-          <p:cNvPr id="279" name="Google Shape;279;g2c3601aed9a_0_86:notes"/>
+          <p:cNvPr id="278" name="Google Shape;278;g133be5e16e8_0_8:notes"/>
           <p:cNvSpPr txBox="1"/>
           <p:nvPr>
             <p:ph idx="1" type="body"/>
@@ -3711,7 +3713,7 @@
   <p:cSld>
     <p:spTree>
       <p:nvGrpSpPr>
-        <p:cNvPr id="285" name="Shape 285"/>
+        <p:cNvPr id="283" name="Shape 283"/>
         <p:cNvGrpSpPr/>
         <p:nvPr/>
       </p:nvGrpSpPr>
@@ -3725,7 +3727,7 @@
       </p:grpSpPr>
       <p:sp>
         <p:nvSpPr>
-          <p:cNvPr id="286" name="Google Shape;286;g133abade362_0_12:notes"/>
+          <p:cNvPr id="284" name="Google Shape;284;g133be5e16e8_0_40:notes"/>
           <p:cNvSpPr/>
           <p:nvPr>
             <p:ph idx="2" type="sldImg"/>
@@ -3760,7 +3762,7 @@
       </p:sp>
       <p:sp>
         <p:nvSpPr>
-          <p:cNvPr id="287" name="Google Shape;287;g133abade362_0_12:notes"/>
+          <p:cNvPr id="285" name="Google Shape;285;g133be5e16e8_0_40:notes"/>
           <p:cNvSpPr txBox="1"/>
           <p:nvPr>
             <p:ph idx="1" type="body"/>
@@ -3810,7 +3812,7 @@
   <p:cSld>
     <p:spTree>
       <p:nvGrpSpPr>
-        <p:cNvPr id="292" name="Shape 292"/>
+        <p:cNvPr id="290" name="Shape 290"/>
         <p:cNvGrpSpPr/>
         <p:nvPr/>
       </p:nvGrpSpPr>
@@ -3824,7 +3826,7 @@
       </p:grpSpPr>
       <p:sp>
         <p:nvSpPr>
-          <p:cNvPr id="293" name="Google Shape;293;g133be5e16e8_0_46:notes"/>
+          <p:cNvPr id="291" name="Google Shape;291;g2c3601aed9a_0_86:notes"/>
           <p:cNvSpPr/>
           <p:nvPr>
             <p:ph idx="2" type="sldImg"/>
@@ -3859,7 +3861,7 @@
       </p:sp>
       <p:sp>
         <p:nvSpPr>
-          <p:cNvPr id="294" name="Google Shape;294;g133be5e16e8_0_46:notes"/>
+          <p:cNvPr id="292" name="Google Shape;292;g2c3601aed9a_0_86:notes"/>
           <p:cNvSpPr txBox="1"/>
           <p:nvPr>
             <p:ph idx="1" type="body"/>
@@ -3909,7 +3911,7 @@
   <p:cSld>
     <p:spTree>
       <p:nvGrpSpPr>
-        <p:cNvPr id="299" name="Shape 299"/>
+        <p:cNvPr id="298" name="Shape 298"/>
         <p:cNvGrpSpPr/>
         <p:nvPr/>
       </p:nvGrpSpPr>
@@ -3923,7 +3925,7 @@
       </p:grpSpPr>
       <p:sp>
         <p:nvSpPr>
-          <p:cNvPr id="300" name="Google Shape;300;g2c3601aed9a_0_94:notes"/>
+          <p:cNvPr id="299" name="Google Shape;299;g133abade362_0_12:notes"/>
           <p:cNvSpPr/>
           <p:nvPr>
             <p:ph idx="2" type="sldImg"/>
@@ -3958,7 +3960,7 @@
       </p:sp>
       <p:sp>
         <p:nvSpPr>
-          <p:cNvPr id="301" name="Google Shape;301;g2c3601aed9a_0_94:notes"/>
+          <p:cNvPr id="300" name="Google Shape;300;g133abade362_0_12:notes"/>
           <p:cNvSpPr txBox="1"/>
           <p:nvPr>
             <p:ph idx="1" type="body"/>
@@ -4107,7 +4109,7 @@
   <p:cSld>
     <p:spTree>
       <p:nvGrpSpPr>
-        <p:cNvPr id="307" name="Shape 307"/>
+        <p:cNvPr id="305" name="Shape 305"/>
         <p:cNvGrpSpPr/>
         <p:nvPr/>
       </p:nvGrpSpPr>
@@ -4121,7 +4123,7 @@
       </p:grpSpPr>
       <p:sp>
         <p:nvSpPr>
-          <p:cNvPr id="308" name="Google Shape;308;g133be5e16e8_0_14:notes"/>
+          <p:cNvPr id="306" name="Google Shape;306;g133be5e16e8_0_46:notes"/>
           <p:cNvSpPr/>
           <p:nvPr>
             <p:ph idx="2" type="sldImg"/>
@@ -4156,7 +4158,7 @@
       </p:sp>
       <p:sp>
         <p:nvSpPr>
-          <p:cNvPr id="309" name="Google Shape;309;g133be5e16e8_0_14:notes"/>
+          <p:cNvPr id="307" name="Google Shape;307;g133be5e16e8_0_46:notes"/>
           <p:cNvSpPr txBox="1"/>
           <p:nvPr>
             <p:ph idx="1" type="body"/>
@@ -4206,7 +4208,7 @@
   <p:cSld>
     <p:spTree>
       <p:nvGrpSpPr>
-        <p:cNvPr id="314" name="Shape 314"/>
+        <p:cNvPr id="312" name="Shape 312"/>
         <p:cNvGrpSpPr/>
         <p:nvPr/>
       </p:nvGrpSpPr>
@@ -4220,7 +4222,7 @@
       </p:grpSpPr>
       <p:sp>
         <p:nvSpPr>
-          <p:cNvPr id="315" name="Google Shape;315;g133be5e16e8_0_52:notes"/>
+          <p:cNvPr id="313" name="Google Shape;313;g2c3601aed9a_0_94:notes"/>
           <p:cNvSpPr/>
           <p:nvPr>
             <p:ph idx="2" type="sldImg"/>
@@ -4255,7 +4257,7 @@
       </p:sp>
       <p:sp>
         <p:nvSpPr>
-          <p:cNvPr id="316" name="Google Shape;316;g133be5e16e8_0_52:notes"/>
+          <p:cNvPr id="314" name="Google Shape;314;g2c3601aed9a_0_94:notes"/>
           <p:cNvSpPr txBox="1"/>
           <p:nvPr>
             <p:ph idx="1" type="body"/>
@@ -4305,7 +4307,7 @@
   <p:cSld>
     <p:spTree>
       <p:nvGrpSpPr>
-        <p:cNvPr id="321" name="Shape 321"/>
+        <p:cNvPr id="320" name="Shape 320"/>
         <p:cNvGrpSpPr/>
         <p:nvPr/>
       </p:nvGrpSpPr>
@@ -4319,7 +4321,7 @@
       </p:grpSpPr>
       <p:sp>
         <p:nvSpPr>
-          <p:cNvPr id="322" name="Google Shape;322;g2c3601aed9a_0_102:notes"/>
+          <p:cNvPr id="321" name="Google Shape;321;g133be5e16e8_0_14:notes"/>
           <p:cNvSpPr/>
           <p:nvPr>
             <p:ph idx="2" type="sldImg"/>
@@ -4354,7 +4356,7 @@
       </p:sp>
       <p:sp>
         <p:nvSpPr>
-          <p:cNvPr id="323" name="Google Shape;323;g2c3601aed9a_0_102:notes"/>
+          <p:cNvPr id="322" name="Google Shape;322;g133be5e16e8_0_14:notes"/>
           <p:cNvSpPr txBox="1"/>
           <p:nvPr>
             <p:ph idx="1" type="body"/>
@@ -4404,7 +4406,7 @@
   <p:cSld>
     <p:spTree>
       <p:nvGrpSpPr>
-        <p:cNvPr id="329" name="Shape 329"/>
+        <p:cNvPr id="327" name="Shape 327"/>
         <p:cNvGrpSpPr/>
         <p:nvPr/>
       </p:nvGrpSpPr>
@@ -4418,7 +4420,7 @@
       </p:grpSpPr>
       <p:sp>
         <p:nvSpPr>
-          <p:cNvPr id="330" name="Google Shape;330;g133be5e16e8_0_20:notes"/>
+          <p:cNvPr id="328" name="Google Shape;328;g133be5e16e8_0_52:notes"/>
           <p:cNvSpPr/>
           <p:nvPr>
             <p:ph idx="2" type="sldImg"/>
@@ -4453,7 +4455,7 @@
       </p:sp>
       <p:sp>
         <p:nvSpPr>
-          <p:cNvPr id="331" name="Google Shape;331;g133be5e16e8_0_20:notes"/>
+          <p:cNvPr id="329" name="Google Shape;329;g133be5e16e8_0_52:notes"/>
           <p:cNvSpPr txBox="1"/>
           <p:nvPr>
             <p:ph idx="1" type="body"/>
@@ -4503,7 +4505,7 @@
   <p:cSld>
     <p:spTree>
       <p:nvGrpSpPr>
-        <p:cNvPr id="336" name="Shape 336"/>
+        <p:cNvPr id="334" name="Shape 334"/>
         <p:cNvGrpSpPr/>
         <p:nvPr/>
       </p:nvGrpSpPr>
@@ -4517,7 +4519,7 @@
       </p:grpSpPr>
       <p:sp>
         <p:nvSpPr>
-          <p:cNvPr id="337" name="Google Shape;337;g133be5e16e8_0_58:notes"/>
+          <p:cNvPr id="335" name="Google Shape;335;g2c3601aed9a_0_102:notes"/>
           <p:cNvSpPr/>
           <p:nvPr>
             <p:ph idx="2" type="sldImg"/>
@@ -4552,7 +4554,7 @@
       </p:sp>
       <p:sp>
         <p:nvSpPr>
-          <p:cNvPr id="338" name="Google Shape;338;g133be5e16e8_0_58:notes"/>
+          <p:cNvPr id="336" name="Google Shape;336;g2c3601aed9a_0_102:notes"/>
           <p:cNvSpPr txBox="1"/>
           <p:nvPr>
             <p:ph idx="1" type="body"/>
@@ -4602,7 +4604,7 @@
   <p:cSld>
     <p:spTree>
       <p:nvGrpSpPr>
-        <p:cNvPr id="343" name="Shape 343"/>
+        <p:cNvPr id="342" name="Shape 342"/>
         <p:cNvGrpSpPr/>
         <p:nvPr/>
       </p:nvGrpSpPr>
@@ -4616,7 +4618,7 @@
       </p:grpSpPr>
       <p:sp>
         <p:nvSpPr>
-          <p:cNvPr id="344" name="Google Shape;344;g2c3601aed9a_0_117:notes"/>
+          <p:cNvPr id="343" name="Google Shape;343;g133be5e16e8_0_20:notes"/>
           <p:cNvSpPr/>
           <p:nvPr>
             <p:ph idx="2" type="sldImg"/>
@@ -4651,7 +4653,7 @@
       </p:sp>
       <p:sp>
         <p:nvSpPr>
-          <p:cNvPr id="345" name="Google Shape;345;g2c3601aed9a_0_117:notes"/>
+          <p:cNvPr id="344" name="Google Shape;344;g133be5e16e8_0_20:notes"/>
           <p:cNvSpPr txBox="1"/>
           <p:nvPr>
             <p:ph idx="1" type="body"/>
@@ -4701,7 +4703,7 @@
   <p:cSld>
     <p:spTree>
       <p:nvGrpSpPr>
-        <p:cNvPr id="351" name="Shape 351"/>
+        <p:cNvPr id="349" name="Shape 349"/>
         <p:cNvGrpSpPr/>
         <p:nvPr/>
       </p:nvGrpSpPr>
@@ -4715,7 +4717,7 @@
       </p:grpSpPr>
       <p:sp>
         <p:nvSpPr>
-          <p:cNvPr id="352" name="Google Shape;352;gf428e7a1d1_0_25:notes"/>
+          <p:cNvPr id="350" name="Google Shape;350;g133be5e16e8_0_58:notes"/>
           <p:cNvSpPr/>
           <p:nvPr>
             <p:ph idx="2" type="sldImg"/>
@@ -4750,7 +4752,7 @@
       </p:sp>
       <p:sp>
         <p:nvSpPr>
-          <p:cNvPr id="353" name="Google Shape;353;gf428e7a1d1_0_25:notes"/>
+          <p:cNvPr id="351" name="Google Shape;351;g133be5e16e8_0_58:notes"/>
           <p:cNvSpPr txBox="1"/>
           <p:nvPr>
             <p:ph idx="1" type="body"/>
@@ -4800,7 +4802,7 @@
   <p:cSld>
     <p:spTree>
       <p:nvGrpSpPr>
-        <p:cNvPr id="358" name="Shape 358"/>
+        <p:cNvPr id="356" name="Shape 356"/>
         <p:cNvGrpSpPr/>
         <p:nvPr/>
       </p:nvGrpSpPr>
@@ -4814,7 +4816,7 @@
       </p:grpSpPr>
       <p:sp>
         <p:nvSpPr>
-          <p:cNvPr id="359" name="Google Shape;359;g2179b616e8b_0_23:notes"/>
+          <p:cNvPr id="357" name="Google Shape;357;g2c3601aed9a_0_117:notes"/>
           <p:cNvSpPr/>
           <p:nvPr>
             <p:ph idx="2" type="sldImg"/>
@@ -4849,7 +4851,7 @@
       </p:sp>
       <p:sp>
         <p:nvSpPr>
-          <p:cNvPr id="360" name="Google Shape;360;g2179b616e8b_0_23:notes"/>
+          <p:cNvPr id="358" name="Google Shape;358;g2c3601aed9a_0_117:notes"/>
           <p:cNvSpPr txBox="1"/>
           <p:nvPr>
             <p:ph idx="1" type="body"/>
@@ -4899,7 +4901,7 @@
   <p:cSld>
     <p:spTree>
       <p:nvGrpSpPr>
-        <p:cNvPr id="363" name="Shape 363"/>
+        <p:cNvPr id="364" name="Shape 364"/>
         <p:cNvGrpSpPr/>
         <p:nvPr/>
       </p:nvGrpSpPr>
@@ -4913,7 +4915,7 @@
       </p:grpSpPr>
       <p:sp>
         <p:nvSpPr>
-          <p:cNvPr id="364" name="Google Shape;364;g2c3601aed9a_0_56:notes"/>
+          <p:cNvPr id="365" name="Google Shape;365;gf428e7a1d1_0_25:notes"/>
           <p:cNvSpPr/>
           <p:nvPr>
             <p:ph idx="2" type="sldImg"/>
@@ -4948,7 +4950,7 @@
       </p:sp>
       <p:sp>
         <p:nvSpPr>
-          <p:cNvPr id="365" name="Google Shape;365;g2c3601aed9a_0_56:notes"/>
+          <p:cNvPr id="366" name="Google Shape;366;gf428e7a1d1_0_25:notes"/>
           <p:cNvSpPr txBox="1"/>
           <p:nvPr>
             <p:ph idx="1" type="body"/>
@@ -4998,7 +5000,7 @@
   <p:cSld>
     <p:spTree>
       <p:nvGrpSpPr>
-        <p:cNvPr id="370" name="Shape 370"/>
+        <p:cNvPr id="371" name="Shape 371"/>
         <p:cNvGrpSpPr/>
         <p:nvPr/>
       </p:nvGrpSpPr>
@@ -5012,7 +5014,7 @@
       </p:grpSpPr>
       <p:sp>
         <p:nvSpPr>
-          <p:cNvPr id="371" name="Google Shape;371;g133be5e16e8_0_64:notes"/>
+          <p:cNvPr id="372" name="Google Shape;372;g2179b616e8b_0_23:notes"/>
           <p:cNvSpPr/>
           <p:nvPr>
             <p:ph idx="2" type="sldImg"/>
@@ -5047,7 +5049,7 @@
       </p:sp>
       <p:sp>
         <p:nvSpPr>
-          <p:cNvPr id="372" name="Google Shape;372;g133be5e16e8_0_64:notes"/>
+          <p:cNvPr id="373" name="Google Shape;373;g2179b616e8b_0_23:notes"/>
           <p:cNvSpPr txBox="1"/>
           <p:nvPr>
             <p:ph idx="1" type="body"/>
@@ -5196,7 +5198,7 @@
   <p:cSld>
     <p:spTree>
       <p:nvGrpSpPr>
-        <p:cNvPr id="377" name="Shape 377"/>
+        <p:cNvPr id="376" name="Shape 376"/>
         <p:cNvGrpSpPr/>
         <p:nvPr/>
       </p:nvGrpSpPr>
@@ -5210,7 +5212,7 @@
       </p:grpSpPr>
       <p:sp>
         <p:nvSpPr>
-          <p:cNvPr id="378" name="Google Shape;378;g2390037b54d_0_38:notes"/>
+          <p:cNvPr id="377" name="Google Shape;377;g2c3601aed9a_0_56:notes"/>
           <p:cNvSpPr/>
           <p:nvPr>
             <p:ph idx="2" type="sldImg"/>
@@ -5245,7 +5247,7 @@
       </p:sp>
       <p:sp>
         <p:nvSpPr>
-          <p:cNvPr id="379" name="Google Shape;379;g2390037b54d_0_38:notes"/>
+          <p:cNvPr id="378" name="Google Shape;378;g2c3601aed9a_0_56:notes"/>
           <p:cNvSpPr txBox="1"/>
           <p:nvPr>
             <p:ph idx="1" type="body"/>
@@ -5309,7 +5311,7 @@
       </p:grpSpPr>
       <p:sp>
         <p:nvSpPr>
-          <p:cNvPr id="384" name="Google Shape;384;g2390037b54d_0_43:notes"/>
+          <p:cNvPr id="384" name="Google Shape;384;g133be5e16e8_0_64:notes"/>
           <p:cNvSpPr/>
           <p:nvPr>
             <p:ph idx="2" type="sldImg"/>
@@ -5344,7 +5346,205 @@
       </p:sp>
       <p:sp>
         <p:nvSpPr>
-          <p:cNvPr id="385" name="Google Shape;385;g2390037b54d_0_43:notes"/>
+          <p:cNvPr id="385" name="Google Shape;385;g133be5e16e8_0_64:notes"/>
+          <p:cNvSpPr txBox="1"/>
+          <p:nvPr>
+            <p:ph idx="1" type="body"/>
+          </p:nvPr>
+        </p:nvSpPr>
+        <p:spPr>
+          <a:xfrm>
+            <a:off x="685800" y="4343400"/>
+            <a:ext cx="5486400" cy="4114800"/>
+          </a:xfrm>
+          <a:prstGeom prst="rect">
+            <a:avLst/>
+          </a:prstGeom>
+        </p:spPr>
+        <p:txBody>
+          <a:bodyPr anchorCtr="0" anchor="t" bIns="91425" lIns="91425" spcFirstLastPara="1" rIns="91425" wrap="square" tIns="91425">
+            <a:noAutofit/>
+          </a:bodyPr>
+          <a:lstStyle/>
+          <a:p>
+            <a:pPr indent="0" lvl="0" marL="0" rtl="0" algn="l">
+              <a:spcBef>
+                <a:spcPts val="0"/>
+              </a:spcBef>
+              <a:spcAft>
+                <a:spcPts val="0"/>
+              </a:spcAft>
+              <a:buNone/>
+            </a:pPr>
+            <a:r>
+              <a:t/>
+            </a:r>
+            <a:endParaRPr/>
+          </a:p>
+        </p:txBody>
+      </p:sp>
+    </p:spTree>
+  </p:cSld>
+  <p:clrMapOvr>
+    <a:masterClrMapping/>
+  </p:clrMapOvr>
+</p:notes>
+</file>
+
+<file path=ppt/notesSlides/notesSlide52.xml><?xml version="1.0" encoding="utf-8"?>
+<p:notes xmlns:a="http://schemas.openxmlformats.org/drawingml/2006/main" xmlns:r="http://schemas.openxmlformats.org/officeDocument/2006/relationships" xmlns:mc="http://schemas.openxmlformats.org/markup-compatibility/2006" xmlns:mv="urn:schemas-microsoft-com:mac:vml" xmlns:p="http://schemas.openxmlformats.org/presentationml/2006/main" xmlns:c="http://schemas.openxmlformats.org/drawingml/2006/chart" xmlns:dgm="http://schemas.openxmlformats.org/drawingml/2006/diagram" xmlns:o="urn:schemas-microsoft-com:office:office" xmlns:v="urn:schemas-microsoft-com:vml" xmlns:pvml="urn:schemas-microsoft-com:office:powerpoint" xmlns:com="http://schemas.openxmlformats.org/drawingml/2006/compatibility" xmlns:p14="http://schemas.microsoft.com/office/powerpoint/2010/main" xmlns:p15="http://schemas.microsoft.com/office/powerpoint/2012/main" xmlns:ahyp="http://schemas.microsoft.com/office/drawing/2018/hyperlinkcolor" showMasterPhAnim="0" showMasterSp="0">
+  <p:cSld>
+    <p:spTree>
+      <p:nvGrpSpPr>
+        <p:cNvPr id="390" name="Shape 390"/>
+        <p:cNvGrpSpPr/>
+        <p:nvPr/>
+      </p:nvGrpSpPr>
+      <p:grpSpPr>
+        <a:xfrm>
+          <a:off x="0" y="0"/>
+          <a:ext cx="0" cy="0"/>
+          <a:chOff x="0" y="0"/>
+          <a:chExt cx="0" cy="0"/>
+        </a:xfrm>
+      </p:grpSpPr>
+      <p:sp>
+        <p:nvSpPr>
+          <p:cNvPr id="391" name="Google Shape;391;g2390037b54d_0_38:notes"/>
+          <p:cNvSpPr/>
+          <p:nvPr>
+            <p:ph idx="2" type="sldImg"/>
+          </p:nvPr>
+        </p:nvSpPr>
+        <p:spPr>
+          <a:xfrm>
+            <a:off x="381300" y="685800"/>
+            <a:ext cx="6096000" cy="3429000"/>
+          </a:xfrm>
+          <a:custGeom>
+            <a:rect b="b" l="l" r="r" t="t"/>
+            <a:pathLst>
+              <a:path extrusionOk="0" h="120000" w="120000">
+                <a:moveTo>
+                  <a:pt x="0" y="0"/>
+                </a:moveTo>
+                <a:lnTo>
+                  <a:pt x="120000" y="0"/>
+                </a:lnTo>
+                <a:lnTo>
+                  <a:pt x="120000" y="120000"/>
+                </a:lnTo>
+                <a:lnTo>
+                  <a:pt x="0" y="120000"/>
+                </a:lnTo>
+                <a:close/>
+              </a:path>
+            </a:pathLst>
+          </a:custGeom>
+        </p:spPr>
+      </p:sp>
+      <p:sp>
+        <p:nvSpPr>
+          <p:cNvPr id="392" name="Google Shape;392;g2390037b54d_0_38:notes"/>
+          <p:cNvSpPr txBox="1"/>
+          <p:nvPr>
+            <p:ph idx="1" type="body"/>
+          </p:nvPr>
+        </p:nvSpPr>
+        <p:spPr>
+          <a:xfrm>
+            <a:off x="685800" y="4343400"/>
+            <a:ext cx="5486400" cy="4114800"/>
+          </a:xfrm>
+          <a:prstGeom prst="rect">
+            <a:avLst/>
+          </a:prstGeom>
+        </p:spPr>
+        <p:txBody>
+          <a:bodyPr anchorCtr="0" anchor="t" bIns="91425" lIns="91425" spcFirstLastPara="1" rIns="91425" wrap="square" tIns="91425">
+            <a:noAutofit/>
+          </a:bodyPr>
+          <a:lstStyle/>
+          <a:p>
+            <a:pPr indent="0" lvl="0" marL="0" rtl="0" algn="l">
+              <a:spcBef>
+                <a:spcPts val="0"/>
+              </a:spcBef>
+              <a:spcAft>
+                <a:spcPts val="0"/>
+              </a:spcAft>
+              <a:buNone/>
+            </a:pPr>
+            <a:r>
+              <a:t/>
+            </a:r>
+            <a:endParaRPr/>
+          </a:p>
+        </p:txBody>
+      </p:sp>
+    </p:spTree>
+  </p:cSld>
+  <p:clrMapOvr>
+    <a:masterClrMapping/>
+  </p:clrMapOvr>
+</p:notes>
+</file>
+
+<file path=ppt/notesSlides/notesSlide53.xml><?xml version="1.0" encoding="utf-8"?>
+<p:notes xmlns:a="http://schemas.openxmlformats.org/drawingml/2006/main" xmlns:r="http://schemas.openxmlformats.org/officeDocument/2006/relationships" xmlns:mc="http://schemas.openxmlformats.org/markup-compatibility/2006" xmlns:mv="urn:schemas-microsoft-com:mac:vml" xmlns:p="http://schemas.openxmlformats.org/presentationml/2006/main" xmlns:c="http://schemas.openxmlformats.org/drawingml/2006/chart" xmlns:dgm="http://schemas.openxmlformats.org/drawingml/2006/diagram" xmlns:o="urn:schemas-microsoft-com:office:office" xmlns:v="urn:schemas-microsoft-com:vml" xmlns:pvml="urn:schemas-microsoft-com:office:powerpoint" xmlns:com="http://schemas.openxmlformats.org/drawingml/2006/compatibility" xmlns:p14="http://schemas.microsoft.com/office/powerpoint/2010/main" xmlns:p15="http://schemas.microsoft.com/office/powerpoint/2012/main" xmlns:ahyp="http://schemas.microsoft.com/office/drawing/2018/hyperlinkcolor" showMasterPhAnim="0" showMasterSp="0">
+  <p:cSld>
+    <p:spTree>
+      <p:nvGrpSpPr>
+        <p:cNvPr id="396" name="Shape 396"/>
+        <p:cNvGrpSpPr/>
+        <p:nvPr/>
+      </p:nvGrpSpPr>
+      <p:grpSpPr>
+        <a:xfrm>
+          <a:off x="0" y="0"/>
+          <a:ext cx="0" cy="0"/>
+          <a:chOff x="0" y="0"/>
+          <a:chExt cx="0" cy="0"/>
+        </a:xfrm>
+      </p:grpSpPr>
+      <p:sp>
+        <p:nvSpPr>
+          <p:cNvPr id="397" name="Google Shape;397;g2390037b54d_0_43:notes"/>
+          <p:cNvSpPr/>
+          <p:nvPr>
+            <p:ph idx="2" type="sldImg"/>
+          </p:nvPr>
+        </p:nvSpPr>
+        <p:spPr>
+          <a:xfrm>
+            <a:off x="381300" y="685800"/>
+            <a:ext cx="6096000" cy="3429000"/>
+          </a:xfrm>
+          <a:custGeom>
+            <a:rect b="b" l="l" r="r" t="t"/>
+            <a:pathLst>
+              <a:path extrusionOk="0" h="120000" w="120000">
+                <a:moveTo>
+                  <a:pt x="0" y="0"/>
+                </a:moveTo>
+                <a:lnTo>
+                  <a:pt x="120000" y="0"/>
+                </a:lnTo>
+                <a:lnTo>
+                  <a:pt x="120000" y="120000"/>
+                </a:lnTo>
+                <a:lnTo>
+                  <a:pt x="0" y="120000"/>
+                </a:lnTo>
+                <a:close/>
+              </a:path>
+            </a:pathLst>
+          </a:custGeom>
+        </p:spPr>
+      </p:sp>
+      <p:sp>
+        <p:nvSpPr>
+          <p:cNvPr id="398" name="Google Shape;398;g2390037b54d_0_43:notes"/>
           <p:cNvSpPr txBox="1"/>
           <p:nvPr>
             <p:ph idx="1" type="body"/>
@@ -10871,8 +11071,8 @@
         </p:blipFill>
         <p:spPr>
           <a:xfrm>
-            <a:off x="6510480" y="914400"/>
-            <a:ext cx="2359151" cy="3657601"/>
+            <a:off x="6583680" y="914400"/>
+            <a:ext cx="2286000" cy="3544186"/>
           </a:xfrm>
           <a:prstGeom prst="rect">
             <a:avLst/>
@@ -12281,7 +12481,7 @@
             <a:tbl>
               <a:tblPr>
                 <a:noFill/>
-                <a:tableStyleId>{6C6A8A8E-213A-48CC-B899-E1D6EA9ECF08}</a:tableStyleId>
+                <a:tableStyleId>{E4AE51B6-B43D-449B-892F-9426A774641F}</a:tableStyleId>
               </a:tblPr>
               <a:tblGrid>
                 <a:gridCol w="2148850"/>
@@ -14450,7 +14650,7 @@
             </a:pPr>
             <a:r>
               <a:rPr lang="en"/>
-              <a:t>Example Open Source Governance PAR</a:t>
+              <a:t>Example Problem Identification</a:t>
             </a:r>
             <a:endParaRPr/>
           </a:p>
@@ -14563,7 +14763,7 @@
             </a:pPr>
             <a:r>
               <a:rPr lang="en"/>
-              <a:t>We identified a need by companies to get a handle on using open-source software</a:t>
+              <a:t>We identified a need by companies to manage using open-source software</a:t>
             </a:r>
             <a:endParaRPr/>
           </a:p>
@@ -14979,7 +15179,7 @@
             </a:pPr>
             <a:r>
               <a:rPr lang="en"/>
-              <a:t>Example Open Source Governance PAR (Continued)</a:t>
+              <a:t>Example Theory Building</a:t>
             </a:r>
             <a:endParaRPr/>
           </a:p>
@@ -15019,7 +15219,7 @@
             </a:pPr>
             <a:r>
               <a:rPr lang="en"/>
-              <a:t>We identified a need by companies to get a handle on using open-source software</a:t>
+              <a:t>We identified a need by companies to manage using open-source software</a:t>
             </a:r>
             <a:endParaRPr/>
           </a:p>
@@ -15036,7 +15236,7 @@
             </a:pPr>
             <a:r>
               <a:rPr lang="en"/>
-              <a:t>First, we developed a theory of open source governance using a qualitative survey</a:t>
+              <a:t>First, we developed a theory using a qualitative survey</a:t>
             </a:r>
             <a:endParaRPr/>
           </a:p>
@@ -15345,7 +15545,7 @@
             </a:pPr>
             <a:r>
               <a:rPr lang="en"/>
-              <a:t>Illustration of Open Source Governance Handbook 1 / 2</a:t>
+              <a:t>Illustration of Open Source Governance Handbook 1 / 3</a:t>
             </a:r>
             <a:endParaRPr/>
           </a:p>
@@ -15511,7 +15711,7 @@
             </a:pPr>
             <a:r>
               <a:rPr lang="en"/>
-              <a:t>Illustration of Open Source Governance Handbook 2 / 2</a:t>
+              <a:t>Illustration of Open Source Governance Handbook 2 / 3</a:t>
             </a:r>
             <a:endParaRPr/>
           </a:p>
@@ -15608,34 +15808,6 @@
           <a:xfrm>
             <a:off x="274320" y="914412"/>
             <a:ext cx="4297681" cy="1172908"/>
-          </a:xfrm>
-          <a:prstGeom prst="rect">
-            <a:avLst/>
-          </a:prstGeom>
-          <a:noFill/>
-          <a:ln>
-            <a:noFill/>
-          </a:ln>
-        </p:spPr>
-      </p:pic>
-      <p:pic>
-        <p:nvPicPr>
-          <p:cNvPr id="235" name="Google Shape;235;p36"/>
-          <p:cNvPicPr preferRelativeResize="0"/>
-          <p:nvPr/>
-        </p:nvPicPr>
-        <p:blipFill>
-          <a:blip r:embed="rId5">
-            <a:alphaModFix/>
-          </a:blip>
-          <a:stretch>
-            <a:fillRect/>
-          </a:stretch>
-        </p:blipFill>
-        <p:spPr>
-          <a:xfrm>
-            <a:off x="4847676" y="914400"/>
-            <a:ext cx="4023361" cy="3108046"/>
           </a:xfrm>
           <a:prstGeom prst="rect">
             <a:avLst/>
@@ -15724,7 +15896,7 @@
   <p:cSld>
     <p:spTree>
       <p:nvGrpSpPr>
-        <p:cNvPr id="239" name="Shape 239"/>
+        <p:cNvPr id="238" name="Shape 238"/>
         <p:cNvGrpSpPr/>
         <p:nvPr/>
       </p:nvGrpSpPr>
@@ -15738,7 +15910,7 @@
       </p:grpSpPr>
       <p:sp>
         <p:nvSpPr>
-          <p:cNvPr id="240" name="Google Shape;240;p37"/>
+          <p:cNvPr id="239" name="Google Shape;239;p37"/>
           <p:cNvSpPr txBox="1"/>
           <p:nvPr>
             <p:ph type="title"/>
@@ -15746,36 +15918,137 @@
         </p:nvSpPr>
         <p:spPr>
           <a:xfrm>
-            <a:off x="0" y="-7"/>
-            <a:ext cx="9144000" cy="2386500"/>
+            <a:off x="0" y="0"/>
+            <a:ext cx="9144000" cy="685800"/>
           </a:xfrm>
           <a:prstGeom prst="rect">
             <a:avLst/>
           </a:prstGeom>
         </p:spPr>
         <p:txBody>
-          <a:bodyPr anchorCtr="0" anchor="b" bIns="274300" lIns="91425" spcFirstLastPara="1" rIns="91425" wrap="square" tIns="91425">
+          <a:bodyPr anchorCtr="0" anchor="ctr" bIns="91425" lIns="274300" spcFirstLastPara="1" rIns="91425" wrap="square" tIns="91425">
             <a:noAutofit/>
           </a:bodyPr>
           <a:lstStyle/>
           <a:p>
-            <a:pPr indent="0" lvl="0" marL="0" rtl="0" algn="ctr">
-              <a:spcBef>
-                <a:spcPts val="0"/>
-              </a:spcBef>
-              <a:spcAft>
-                <a:spcPts val="0"/>
-              </a:spcAft>
-              <a:buNone/>
-            </a:pPr>
-            <a:r>
-              <a:rPr lang="en"/>
-              <a:t>5. The Action-Feedback Loop</a:t>
+            <a:pPr indent="0" lvl="0" marL="0" rtl="0" algn="l">
+              <a:spcBef>
+                <a:spcPts val="0"/>
+              </a:spcBef>
+              <a:spcAft>
+                <a:spcPts val="0"/>
+              </a:spcAft>
+              <a:buNone/>
+            </a:pPr>
+            <a:r>
+              <a:rPr lang="en"/>
+              <a:t>Illustration of Open Source Governance Handbook 3 / 3</a:t>
             </a:r>
             <a:endParaRPr/>
           </a:p>
         </p:txBody>
       </p:sp>
+      <p:sp>
+        <p:nvSpPr>
+          <p:cNvPr id="240" name="Google Shape;240;p37"/>
+          <p:cNvSpPr txBox="1"/>
+          <p:nvPr>
+            <p:ph idx="12" type="sldNum"/>
+          </p:nvPr>
+        </p:nvSpPr>
+        <p:spPr>
+          <a:xfrm>
+            <a:off x="7315202" y="4416550"/>
+            <a:ext cx="1828800" cy="731400"/>
+          </a:xfrm>
+          <a:prstGeom prst="rect">
+            <a:avLst/>
+          </a:prstGeom>
+        </p:spPr>
+        <p:txBody>
+          <a:bodyPr anchorCtr="0" anchor="b" bIns="91425" lIns="91425" spcFirstLastPara="1" rIns="91425" wrap="square" tIns="91425">
+            <a:noAutofit/>
+          </a:bodyPr>
+          <a:lstStyle/>
+          <a:p>
+            <a:pPr indent="0" lvl="0" marL="0" rtl="0" algn="r">
+              <a:spcBef>
+                <a:spcPts val="0"/>
+              </a:spcBef>
+              <a:spcAft>
+                <a:spcPts val="0"/>
+              </a:spcAft>
+              <a:buNone/>
+            </a:pPr>
+            <a:fld id="{00000000-1234-1234-1234-123412341234}" type="slidenum">
+              <a:rPr lang="en"/>
+              <a:t>‹#›</a:t>
+            </a:fld>
+            <a:endParaRPr/>
+          </a:p>
+          <a:p>
+            <a:pPr indent="0" lvl="0" marL="0" rtl="0" algn="r">
+              <a:spcBef>
+                <a:spcPts val="0"/>
+              </a:spcBef>
+              <a:spcAft>
+                <a:spcPts val="0"/>
+              </a:spcAft>
+              <a:buNone/>
+            </a:pPr>
+            <a:r>
+              <a:rPr b="0" lang="en" sz="900" u="sng">
+                <a:solidFill>
+                  <a:schemeClr val="hlink"/>
+                </a:solidFill>
+                <a:hlinkClick r:id="rId3"/>
+              </a:rPr>
+              <a:t>https://profriehle.com</a:t>
+            </a:r>
+            <a:r>
+              <a:rPr b="0" lang="en" sz="900">
+                <a:solidFill>
+                  <a:schemeClr val="dk2"/>
+                </a:solidFill>
+              </a:rPr>
+              <a:t> </a:t>
+            </a:r>
+            <a:endParaRPr b="0" sz="900">
+              <a:solidFill>
+                <a:schemeClr val="dk2"/>
+              </a:solidFill>
+            </a:endParaRPr>
+          </a:p>
+        </p:txBody>
+      </p:sp>
+      <p:pic>
+        <p:nvPicPr>
+          <p:cNvPr id="241" name="Google Shape;241;p37"/>
+          <p:cNvPicPr preferRelativeResize="0"/>
+          <p:nvPr/>
+        </p:nvPicPr>
+        <p:blipFill>
+          <a:blip r:embed="rId4">
+            <a:alphaModFix/>
+          </a:blip>
+          <a:stretch>
+            <a:fillRect/>
+          </a:stretch>
+        </p:blipFill>
+        <p:spPr>
+          <a:xfrm>
+            <a:off x="4847676" y="914400"/>
+            <a:ext cx="4023361" cy="3108046"/>
+          </a:xfrm>
+          <a:prstGeom prst="rect">
+            <a:avLst/>
+          </a:prstGeom>
+          <a:noFill/>
+          <a:ln>
+            <a:noFill/>
+          </a:ln>
+        </p:spPr>
+      </p:pic>
     </p:spTree>
   </p:cSld>
   <p:clrMapOvr>
@@ -15789,7 +16062,7 @@
   <p:cSld>
     <p:spTree>
       <p:nvGrpSpPr>
-        <p:cNvPr id="244" name="Shape 244"/>
+        <p:cNvPr id="245" name="Shape 245"/>
         <p:cNvGrpSpPr/>
         <p:nvPr/>
       </p:nvGrpSpPr>
@@ -15803,7 +16076,7 @@
       </p:grpSpPr>
       <p:sp>
         <p:nvSpPr>
-          <p:cNvPr id="245" name="Google Shape;245;p38"/>
+          <p:cNvPr id="246" name="Google Shape;246;p38"/>
           <p:cNvSpPr txBox="1"/>
           <p:nvPr>
             <p:ph type="title"/>
@@ -15835,7 +16108,7 @@
             </a:pPr>
             <a:r>
               <a:rPr lang="en"/>
-              <a:t>Choose Focus</a:t>
+              <a:t>Research Protocol</a:t>
             </a:r>
             <a:endParaRPr/>
           </a:p>
@@ -15843,7 +16116,7 @@
       </p:sp>
       <p:sp>
         <p:nvSpPr>
-          <p:cNvPr id="246" name="Google Shape;246;p38"/>
+          <p:cNvPr id="247" name="Google Shape;247;p38"/>
           <p:cNvSpPr txBox="1"/>
           <p:nvPr>
             <p:ph idx="1" type="body"/>
@@ -15875,15 +16148,23 @@
             </a:pPr>
             <a:r>
               <a:rPr lang="en"/>
-              <a:t>During </a:t>
-            </a:r>
-            <a:r>
-              <a:rPr b="1" lang="en"/>
-              <a:t>choosing (focus)</a:t>
-            </a:r>
-            <a:r>
-              <a:rPr lang="en"/>
-              <a:t>, you</a:t>
+              <a:t>As before, describe methods and data to be acquired</a:t>
+            </a:r>
+            <a:endParaRPr/>
+          </a:p>
+          <a:p>
+            <a:pPr indent="0" lvl="0" marL="0" rtl="0" algn="l">
+              <a:spcBef>
+                <a:spcPts val="1200"/>
+              </a:spcBef>
+              <a:spcAft>
+                <a:spcPts val="0"/>
+              </a:spcAft>
+              <a:buNone/>
+            </a:pPr>
+            <a:r>
+              <a:rPr lang="en"/>
+              <a:t>As you are now dealing with human subjects, also</a:t>
             </a:r>
             <a:endParaRPr/>
           </a:p>
@@ -15900,30 +16181,14 @@
             </a:pPr>
             <a:r>
               <a:rPr lang="en"/>
-              <a:t>Choose which aspect of your theory to build out</a:t>
-            </a:r>
-            <a:endParaRPr/>
-          </a:p>
-          <a:p>
-            <a:pPr indent="0" lvl="0" marL="0" rtl="0" algn="l">
-              <a:spcBef>
-                <a:spcPts val="1200"/>
-              </a:spcBef>
-              <a:spcAft>
-                <a:spcPts val="0"/>
-              </a:spcAft>
-              <a:buNone/>
-            </a:pPr>
-            <a:r>
-              <a:rPr lang="en"/>
-              <a:t>Criteria to choose focus by can be</a:t>
+              <a:t>Review research ethics and implications</a:t>
             </a:r>
             <a:endParaRPr/>
           </a:p>
           <a:p>
             <a:pPr indent="-342900" lvl="0" marL="457200" rtl="0" algn="l">
               <a:spcBef>
-                <a:spcPts val="1200"/>
+                <a:spcPts val="0"/>
               </a:spcBef>
               <a:spcAft>
                 <a:spcPts val="0"/>
@@ -15933,7 +16198,7 @@
             </a:pPr>
             <a:r>
               <a:rPr lang="en"/>
-              <a:t>Strategic: Immaturity of theory aspect chosen</a:t>
+              <a:t>Document expected effects on human subjects</a:t>
             </a:r>
             <a:endParaRPr/>
           </a:p>
@@ -15950,30 +16215,14 @@
             </a:pPr>
             <a:r>
               <a:rPr lang="en"/>
-              <a:t>Pragmatic: Aspect readily available in project</a:t>
-            </a:r>
-            <a:endParaRPr/>
-          </a:p>
-          <a:p>
-            <a:pPr indent="0" lvl="0" marL="0" rtl="0" algn="l">
-              <a:spcBef>
-                <a:spcPts val="1200"/>
-              </a:spcBef>
-              <a:spcAft>
-                <a:spcPts val="0"/>
-              </a:spcAft>
-              <a:buNone/>
-            </a:pPr>
-            <a:r>
-              <a:rPr lang="en"/>
-              <a:t>Action research prefers pragmatic choices</a:t>
+              <a:t>Devise strategies for protecting human subjects</a:t>
             </a:r>
             <a:endParaRPr/>
           </a:p>
           <a:p>
             <a:pPr indent="-342900" lvl="0" marL="457200" rtl="0" algn="l">
               <a:spcBef>
-                <a:spcPts val="1200"/>
+                <a:spcPts val="0"/>
               </a:spcBef>
               <a:spcAft>
                 <a:spcPts val="0"/>
@@ -15983,15 +16232,23 @@
             </a:pPr>
             <a:r>
               <a:rPr lang="en"/>
-              <a:t>Because it is about helping </a:t>
-            </a:r>
-            <a:r>
-              <a:rPr lang="en"/>
-              <a:t>practitioners</a:t>
-            </a:r>
-            <a:r>
-              <a:rPr lang="en"/>
-              <a:t> </a:t>
+              <a:t>Acquire and document ethics board approval</a:t>
+            </a:r>
+            <a:endParaRPr/>
+          </a:p>
+          <a:p>
+            <a:pPr indent="0" lvl="0" marL="0" rtl="0" algn="l">
+              <a:spcBef>
+                <a:spcPts val="1200"/>
+              </a:spcBef>
+              <a:spcAft>
+                <a:spcPts val="1200"/>
+              </a:spcAft>
+              <a:buNone/>
+            </a:pPr>
+            <a:r>
+              <a:rPr lang="en"/>
+              <a:t>Include this additional information in research protocol</a:t>
             </a:r>
             <a:endParaRPr/>
           </a:p>
@@ -15999,7 +16256,7 @@
       </p:sp>
       <p:sp>
         <p:nvSpPr>
-          <p:cNvPr id="247" name="Google Shape;247;p38"/>
+          <p:cNvPr id="248" name="Google Shape;248;p38"/>
           <p:cNvSpPr txBox="1"/>
           <p:nvPr>
             <p:ph idx="12" type="sldNum"/>
@@ -16083,7 +16340,7 @@
   <p:cSld>
     <p:spTree>
       <p:nvGrpSpPr>
-        <p:cNvPr id="251" name="Shape 251"/>
+        <p:cNvPr id="252" name="Shape 252"/>
         <p:cNvGrpSpPr/>
         <p:nvPr/>
       </p:nvGrpSpPr>
@@ -16097,7 +16354,7 @@
       </p:grpSpPr>
       <p:sp>
         <p:nvSpPr>
-          <p:cNvPr id="252" name="Google Shape;252;p39"/>
+          <p:cNvPr id="253" name="Google Shape;253;p39"/>
           <p:cNvSpPr txBox="1"/>
           <p:nvPr>
             <p:ph type="title"/>
@@ -16105,176 +16362,31 @@
         </p:nvSpPr>
         <p:spPr>
           <a:xfrm>
-            <a:off x="0" y="0"/>
-            <a:ext cx="9144000" cy="685800"/>
+            <a:off x="0" y="-7"/>
+            <a:ext cx="9144000" cy="2386500"/>
           </a:xfrm>
           <a:prstGeom prst="rect">
             <a:avLst/>
           </a:prstGeom>
         </p:spPr>
         <p:txBody>
-          <a:bodyPr anchorCtr="0" anchor="ctr" bIns="91425" lIns="274300" spcFirstLastPara="1" rIns="91425" wrap="square" tIns="91425">
+          <a:bodyPr anchorCtr="0" anchor="b" bIns="274300" lIns="91425" spcFirstLastPara="1" rIns="91425" wrap="square" tIns="91425">
             <a:noAutofit/>
           </a:bodyPr>
           <a:lstStyle/>
           <a:p>
-            <a:pPr indent="0" lvl="0" marL="0" rtl="0" algn="l">
-              <a:spcBef>
-                <a:spcPts val="0"/>
-              </a:spcBef>
-              <a:spcAft>
-                <a:spcPts val="0"/>
-              </a:spcAft>
-              <a:buNone/>
-            </a:pPr>
-            <a:r>
-              <a:rPr lang="en"/>
-              <a:t>Example of Choosing Focus 1 / 2</a:t>
-            </a:r>
-            <a:endParaRPr/>
-          </a:p>
-        </p:txBody>
-      </p:sp>
-      <p:sp>
-        <p:nvSpPr>
-          <p:cNvPr id="253" name="Google Shape;253;p39"/>
-          <p:cNvSpPr txBox="1"/>
-          <p:nvPr>
-            <p:ph idx="12" type="sldNum"/>
-          </p:nvPr>
-        </p:nvSpPr>
-        <p:spPr>
-          <a:xfrm>
-            <a:off x="7315202" y="4416550"/>
-            <a:ext cx="1828800" cy="731400"/>
-          </a:xfrm>
-          <a:prstGeom prst="rect">
-            <a:avLst/>
-          </a:prstGeom>
-        </p:spPr>
-        <p:txBody>
-          <a:bodyPr anchorCtr="0" anchor="b" bIns="91425" lIns="91425" spcFirstLastPara="1" rIns="91425" wrap="square" tIns="91425">
-            <a:noAutofit/>
-          </a:bodyPr>
-          <a:lstStyle/>
-          <a:p>
-            <a:pPr indent="0" lvl="0" marL="0" rtl="0" algn="r">
-              <a:spcBef>
-                <a:spcPts val="0"/>
-              </a:spcBef>
-              <a:spcAft>
-                <a:spcPts val="0"/>
-              </a:spcAft>
-              <a:buNone/>
-            </a:pPr>
-            <a:fld id="{00000000-1234-1234-1234-123412341234}" type="slidenum">
-              <a:rPr lang="en"/>
-              <a:t>‹#›</a:t>
-            </a:fld>
-            <a:endParaRPr/>
-          </a:p>
-          <a:p>
-            <a:pPr indent="0" lvl="0" marL="0" rtl="0" algn="r">
-              <a:spcBef>
-                <a:spcPts val="0"/>
-              </a:spcBef>
-              <a:spcAft>
-                <a:spcPts val="0"/>
-              </a:spcAft>
-              <a:buNone/>
-            </a:pPr>
-            <a:r>
-              <a:rPr b="0" lang="en" sz="900" u="sng">
-                <a:solidFill>
-                  <a:schemeClr val="hlink"/>
-                </a:solidFill>
-                <a:hlinkClick r:id="rId3"/>
-              </a:rPr>
-              <a:t>https://profriehle.com</a:t>
-            </a:r>
-            <a:r>
-              <a:rPr b="0" lang="en" sz="900">
-                <a:solidFill>
-                  <a:schemeClr val="dk2"/>
-                </a:solidFill>
-              </a:rPr>
-              <a:t> </a:t>
-            </a:r>
-            <a:endParaRPr b="0" sz="900">
-              <a:solidFill>
-                <a:schemeClr val="dk2"/>
-              </a:solidFill>
-            </a:endParaRPr>
-          </a:p>
-        </p:txBody>
-      </p:sp>
-      <p:sp>
-        <p:nvSpPr>
-          <p:cNvPr id="254" name="Google Shape;254;p39"/>
-          <p:cNvSpPr txBox="1"/>
-          <p:nvPr>
-            <p:ph idx="1" type="body"/>
-          </p:nvPr>
-        </p:nvSpPr>
-        <p:spPr>
-          <a:xfrm>
-            <a:off x="274325" y="914400"/>
-            <a:ext cx="8595300" cy="685800"/>
-          </a:xfrm>
-          <a:prstGeom prst="rect">
-            <a:avLst/>
-          </a:prstGeom>
-        </p:spPr>
-        <p:txBody>
-          <a:bodyPr anchorCtr="0" anchor="t" bIns="0" lIns="0" spcFirstLastPara="1" rIns="0" wrap="square" tIns="0">
-            <a:noAutofit/>
-          </a:bodyPr>
-          <a:lstStyle/>
-          <a:p>
-            <a:pPr indent="0" lvl="0" marL="0" rtl="0" algn="l">
-              <a:spcBef>
-                <a:spcPts val="0"/>
-              </a:spcBef>
-              <a:spcAft>
-                <a:spcPts val="0"/>
-              </a:spcAft>
-              <a:buNone/>
-            </a:pPr>
-            <a:r>
-              <a:rPr lang="en"/>
-              <a:t>We decided early to focus on the component approval process</a:t>
-            </a:r>
-            <a:endParaRPr/>
-          </a:p>
-          <a:p>
-            <a:pPr indent="-342900" lvl="0" marL="457200" rtl="0" algn="l">
-              <a:spcBef>
-                <a:spcPts val="1200"/>
-              </a:spcBef>
-              <a:spcAft>
-                <a:spcPts val="0"/>
-              </a:spcAft>
-              <a:buSzPts val="1800"/>
-              <a:buChar char="●"/>
-            </a:pPr>
-            <a:r>
-              <a:rPr lang="en"/>
-              <a:t>Component approval is a critical process in open source governance</a:t>
-            </a:r>
-            <a:endParaRPr/>
-          </a:p>
-          <a:p>
-            <a:pPr indent="0" lvl="0" marL="0" rtl="0" algn="l">
-              <a:spcBef>
-                <a:spcPts val="1200"/>
-              </a:spcBef>
-              <a:spcAft>
-                <a:spcPts val="1200"/>
-              </a:spcAft>
-              <a:buNone/>
-            </a:pPr>
-            <a:r>
-              <a:t/>
+            <a:pPr indent="0" lvl="0" marL="0" rtl="0" algn="ctr">
+              <a:spcBef>
+                <a:spcPts val="0"/>
+              </a:spcBef>
+              <a:spcAft>
+                <a:spcPts val="0"/>
+              </a:spcAft>
+              <a:buNone/>
+            </a:pPr>
+            <a:r>
+              <a:rPr lang="en"/>
+              <a:t>5. The Action-Feedback Loop</a:t>
             </a:r>
             <a:endParaRPr/>
           </a:p>
@@ -16293,7 +16405,7 @@
   <p:cSld>
     <p:spTree>
       <p:nvGrpSpPr>
-        <p:cNvPr id="258" name="Shape 258"/>
+        <p:cNvPr id="257" name="Shape 257"/>
         <p:cNvGrpSpPr/>
         <p:nvPr/>
       </p:nvGrpSpPr>
@@ -16307,7 +16419,7 @@
       </p:grpSpPr>
       <p:sp>
         <p:nvSpPr>
-          <p:cNvPr id="259" name="Google Shape;259;p40"/>
+          <p:cNvPr id="258" name="Google Shape;258;p40"/>
           <p:cNvSpPr txBox="1"/>
           <p:nvPr>
             <p:ph type="title"/>
@@ -16323,7 +16435,7 @@
           </a:prstGeom>
         </p:spPr>
         <p:txBody>
-          <a:bodyPr anchorCtr="0" anchor="ctr" bIns="0" lIns="274300" spcFirstLastPara="1" rIns="0" wrap="square" tIns="0">
+          <a:bodyPr anchorCtr="0" anchor="ctr" bIns="91425" lIns="274300" spcFirstLastPara="1" rIns="91425" wrap="square" tIns="91425">
             <a:noAutofit/>
           </a:bodyPr>
           <a:lstStyle/>
@@ -16339,7 +16451,163 @@
             </a:pPr>
             <a:r>
               <a:rPr lang="en"/>
-              <a:t>Example of Choosing Focus 2 / 2</a:t>
+              <a:t>Choose Focus</a:t>
+            </a:r>
+            <a:endParaRPr/>
+          </a:p>
+        </p:txBody>
+      </p:sp>
+      <p:sp>
+        <p:nvSpPr>
+          <p:cNvPr id="259" name="Google Shape;259;p40"/>
+          <p:cNvSpPr txBox="1"/>
+          <p:nvPr>
+            <p:ph idx="1" type="body"/>
+          </p:nvPr>
+        </p:nvSpPr>
+        <p:spPr>
+          <a:xfrm>
+            <a:off x="274320" y="914400"/>
+            <a:ext cx="8595300" cy="4114800"/>
+          </a:xfrm>
+          <a:prstGeom prst="rect">
+            <a:avLst/>
+          </a:prstGeom>
+        </p:spPr>
+        <p:txBody>
+          <a:bodyPr anchorCtr="0" anchor="t" bIns="0" lIns="0" spcFirstLastPara="1" rIns="0" wrap="square" tIns="0">
+            <a:noAutofit/>
+          </a:bodyPr>
+          <a:lstStyle/>
+          <a:p>
+            <a:pPr indent="0" lvl="0" marL="0" rtl="0" algn="l">
+              <a:spcBef>
+                <a:spcPts val="0"/>
+              </a:spcBef>
+              <a:spcAft>
+                <a:spcPts val="0"/>
+              </a:spcAft>
+              <a:buNone/>
+            </a:pPr>
+            <a:r>
+              <a:rPr lang="en"/>
+              <a:t>During </a:t>
+            </a:r>
+            <a:r>
+              <a:rPr b="1" lang="en"/>
+              <a:t>choosing (focus)</a:t>
+            </a:r>
+            <a:r>
+              <a:rPr lang="en"/>
+              <a:t>, you</a:t>
+            </a:r>
+            <a:endParaRPr/>
+          </a:p>
+          <a:p>
+            <a:pPr indent="-342900" lvl="0" marL="457200" rtl="0" algn="l">
+              <a:spcBef>
+                <a:spcPts val="1200"/>
+              </a:spcBef>
+              <a:spcAft>
+                <a:spcPts val="0"/>
+              </a:spcAft>
+              <a:buSzPts val="1800"/>
+              <a:buChar char="●"/>
+            </a:pPr>
+            <a:r>
+              <a:rPr lang="en"/>
+              <a:t>Choose which aspect of your theory to build out</a:t>
+            </a:r>
+            <a:endParaRPr/>
+          </a:p>
+          <a:p>
+            <a:pPr indent="0" lvl="0" marL="0" rtl="0" algn="l">
+              <a:spcBef>
+                <a:spcPts val="1200"/>
+              </a:spcBef>
+              <a:spcAft>
+                <a:spcPts val="0"/>
+              </a:spcAft>
+              <a:buNone/>
+            </a:pPr>
+            <a:r>
+              <a:rPr lang="en"/>
+              <a:t>Criteria to choose focus by can be</a:t>
+            </a:r>
+            <a:endParaRPr/>
+          </a:p>
+          <a:p>
+            <a:pPr indent="-342900" lvl="0" marL="457200" rtl="0" algn="l">
+              <a:spcBef>
+                <a:spcPts val="1200"/>
+              </a:spcBef>
+              <a:spcAft>
+                <a:spcPts val="0"/>
+              </a:spcAft>
+              <a:buSzPts val="1800"/>
+              <a:buChar char="●"/>
+            </a:pPr>
+            <a:r>
+              <a:rPr lang="en"/>
+              <a:t>Strategic: Immaturity of theory aspect chosen</a:t>
+            </a:r>
+            <a:endParaRPr/>
+          </a:p>
+          <a:p>
+            <a:pPr indent="-342900" lvl="0" marL="457200" rtl="0" algn="l">
+              <a:spcBef>
+                <a:spcPts val="0"/>
+              </a:spcBef>
+              <a:spcAft>
+                <a:spcPts val="0"/>
+              </a:spcAft>
+              <a:buSzPts val="1800"/>
+              <a:buChar char="●"/>
+            </a:pPr>
+            <a:r>
+              <a:rPr lang="en"/>
+              <a:t>Pragmatic: Aspect readily available in project</a:t>
+            </a:r>
+            <a:endParaRPr/>
+          </a:p>
+          <a:p>
+            <a:pPr indent="0" lvl="0" marL="0" rtl="0" algn="l">
+              <a:spcBef>
+                <a:spcPts val="1200"/>
+              </a:spcBef>
+              <a:spcAft>
+                <a:spcPts val="0"/>
+              </a:spcAft>
+              <a:buNone/>
+            </a:pPr>
+            <a:r>
+              <a:rPr lang="en"/>
+              <a:t>Action research prefers pragmatic choices</a:t>
+            </a:r>
+            <a:endParaRPr/>
+          </a:p>
+          <a:p>
+            <a:pPr indent="-342900" lvl="0" marL="457200" rtl="0" algn="l">
+              <a:spcBef>
+                <a:spcPts val="1200"/>
+              </a:spcBef>
+              <a:spcAft>
+                <a:spcPts val="0"/>
+              </a:spcAft>
+              <a:buSzPts val="1800"/>
+              <a:buChar char="●"/>
+            </a:pPr>
+            <a:r>
+              <a:rPr lang="en"/>
+              <a:t>Because it is about helping </a:t>
+            </a:r>
+            <a:r>
+              <a:rPr lang="en"/>
+              <a:t>practitioners</a:t>
+            </a:r>
+            <a:r>
+              <a:rPr lang="en"/>
+              <a:t> </a:t>
             </a:r>
             <a:endParaRPr/>
           </a:p>
@@ -16410,125 +16678,11 @@
               </a:rPr>
               <a:t> </a:t>
             </a:r>
-            <a:endParaRPr>
+            <a:endParaRPr b="0" sz="900">
               <a:solidFill>
                 <a:schemeClr val="dk2"/>
               </a:solidFill>
             </a:endParaRPr>
-          </a:p>
-        </p:txBody>
-      </p:sp>
-      <p:sp>
-        <p:nvSpPr>
-          <p:cNvPr id="261" name="Google Shape;261;p40"/>
-          <p:cNvSpPr txBox="1"/>
-          <p:nvPr>
-            <p:ph idx="1" type="body"/>
-          </p:nvPr>
-        </p:nvSpPr>
-        <p:spPr>
-          <a:xfrm>
-            <a:off x="274320" y="914400"/>
-            <a:ext cx="4114800" cy="4114800"/>
-          </a:xfrm>
-          <a:prstGeom prst="rect">
-            <a:avLst/>
-          </a:prstGeom>
-        </p:spPr>
-        <p:txBody>
-          <a:bodyPr anchorCtr="0" anchor="t" bIns="91425" lIns="0" spcFirstLastPara="1" rIns="91425" wrap="square" tIns="0">
-            <a:noAutofit/>
-          </a:bodyPr>
-          <a:lstStyle/>
-          <a:p>
-            <a:pPr indent="0" lvl="0" marL="0" rtl="0" algn="l">
-              <a:spcBef>
-                <a:spcPts val="0"/>
-              </a:spcBef>
-              <a:spcAft>
-                <a:spcPts val="0"/>
-              </a:spcAft>
-              <a:buNone/>
-            </a:pPr>
-            <a:r>
-              <a:rPr b="1" lang="en"/>
-              <a:t>As participant improving practice</a:t>
-            </a:r>
-            <a:endParaRPr b="1"/>
-          </a:p>
-          <a:p>
-            <a:pPr indent="-342900" lvl="0" marL="457200" rtl="0" algn="l">
-              <a:spcBef>
-                <a:spcPts val="1200"/>
-              </a:spcBef>
-              <a:spcAft>
-                <a:spcPts val="0"/>
-              </a:spcAft>
-              <a:buSzPts val="1800"/>
-              <a:buChar char="●"/>
-            </a:pPr>
-            <a:r>
-              <a:rPr lang="en"/>
-              <a:t>We helped review the situation</a:t>
-            </a:r>
-            <a:endParaRPr/>
-          </a:p>
-        </p:txBody>
-      </p:sp>
-      <p:sp>
-        <p:nvSpPr>
-          <p:cNvPr id="262" name="Google Shape;262;p40"/>
-          <p:cNvSpPr txBox="1"/>
-          <p:nvPr>
-            <p:ph idx="2" type="body"/>
-          </p:nvPr>
-        </p:nvSpPr>
-        <p:spPr>
-          <a:xfrm>
-            <a:off x="4846320" y="914400"/>
-            <a:ext cx="4114800" cy="4114800"/>
-          </a:xfrm>
-          <a:prstGeom prst="rect">
-            <a:avLst/>
-          </a:prstGeom>
-        </p:spPr>
-        <p:txBody>
-          <a:bodyPr anchorCtr="0" anchor="t" bIns="0" lIns="0" spcFirstLastPara="1" rIns="0" wrap="square" tIns="0">
-            <a:noAutofit/>
-          </a:bodyPr>
-          <a:lstStyle/>
-          <a:p>
-            <a:pPr indent="0" lvl="0" marL="0" rtl="0" algn="l">
-              <a:spcBef>
-                <a:spcPts val="0"/>
-              </a:spcBef>
-              <a:spcAft>
-                <a:spcPts val="0"/>
-              </a:spcAft>
-              <a:buNone/>
-            </a:pPr>
-            <a:r>
-              <a:rPr b="1" lang="en"/>
-              <a:t>As researcher performing research</a:t>
-            </a:r>
-            <a:endParaRPr b="1"/>
-          </a:p>
-          <a:p>
-            <a:pPr indent="-342900" lvl="0" marL="457200" rtl="0" algn="l">
-              <a:spcBef>
-                <a:spcPts val="1200"/>
-              </a:spcBef>
-              <a:spcAft>
-                <a:spcPts val="0"/>
-              </a:spcAft>
-              <a:buSzPts val="1800"/>
-              <a:buChar char="●"/>
-            </a:pPr>
-            <a:r>
-              <a:rPr lang="en"/>
-              <a:t>We performed participant observation</a:t>
-            </a:r>
-            <a:endParaRPr/>
           </a:p>
         </p:txBody>
       </p:sp>
@@ -16545,7 +16699,7 @@
   <p:cSld>
     <p:spTree>
       <p:nvGrpSpPr>
-        <p:cNvPr id="266" name="Shape 266"/>
+        <p:cNvPr id="264" name="Shape 264"/>
         <p:cNvGrpSpPr/>
         <p:nvPr/>
       </p:nvGrpSpPr>
@@ -16559,7 +16713,7 @@
       </p:grpSpPr>
       <p:sp>
         <p:nvSpPr>
-          <p:cNvPr id="267" name="Google Shape;267;p41"/>
+          <p:cNvPr id="265" name="Google Shape;265;p41"/>
           <p:cNvSpPr txBox="1"/>
           <p:nvPr>
             <p:ph type="title"/>
@@ -16591,7 +16745,7 @@
             </a:pPr>
             <a:r>
               <a:rPr lang="en"/>
-              <a:t>Plan Action</a:t>
+              <a:t>Example of Choosing Focus 1 / 2</a:t>
             </a:r>
             <a:endParaRPr/>
           </a:p>
@@ -16599,87 +16753,7 @@
       </p:sp>
       <p:sp>
         <p:nvSpPr>
-          <p:cNvPr id="268" name="Google Shape;268;p41"/>
-          <p:cNvSpPr txBox="1"/>
-          <p:nvPr>
-            <p:ph idx="1" type="body"/>
-          </p:nvPr>
-        </p:nvSpPr>
-        <p:spPr>
-          <a:xfrm>
-            <a:off x="274320" y="914400"/>
-            <a:ext cx="8595300" cy="4114800"/>
-          </a:xfrm>
-          <a:prstGeom prst="rect">
-            <a:avLst/>
-          </a:prstGeom>
-        </p:spPr>
-        <p:txBody>
-          <a:bodyPr anchorCtr="0" anchor="t" bIns="0" lIns="0" spcFirstLastPara="1" rIns="0" wrap="square" tIns="0">
-            <a:noAutofit/>
-          </a:bodyPr>
-          <a:lstStyle/>
-          <a:p>
-            <a:pPr indent="0" lvl="0" marL="0" rtl="0" algn="l">
-              <a:spcBef>
-                <a:spcPts val="0"/>
-              </a:spcBef>
-              <a:spcAft>
-                <a:spcPts val="0"/>
-              </a:spcAft>
-              <a:buNone/>
-            </a:pPr>
-            <a:r>
-              <a:rPr lang="en"/>
-              <a:t>During </a:t>
-            </a:r>
-            <a:r>
-              <a:rPr b="1" lang="en"/>
-              <a:t>planning</a:t>
-            </a:r>
-            <a:r>
-              <a:rPr lang="en"/>
-              <a:t>, you</a:t>
-            </a:r>
-            <a:endParaRPr/>
-          </a:p>
-          <a:p>
-            <a:pPr indent="-342900" lvl="0" marL="457200" rtl="0" algn="l">
-              <a:spcBef>
-                <a:spcPts val="1200"/>
-              </a:spcBef>
-              <a:spcAft>
-                <a:spcPts val="0"/>
-              </a:spcAft>
-              <a:buSzPts val="1800"/>
-              <a:buChar char="●"/>
-            </a:pPr>
-            <a:r>
-              <a:rPr lang="en"/>
-              <a:t>Choose an appropriate method to perform the action and investigate its effects</a:t>
-            </a:r>
-            <a:endParaRPr/>
-          </a:p>
-          <a:p>
-            <a:pPr indent="0" lvl="0" marL="0" rtl="0" algn="l">
-              <a:spcBef>
-                <a:spcPts val="1200"/>
-              </a:spcBef>
-              <a:spcAft>
-                <a:spcPts val="1200"/>
-              </a:spcAft>
-              <a:buNone/>
-            </a:pPr>
-            <a:r>
-              <a:t/>
-            </a:r>
-            <a:endParaRPr/>
-          </a:p>
-        </p:txBody>
-      </p:sp>
-      <p:sp>
-        <p:nvSpPr>
-          <p:cNvPr id="269" name="Google Shape;269;p41"/>
+          <p:cNvPr id="266" name="Google Shape;266;p41"/>
           <p:cNvSpPr txBox="1"/>
           <p:nvPr>
             <p:ph idx="12" type="sldNum"/>
@@ -16747,6 +16821,78 @@
                 <a:schemeClr val="dk2"/>
               </a:solidFill>
             </a:endParaRPr>
+          </a:p>
+        </p:txBody>
+      </p:sp>
+      <p:sp>
+        <p:nvSpPr>
+          <p:cNvPr id="267" name="Google Shape;267;p41"/>
+          <p:cNvSpPr txBox="1"/>
+          <p:nvPr>
+            <p:ph idx="1" type="body"/>
+          </p:nvPr>
+        </p:nvSpPr>
+        <p:spPr>
+          <a:xfrm>
+            <a:off x="274325" y="914400"/>
+            <a:ext cx="8595300" cy="685800"/>
+          </a:xfrm>
+          <a:prstGeom prst="rect">
+            <a:avLst/>
+          </a:prstGeom>
+        </p:spPr>
+        <p:txBody>
+          <a:bodyPr anchorCtr="0" anchor="t" bIns="0" lIns="0" spcFirstLastPara="1" rIns="0" wrap="square" tIns="0">
+            <a:noAutofit/>
+          </a:bodyPr>
+          <a:lstStyle/>
+          <a:p>
+            <a:pPr indent="0" lvl="0" marL="0" rtl="0" algn="l">
+              <a:spcBef>
+                <a:spcPts val="0"/>
+              </a:spcBef>
+              <a:spcAft>
+                <a:spcPts val="0"/>
+              </a:spcAft>
+              <a:buNone/>
+            </a:pPr>
+            <a:r>
+              <a:rPr lang="en"/>
+              <a:t>We decided early to focus on the component approval process</a:t>
+            </a:r>
+            <a:endParaRPr/>
+          </a:p>
+          <a:p>
+            <a:pPr indent="-342900" lvl="0" marL="457200" rtl="0" algn="l">
+              <a:spcBef>
+                <a:spcPts val="1200"/>
+              </a:spcBef>
+              <a:spcAft>
+                <a:spcPts val="0"/>
+              </a:spcAft>
+              <a:buSzPts val="1800"/>
+              <a:buChar char="●"/>
+            </a:pPr>
+            <a:r>
+              <a:rPr lang="en"/>
+              <a:t>Component approval is a critical process in open source governance</a:t>
+            </a:r>
+            <a:endParaRPr/>
+          </a:p>
+          <a:p>
+            <a:pPr indent="0" lvl="0" marL="0" rtl="0" algn="l">
+              <a:spcBef>
+                <a:spcPts val="1200"/>
+              </a:spcBef>
+              <a:spcAft>
+                <a:spcPts val="1200"/>
+              </a:spcAft>
+              <a:buNone/>
+            </a:pPr>
+            <a:r>
+              <a:t/>
+            </a:r>
+            <a:endParaRPr/>
           </a:p>
         </p:txBody>
       </p:sp>
@@ -16763,7 +16909,7 @@
   <p:cSld>
     <p:spTree>
       <p:nvGrpSpPr>
-        <p:cNvPr id="273" name="Shape 273"/>
+        <p:cNvPr id="271" name="Shape 271"/>
         <p:cNvGrpSpPr/>
         <p:nvPr/>
       </p:nvGrpSpPr>
@@ -16777,7 +16923,7 @@
       </p:grpSpPr>
       <p:sp>
         <p:nvSpPr>
-          <p:cNvPr id="274" name="Google Shape;274;p42"/>
+          <p:cNvPr id="272" name="Google Shape;272;p42"/>
           <p:cNvSpPr txBox="1"/>
           <p:nvPr>
             <p:ph type="title"/>
@@ -16793,7 +16939,7 @@
           </a:prstGeom>
         </p:spPr>
         <p:txBody>
-          <a:bodyPr anchorCtr="0" anchor="ctr" bIns="91425" lIns="274300" spcFirstLastPara="1" rIns="91425" wrap="square" tIns="91425">
+          <a:bodyPr anchorCtr="0" anchor="ctr" bIns="0" lIns="274300" spcFirstLastPara="1" rIns="0" wrap="square" tIns="0">
             <a:noAutofit/>
           </a:bodyPr>
           <a:lstStyle/>
@@ -16809,7 +16955,7 @@
             </a:pPr>
             <a:r>
               <a:rPr lang="en"/>
-              <a:t>Example of Planning an Action 1 / 2</a:t>
+              <a:t>Example of Choosing Focus 2 / 2</a:t>
             </a:r>
             <a:endParaRPr/>
           </a:p>
@@ -16817,64 +16963,7 @@
       </p:sp>
       <p:sp>
         <p:nvSpPr>
-          <p:cNvPr id="275" name="Google Shape;275;p42"/>
-          <p:cNvSpPr txBox="1"/>
-          <p:nvPr>
-            <p:ph idx="1" type="body"/>
-          </p:nvPr>
-        </p:nvSpPr>
-        <p:spPr>
-          <a:xfrm>
-            <a:off x="274320" y="914400"/>
-            <a:ext cx="8595300" cy="4114800"/>
-          </a:xfrm>
-          <a:prstGeom prst="rect">
-            <a:avLst/>
-          </a:prstGeom>
-        </p:spPr>
-        <p:txBody>
-          <a:bodyPr anchorCtr="0" anchor="t" bIns="0" lIns="0" spcFirstLastPara="1" rIns="0" wrap="square" tIns="0">
-            <a:noAutofit/>
-          </a:bodyPr>
-          <a:lstStyle/>
-          <a:p>
-            <a:pPr indent="0" lvl="0" marL="0" rtl="0" algn="l">
-              <a:spcBef>
-                <a:spcPts val="0"/>
-              </a:spcBef>
-              <a:spcAft>
-                <a:spcPts val="0"/>
-              </a:spcAft>
-              <a:buNone/>
-            </a:pPr>
-            <a:r>
-              <a:rPr lang="en"/>
-              <a:t>We worked with the OSPO to define the component approval process</a:t>
-            </a:r>
-            <a:endParaRPr/>
-          </a:p>
-          <a:p>
-            <a:pPr indent="-342900" lvl="0" marL="457200" rtl="0" algn="l">
-              <a:spcBef>
-                <a:spcPts val="1200"/>
-              </a:spcBef>
-              <a:spcAft>
-                <a:spcPts val="0"/>
-              </a:spcAft>
-              <a:buSzPts val="1800"/>
-              <a:buChar char="●"/>
-            </a:pPr>
-            <a:r>
-              <a:rPr lang="en"/>
-              <a:t>We used the handbook to define a first version of the process</a:t>
-            </a:r>
-            <a:endParaRPr/>
-          </a:p>
-        </p:txBody>
-      </p:sp>
-      <p:sp>
-        <p:nvSpPr>
-          <p:cNvPr id="276" name="Google Shape;276;p42"/>
+          <p:cNvPr id="273" name="Google Shape;273;p42"/>
           <p:cNvSpPr txBox="1"/>
           <p:nvPr>
             <p:ph idx="12" type="sldNum"/>
@@ -16937,11 +17026,125 @@
               </a:rPr>
               <a:t> </a:t>
             </a:r>
-            <a:endParaRPr b="0" sz="900">
+            <a:endParaRPr>
               <a:solidFill>
                 <a:schemeClr val="dk2"/>
               </a:solidFill>
             </a:endParaRPr>
+          </a:p>
+        </p:txBody>
+      </p:sp>
+      <p:sp>
+        <p:nvSpPr>
+          <p:cNvPr id="274" name="Google Shape;274;p42"/>
+          <p:cNvSpPr txBox="1"/>
+          <p:nvPr>
+            <p:ph idx="1" type="body"/>
+          </p:nvPr>
+        </p:nvSpPr>
+        <p:spPr>
+          <a:xfrm>
+            <a:off x="274320" y="914400"/>
+            <a:ext cx="4114800" cy="4114800"/>
+          </a:xfrm>
+          <a:prstGeom prst="rect">
+            <a:avLst/>
+          </a:prstGeom>
+        </p:spPr>
+        <p:txBody>
+          <a:bodyPr anchorCtr="0" anchor="t" bIns="91425" lIns="0" spcFirstLastPara="1" rIns="91425" wrap="square" tIns="0">
+            <a:noAutofit/>
+          </a:bodyPr>
+          <a:lstStyle/>
+          <a:p>
+            <a:pPr indent="0" lvl="0" marL="0" rtl="0" algn="l">
+              <a:spcBef>
+                <a:spcPts val="0"/>
+              </a:spcBef>
+              <a:spcAft>
+                <a:spcPts val="0"/>
+              </a:spcAft>
+              <a:buNone/>
+            </a:pPr>
+            <a:r>
+              <a:rPr b="1" lang="en"/>
+              <a:t>As participant improving practice</a:t>
+            </a:r>
+            <a:endParaRPr b="1"/>
+          </a:p>
+          <a:p>
+            <a:pPr indent="-342900" lvl="0" marL="457200" rtl="0" algn="l">
+              <a:spcBef>
+                <a:spcPts val="1200"/>
+              </a:spcBef>
+              <a:spcAft>
+                <a:spcPts val="0"/>
+              </a:spcAft>
+              <a:buSzPts val="1800"/>
+              <a:buChar char="●"/>
+            </a:pPr>
+            <a:r>
+              <a:rPr lang="en"/>
+              <a:t>We helped review the situation</a:t>
+            </a:r>
+            <a:endParaRPr/>
+          </a:p>
+        </p:txBody>
+      </p:sp>
+      <p:sp>
+        <p:nvSpPr>
+          <p:cNvPr id="275" name="Google Shape;275;p42"/>
+          <p:cNvSpPr txBox="1"/>
+          <p:nvPr>
+            <p:ph idx="2" type="body"/>
+          </p:nvPr>
+        </p:nvSpPr>
+        <p:spPr>
+          <a:xfrm>
+            <a:off x="4846320" y="914400"/>
+            <a:ext cx="4114800" cy="4114800"/>
+          </a:xfrm>
+          <a:prstGeom prst="rect">
+            <a:avLst/>
+          </a:prstGeom>
+        </p:spPr>
+        <p:txBody>
+          <a:bodyPr anchorCtr="0" anchor="t" bIns="0" lIns="0" spcFirstLastPara="1" rIns="0" wrap="square" tIns="0">
+            <a:noAutofit/>
+          </a:bodyPr>
+          <a:lstStyle/>
+          <a:p>
+            <a:pPr indent="0" lvl="0" marL="0" rtl="0" algn="l">
+              <a:spcBef>
+                <a:spcPts val="0"/>
+              </a:spcBef>
+              <a:spcAft>
+                <a:spcPts val="0"/>
+              </a:spcAft>
+              <a:buNone/>
+            </a:pPr>
+            <a:r>
+              <a:rPr b="1" lang="en"/>
+              <a:t>As researcher performing research</a:t>
+            </a:r>
+            <a:endParaRPr b="1"/>
+          </a:p>
+          <a:p>
+            <a:pPr indent="-342900" lvl="0" marL="457200" rtl="0" algn="l">
+              <a:spcBef>
+                <a:spcPts val="1200"/>
+              </a:spcBef>
+              <a:spcAft>
+                <a:spcPts val="0"/>
+              </a:spcAft>
+              <a:buSzPts val="1800"/>
+              <a:buChar char="●"/>
+            </a:pPr>
+            <a:r>
+              <a:rPr lang="en"/>
+              <a:t>We performed participant observation</a:t>
+            </a:r>
+            <a:endParaRPr/>
           </a:p>
         </p:txBody>
       </p:sp>
@@ -16958,7 +17161,7 @@
   <p:cSld>
     <p:spTree>
       <p:nvGrpSpPr>
-        <p:cNvPr id="280" name="Shape 280"/>
+        <p:cNvPr id="279" name="Shape 279"/>
         <p:cNvGrpSpPr/>
         <p:nvPr/>
       </p:nvGrpSpPr>
@@ -16972,7 +17175,7 @@
       </p:grpSpPr>
       <p:sp>
         <p:nvSpPr>
-          <p:cNvPr id="281" name="Google Shape;281;p43"/>
+          <p:cNvPr id="280" name="Google Shape;280;p43"/>
           <p:cNvSpPr txBox="1"/>
           <p:nvPr>
             <p:ph type="title"/>
@@ -16988,7 +17191,7 @@
           </a:prstGeom>
         </p:spPr>
         <p:txBody>
-          <a:bodyPr anchorCtr="0" anchor="ctr" bIns="0" lIns="274300" spcFirstLastPara="1" rIns="0" wrap="square" tIns="0">
+          <a:bodyPr anchorCtr="0" anchor="ctr" bIns="91425" lIns="274300" spcFirstLastPara="1" rIns="91425" wrap="square" tIns="91425">
             <a:noAutofit/>
           </a:bodyPr>
           <a:lstStyle/>
@@ -17004,7 +17207,87 @@
             </a:pPr>
             <a:r>
               <a:rPr lang="en"/>
-              <a:t>Example of Planning an Action 2 / 2</a:t>
+              <a:t>Plan Action</a:t>
+            </a:r>
+            <a:endParaRPr/>
+          </a:p>
+        </p:txBody>
+      </p:sp>
+      <p:sp>
+        <p:nvSpPr>
+          <p:cNvPr id="281" name="Google Shape;281;p43"/>
+          <p:cNvSpPr txBox="1"/>
+          <p:nvPr>
+            <p:ph idx="1" type="body"/>
+          </p:nvPr>
+        </p:nvSpPr>
+        <p:spPr>
+          <a:xfrm>
+            <a:off x="274320" y="914400"/>
+            <a:ext cx="8595300" cy="4114800"/>
+          </a:xfrm>
+          <a:prstGeom prst="rect">
+            <a:avLst/>
+          </a:prstGeom>
+        </p:spPr>
+        <p:txBody>
+          <a:bodyPr anchorCtr="0" anchor="t" bIns="0" lIns="0" spcFirstLastPara="1" rIns="0" wrap="square" tIns="0">
+            <a:noAutofit/>
+          </a:bodyPr>
+          <a:lstStyle/>
+          <a:p>
+            <a:pPr indent="0" lvl="0" marL="0" rtl="0" algn="l">
+              <a:spcBef>
+                <a:spcPts val="0"/>
+              </a:spcBef>
+              <a:spcAft>
+                <a:spcPts val="0"/>
+              </a:spcAft>
+              <a:buNone/>
+            </a:pPr>
+            <a:r>
+              <a:rPr lang="en"/>
+              <a:t>During </a:t>
+            </a:r>
+            <a:r>
+              <a:rPr b="1" lang="en"/>
+              <a:t>planning</a:t>
+            </a:r>
+            <a:r>
+              <a:rPr lang="en"/>
+              <a:t>, you</a:t>
+            </a:r>
+            <a:endParaRPr/>
+          </a:p>
+          <a:p>
+            <a:pPr indent="-342900" lvl="0" marL="457200" rtl="0" algn="l">
+              <a:spcBef>
+                <a:spcPts val="1200"/>
+              </a:spcBef>
+              <a:spcAft>
+                <a:spcPts val="0"/>
+              </a:spcAft>
+              <a:buSzPts val="1800"/>
+              <a:buChar char="●"/>
+            </a:pPr>
+            <a:r>
+              <a:rPr lang="en"/>
+              <a:t>Choose an appropriate method to perform the action and investigate its effects</a:t>
+            </a:r>
+            <a:endParaRPr/>
+          </a:p>
+          <a:p>
+            <a:pPr indent="0" lvl="0" marL="0" rtl="0" algn="l">
+              <a:spcBef>
+                <a:spcPts val="1200"/>
+              </a:spcBef>
+              <a:spcAft>
+                <a:spcPts val="1200"/>
+              </a:spcAft>
+              <a:buNone/>
+            </a:pPr>
+            <a:r>
+              <a:t/>
             </a:r>
             <a:endParaRPr/>
           </a:p>
@@ -17075,125 +17358,11 @@
               </a:rPr>
               <a:t> </a:t>
             </a:r>
-            <a:endParaRPr>
+            <a:endParaRPr b="0" sz="900">
               <a:solidFill>
                 <a:schemeClr val="dk2"/>
               </a:solidFill>
             </a:endParaRPr>
-          </a:p>
-        </p:txBody>
-      </p:sp>
-      <p:sp>
-        <p:nvSpPr>
-          <p:cNvPr id="283" name="Google Shape;283;p43"/>
-          <p:cNvSpPr txBox="1"/>
-          <p:nvPr>
-            <p:ph idx="2" type="body"/>
-          </p:nvPr>
-        </p:nvSpPr>
-        <p:spPr>
-          <a:xfrm>
-            <a:off x="4846320" y="914400"/>
-            <a:ext cx="4114800" cy="4114800"/>
-          </a:xfrm>
-          <a:prstGeom prst="rect">
-            <a:avLst/>
-          </a:prstGeom>
-        </p:spPr>
-        <p:txBody>
-          <a:bodyPr anchorCtr="0" anchor="t" bIns="0" lIns="0" spcFirstLastPara="1" rIns="0" wrap="square" tIns="0">
-            <a:noAutofit/>
-          </a:bodyPr>
-          <a:lstStyle/>
-          <a:p>
-            <a:pPr indent="0" lvl="0" marL="0" rtl="0" algn="l">
-              <a:spcBef>
-                <a:spcPts val="0"/>
-              </a:spcBef>
-              <a:spcAft>
-                <a:spcPts val="0"/>
-              </a:spcAft>
-              <a:buNone/>
-            </a:pPr>
-            <a:r>
-              <a:rPr b="1" lang="en"/>
-              <a:t>As researcher performing research</a:t>
-            </a:r>
-            <a:endParaRPr b="1"/>
-          </a:p>
-          <a:p>
-            <a:pPr indent="-342900" lvl="0" marL="457200" rtl="0" algn="l">
-              <a:spcBef>
-                <a:spcPts val="1200"/>
-              </a:spcBef>
-              <a:spcAft>
-                <a:spcPts val="0"/>
-              </a:spcAft>
-              <a:buSzPts val="1800"/>
-              <a:buChar char="●"/>
-            </a:pPr>
-            <a:r>
-              <a:rPr lang="en"/>
-              <a:t>We continued participant observation</a:t>
-            </a:r>
-            <a:endParaRPr/>
-          </a:p>
-        </p:txBody>
-      </p:sp>
-      <p:sp>
-        <p:nvSpPr>
-          <p:cNvPr id="284" name="Google Shape;284;p43"/>
-          <p:cNvSpPr txBox="1"/>
-          <p:nvPr>
-            <p:ph idx="1" type="body"/>
-          </p:nvPr>
-        </p:nvSpPr>
-        <p:spPr>
-          <a:xfrm>
-            <a:off x="274320" y="914400"/>
-            <a:ext cx="4114800" cy="4114800"/>
-          </a:xfrm>
-          <a:prstGeom prst="rect">
-            <a:avLst/>
-          </a:prstGeom>
-        </p:spPr>
-        <p:txBody>
-          <a:bodyPr anchorCtr="0" anchor="t" bIns="91425" lIns="0" spcFirstLastPara="1" rIns="91425" wrap="square" tIns="0">
-            <a:noAutofit/>
-          </a:bodyPr>
-          <a:lstStyle/>
-          <a:p>
-            <a:pPr indent="0" lvl="0" marL="0" rtl="0" algn="l">
-              <a:spcBef>
-                <a:spcPts val="0"/>
-              </a:spcBef>
-              <a:spcAft>
-                <a:spcPts val="0"/>
-              </a:spcAft>
-              <a:buNone/>
-            </a:pPr>
-            <a:r>
-              <a:rPr b="1" lang="en"/>
-              <a:t>As participant improving practice</a:t>
-            </a:r>
-            <a:endParaRPr b="1"/>
-          </a:p>
-          <a:p>
-            <a:pPr indent="-342900" lvl="0" marL="457200" rtl="0" algn="l">
-              <a:spcBef>
-                <a:spcPts val="1200"/>
-              </a:spcBef>
-              <a:spcAft>
-                <a:spcPts val="0"/>
-              </a:spcAft>
-              <a:buSzPts val="1800"/>
-              <a:buChar char="●"/>
-            </a:pPr>
-            <a:r>
-              <a:rPr lang="en"/>
-              <a:t>We helped define the process</a:t>
-            </a:r>
-            <a:endParaRPr/>
           </a:p>
         </p:txBody>
       </p:sp>
@@ -17210,7 +17379,7 @@
   <p:cSld>
     <p:spTree>
       <p:nvGrpSpPr>
-        <p:cNvPr id="288" name="Shape 288"/>
+        <p:cNvPr id="286" name="Shape 286"/>
         <p:cNvGrpSpPr/>
         <p:nvPr/>
       </p:nvGrpSpPr>
@@ -17224,7 +17393,7 @@
       </p:grpSpPr>
       <p:sp>
         <p:nvSpPr>
-          <p:cNvPr id="289" name="Google Shape;289;p44"/>
+          <p:cNvPr id="287" name="Google Shape;287;p44"/>
           <p:cNvSpPr txBox="1"/>
           <p:nvPr>
             <p:ph type="title"/>
@@ -17256,7 +17425,7 @@
             </a:pPr>
             <a:r>
               <a:rPr lang="en"/>
-              <a:t>Execute Action</a:t>
+              <a:t>Example of Planning an Action 1 / 2</a:t>
             </a:r>
             <a:endParaRPr/>
           </a:p>
@@ -17264,7 +17433,7 @@
       </p:sp>
       <p:sp>
         <p:nvSpPr>
-          <p:cNvPr id="290" name="Google Shape;290;p44"/>
+          <p:cNvPr id="288" name="Google Shape;288;p44"/>
           <p:cNvSpPr txBox="1"/>
           <p:nvPr>
             <p:ph idx="1" type="body"/>
@@ -17296,15 +17465,7 @@
             </a:pPr>
             <a:r>
               <a:rPr lang="en"/>
-              <a:t>During </a:t>
-            </a:r>
-            <a:r>
-              <a:rPr b="1" lang="en"/>
-              <a:t>execution,</a:t>
-            </a:r>
-            <a:r>
-              <a:rPr lang="en"/>
-              <a:t> you follow your plan and</a:t>
+              <a:t>We worked with the OSPO to define the component approval process</a:t>
             </a:r>
             <a:endParaRPr/>
           </a:p>
@@ -17321,7 +17482,7 @@
             </a:pPr>
             <a:r>
               <a:rPr lang="en"/>
-              <a:t>Participate in the project working on the aspect of choice</a:t>
+              <a:t>We used the handbook to define a first version of the process</a:t>
             </a:r>
             <a:endParaRPr/>
           </a:p>
@@ -17329,7 +17490,7 @@
       </p:sp>
       <p:sp>
         <p:nvSpPr>
-          <p:cNvPr id="291" name="Google Shape;291;p44"/>
+          <p:cNvPr id="289" name="Google Shape;289;p44"/>
           <p:cNvSpPr txBox="1"/>
           <p:nvPr>
             <p:ph idx="12" type="sldNum"/>
@@ -17413,7 +17574,7 @@
   <p:cSld>
     <p:spTree>
       <p:nvGrpSpPr>
-        <p:cNvPr id="295" name="Shape 295"/>
+        <p:cNvPr id="293" name="Shape 293"/>
         <p:cNvGrpSpPr/>
         <p:nvPr/>
       </p:nvGrpSpPr>
@@ -17427,23 +17588,23 @@
       </p:grpSpPr>
       <p:sp>
         <p:nvSpPr>
-          <p:cNvPr id="296" name="Google Shape;296;p45"/>
+          <p:cNvPr id="294" name="Google Shape;294;p45"/>
           <p:cNvSpPr txBox="1"/>
           <p:nvPr>
-            <p:ph idx="1" type="body"/>
-          </p:nvPr>
-        </p:nvSpPr>
-        <p:spPr>
-          <a:xfrm>
-            <a:off x="274320" y="914400"/>
-            <a:ext cx="8595300" cy="4114800"/>
+            <p:ph type="title"/>
+          </p:nvPr>
+        </p:nvSpPr>
+        <p:spPr>
+          <a:xfrm>
+            <a:off x="0" y="0"/>
+            <a:ext cx="9144000" cy="685800"/>
           </a:xfrm>
           <a:prstGeom prst="rect">
             <a:avLst/>
           </a:prstGeom>
         </p:spPr>
         <p:txBody>
-          <a:bodyPr anchorCtr="0" anchor="t" bIns="0" lIns="0" spcFirstLastPara="1" rIns="0" wrap="square" tIns="0">
+          <a:bodyPr anchorCtr="0" anchor="ctr" bIns="0" lIns="274300" spcFirstLastPara="1" rIns="0" wrap="square" tIns="0">
             <a:noAutofit/>
           </a:bodyPr>
           <a:lstStyle/>
@@ -17459,41 +17620,7 @@
             </a:pPr>
             <a:r>
               <a:rPr lang="en"/>
-              <a:t>We helped the first component approval processes along</a:t>
-            </a:r>
-            <a:endParaRPr/>
-          </a:p>
-          <a:p>
-            <a:pPr indent="-342900" lvl="0" marL="457200" rtl="0" algn="l">
-              <a:spcBef>
-                <a:spcPts val="1200"/>
-              </a:spcBef>
-              <a:spcAft>
-                <a:spcPts val="0"/>
-              </a:spcAft>
-              <a:buSzPts val="1800"/>
-              <a:buChar char="●"/>
-            </a:pPr>
-            <a:r>
-              <a:rPr lang="en"/>
-              <a:t>We performed both entry and exit interviews</a:t>
-            </a:r>
-            <a:endParaRPr/>
-          </a:p>
-          <a:p>
-            <a:pPr indent="-342900" lvl="0" marL="457200" rtl="0" algn="l">
-              <a:spcBef>
-                <a:spcPts val="0"/>
-              </a:spcBef>
-              <a:spcAft>
-                <a:spcPts val="0"/>
-              </a:spcAft>
-              <a:buSzPts val="1800"/>
-              <a:buChar char="●"/>
-            </a:pPr>
-            <a:r>
-              <a:rPr lang="en"/>
-              <a:t>We performed participant observation</a:t>
+              <a:t>Example of Planning an Action 2 / 2</a:t>
             </a:r>
             <a:endParaRPr/>
           </a:p>
@@ -17501,47 +17628,7 @@
       </p:sp>
       <p:sp>
         <p:nvSpPr>
-          <p:cNvPr id="297" name="Google Shape;297;p45"/>
-          <p:cNvSpPr txBox="1"/>
-          <p:nvPr>
-            <p:ph type="title"/>
-          </p:nvPr>
-        </p:nvSpPr>
-        <p:spPr>
-          <a:xfrm>
-            <a:off x="0" y="0"/>
-            <a:ext cx="9144000" cy="685800"/>
-          </a:xfrm>
-          <a:prstGeom prst="rect">
-            <a:avLst/>
-          </a:prstGeom>
-        </p:spPr>
-        <p:txBody>
-          <a:bodyPr anchorCtr="0" anchor="ctr" bIns="91425" lIns="274300" spcFirstLastPara="1" rIns="91425" wrap="square" tIns="91425">
-            <a:noAutofit/>
-          </a:bodyPr>
-          <a:lstStyle/>
-          <a:p>
-            <a:pPr indent="0" lvl="0" marL="0" rtl="0" algn="l">
-              <a:spcBef>
-                <a:spcPts val="0"/>
-              </a:spcBef>
-              <a:spcAft>
-                <a:spcPts val="0"/>
-              </a:spcAft>
-              <a:buNone/>
-            </a:pPr>
-            <a:r>
-              <a:rPr lang="en"/>
-              <a:t>Example of Executing Action 1 / 2</a:t>
-            </a:r>
-            <a:endParaRPr/>
-          </a:p>
-        </p:txBody>
-      </p:sp>
-      <p:sp>
-        <p:nvSpPr>
-          <p:cNvPr id="298" name="Google Shape;298;p45"/>
+          <p:cNvPr id="295" name="Google Shape;295;p45"/>
           <p:cNvSpPr txBox="1"/>
           <p:nvPr>
             <p:ph idx="12" type="sldNum"/>
@@ -17604,11 +17691,125 @@
               </a:rPr>
               <a:t> </a:t>
             </a:r>
-            <a:endParaRPr b="0" sz="900">
+            <a:endParaRPr>
               <a:solidFill>
                 <a:schemeClr val="dk2"/>
               </a:solidFill>
             </a:endParaRPr>
+          </a:p>
+        </p:txBody>
+      </p:sp>
+      <p:sp>
+        <p:nvSpPr>
+          <p:cNvPr id="296" name="Google Shape;296;p45"/>
+          <p:cNvSpPr txBox="1"/>
+          <p:nvPr>
+            <p:ph idx="2" type="body"/>
+          </p:nvPr>
+        </p:nvSpPr>
+        <p:spPr>
+          <a:xfrm>
+            <a:off x="4846320" y="914400"/>
+            <a:ext cx="4114800" cy="4114800"/>
+          </a:xfrm>
+          <a:prstGeom prst="rect">
+            <a:avLst/>
+          </a:prstGeom>
+        </p:spPr>
+        <p:txBody>
+          <a:bodyPr anchorCtr="0" anchor="t" bIns="0" lIns="0" spcFirstLastPara="1" rIns="0" wrap="square" tIns="0">
+            <a:noAutofit/>
+          </a:bodyPr>
+          <a:lstStyle/>
+          <a:p>
+            <a:pPr indent="0" lvl="0" marL="0" rtl="0" algn="l">
+              <a:spcBef>
+                <a:spcPts val="0"/>
+              </a:spcBef>
+              <a:spcAft>
+                <a:spcPts val="0"/>
+              </a:spcAft>
+              <a:buNone/>
+            </a:pPr>
+            <a:r>
+              <a:rPr b="1" lang="en"/>
+              <a:t>As researcher performing research</a:t>
+            </a:r>
+            <a:endParaRPr b="1"/>
+          </a:p>
+          <a:p>
+            <a:pPr indent="-342900" lvl="0" marL="457200" rtl="0" algn="l">
+              <a:spcBef>
+                <a:spcPts val="1200"/>
+              </a:spcBef>
+              <a:spcAft>
+                <a:spcPts val="0"/>
+              </a:spcAft>
+              <a:buSzPts val="1800"/>
+              <a:buChar char="●"/>
+            </a:pPr>
+            <a:r>
+              <a:rPr lang="en"/>
+              <a:t>We continued participant observation</a:t>
+            </a:r>
+            <a:endParaRPr/>
+          </a:p>
+        </p:txBody>
+      </p:sp>
+      <p:sp>
+        <p:nvSpPr>
+          <p:cNvPr id="297" name="Google Shape;297;p45"/>
+          <p:cNvSpPr txBox="1"/>
+          <p:nvPr>
+            <p:ph idx="1" type="body"/>
+          </p:nvPr>
+        </p:nvSpPr>
+        <p:spPr>
+          <a:xfrm>
+            <a:off x="274320" y="914400"/>
+            <a:ext cx="4114800" cy="4114800"/>
+          </a:xfrm>
+          <a:prstGeom prst="rect">
+            <a:avLst/>
+          </a:prstGeom>
+        </p:spPr>
+        <p:txBody>
+          <a:bodyPr anchorCtr="0" anchor="t" bIns="91425" lIns="0" spcFirstLastPara="1" rIns="91425" wrap="square" tIns="0">
+            <a:noAutofit/>
+          </a:bodyPr>
+          <a:lstStyle/>
+          <a:p>
+            <a:pPr indent="0" lvl="0" marL="0" rtl="0" algn="l">
+              <a:spcBef>
+                <a:spcPts val="0"/>
+              </a:spcBef>
+              <a:spcAft>
+                <a:spcPts val="0"/>
+              </a:spcAft>
+              <a:buNone/>
+            </a:pPr>
+            <a:r>
+              <a:rPr b="1" lang="en"/>
+              <a:t>As participant improving practice</a:t>
+            </a:r>
+            <a:endParaRPr b="1"/>
+          </a:p>
+          <a:p>
+            <a:pPr indent="-342900" lvl="0" marL="457200" rtl="0" algn="l">
+              <a:spcBef>
+                <a:spcPts val="1200"/>
+              </a:spcBef>
+              <a:spcAft>
+                <a:spcPts val="0"/>
+              </a:spcAft>
+              <a:buSzPts val="1800"/>
+              <a:buChar char="●"/>
+            </a:pPr>
+            <a:r>
+              <a:rPr lang="en"/>
+              <a:t>We helped define the process</a:t>
+            </a:r>
+            <a:endParaRPr/>
           </a:p>
         </p:txBody>
       </p:sp>
@@ -17625,7 +17826,7 @@
   <p:cSld>
     <p:spTree>
       <p:nvGrpSpPr>
-        <p:cNvPr id="302" name="Shape 302"/>
+        <p:cNvPr id="301" name="Shape 301"/>
         <p:cNvGrpSpPr/>
         <p:nvPr/>
       </p:nvGrpSpPr>
@@ -17639,7 +17840,7 @@
       </p:grpSpPr>
       <p:sp>
         <p:nvSpPr>
-          <p:cNvPr id="303" name="Google Shape;303;p46"/>
+          <p:cNvPr id="302" name="Google Shape;302;p46"/>
           <p:cNvSpPr txBox="1"/>
           <p:nvPr>
             <p:ph type="title"/>
@@ -17655,7 +17856,7 @@
           </a:prstGeom>
         </p:spPr>
         <p:txBody>
-          <a:bodyPr anchorCtr="0" anchor="ctr" bIns="0" lIns="274300" spcFirstLastPara="1" rIns="0" wrap="square" tIns="0">
+          <a:bodyPr anchorCtr="0" anchor="ctr" bIns="91425" lIns="274300" spcFirstLastPara="1" rIns="91425" wrap="square" tIns="91425">
             <a:noAutofit/>
           </a:bodyPr>
           <a:lstStyle/>
@@ -17671,7 +17872,72 @@
             </a:pPr>
             <a:r>
               <a:rPr lang="en"/>
-              <a:t>Example of Executing Action 2 / 2</a:t>
+              <a:t>Execute Action</a:t>
+            </a:r>
+            <a:endParaRPr/>
+          </a:p>
+        </p:txBody>
+      </p:sp>
+      <p:sp>
+        <p:nvSpPr>
+          <p:cNvPr id="303" name="Google Shape;303;p46"/>
+          <p:cNvSpPr txBox="1"/>
+          <p:nvPr>
+            <p:ph idx="1" type="body"/>
+          </p:nvPr>
+        </p:nvSpPr>
+        <p:spPr>
+          <a:xfrm>
+            <a:off x="274320" y="914400"/>
+            <a:ext cx="8595300" cy="4114800"/>
+          </a:xfrm>
+          <a:prstGeom prst="rect">
+            <a:avLst/>
+          </a:prstGeom>
+        </p:spPr>
+        <p:txBody>
+          <a:bodyPr anchorCtr="0" anchor="t" bIns="0" lIns="0" spcFirstLastPara="1" rIns="0" wrap="square" tIns="0">
+            <a:noAutofit/>
+          </a:bodyPr>
+          <a:lstStyle/>
+          <a:p>
+            <a:pPr indent="0" lvl="0" marL="0" rtl="0" algn="l">
+              <a:spcBef>
+                <a:spcPts val="0"/>
+              </a:spcBef>
+              <a:spcAft>
+                <a:spcPts val="0"/>
+              </a:spcAft>
+              <a:buNone/>
+            </a:pPr>
+            <a:r>
+              <a:rPr lang="en"/>
+              <a:t>During </a:t>
+            </a:r>
+            <a:r>
+              <a:rPr b="1" lang="en"/>
+              <a:t>execution,</a:t>
+            </a:r>
+            <a:r>
+              <a:rPr lang="en"/>
+              <a:t> you follow your plan and</a:t>
+            </a:r>
+            <a:endParaRPr/>
+          </a:p>
+          <a:p>
+            <a:pPr indent="-342900" lvl="0" marL="457200" rtl="0" algn="l">
+              <a:spcBef>
+                <a:spcPts val="1200"/>
+              </a:spcBef>
+              <a:spcAft>
+                <a:spcPts val="0"/>
+              </a:spcAft>
+              <a:buSzPts val="1800"/>
+              <a:buChar char="●"/>
+            </a:pPr>
+            <a:r>
+              <a:rPr lang="en"/>
+              <a:t>Participate in the project working on the aspect of choice</a:t>
             </a:r>
             <a:endParaRPr/>
           </a:p>
@@ -17742,179 +18008,11 @@
               </a:rPr>
               <a:t> </a:t>
             </a:r>
-            <a:endParaRPr>
+            <a:endParaRPr b="0" sz="900">
               <a:solidFill>
                 <a:schemeClr val="dk2"/>
               </a:solidFill>
             </a:endParaRPr>
-          </a:p>
-        </p:txBody>
-      </p:sp>
-      <p:sp>
-        <p:nvSpPr>
-          <p:cNvPr id="305" name="Google Shape;305;p46"/>
-          <p:cNvSpPr txBox="1"/>
-          <p:nvPr>
-            <p:ph idx="1" type="body"/>
-          </p:nvPr>
-        </p:nvSpPr>
-        <p:spPr>
-          <a:xfrm>
-            <a:off x="274320" y="914400"/>
-            <a:ext cx="4114800" cy="4114800"/>
-          </a:xfrm>
-          <a:prstGeom prst="rect">
-            <a:avLst/>
-          </a:prstGeom>
-        </p:spPr>
-        <p:txBody>
-          <a:bodyPr anchorCtr="0" anchor="t" bIns="91425" lIns="0" spcFirstLastPara="1" rIns="91425" wrap="square" tIns="0">
-            <a:noAutofit/>
-          </a:bodyPr>
-          <a:lstStyle/>
-          <a:p>
-            <a:pPr indent="0" lvl="0" marL="0" rtl="0" algn="l">
-              <a:spcBef>
-                <a:spcPts val="0"/>
-              </a:spcBef>
-              <a:spcAft>
-                <a:spcPts val="0"/>
-              </a:spcAft>
-              <a:buNone/>
-            </a:pPr>
-            <a:r>
-              <a:rPr b="1" lang="en"/>
-              <a:t>As participant improving practice</a:t>
-            </a:r>
-            <a:endParaRPr b="1"/>
-          </a:p>
-          <a:p>
-            <a:pPr indent="-342900" lvl="0" marL="457200" rtl="0" algn="l">
-              <a:spcBef>
-                <a:spcPts val="1200"/>
-              </a:spcBef>
-              <a:spcAft>
-                <a:spcPts val="0"/>
-              </a:spcAft>
-              <a:buSzPts val="1800"/>
-              <a:buChar char="●"/>
-            </a:pPr>
-            <a:r>
-              <a:rPr lang="en"/>
-              <a:t>We helped the first process instances</a:t>
-            </a:r>
-            <a:endParaRPr/>
-          </a:p>
-        </p:txBody>
-      </p:sp>
-      <p:sp>
-        <p:nvSpPr>
-          <p:cNvPr id="306" name="Google Shape;306;p46"/>
-          <p:cNvSpPr txBox="1"/>
-          <p:nvPr>
-            <p:ph idx="2" type="body"/>
-          </p:nvPr>
-        </p:nvSpPr>
-        <p:spPr>
-          <a:xfrm>
-            <a:off x="4846320" y="914400"/>
-            <a:ext cx="4114800" cy="4114800"/>
-          </a:xfrm>
-          <a:prstGeom prst="rect">
-            <a:avLst/>
-          </a:prstGeom>
-        </p:spPr>
-        <p:txBody>
-          <a:bodyPr anchorCtr="0" anchor="t" bIns="0" lIns="0" spcFirstLastPara="1" rIns="0" wrap="square" tIns="0">
-            <a:noAutofit/>
-          </a:bodyPr>
-          <a:lstStyle/>
-          <a:p>
-            <a:pPr indent="0" lvl="0" marL="0" rtl="0" algn="l">
-              <a:spcBef>
-                <a:spcPts val="0"/>
-              </a:spcBef>
-              <a:spcAft>
-                <a:spcPts val="0"/>
-              </a:spcAft>
-              <a:buClr>
-                <a:schemeClr val="dk1"/>
-              </a:buClr>
-              <a:buSzPts val="1100"/>
-              <a:buFont typeface="Arial"/>
-              <a:buNone/>
-            </a:pPr>
-            <a:r>
-              <a:rPr b="1" lang="en"/>
-              <a:t>As researcher performing research</a:t>
-            </a:r>
-            <a:endParaRPr b="1"/>
-          </a:p>
-          <a:p>
-            <a:pPr indent="-342900" lvl="0" marL="457200" rtl="0" algn="l">
-              <a:spcBef>
-                <a:spcPts val="1200"/>
-              </a:spcBef>
-              <a:spcAft>
-                <a:spcPts val="0"/>
-              </a:spcAft>
-              <a:buSzPts val="1800"/>
-              <a:buChar char="●"/>
-            </a:pPr>
-            <a:r>
-              <a:rPr lang="en"/>
-              <a:t>We continued participant observation</a:t>
-            </a:r>
-            <a:endParaRPr/>
-          </a:p>
-          <a:p>
-            <a:pPr indent="-342900" lvl="0" marL="457200" rtl="0" algn="l">
-              <a:spcBef>
-                <a:spcPts val="0"/>
-              </a:spcBef>
-              <a:spcAft>
-                <a:spcPts val="0"/>
-              </a:spcAft>
-              <a:buSzPts val="1800"/>
-              <a:buChar char="●"/>
-            </a:pPr>
-            <a:r>
-              <a:rPr lang="en"/>
-              <a:t>We performed entry interviews</a:t>
-            </a:r>
-            <a:endParaRPr/>
-          </a:p>
-          <a:p>
-            <a:pPr indent="-342900" lvl="0" marL="457200" rtl="0" algn="l">
-              <a:spcBef>
-                <a:spcPts val="0"/>
-              </a:spcBef>
-              <a:spcAft>
-                <a:spcPts val="0"/>
-              </a:spcAft>
-              <a:buSzPts val="1800"/>
-              <a:buChar char="●"/>
-            </a:pPr>
-            <a:r>
-              <a:rPr lang="en"/>
-              <a:t>We performed exit interviews</a:t>
-            </a:r>
-            <a:endParaRPr/>
-          </a:p>
-          <a:p>
-            <a:pPr indent="0" lvl="0" marL="0" rtl="0" algn="l">
-              <a:spcBef>
-                <a:spcPts val="1200"/>
-              </a:spcBef>
-              <a:spcAft>
-                <a:spcPts val="1200"/>
-              </a:spcAft>
-              <a:buNone/>
-            </a:pPr>
-            <a:r>
-              <a:t/>
-            </a:r>
-            <a:endParaRPr/>
           </a:p>
         </p:txBody>
       </p:sp>
@@ -18229,7 +18327,7 @@
   <p:cSld>
     <p:spTree>
       <p:nvGrpSpPr>
-        <p:cNvPr id="310" name="Shape 310"/>
+        <p:cNvPr id="308" name="Shape 308"/>
         <p:cNvGrpSpPr/>
         <p:nvPr/>
       </p:nvGrpSpPr>
@@ -18243,7 +18341,81 @@
       </p:grpSpPr>
       <p:sp>
         <p:nvSpPr>
-          <p:cNvPr id="311" name="Google Shape;311;p47"/>
+          <p:cNvPr id="309" name="Google Shape;309;p47"/>
+          <p:cNvSpPr txBox="1"/>
+          <p:nvPr>
+            <p:ph idx="1" type="body"/>
+          </p:nvPr>
+        </p:nvSpPr>
+        <p:spPr>
+          <a:xfrm>
+            <a:off x="274320" y="914400"/>
+            <a:ext cx="8595300" cy="4114800"/>
+          </a:xfrm>
+          <a:prstGeom prst="rect">
+            <a:avLst/>
+          </a:prstGeom>
+        </p:spPr>
+        <p:txBody>
+          <a:bodyPr anchorCtr="0" anchor="t" bIns="0" lIns="0" spcFirstLastPara="1" rIns="0" wrap="square" tIns="0">
+            <a:noAutofit/>
+          </a:bodyPr>
+          <a:lstStyle/>
+          <a:p>
+            <a:pPr indent="0" lvl="0" marL="0" rtl="0" algn="l">
+              <a:spcBef>
+                <a:spcPts val="0"/>
+              </a:spcBef>
+              <a:spcAft>
+                <a:spcPts val="0"/>
+              </a:spcAft>
+              <a:buNone/>
+            </a:pPr>
+            <a:r>
+              <a:rPr lang="en"/>
+              <a:t>We helped the first component approval processes along</a:t>
+            </a:r>
+            <a:endParaRPr/>
+          </a:p>
+          <a:p>
+            <a:pPr indent="-342900" lvl="0" marL="457200" rtl="0" algn="l">
+              <a:spcBef>
+                <a:spcPts val="1200"/>
+              </a:spcBef>
+              <a:spcAft>
+                <a:spcPts val="0"/>
+              </a:spcAft>
+              <a:buSzPts val="1800"/>
+              <a:buChar char="●"/>
+            </a:pPr>
+            <a:r>
+              <a:rPr lang="en"/>
+              <a:t>We performed both entry and exit interviews</a:t>
+            </a:r>
+            <a:endParaRPr/>
+          </a:p>
+          <a:p>
+            <a:pPr indent="-342900" lvl="0" marL="457200" rtl="0" algn="l">
+              <a:spcBef>
+                <a:spcPts val="0"/>
+              </a:spcBef>
+              <a:spcAft>
+                <a:spcPts val="0"/>
+              </a:spcAft>
+              <a:buSzPts val="1800"/>
+              <a:buChar char="●"/>
+            </a:pPr>
+            <a:r>
+              <a:rPr lang="en"/>
+              <a:t>We performed participant observation</a:t>
+            </a:r>
+            <a:endParaRPr/>
+          </a:p>
+        </p:txBody>
+      </p:sp>
+      <p:sp>
+        <p:nvSpPr>
+          <p:cNvPr id="310" name="Google Shape;310;p47"/>
           <p:cNvSpPr txBox="1"/>
           <p:nvPr>
             <p:ph type="title"/>
@@ -18275,7 +18447,7 @@
             </a:pPr>
             <a:r>
               <a:rPr lang="en"/>
-              <a:t>Observe Effects</a:t>
+              <a:t>Example of Executing Action 1 / 2</a:t>
             </a:r>
             <a:endParaRPr/>
           </a:p>
@@ -18283,87 +18455,7 @@
       </p:sp>
       <p:sp>
         <p:nvSpPr>
-          <p:cNvPr id="312" name="Google Shape;312;p47"/>
-          <p:cNvSpPr txBox="1"/>
-          <p:nvPr>
-            <p:ph idx="1" type="body"/>
-          </p:nvPr>
-        </p:nvSpPr>
-        <p:spPr>
-          <a:xfrm>
-            <a:off x="274320" y="914400"/>
-            <a:ext cx="8595300" cy="4114800"/>
-          </a:xfrm>
-          <a:prstGeom prst="rect">
-            <a:avLst/>
-          </a:prstGeom>
-        </p:spPr>
-        <p:txBody>
-          <a:bodyPr anchorCtr="0" anchor="t" bIns="0" lIns="0" spcFirstLastPara="1" rIns="0" wrap="square" tIns="0">
-            <a:noAutofit/>
-          </a:bodyPr>
-          <a:lstStyle/>
-          <a:p>
-            <a:pPr indent="0" lvl="0" marL="0" rtl="0" algn="l">
-              <a:spcBef>
-                <a:spcPts val="0"/>
-              </a:spcBef>
-              <a:spcAft>
-                <a:spcPts val="0"/>
-              </a:spcAft>
-              <a:buNone/>
-            </a:pPr>
-            <a:r>
-              <a:rPr lang="en"/>
-              <a:t>During </a:t>
-            </a:r>
-            <a:r>
-              <a:rPr b="1" lang="en"/>
-              <a:t>observation,</a:t>
-            </a:r>
-            <a:r>
-              <a:rPr lang="en"/>
-              <a:t> you continue with your plan and</a:t>
-            </a:r>
-            <a:endParaRPr/>
-          </a:p>
-          <a:p>
-            <a:pPr indent="-342900" lvl="0" marL="457200" rtl="0" algn="l">
-              <a:spcBef>
-                <a:spcPts val="1200"/>
-              </a:spcBef>
-              <a:spcAft>
-                <a:spcPts val="0"/>
-              </a:spcAft>
-              <a:buSzPts val="1800"/>
-              <a:buChar char="●"/>
-            </a:pPr>
-            <a:r>
-              <a:rPr lang="en"/>
-              <a:t>Observe the results of the execution using the methods you chose</a:t>
-            </a:r>
-            <a:endParaRPr/>
-          </a:p>
-          <a:p>
-            <a:pPr indent="0" lvl="0" marL="0" rtl="0" algn="l">
-              <a:spcBef>
-                <a:spcPts val="1200"/>
-              </a:spcBef>
-              <a:spcAft>
-                <a:spcPts val="1200"/>
-              </a:spcAft>
-              <a:buNone/>
-            </a:pPr>
-            <a:r>
-              <a:t/>
-            </a:r>
-            <a:endParaRPr/>
-          </a:p>
-        </p:txBody>
-      </p:sp>
-      <p:sp>
-        <p:nvSpPr>
-          <p:cNvPr id="313" name="Google Shape;313;p47"/>
+          <p:cNvPr id="311" name="Google Shape;311;p47"/>
           <p:cNvSpPr txBox="1"/>
           <p:nvPr>
             <p:ph idx="12" type="sldNum"/>
@@ -18447,7 +18539,7 @@
   <p:cSld>
     <p:spTree>
       <p:nvGrpSpPr>
-        <p:cNvPr id="317" name="Shape 317"/>
+        <p:cNvPr id="315" name="Shape 315"/>
         <p:cNvGrpSpPr/>
         <p:nvPr/>
       </p:nvGrpSpPr>
@@ -18461,7 +18553,7 @@
       </p:grpSpPr>
       <p:sp>
         <p:nvSpPr>
-          <p:cNvPr id="318" name="Google Shape;318;p48"/>
+          <p:cNvPr id="316" name="Google Shape;316;p48"/>
           <p:cNvSpPr txBox="1"/>
           <p:nvPr>
             <p:ph type="title"/>
@@ -18477,7 +18569,7 @@
           </a:prstGeom>
         </p:spPr>
         <p:txBody>
-          <a:bodyPr anchorCtr="0" anchor="ctr" bIns="91425" lIns="274300" spcFirstLastPara="1" rIns="91425" wrap="square" tIns="91425">
+          <a:bodyPr anchorCtr="0" anchor="ctr" bIns="0" lIns="274300" spcFirstLastPara="1" rIns="0" wrap="square" tIns="0">
             <a:noAutofit/>
           </a:bodyPr>
           <a:lstStyle/>
@@ -18493,7 +18585,7 @@
             </a:pPr>
             <a:r>
               <a:rPr lang="en"/>
-              <a:t>Example of Observing Effects 1 / 2</a:t>
+              <a:t>Example of Executing Action 2 / 2</a:t>
             </a:r>
             <a:endParaRPr/>
           </a:p>
@@ -18501,7 +18593,7 @@
       </p:sp>
       <p:sp>
         <p:nvSpPr>
-          <p:cNvPr id="319" name="Google Shape;319;p48"/>
+          <p:cNvPr id="317" name="Google Shape;317;p48"/>
           <p:cNvSpPr txBox="1"/>
           <p:nvPr>
             <p:ph idx="12" type="sldNum"/>
@@ -18564,7 +18656,7 @@
               </a:rPr>
               <a:t> </a:t>
             </a:r>
-            <a:endParaRPr b="0" sz="900">
+            <a:endParaRPr>
               <a:solidFill>
                 <a:schemeClr val="dk2"/>
               </a:solidFill>
@@ -18574,7 +18666,7 @@
       </p:sp>
       <p:sp>
         <p:nvSpPr>
-          <p:cNvPr id="320" name="Google Shape;320;p48"/>
+          <p:cNvPr id="318" name="Google Shape;318;p48"/>
           <p:cNvSpPr txBox="1"/>
           <p:nvPr>
             <p:ph idx="1" type="body"/>
@@ -18583,7 +18675,64 @@
         <p:spPr>
           <a:xfrm>
             <a:off x="274320" y="914400"/>
-            <a:ext cx="8595300" cy="4114800"/>
+            <a:ext cx="4114800" cy="4114800"/>
+          </a:xfrm>
+          <a:prstGeom prst="rect">
+            <a:avLst/>
+          </a:prstGeom>
+        </p:spPr>
+        <p:txBody>
+          <a:bodyPr anchorCtr="0" anchor="t" bIns="91425" lIns="0" spcFirstLastPara="1" rIns="91425" wrap="square" tIns="0">
+            <a:noAutofit/>
+          </a:bodyPr>
+          <a:lstStyle/>
+          <a:p>
+            <a:pPr indent="0" lvl="0" marL="0" rtl="0" algn="l">
+              <a:spcBef>
+                <a:spcPts val="0"/>
+              </a:spcBef>
+              <a:spcAft>
+                <a:spcPts val="0"/>
+              </a:spcAft>
+              <a:buNone/>
+            </a:pPr>
+            <a:r>
+              <a:rPr b="1" lang="en"/>
+              <a:t>As participant improving practice</a:t>
+            </a:r>
+            <a:endParaRPr b="1"/>
+          </a:p>
+          <a:p>
+            <a:pPr indent="-342900" lvl="0" marL="457200" rtl="0" algn="l">
+              <a:spcBef>
+                <a:spcPts val="1200"/>
+              </a:spcBef>
+              <a:spcAft>
+                <a:spcPts val="0"/>
+              </a:spcAft>
+              <a:buSzPts val="1800"/>
+              <a:buChar char="●"/>
+            </a:pPr>
+            <a:r>
+              <a:rPr lang="en"/>
+              <a:t>We helped the first process instances</a:t>
+            </a:r>
+            <a:endParaRPr/>
+          </a:p>
+        </p:txBody>
+      </p:sp>
+      <p:sp>
+        <p:nvSpPr>
+          <p:cNvPr id="319" name="Google Shape;319;p48"/>
+          <p:cNvSpPr txBox="1"/>
+          <p:nvPr>
+            <p:ph idx="2" type="body"/>
+          </p:nvPr>
+        </p:nvSpPr>
+        <p:spPr>
+          <a:xfrm>
+            <a:off x="4846320" y="914400"/>
+            <a:ext cx="4114800" cy="4114800"/>
           </a:xfrm>
           <a:prstGeom prst="rect">
             <a:avLst/>
@@ -18602,13 +18751,18 @@
               <a:spcAft>
                 <a:spcPts val="0"/>
               </a:spcAft>
-              <a:buNone/>
-            </a:pPr>
-            <a:r>
-              <a:rPr lang="en"/>
-              <a:t>After the action, in addition to in-action observations, we reviewed the results</a:t>
-            </a:r>
-            <a:endParaRPr/>
+              <a:buClr>
+                <a:schemeClr val="dk1"/>
+              </a:buClr>
+              <a:buSzPts val="1100"/>
+              <a:buFont typeface="Arial"/>
+              <a:buNone/>
+            </a:pPr>
+            <a:r>
+              <a:rPr b="1" lang="en"/>
+              <a:t>As researcher performing research</a:t>
+            </a:r>
+            <a:endParaRPr b="1"/>
           </a:p>
           <a:p>
             <a:pPr indent="-342900" lvl="0" marL="457200" rtl="0" algn="l">
@@ -18623,7 +18777,7 @@
             </a:pPr>
             <a:r>
               <a:rPr lang="en"/>
-              <a:t>More interviews with the OSPO after a couple of instances had run</a:t>
+              <a:t>We continued participant observation</a:t>
             </a:r>
             <a:endParaRPr/>
           </a:p>
@@ -18640,7 +18794,39 @@
             </a:pPr>
             <a:r>
               <a:rPr lang="en"/>
-              <a:t>Taking note of statistics (duration, complications, results)</a:t>
+              <a:t>We performed entry interviews</a:t>
+            </a:r>
+            <a:endParaRPr/>
+          </a:p>
+          <a:p>
+            <a:pPr indent="-342900" lvl="0" marL="457200" rtl="0" algn="l">
+              <a:spcBef>
+                <a:spcPts val="0"/>
+              </a:spcBef>
+              <a:spcAft>
+                <a:spcPts val="0"/>
+              </a:spcAft>
+              <a:buSzPts val="1800"/>
+              <a:buChar char="●"/>
+            </a:pPr>
+            <a:r>
+              <a:rPr lang="en"/>
+              <a:t>We performed exit interviews</a:t>
+            </a:r>
+            <a:endParaRPr/>
+          </a:p>
+          <a:p>
+            <a:pPr indent="0" lvl="0" marL="0" rtl="0" algn="l">
+              <a:spcBef>
+                <a:spcPts val="1200"/>
+              </a:spcBef>
+              <a:spcAft>
+                <a:spcPts val="1200"/>
+              </a:spcAft>
+              <a:buNone/>
+            </a:pPr>
+            <a:r>
+              <a:t/>
             </a:r>
             <a:endParaRPr/>
           </a:p>
@@ -18659,7 +18845,7 @@
   <p:cSld>
     <p:spTree>
       <p:nvGrpSpPr>
-        <p:cNvPr id="324" name="Shape 324"/>
+        <p:cNvPr id="323" name="Shape 323"/>
         <p:cNvGrpSpPr/>
         <p:nvPr/>
       </p:nvGrpSpPr>
@@ -18673,7 +18859,7 @@
       </p:grpSpPr>
       <p:sp>
         <p:nvSpPr>
-          <p:cNvPr id="325" name="Google Shape;325;p49"/>
+          <p:cNvPr id="324" name="Google Shape;324;p49"/>
           <p:cNvSpPr txBox="1"/>
           <p:nvPr>
             <p:ph type="title"/>
@@ -18689,7 +18875,7 @@
           </a:prstGeom>
         </p:spPr>
         <p:txBody>
-          <a:bodyPr anchorCtr="0" anchor="ctr" bIns="0" lIns="274300" spcFirstLastPara="1" rIns="0" wrap="square" tIns="0">
+          <a:bodyPr anchorCtr="0" anchor="ctr" bIns="91425" lIns="274300" spcFirstLastPara="1" rIns="91425" wrap="square" tIns="91425">
             <a:noAutofit/>
           </a:bodyPr>
           <a:lstStyle/>
@@ -18705,7 +18891,87 @@
             </a:pPr>
             <a:r>
               <a:rPr lang="en"/>
-              <a:t>Example of Observing Effects 2 / 2</a:t>
+              <a:t>Observe Effects</a:t>
+            </a:r>
+            <a:endParaRPr/>
+          </a:p>
+        </p:txBody>
+      </p:sp>
+      <p:sp>
+        <p:nvSpPr>
+          <p:cNvPr id="325" name="Google Shape;325;p49"/>
+          <p:cNvSpPr txBox="1"/>
+          <p:nvPr>
+            <p:ph idx="1" type="body"/>
+          </p:nvPr>
+        </p:nvSpPr>
+        <p:spPr>
+          <a:xfrm>
+            <a:off x="274320" y="914400"/>
+            <a:ext cx="8595300" cy="4114800"/>
+          </a:xfrm>
+          <a:prstGeom prst="rect">
+            <a:avLst/>
+          </a:prstGeom>
+        </p:spPr>
+        <p:txBody>
+          <a:bodyPr anchorCtr="0" anchor="t" bIns="0" lIns="0" spcFirstLastPara="1" rIns="0" wrap="square" tIns="0">
+            <a:noAutofit/>
+          </a:bodyPr>
+          <a:lstStyle/>
+          <a:p>
+            <a:pPr indent="0" lvl="0" marL="0" rtl="0" algn="l">
+              <a:spcBef>
+                <a:spcPts val="0"/>
+              </a:spcBef>
+              <a:spcAft>
+                <a:spcPts val="0"/>
+              </a:spcAft>
+              <a:buNone/>
+            </a:pPr>
+            <a:r>
+              <a:rPr lang="en"/>
+              <a:t>During </a:t>
+            </a:r>
+            <a:r>
+              <a:rPr b="1" lang="en"/>
+              <a:t>observation,</a:t>
+            </a:r>
+            <a:r>
+              <a:rPr lang="en"/>
+              <a:t> you continue with your plan and</a:t>
+            </a:r>
+            <a:endParaRPr/>
+          </a:p>
+          <a:p>
+            <a:pPr indent="-342900" lvl="0" marL="457200" rtl="0" algn="l">
+              <a:spcBef>
+                <a:spcPts val="1200"/>
+              </a:spcBef>
+              <a:spcAft>
+                <a:spcPts val="0"/>
+              </a:spcAft>
+              <a:buSzPts val="1800"/>
+              <a:buChar char="●"/>
+            </a:pPr>
+            <a:r>
+              <a:rPr lang="en"/>
+              <a:t>Observe the results of the execution using the methods you chose</a:t>
+            </a:r>
+            <a:endParaRPr/>
+          </a:p>
+          <a:p>
+            <a:pPr indent="0" lvl="0" marL="0" rtl="0" algn="l">
+              <a:spcBef>
+                <a:spcPts val="1200"/>
+              </a:spcBef>
+              <a:spcAft>
+                <a:spcPts val="1200"/>
+              </a:spcAft>
+              <a:buNone/>
+            </a:pPr>
+            <a:r>
+              <a:t/>
             </a:r>
             <a:endParaRPr/>
           </a:p>
@@ -18776,159 +19042,11 @@
               </a:rPr>
               <a:t> </a:t>
             </a:r>
-            <a:endParaRPr>
+            <a:endParaRPr b="0" sz="900">
               <a:solidFill>
                 <a:schemeClr val="dk2"/>
               </a:solidFill>
             </a:endParaRPr>
-          </a:p>
-        </p:txBody>
-      </p:sp>
-      <p:sp>
-        <p:nvSpPr>
-          <p:cNvPr id="327" name="Google Shape;327;p49"/>
-          <p:cNvSpPr txBox="1"/>
-          <p:nvPr>
-            <p:ph idx="1" type="body"/>
-          </p:nvPr>
-        </p:nvSpPr>
-        <p:spPr>
-          <a:xfrm>
-            <a:off x="274320" y="914400"/>
-            <a:ext cx="4114800" cy="4114800"/>
-          </a:xfrm>
-          <a:prstGeom prst="rect">
-            <a:avLst/>
-          </a:prstGeom>
-        </p:spPr>
-        <p:txBody>
-          <a:bodyPr anchorCtr="0" anchor="t" bIns="91425" lIns="0" spcFirstLastPara="1" rIns="91425" wrap="square" tIns="0">
-            <a:noAutofit/>
-          </a:bodyPr>
-          <a:lstStyle/>
-          <a:p>
-            <a:pPr indent="0" lvl="0" marL="0" rtl="0" algn="l">
-              <a:spcBef>
-                <a:spcPts val="0"/>
-              </a:spcBef>
-              <a:spcAft>
-                <a:spcPts val="0"/>
-              </a:spcAft>
-              <a:buNone/>
-            </a:pPr>
-            <a:r>
-              <a:rPr lang="en"/>
-              <a:t>As participant improving practice</a:t>
-            </a:r>
-            <a:endParaRPr/>
-          </a:p>
-          <a:p>
-            <a:pPr indent="-342900" lvl="0" marL="457200" rtl="0" algn="l">
-              <a:spcBef>
-                <a:spcPts val="1200"/>
-              </a:spcBef>
-              <a:spcAft>
-                <a:spcPts val="0"/>
-              </a:spcAft>
-              <a:buSzPts val="1800"/>
-              <a:buChar char="●"/>
-            </a:pPr>
-            <a:r>
-              <a:rPr lang="en"/>
-              <a:t>None</a:t>
-            </a:r>
-            <a:endParaRPr/>
-          </a:p>
-        </p:txBody>
-      </p:sp>
-      <p:sp>
-        <p:nvSpPr>
-          <p:cNvPr id="328" name="Google Shape;328;p49"/>
-          <p:cNvSpPr txBox="1"/>
-          <p:nvPr>
-            <p:ph idx="2" type="body"/>
-          </p:nvPr>
-        </p:nvSpPr>
-        <p:spPr>
-          <a:xfrm>
-            <a:off x="4846320" y="914400"/>
-            <a:ext cx="4114800" cy="4114800"/>
-          </a:xfrm>
-          <a:prstGeom prst="rect">
-            <a:avLst/>
-          </a:prstGeom>
-        </p:spPr>
-        <p:txBody>
-          <a:bodyPr anchorCtr="0" anchor="t" bIns="0" lIns="0" spcFirstLastPara="1" rIns="0" wrap="square" tIns="0">
-            <a:noAutofit/>
-          </a:bodyPr>
-          <a:lstStyle/>
-          <a:p>
-            <a:pPr indent="0" lvl="0" marL="0" rtl="0" algn="l">
-              <a:spcBef>
-                <a:spcPts val="0"/>
-              </a:spcBef>
-              <a:spcAft>
-                <a:spcPts val="0"/>
-              </a:spcAft>
-              <a:buNone/>
-            </a:pPr>
-            <a:r>
-              <a:rPr lang="en"/>
-              <a:t>As researcher performing research</a:t>
-            </a:r>
-            <a:endParaRPr/>
-          </a:p>
-          <a:p>
-            <a:pPr indent="-342900" lvl="0" marL="457200" rtl="0" algn="l">
-              <a:spcBef>
-                <a:spcPts val="1200"/>
-              </a:spcBef>
-              <a:spcAft>
-                <a:spcPts val="0"/>
-              </a:spcAft>
-              <a:buSzPts val="1800"/>
-              <a:buChar char="●"/>
-            </a:pPr>
-            <a:r>
-              <a:rPr lang="en"/>
-              <a:t>Continued participant observation</a:t>
-            </a:r>
-            <a:endParaRPr/>
-          </a:p>
-          <a:p>
-            <a:pPr indent="-342900" lvl="0" marL="457200" rtl="0" algn="l">
-              <a:spcBef>
-                <a:spcPts val="0"/>
-              </a:spcBef>
-              <a:spcAft>
-                <a:spcPts val="0"/>
-              </a:spcAft>
-              <a:buSzPts val="1800"/>
-              <a:buChar char="●"/>
-            </a:pPr>
-            <a:r>
-              <a:rPr lang="en"/>
-              <a:t>Conducted additional interviews</a:t>
-            </a:r>
-            <a:endParaRPr/>
-          </a:p>
-          <a:p>
-            <a:pPr indent="-342900" lvl="0" marL="457200" rtl="0" algn="l">
-              <a:spcBef>
-                <a:spcPts val="0"/>
-              </a:spcBef>
-              <a:spcAft>
-                <a:spcPts val="0"/>
-              </a:spcAft>
-              <a:buSzPts val="1800"/>
-              <a:buChar char="●"/>
-            </a:pPr>
-            <a:r>
-              <a:rPr lang="en"/>
-              <a:t>Took notes of emerging statistics</a:t>
-            </a:r>
-            <a:endParaRPr/>
           </a:p>
         </p:txBody>
       </p:sp>
@@ -18945,7 +19063,7 @@
   <p:cSld>
     <p:spTree>
       <p:nvGrpSpPr>
-        <p:cNvPr id="332" name="Shape 332"/>
+        <p:cNvPr id="330" name="Shape 330"/>
         <p:cNvGrpSpPr/>
         <p:nvPr/>
       </p:nvGrpSpPr>
@@ -18959,7 +19077,7 @@
       </p:grpSpPr>
       <p:sp>
         <p:nvSpPr>
-          <p:cNvPr id="333" name="Google Shape;333;p50"/>
+          <p:cNvPr id="331" name="Google Shape;331;p50"/>
           <p:cNvSpPr txBox="1"/>
           <p:nvPr>
             <p:ph type="title"/>
@@ -18991,7 +19109,7 @@
             </a:pPr>
             <a:r>
               <a:rPr lang="en"/>
-              <a:t>Learn from Observations</a:t>
+              <a:t>Example of Observing Effects 1 / 2</a:t>
             </a:r>
             <a:endParaRPr/>
           </a:p>
@@ -18999,72 +19117,7 @@
       </p:sp>
       <p:sp>
         <p:nvSpPr>
-          <p:cNvPr id="334" name="Google Shape;334;p50"/>
-          <p:cNvSpPr txBox="1"/>
-          <p:nvPr>
-            <p:ph idx="1" type="body"/>
-          </p:nvPr>
-        </p:nvSpPr>
-        <p:spPr>
-          <a:xfrm>
-            <a:off x="274320" y="914400"/>
-            <a:ext cx="8595300" cy="4114800"/>
-          </a:xfrm>
-          <a:prstGeom prst="rect">
-            <a:avLst/>
-          </a:prstGeom>
-        </p:spPr>
-        <p:txBody>
-          <a:bodyPr anchorCtr="0" anchor="t" bIns="0" lIns="0" spcFirstLastPara="1" rIns="0" wrap="square" tIns="0">
-            <a:noAutofit/>
-          </a:bodyPr>
-          <a:lstStyle/>
-          <a:p>
-            <a:pPr indent="0" lvl="0" marL="0" rtl="0" algn="l">
-              <a:spcBef>
-                <a:spcPts val="0"/>
-              </a:spcBef>
-              <a:spcAft>
-                <a:spcPts val="0"/>
-              </a:spcAft>
-              <a:buNone/>
-            </a:pPr>
-            <a:r>
-              <a:rPr lang="en"/>
-              <a:t>During </a:t>
-            </a:r>
-            <a:r>
-              <a:rPr b="1" lang="en"/>
-              <a:t>learning,</a:t>
-            </a:r>
-            <a:r>
-              <a:rPr lang="en"/>
-              <a:t> you </a:t>
-            </a:r>
-            <a:endParaRPr/>
-          </a:p>
-          <a:p>
-            <a:pPr indent="-342900" lvl="0" marL="457200" rtl="0" algn="l">
-              <a:spcBef>
-                <a:spcPts val="1200"/>
-              </a:spcBef>
-              <a:spcAft>
-                <a:spcPts val="0"/>
-              </a:spcAft>
-              <a:buSzPts val="1800"/>
-              <a:buChar char="●"/>
-            </a:pPr>
-            <a:r>
-              <a:rPr lang="en"/>
-              <a:t>Analyse the observed data towards the aspect of interest</a:t>
-            </a:r>
-            <a:endParaRPr/>
-          </a:p>
-        </p:txBody>
-      </p:sp>
-      <p:sp>
-        <p:nvSpPr>
-          <p:cNvPr id="335" name="Google Shape;335;p50"/>
+          <p:cNvPr id="332" name="Google Shape;332;p50"/>
           <p:cNvSpPr txBox="1"/>
           <p:nvPr>
             <p:ph idx="12" type="sldNum"/>
@@ -19132,6 +19185,80 @@
                 <a:schemeClr val="dk2"/>
               </a:solidFill>
             </a:endParaRPr>
+          </a:p>
+        </p:txBody>
+      </p:sp>
+      <p:sp>
+        <p:nvSpPr>
+          <p:cNvPr id="333" name="Google Shape;333;p50"/>
+          <p:cNvSpPr txBox="1"/>
+          <p:nvPr>
+            <p:ph idx="1" type="body"/>
+          </p:nvPr>
+        </p:nvSpPr>
+        <p:spPr>
+          <a:xfrm>
+            <a:off x="274320" y="914400"/>
+            <a:ext cx="8595300" cy="4114800"/>
+          </a:xfrm>
+          <a:prstGeom prst="rect">
+            <a:avLst/>
+          </a:prstGeom>
+        </p:spPr>
+        <p:txBody>
+          <a:bodyPr anchorCtr="0" anchor="t" bIns="0" lIns="0" spcFirstLastPara="1" rIns="0" wrap="square" tIns="0">
+            <a:noAutofit/>
+          </a:bodyPr>
+          <a:lstStyle/>
+          <a:p>
+            <a:pPr indent="0" lvl="0" marL="0" rtl="0" algn="l">
+              <a:spcBef>
+                <a:spcPts val="0"/>
+              </a:spcBef>
+              <a:spcAft>
+                <a:spcPts val="0"/>
+              </a:spcAft>
+              <a:buNone/>
+            </a:pPr>
+            <a:r>
+              <a:rPr lang="en"/>
+              <a:t>After the action, in addition to in-action observations, we reviewed the results</a:t>
+            </a:r>
+            <a:endParaRPr/>
+          </a:p>
+          <a:p>
+            <a:pPr indent="-342900" lvl="0" marL="457200" rtl="0" algn="l">
+              <a:spcBef>
+                <a:spcPts val="1200"/>
+              </a:spcBef>
+              <a:spcAft>
+                <a:spcPts val="0"/>
+              </a:spcAft>
+              <a:buSzPts val="1800"/>
+              <a:buChar char="●"/>
+            </a:pPr>
+            <a:r>
+              <a:rPr lang="en"/>
+              <a:t>More interviews with the OSPO after a couple of instances had run</a:t>
+            </a:r>
+            <a:endParaRPr/>
+          </a:p>
+          <a:p>
+            <a:pPr indent="-342900" lvl="0" marL="457200" rtl="0" algn="l">
+              <a:spcBef>
+                <a:spcPts val="0"/>
+              </a:spcBef>
+              <a:spcAft>
+                <a:spcPts val="0"/>
+              </a:spcAft>
+              <a:buSzPts val="1800"/>
+              <a:buChar char="●"/>
+            </a:pPr>
+            <a:r>
+              <a:rPr lang="en"/>
+              <a:t>Taking note of statistics (duration, complications, results)</a:t>
+            </a:r>
+            <a:endParaRPr/>
           </a:p>
         </p:txBody>
       </p:sp>
@@ -19148,7 +19275,7 @@
   <p:cSld>
     <p:spTree>
       <p:nvGrpSpPr>
-        <p:cNvPr id="339" name="Shape 339"/>
+        <p:cNvPr id="337" name="Shape 337"/>
         <p:cNvGrpSpPr/>
         <p:nvPr/>
       </p:nvGrpSpPr>
@@ -19162,7 +19289,7 @@
       </p:grpSpPr>
       <p:sp>
         <p:nvSpPr>
-          <p:cNvPr id="340" name="Google Shape;340;p51"/>
+          <p:cNvPr id="338" name="Google Shape;338;p51"/>
           <p:cNvSpPr txBox="1"/>
           <p:nvPr>
             <p:ph type="title"/>
@@ -19178,7 +19305,7 @@
           </a:prstGeom>
         </p:spPr>
         <p:txBody>
-          <a:bodyPr anchorCtr="0" anchor="ctr" bIns="91425" lIns="274300" spcFirstLastPara="1" rIns="91425" wrap="square" tIns="91425">
+          <a:bodyPr anchorCtr="0" anchor="ctr" bIns="0" lIns="274300" spcFirstLastPara="1" rIns="0" wrap="square" tIns="0">
             <a:noAutofit/>
           </a:bodyPr>
           <a:lstStyle/>
@@ -19194,7 +19321,7 @@
             </a:pPr>
             <a:r>
               <a:rPr lang="en"/>
-              <a:t>Example of Learning from Observations</a:t>
+              <a:t>Example of Observing Effects 2 / 2</a:t>
             </a:r>
             <a:endParaRPr/>
           </a:p>
@@ -19202,47 +19329,7 @@
       </p:sp>
       <p:sp>
         <p:nvSpPr>
-          <p:cNvPr id="341" name="Google Shape;341;p51"/>
-          <p:cNvSpPr txBox="1"/>
-          <p:nvPr>
-            <p:ph idx="1" type="body"/>
-          </p:nvPr>
-        </p:nvSpPr>
-        <p:spPr>
-          <a:xfrm>
-            <a:off x="274320" y="914400"/>
-            <a:ext cx="8595300" cy="4114800"/>
-          </a:xfrm>
-          <a:prstGeom prst="rect">
-            <a:avLst/>
-          </a:prstGeom>
-        </p:spPr>
-        <p:txBody>
-          <a:bodyPr anchorCtr="0" anchor="t" bIns="0" lIns="0" spcFirstLastPara="1" rIns="0" wrap="square" tIns="0">
-            <a:noAutofit/>
-          </a:bodyPr>
-          <a:lstStyle/>
-          <a:p>
-            <a:pPr indent="0" lvl="0" marL="0" rtl="0" algn="l">
-              <a:spcBef>
-                <a:spcPts val="0"/>
-              </a:spcBef>
-              <a:spcAft>
-                <a:spcPts val="1200"/>
-              </a:spcAft>
-              <a:buNone/>
-            </a:pPr>
-            <a:r>
-              <a:rPr lang="en"/>
-              <a:t>We built out our theory and used it to provide feedback and make suggestions</a:t>
-            </a:r>
-            <a:endParaRPr/>
-          </a:p>
-        </p:txBody>
-      </p:sp>
-      <p:sp>
-        <p:nvSpPr>
-          <p:cNvPr id="342" name="Google Shape;342;p51"/>
+          <p:cNvPr id="339" name="Google Shape;339;p51"/>
           <p:cNvSpPr txBox="1"/>
           <p:nvPr>
             <p:ph idx="12" type="sldNum"/>
@@ -19305,11 +19392,159 @@
               </a:rPr>
               <a:t> </a:t>
             </a:r>
-            <a:endParaRPr b="0" sz="900">
+            <a:endParaRPr>
               <a:solidFill>
                 <a:schemeClr val="dk2"/>
               </a:solidFill>
             </a:endParaRPr>
+          </a:p>
+        </p:txBody>
+      </p:sp>
+      <p:sp>
+        <p:nvSpPr>
+          <p:cNvPr id="340" name="Google Shape;340;p51"/>
+          <p:cNvSpPr txBox="1"/>
+          <p:nvPr>
+            <p:ph idx="1" type="body"/>
+          </p:nvPr>
+        </p:nvSpPr>
+        <p:spPr>
+          <a:xfrm>
+            <a:off x="274320" y="914400"/>
+            <a:ext cx="4114800" cy="4114800"/>
+          </a:xfrm>
+          <a:prstGeom prst="rect">
+            <a:avLst/>
+          </a:prstGeom>
+        </p:spPr>
+        <p:txBody>
+          <a:bodyPr anchorCtr="0" anchor="t" bIns="91425" lIns="0" spcFirstLastPara="1" rIns="91425" wrap="square" tIns="0">
+            <a:noAutofit/>
+          </a:bodyPr>
+          <a:lstStyle/>
+          <a:p>
+            <a:pPr indent="0" lvl="0" marL="0" rtl="0" algn="l">
+              <a:spcBef>
+                <a:spcPts val="0"/>
+              </a:spcBef>
+              <a:spcAft>
+                <a:spcPts val="0"/>
+              </a:spcAft>
+              <a:buNone/>
+            </a:pPr>
+            <a:r>
+              <a:rPr lang="en"/>
+              <a:t>As participant improving practice</a:t>
+            </a:r>
+            <a:endParaRPr/>
+          </a:p>
+          <a:p>
+            <a:pPr indent="-342900" lvl="0" marL="457200" rtl="0" algn="l">
+              <a:spcBef>
+                <a:spcPts val="1200"/>
+              </a:spcBef>
+              <a:spcAft>
+                <a:spcPts val="0"/>
+              </a:spcAft>
+              <a:buSzPts val="1800"/>
+              <a:buChar char="●"/>
+            </a:pPr>
+            <a:r>
+              <a:rPr lang="en"/>
+              <a:t>None</a:t>
+            </a:r>
+            <a:endParaRPr/>
+          </a:p>
+        </p:txBody>
+      </p:sp>
+      <p:sp>
+        <p:nvSpPr>
+          <p:cNvPr id="341" name="Google Shape;341;p51"/>
+          <p:cNvSpPr txBox="1"/>
+          <p:nvPr>
+            <p:ph idx="2" type="body"/>
+          </p:nvPr>
+        </p:nvSpPr>
+        <p:spPr>
+          <a:xfrm>
+            <a:off x="4846320" y="914400"/>
+            <a:ext cx="4114800" cy="4114800"/>
+          </a:xfrm>
+          <a:prstGeom prst="rect">
+            <a:avLst/>
+          </a:prstGeom>
+        </p:spPr>
+        <p:txBody>
+          <a:bodyPr anchorCtr="0" anchor="t" bIns="0" lIns="0" spcFirstLastPara="1" rIns="0" wrap="square" tIns="0">
+            <a:noAutofit/>
+          </a:bodyPr>
+          <a:lstStyle/>
+          <a:p>
+            <a:pPr indent="0" lvl="0" marL="0" rtl="0" algn="l">
+              <a:spcBef>
+                <a:spcPts val="0"/>
+              </a:spcBef>
+              <a:spcAft>
+                <a:spcPts val="0"/>
+              </a:spcAft>
+              <a:buNone/>
+            </a:pPr>
+            <a:r>
+              <a:rPr lang="en"/>
+              <a:t>As researcher performing research</a:t>
+            </a:r>
+            <a:endParaRPr/>
+          </a:p>
+          <a:p>
+            <a:pPr indent="-342900" lvl="0" marL="457200" rtl="0" algn="l">
+              <a:spcBef>
+                <a:spcPts val="1200"/>
+              </a:spcBef>
+              <a:spcAft>
+                <a:spcPts val="0"/>
+              </a:spcAft>
+              <a:buSzPts val="1800"/>
+              <a:buChar char="●"/>
+            </a:pPr>
+            <a:r>
+              <a:rPr lang="en"/>
+              <a:t>Continued participant observation</a:t>
+            </a:r>
+            <a:endParaRPr/>
+          </a:p>
+          <a:p>
+            <a:pPr indent="-342900" lvl="0" marL="457200" rtl="0" algn="l">
+              <a:spcBef>
+                <a:spcPts val="0"/>
+              </a:spcBef>
+              <a:spcAft>
+                <a:spcPts val="0"/>
+              </a:spcAft>
+              <a:buSzPts val="1800"/>
+              <a:buChar char="●"/>
+            </a:pPr>
+            <a:r>
+              <a:rPr lang="en"/>
+              <a:t>Conducted additional interviews</a:t>
+            </a:r>
+            <a:endParaRPr/>
+          </a:p>
+          <a:p>
+            <a:pPr indent="-342900" lvl="0" marL="457200" rtl="0" algn="l">
+              <a:spcBef>
+                <a:spcPts val="0"/>
+              </a:spcBef>
+              <a:spcAft>
+                <a:spcPts val="0"/>
+              </a:spcAft>
+              <a:buSzPts val="1800"/>
+              <a:buChar char="●"/>
+            </a:pPr>
+            <a:r>
+              <a:rPr lang="en"/>
+              <a:t>Took notes of emerging statistics</a:t>
+            </a:r>
+            <a:endParaRPr/>
           </a:p>
         </p:txBody>
       </p:sp>
@@ -19326,7 +19561,7 @@
   <p:cSld>
     <p:spTree>
       <p:nvGrpSpPr>
-        <p:cNvPr id="346" name="Shape 346"/>
+        <p:cNvPr id="345" name="Shape 345"/>
         <p:cNvGrpSpPr/>
         <p:nvPr/>
       </p:nvGrpSpPr>
@@ -19340,7 +19575,7 @@
       </p:grpSpPr>
       <p:sp>
         <p:nvSpPr>
-          <p:cNvPr id="347" name="Google Shape;347;p52"/>
+          <p:cNvPr id="346" name="Google Shape;346;p52"/>
           <p:cNvSpPr txBox="1"/>
           <p:nvPr>
             <p:ph type="title"/>
@@ -19356,7 +19591,7 @@
           </a:prstGeom>
         </p:spPr>
         <p:txBody>
-          <a:bodyPr anchorCtr="0" anchor="ctr" bIns="0" lIns="274300" spcFirstLastPara="1" rIns="0" wrap="square" tIns="0">
+          <a:bodyPr anchorCtr="0" anchor="ctr" bIns="91425" lIns="274300" spcFirstLastPara="1" rIns="91425" wrap="square" tIns="91425">
             <a:noAutofit/>
           </a:bodyPr>
           <a:lstStyle/>
@@ -19372,7 +19607,72 @@
             </a:pPr>
             <a:r>
               <a:rPr lang="en"/>
-              <a:t>Example of Learning from Observations 2 / 2</a:t>
+              <a:t>Learn from Observations</a:t>
+            </a:r>
+            <a:endParaRPr/>
+          </a:p>
+        </p:txBody>
+      </p:sp>
+      <p:sp>
+        <p:nvSpPr>
+          <p:cNvPr id="347" name="Google Shape;347;p52"/>
+          <p:cNvSpPr txBox="1"/>
+          <p:nvPr>
+            <p:ph idx="1" type="body"/>
+          </p:nvPr>
+        </p:nvSpPr>
+        <p:spPr>
+          <a:xfrm>
+            <a:off x="274320" y="914400"/>
+            <a:ext cx="8595300" cy="4114800"/>
+          </a:xfrm>
+          <a:prstGeom prst="rect">
+            <a:avLst/>
+          </a:prstGeom>
+        </p:spPr>
+        <p:txBody>
+          <a:bodyPr anchorCtr="0" anchor="t" bIns="0" lIns="0" spcFirstLastPara="1" rIns="0" wrap="square" tIns="0">
+            <a:noAutofit/>
+          </a:bodyPr>
+          <a:lstStyle/>
+          <a:p>
+            <a:pPr indent="0" lvl="0" marL="0" rtl="0" algn="l">
+              <a:spcBef>
+                <a:spcPts val="0"/>
+              </a:spcBef>
+              <a:spcAft>
+                <a:spcPts val="0"/>
+              </a:spcAft>
+              <a:buNone/>
+            </a:pPr>
+            <a:r>
+              <a:rPr lang="en"/>
+              <a:t>During </a:t>
+            </a:r>
+            <a:r>
+              <a:rPr b="1" lang="en"/>
+              <a:t>learning,</a:t>
+            </a:r>
+            <a:r>
+              <a:rPr lang="en"/>
+              <a:t> you </a:t>
+            </a:r>
+            <a:endParaRPr/>
+          </a:p>
+          <a:p>
+            <a:pPr indent="-342900" lvl="0" marL="457200" rtl="0" algn="l">
+              <a:spcBef>
+                <a:spcPts val="1200"/>
+              </a:spcBef>
+              <a:spcAft>
+                <a:spcPts val="0"/>
+              </a:spcAft>
+              <a:buSzPts val="1800"/>
+              <a:buChar char="●"/>
+            </a:pPr>
+            <a:r>
+              <a:rPr lang="en"/>
+              <a:t>Analyse the observed data towards the aspect of interest</a:t>
             </a:r>
             <a:endParaRPr/>
           </a:p>
@@ -19443,140 +19743,11 @@
               </a:rPr>
               <a:t> </a:t>
             </a:r>
-            <a:endParaRPr>
+            <a:endParaRPr b="0" sz="900">
               <a:solidFill>
                 <a:schemeClr val="dk2"/>
               </a:solidFill>
             </a:endParaRPr>
-          </a:p>
-        </p:txBody>
-      </p:sp>
-      <p:sp>
-        <p:nvSpPr>
-          <p:cNvPr id="349" name="Google Shape;349;p52"/>
-          <p:cNvSpPr txBox="1"/>
-          <p:nvPr>
-            <p:ph idx="1" type="body"/>
-          </p:nvPr>
-        </p:nvSpPr>
-        <p:spPr>
-          <a:xfrm>
-            <a:off x="274320" y="914400"/>
-            <a:ext cx="4114800" cy="4114800"/>
-          </a:xfrm>
-          <a:prstGeom prst="rect">
-            <a:avLst/>
-          </a:prstGeom>
-        </p:spPr>
-        <p:txBody>
-          <a:bodyPr anchorCtr="0" anchor="t" bIns="91425" lIns="0" spcFirstLastPara="1" rIns="91425" wrap="square" tIns="0">
-            <a:noAutofit/>
-          </a:bodyPr>
-          <a:lstStyle/>
-          <a:p>
-            <a:pPr indent="0" lvl="0" marL="0" rtl="0" algn="l">
-              <a:spcBef>
-                <a:spcPts val="0"/>
-              </a:spcBef>
-              <a:spcAft>
-                <a:spcPts val="0"/>
-              </a:spcAft>
-              <a:buNone/>
-            </a:pPr>
-            <a:r>
-              <a:rPr lang="en"/>
-              <a:t>As participant improving practice</a:t>
-            </a:r>
-            <a:endParaRPr/>
-          </a:p>
-          <a:p>
-            <a:pPr indent="-342900" lvl="0" marL="457200" rtl="0" algn="l">
-              <a:spcBef>
-                <a:spcPts val="1200"/>
-              </a:spcBef>
-              <a:spcAft>
-                <a:spcPts val="0"/>
-              </a:spcAft>
-              <a:buSzPts val="1800"/>
-              <a:buChar char="●"/>
-            </a:pPr>
-            <a:r>
-              <a:rPr lang="en"/>
-              <a:t>Discussed ways to improve process</a:t>
-            </a:r>
-            <a:endParaRPr/>
-          </a:p>
-          <a:p>
-            <a:pPr indent="0" lvl="0" marL="0" rtl="0" algn="l">
-              <a:spcBef>
-                <a:spcPts val="1200"/>
-              </a:spcBef>
-              <a:spcAft>
-                <a:spcPts val="1200"/>
-              </a:spcAft>
-              <a:buNone/>
-            </a:pPr>
-            <a:r>
-              <a:t/>
-            </a:r>
-            <a:endParaRPr/>
-          </a:p>
-        </p:txBody>
-      </p:sp>
-      <p:sp>
-        <p:nvSpPr>
-          <p:cNvPr id="350" name="Google Shape;350;p52"/>
-          <p:cNvSpPr txBox="1"/>
-          <p:nvPr>
-            <p:ph idx="2" type="body"/>
-          </p:nvPr>
-        </p:nvSpPr>
-        <p:spPr>
-          <a:xfrm>
-            <a:off x="4846320" y="914400"/>
-            <a:ext cx="4114800" cy="4114800"/>
-          </a:xfrm>
-          <a:prstGeom prst="rect">
-            <a:avLst/>
-          </a:prstGeom>
-        </p:spPr>
-        <p:txBody>
-          <a:bodyPr anchorCtr="0" anchor="t" bIns="0" lIns="0" spcFirstLastPara="1" rIns="0" wrap="square" tIns="0">
-            <a:noAutofit/>
-          </a:bodyPr>
-          <a:lstStyle/>
-          <a:p>
-            <a:pPr indent="0" lvl="0" marL="0" rtl="0" algn="l">
-              <a:spcBef>
-                <a:spcPts val="0"/>
-              </a:spcBef>
-              <a:spcAft>
-                <a:spcPts val="0"/>
-              </a:spcAft>
-              <a:buNone/>
-            </a:pPr>
-            <a:r>
-              <a:rPr lang="en"/>
-              <a:t>As researcher performing research</a:t>
-            </a:r>
-            <a:endParaRPr/>
-          </a:p>
-          <a:p>
-            <a:pPr indent="-342900" lvl="0" marL="457200" rtl="0" algn="l">
-              <a:spcBef>
-                <a:spcPts val="1200"/>
-              </a:spcBef>
-              <a:spcAft>
-                <a:spcPts val="0"/>
-              </a:spcAft>
-              <a:buSzPts val="1800"/>
-              <a:buChar char="●"/>
-            </a:pPr>
-            <a:r>
-              <a:rPr lang="en"/>
-              <a:t>Integrated collected data into theory</a:t>
-            </a:r>
-            <a:endParaRPr/>
           </a:p>
         </p:txBody>
       </p:sp>
@@ -19593,7 +19764,7 @@
   <p:cSld>
     <p:spTree>
       <p:nvGrpSpPr>
-        <p:cNvPr id="354" name="Shape 354"/>
+        <p:cNvPr id="352" name="Shape 352"/>
         <p:cNvGrpSpPr/>
         <p:nvPr/>
       </p:nvGrpSpPr>
@@ -19607,7 +19778,7 @@
       </p:grpSpPr>
       <p:sp>
         <p:nvSpPr>
-          <p:cNvPr id="355" name="Google Shape;355;p53"/>
+          <p:cNvPr id="353" name="Google Shape;353;p53"/>
           <p:cNvSpPr txBox="1"/>
           <p:nvPr>
             <p:ph type="title"/>
@@ -19639,7 +19810,7 @@
             </a:pPr>
             <a:r>
               <a:rPr lang="en"/>
-              <a:t>Closing the Action-Feedback Loop</a:t>
+              <a:t>Example of Learning from Observations 1 / 2</a:t>
             </a:r>
             <a:endParaRPr/>
           </a:p>
@@ -19647,7 +19818,7 @@
       </p:sp>
       <p:sp>
         <p:nvSpPr>
-          <p:cNvPr id="356" name="Google Shape;356;p53"/>
+          <p:cNvPr id="354" name="Google Shape;354;p53"/>
           <p:cNvSpPr txBox="1"/>
           <p:nvPr>
             <p:ph idx="1" type="body"/>
@@ -19673,47 +19844,13 @@
                 <a:spcPts val="0"/>
               </a:spcBef>
               <a:spcAft>
-                <a:spcPts val="0"/>
-              </a:spcAft>
-              <a:buNone/>
-            </a:pPr>
-            <a:r>
-              <a:rPr lang="en"/>
-              <a:t>Based on what you learned, you</a:t>
-            </a:r>
-            <a:endParaRPr/>
-          </a:p>
-          <a:p>
-            <a:pPr indent="-342900" lvl="0" marL="457200" rtl="0" algn="l">
-              <a:spcBef>
                 <a:spcPts val="1200"/>
-              </a:spcBef>
-              <a:spcAft>
-                <a:spcPts val="0"/>
-              </a:spcAft>
-              <a:buSzPts val="1800"/>
-              <a:buChar char="●"/>
-            </a:pPr>
-            <a:r>
-              <a:rPr lang="en"/>
-              <a:t>Either continue with another iteration of action research</a:t>
-            </a:r>
-            <a:endParaRPr/>
-          </a:p>
-          <a:p>
-            <a:pPr indent="-342900" lvl="0" marL="457200" rtl="0" algn="l">
-              <a:spcBef>
-                <a:spcPts val="0"/>
-              </a:spcBef>
-              <a:spcAft>
-                <a:spcPts val="0"/>
-              </a:spcAft>
-              <a:buSzPts val="1800"/>
-              <a:buChar char="●"/>
-            </a:pPr>
-            <a:r>
-              <a:rPr lang="en"/>
-              <a:t>Or move on to next steps (publications / methodology)</a:t>
+              </a:spcAft>
+              <a:buNone/>
+            </a:pPr>
+            <a:r>
+              <a:rPr lang="en"/>
+              <a:t>We built out our theory and used it to provide feedback and make suggestions</a:t>
             </a:r>
             <a:endParaRPr/>
           </a:p>
@@ -19721,7 +19858,7 @@
       </p:sp>
       <p:sp>
         <p:nvSpPr>
-          <p:cNvPr id="357" name="Google Shape;357;p53"/>
+          <p:cNvPr id="355" name="Google Shape;355;p53"/>
           <p:cNvSpPr txBox="1"/>
           <p:nvPr>
             <p:ph idx="12" type="sldNum"/>
@@ -19805,7 +19942,7 @@
   <p:cSld>
     <p:spTree>
       <p:nvGrpSpPr>
-        <p:cNvPr id="361" name="Shape 361"/>
+        <p:cNvPr id="359" name="Shape 359"/>
         <p:cNvGrpSpPr/>
         <p:nvPr/>
       </p:nvGrpSpPr>
@@ -19819,7 +19956,7 @@
       </p:grpSpPr>
       <p:sp>
         <p:nvSpPr>
-          <p:cNvPr id="362" name="Google Shape;362;p54"/>
+          <p:cNvPr id="360" name="Google Shape;360;p54"/>
           <p:cNvSpPr txBox="1"/>
           <p:nvPr>
             <p:ph type="title"/>
@@ -19827,35 +19964,233 @@
         </p:nvSpPr>
         <p:spPr>
           <a:xfrm>
-            <a:off x="0" y="-7"/>
-            <a:ext cx="9144000" cy="2386500"/>
+            <a:off x="0" y="0"/>
+            <a:ext cx="9144000" cy="685800"/>
           </a:xfrm>
           <a:prstGeom prst="rect">
             <a:avLst/>
           </a:prstGeom>
         </p:spPr>
         <p:txBody>
-          <a:bodyPr anchorCtr="0" anchor="b" bIns="274300" lIns="91425" spcFirstLastPara="1" rIns="91425" wrap="square" tIns="91425">
+          <a:bodyPr anchorCtr="0" anchor="ctr" bIns="0" lIns="274300" spcFirstLastPara="1" rIns="0" wrap="square" tIns="0">
             <a:noAutofit/>
           </a:bodyPr>
           <a:lstStyle/>
           <a:p>
-            <a:pPr indent="0" lvl="0" marL="0" rtl="0" algn="ctr">
-              <a:spcBef>
-                <a:spcPts val="0"/>
-              </a:spcBef>
-              <a:spcAft>
-                <a:spcPts val="0"/>
-              </a:spcAft>
-              <a:buNone/>
-            </a:pPr>
-            <a:r>
-              <a:rPr lang="en"/>
-              <a:t>6</a:t>
-            </a:r>
-            <a:r>
-              <a:rPr lang="en"/>
-              <a:t>. Quality Assurance</a:t>
+            <a:pPr indent="0" lvl="0" marL="0" rtl="0" algn="l">
+              <a:spcBef>
+                <a:spcPts val="0"/>
+              </a:spcBef>
+              <a:spcAft>
+                <a:spcPts val="0"/>
+              </a:spcAft>
+              <a:buNone/>
+            </a:pPr>
+            <a:r>
+              <a:rPr lang="en"/>
+              <a:t>Example of Learning from Observations 2 / 2</a:t>
+            </a:r>
+            <a:endParaRPr/>
+          </a:p>
+        </p:txBody>
+      </p:sp>
+      <p:sp>
+        <p:nvSpPr>
+          <p:cNvPr id="361" name="Google Shape;361;p54"/>
+          <p:cNvSpPr txBox="1"/>
+          <p:nvPr>
+            <p:ph idx="12" type="sldNum"/>
+          </p:nvPr>
+        </p:nvSpPr>
+        <p:spPr>
+          <a:xfrm>
+            <a:off x="7315202" y="4416550"/>
+            <a:ext cx="1828800" cy="731400"/>
+          </a:xfrm>
+          <a:prstGeom prst="rect">
+            <a:avLst/>
+          </a:prstGeom>
+        </p:spPr>
+        <p:txBody>
+          <a:bodyPr anchorCtr="0" anchor="b" bIns="91425" lIns="91425" spcFirstLastPara="1" rIns="91425" wrap="square" tIns="91425">
+            <a:noAutofit/>
+          </a:bodyPr>
+          <a:lstStyle/>
+          <a:p>
+            <a:pPr indent="0" lvl="0" marL="0" rtl="0" algn="r">
+              <a:spcBef>
+                <a:spcPts val="0"/>
+              </a:spcBef>
+              <a:spcAft>
+                <a:spcPts val="0"/>
+              </a:spcAft>
+              <a:buNone/>
+            </a:pPr>
+            <a:fld id="{00000000-1234-1234-1234-123412341234}" type="slidenum">
+              <a:rPr lang="en"/>
+              <a:t>‹#›</a:t>
+            </a:fld>
+            <a:endParaRPr/>
+          </a:p>
+          <a:p>
+            <a:pPr indent="0" lvl="0" marL="0" rtl="0" algn="r">
+              <a:spcBef>
+                <a:spcPts val="0"/>
+              </a:spcBef>
+              <a:spcAft>
+                <a:spcPts val="0"/>
+              </a:spcAft>
+              <a:buNone/>
+            </a:pPr>
+            <a:r>
+              <a:rPr b="0" lang="en" sz="900" u="sng">
+                <a:solidFill>
+                  <a:schemeClr val="hlink"/>
+                </a:solidFill>
+                <a:hlinkClick r:id="rId3"/>
+              </a:rPr>
+              <a:t>https://profriehle.com</a:t>
+            </a:r>
+            <a:r>
+              <a:rPr b="0" lang="en" sz="900">
+                <a:solidFill>
+                  <a:schemeClr val="dk2"/>
+                </a:solidFill>
+              </a:rPr>
+              <a:t> </a:t>
+            </a:r>
+            <a:endParaRPr>
+              <a:solidFill>
+                <a:schemeClr val="dk2"/>
+              </a:solidFill>
+            </a:endParaRPr>
+          </a:p>
+        </p:txBody>
+      </p:sp>
+      <p:sp>
+        <p:nvSpPr>
+          <p:cNvPr id="362" name="Google Shape;362;p54"/>
+          <p:cNvSpPr txBox="1"/>
+          <p:nvPr>
+            <p:ph idx="1" type="body"/>
+          </p:nvPr>
+        </p:nvSpPr>
+        <p:spPr>
+          <a:xfrm>
+            <a:off x="274320" y="914400"/>
+            <a:ext cx="4114800" cy="4114800"/>
+          </a:xfrm>
+          <a:prstGeom prst="rect">
+            <a:avLst/>
+          </a:prstGeom>
+        </p:spPr>
+        <p:txBody>
+          <a:bodyPr anchorCtr="0" anchor="t" bIns="91425" lIns="0" spcFirstLastPara="1" rIns="91425" wrap="square" tIns="0">
+            <a:noAutofit/>
+          </a:bodyPr>
+          <a:lstStyle/>
+          <a:p>
+            <a:pPr indent="0" lvl="0" marL="0" rtl="0" algn="l">
+              <a:spcBef>
+                <a:spcPts val="0"/>
+              </a:spcBef>
+              <a:spcAft>
+                <a:spcPts val="0"/>
+              </a:spcAft>
+              <a:buNone/>
+            </a:pPr>
+            <a:r>
+              <a:rPr lang="en"/>
+              <a:t>As participant improving practice</a:t>
+            </a:r>
+            <a:endParaRPr/>
+          </a:p>
+          <a:p>
+            <a:pPr indent="-342900" lvl="0" marL="457200" rtl="0" algn="l">
+              <a:spcBef>
+                <a:spcPts val="1200"/>
+              </a:spcBef>
+              <a:spcAft>
+                <a:spcPts val="0"/>
+              </a:spcAft>
+              <a:buSzPts val="1800"/>
+              <a:buChar char="●"/>
+            </a:pPr>
+            <a:r>
+              <a:rPr lang="en"/>
+              <a:t>Discussed ways to improve process</a:t>
+            </a:r>
+            <a:endParaRPr/>
+          </a:p>
+          <a:p>
+            <a:pPr indent="0" lvl="0" marL="0" rtl="0" algn="l">
+              <a:spcBef>
+                <a:spcPts val="1200"/>
+              </a:spcBef>
+              <a:spcAft>
+                <a:spcPts val="1200"/>
+              </a:spcAft>
+              <a:buNone/>
+            </a:pPr>
+            <a:r>
+              <a:t/>
+            </a:r>
+            <a:endParaRPr/>
+          </a:p>
+        </p:txBody>
+      </p:sp>
+      <p:sp>
+        <p:nvSpPr>
+          <p:cNvPr id="363" name="Google Shape;363;p54"/>
+          <p:cNvSpPr txBox="1"/>
+          <p:nvPr>
+            <p:ph idx="2" type="body"/>
+          </p:nvPr>
+        </p:nvSpPr>
+        <p:spPr>
+          <a:xfrm>
+            <a:off x="4846320" y="914400"/>
+            <a:ext cx="4114800" cy="4114800"/>
+          </a:xfrm>
+          <a:prstGeom prst="rect">
+            <a:avLst/>
+          </a:prstGeom>
+        </p:spPr>
+        <p:txBody>
+          <a:bodyPr anchorCtr="0" anchor="t" bIns="0" lIns="0" spcFirstLastPara="1" rIns="0" wrap="square" tIns="0">
+            <a:noAutofit/>
+          </a:bodyPr>
+          <a:lstStyle/>
+          <a:p>
+            <a:pPr indent="0" lvl="0" marL="0" rtl="0" algn="l">
+              <a:spcBef>
+                <a:spcPts val="0"/>
+              </a:spcBef>
+              <a:spcAft>
+                <a:spcPts val="0"/>
+              </a:spcAft>
+              <a:buNone/>
+            </a:pPr>
+            <a:r>
+              <a:rPr lang="en"/>
+              <a:t>As researcher performing research</a:t>
+            </a:r>
+            <a:endParaRPr/>
+          </a:p>
+          <a:p>
+            <a:pPr indent="-342900" lvl="0" marL="457200" rtl="0" algn="l">
+              <a:spcBef>
+                <a:spcPts val="1200"/>
+              </a:spcBef>
+              <a:spcAft>
+                <a:spcPts val="0"/>
+              </a:spcAft>
+              <a:buSzPts val="1800"/>
+              <a:buChar char="●"/>
+            </a:pPr>
+            <a:r>
+              <a:rPr lang="en"/>
+              <a:t>Integrated collected data into theory</a:t>
             </a:r>
             <a:endParaRPr/>
           </a:p>
@@ -19874,7 +20209,7 @@
   <p:cSld>
     <p:spTree>
       <p:nvGrpSpPr>
-        <p:cNvPr id="366" name="Shape 366"/>
+        <p:cNvPr id="367" name="Shape 367"/>
         <p:cNvGrpSpPr/>
         <p:nvPr/>
       </p:nvGrpSpPr>
@@ -19888,7 +20223,47 @@
       </p:grpSpPr>
       <p:sp>
         <p:nvSpPr>
-          <p:cNvPr id="367" name="Google Shape;367;p55"/>
+          <p:cNvPr id="368" name="Google Shape;368;p55"/>
+          <p:cNvSpPr txBox="1"/>
+          <p:nvPr>
+            <p:ph type="title"/>
+          </p:nvPr>
+        </p:nvSpPr>
+        <p:spPr>
+          <a:xfrm>
+            <a:off x="0" y="0"/>
+            <a:ext cx="9144000" cy="685800"/>
+          </a:xfrm>
+          <a:prstGeom prst="rect">
+            <a:avLst/>
+          </a:prstGeom>
+        </p:spPr>
+        <p:txBody>
+          <a:bodyPr anchorCtr="0" anchor="ctr" bIns="91425" lIns="274300" spcFirstLastPara="1" rIns="91425" wrap="square" tIns="91425">
+            <a:noAutofit/>
+          </a:bodyPr>
+          <a:lstStyle/>
+          <a:p>
+            <a:pPr indent="0" lvl="0" marL="0" rtl="0" algn="l">
+              <a:spcBef>
+                <a:spcPts val="0"/>
+              </a:spcBef>
+              <a:spcAft>
+                <a:spcPts val="0"/>
+              </a:spcAft>
+              <a:buNone/>
+            </a:pPr>
+            <a:r>
+              <a:rPr lang="en"/>
+              <a:t>Closing the Action-Feedback Loop</a:t>
+            </a:r>
+            <a:endParaRPr/>
+          </a:p>
+        </p:txBody>
+      </p:sp>
+      <p:sp>
+        <p:nvSpPr>
+          <p:cNvPr id="369" name="Google Shape;369;p55"/>
           <p:cNvSpPr txBox="1"/>
           <p:nvPr>
             <p:ph idx="1" type="body"/>
@@ -19920,23 +20295,7 @@
             </a:pPr>
             <a:r>
               <a:rPr lang="en"/>
-              <a:t>Quality assurance is closely tied to the research methods employed</a:t>
-            </a:r>
-            <a:endParaRPr/>
-          </a:p>
-          <a:p>
-            <a:pPr indent="0" lvl="0" marL="0" rtl="0" algn="l">
-              <a:spcBef>
-                <a:spcPts val="1200"/>
-              </a:spcBef>
-              <a:spcAft>
-                <a:spcPts val="0"/>
-              </a:spcAft>
-              <a:buNone/>
-            </a:pPr>
-            <a:r>
-              <a:rPr lang="en"/>
-              <a:t>In our example (open source governance) these were</a:t>
+              <a:t>Based on what you learned, you</a:t>
             </a:r>
             <a:endParaRPr/>
           </a:p>
@@ -19953,7 +20312,7 @@
             </a:pPr>
             <a:r>
               <a:rPr lang="en"/>
-              <a:t>Participant observation</a:t>
+              <a:t>Either continue with another iteration of action research</a:t>
             </a:r>
             <a:endParaRPr/>
           </a:p>
@@ -19970,24 +20329,7 @@
             </a:pPr>
             <a:r>
               <a:rPr lang="en"/>
-              <a:t>Practitioner interviews</a:t>
-            </a:r>
-            <a:endParaRPr/>
-          </a:p>
-          <a:p>
-            <a:pPr indent="-342900" lvl="0" marL="457200" rtl="0" algn="l">
-              <a:spcBef>
-                <a:spcPts val="0"/>
-              </a:spcBef>
-              <a:spcAft>
-                <a:spcPts val="0"/>
-              </a:spcAft>
-              <a:buSzPts val="1800"/>
-              <a:buChar char="●"/>
-            </a:pPr>
-            <a:r>
-              <a:rPr lang="en"/>
-              <a:t>Qualitative data analysis</a:t>
+              <a:t>Or move on to next steps (publications / methodology)</a:t>
             </a:r>
             <a:endParaRPr/>
           </a:p>
@@ -19995,47 +20337,7 @@
       </p:sp>
       <p:sp>
         <p:nvSpPr>
-          <p:cNvPr id="368" name="Google Shape;368;p55"/>
-          <p:cNvSpPr txBox="1"/>
-          <p:nvPr>
-            <p:ph type="title"/>
-          </p:nvPr>
-        </p:nvSpPr>
-        <p:spPr>
-          <a:xfrm>
-            <a:off x="0" y="0"/>
-            <a:ext cx="9144000" cy="685800"/>
-          </a:xfrm>
-          <a:prstGeom prst="rect">
-            <a:avLst/>
-          </a:prstGeom>
-        </p:spPr>
-        <p:txBody>
-          <a:bodyPr anchorCtr="0" anchor="ctr" bIns="91425" lIns="274300" spcFirstLastPara="1" rIns="91425" wrap="square" tIns="91425">
-            <a:noAutofit/>
-          </a:bodyPr>
-          <a:lstStyle/>
-          <a:p>
-            <a:pPr indent="0" lvl="0" marL="0" rtl="0" algn="l">
-              <a:spcBef>
-                <a:spcPts val="0"/>
-              </a:spcBef>
-              <a:spcAft>
-                <a:spcPts val="0"/>
-              </a:spcAft>
-              <a:buNone/>
-            </a:pPr>
-            <a:r>
-              <a:rPr lang="en"/>
-              <a:t>Quality Assurance</a:t>
-            </a:r>
-            <a:endParaRPr/>
-          </a:p>
-        </p:txBody>
-      </p:sp>
-      <p:sp>
-        <p:nvSpPr>
-          <p:cNvPr id="369" name="Google Shape;369;p55"/>
+          <p:cNvPr id="370" name="Google Shape;370;p55"/>
           <p:cNvSpPr txBox="1"/>
           <p:nvPr>
             <p:ph idx="12" type="sldNum"/>
@@ -20119,7 +20421,7 @@
   <p:cSld>
     <p:spTree>
       <p:nvGrpSpPr>
-        <p:cNvPr id="373" name="Shape 373"/>
+        <p:cNvPr id="374" name="Shape 374"/>
         <p:cNvGrpSpPr/>
         <p:nvPr/>
       </p:nvGrpSpPr>
@@ -20133,255 +20435,45 @@
       </p:grpSpPr>
       <p:sp>
         <p:nvSpPr>
-          <p:cNvPr id="374" name="Google Shape;374;p56"/>
+          <p:cNvPr id="375" name="Google Shape;375;p56"/>
           <p:cNvSpPr txBox="1"/>
           <p:nvPr>
-            <p:ph idx="1" type="body"/>
-          </p:nvPr>
-        </p:nvSpPr>
-        <p:spPr>
-          <a:xfrm>
-            <a:off x="274320" y="914400"/>
-            <a:ext cx="8595300" cy="4114800"/>
+            <p:ph type="title"/>
+          </p:nvPr>
+        </p:nvSpPr>
+        <p:spPr>
+          <a:xfrm>
+            <a:off x="0" y="-7"/>
+            <a:ext cx="9144000" cy="2386500"/>
           </a:xfrm>
           <a:prstGeom prst="rect">
             <a:avLst/>
           </a:prstGeom>
         </p:spPr>
         <p:txBody>
-          <a:bodyPr anchorCtr="0" anchor="t" bIns="0" lIns="0" spcFirstLastPara="1" rIns="0" wrap="square" tIns="0">
+          <a:bodyPr anchorCtr="0" anchor="b" bIns="274300" lIns="91425" spcFirstLastPara="1" rIns="91425" wrap="square" tIns="91425">
             <a:noAutofit/>
           </a:bodyPr>
           <a:lstStyle/>
           <a:p>
-            <a:pPr indent="-342900" lvl="0" marL="457200" rtl="0" algn="l">
-              <a:spcBef>
-                <a:spcPts val="0"/>
-              </a:spcBef>
-              <a:spcAft>
-                <a:spcPts val="0"/>
-              </a:spcAft>
-              <a:buSzPts val="1800"/>
-              <a:buAutoNum type="arabicPeriod"/>
-            </a:pPr>
-            <a:r>
-              <a:rPr lang="en"/>
-              <a:t>Action research</a:t>
-            </a:r>
-            <a:endParaRPr/>
-          </a:p>
-          <a:p>
-            <a:pPr indent="-342900" lvl="0" marL="457200" rtl="0" algn="l">
-              <a:spcBef>
-                <a:spcPts val="0"/>
-              </a:spcBef>
-              <a:spcAft>
-                <a:spcPts val="0"/>
-              </a:spcAft>
-              <a:buSzPts val="1800"/>
-              <a:buAutoNum type="arabicPeriod"/>
-            </a:pPr>
-            <a:r>
-              <a:rPr lang="en"/>
-              <a:t>Participatory action research</a:t>
-            </a:r>
-            <a:endParaRPr/>
-          </a:p>
-          <a:p>
-            <a:pPr indent="-342900" lvl="0" marL="457200" rtl="0" algn="l">
-              <a:spcBef>
-                <a:spcPts val="0"/>
-              </a:spcBef>
-              <a:spcAft>
-                <a:spcPts val="0"/>
-              </a:spcAft>
-              <a:buSzPts val="1800"/>
-              <a:buAutoNum type="arabicPeriod"/>
-            </a:pPr>
-            <a:r>
-              <a:rPr lang="en"/>
-              <a:t>Problem identification</a:t>
-            </a:r>
-            <a:endParaRPr/>
-          </a:p>
-          <a:p>
-            <a:pPr indent="-342900" lvl="0" marL="457200" rtl="0" algn="l">
-              <a:spcBef>
-                <a:spcPts val="0"/>
-              </a:spcBef>
-              <a:spcAft>
-                <a:spcPts val="0"/>
-              </a:spcAft>
-              <a:buSzPts val="1800"/>
-              <a:buAutoNum type="arabicPeriod"/>
-            </a:pPr>
-            <a:r>
-              <a:rPr lang="en"/>
-              <a:t>Research design</a:t>
-            </a:r>
-            <a:endParaRPr/>
-          </a:p>
-          <a:p>
-            <a:pPr indent="-342900" lvl="0" marL="457200" rtl="0" algn="l">
-              <a:spcBef>
-                <a:spcPts val="0"/>
-              </a:spcBef>
-              <a:spcAft>
-                <a:spcPts val="0"/>
-              </a:spcAft>
-              <a:buSzPts val="1800"/>
-              <a:buAutoNum type="arabicPeriod"/>
-            </a:pPr>
-            <a:r>
-              <a:rPr lang="en"/>
-              <a:t>The action-feedback loop</a:t>
-            </a:r>
-            <a:endParaRPr/>
-          </a:p>
-          <a:p>
-            <a:pPr indent="-342900" lvl="0" marL="457200" rtl="0" algn="l">
-              <a:spcBef>
-                <a:spcPts val="0"/>
-              </a:spcBef>
-              <a:spcAft>
-                <a:spcPts val="0"/>
-              </a:spcAft>
-              <a:buSzPts val="1800"/>
-              <a:buAutoNum type="arabicPeriod"/>
-            </a:pPr>
-            <a:r>
-              <a:rPr lang="en"/>
-              <a:t>Quality assurance</a:t>
-            </a:r>
-            <a:endParaRPr/>
-          </a:p>
-          <a:p>
-            <a:pPr indent="0" lvl="0" marL="0" rtl="0" algn="l">
-              <a:spcBef>
-                <a:spcPts val="1200"/>
-              </a:spcBef>
-              <a:spcAft>
-                <a:spcPts val="1200"/>
-              </a:spcAft>
-              <a:buNone/>
-            </a:pPr>
-            <a:r>
-              <a:t/>
-            </a:r>
-            <a:endParaRPr/>
-          </a:p>
-        </p:txBody>
-      </p:sp>
-      <p:sp>
-        <p:nvSpPr>
-          <p:cNvPr id="375" name="Google Shape;375;p56"/>
-          <p:cNvSpPr txBox="1"/>
-          <p:nvPr>
-            <p:ph type="title"/>
-          </p:nvPr>
-        </p:nvSpPr>
-        <p:spPr>
-          <a:xfrm>
-            <a:off x="0" y="0"/>
-            <a:ext cx="9144000" cy="685800"/>
-          </a:xfrm>
-          <a:prstGeom prst="rect">
-            <a:avLst/>
-          </a:prstGeom>
-        </p:spPr>
-        <p:txBody>
-          <a:bodyPr anchorCtr="0" anchor="ctr" bIns="91425" lIns="274300" spcFirstLastPara="1" rIns="91425" wrap="square" tIns="91425">
-            <a:noAutofit/>
-          </a:bodyPr>
-          <a:lstStyle/>
-          <a:p>
-            <a:pPr indent="0" lvl="0" marL="0" rtl="0" algn="l">
-              <a:spcBef>
-                <a:spcPts val="0"/>
-              </a:spcBef>
-              <a:spcAft>
-                <a:spcPts val="0"/>
-              </a:spcAft>
-              <a:buNone/>
-            </a:pPr>
-            <a:r>
-              <a:rPr lang="en"/>
-              <a:t>Summary</a:t>
-            </a:r>
-            <a:endParaRPr/>
-          </a:p>
-        </p:txBody>
-      </p:sp>
-      <p:sp>
-        <p:nvSpPr>
-          <p:cNvPr id="376" name="Google Shape;376;p56"/>
-          <p:cNvSpPr txBox="1"/>
-          <p:nvPr>
-            <p:ph idx="12" type="sldNum"/>
-          </p:nvPr>
-        </p:nvSpPr>
-        <p:spPr>
-          <a:xfrm>
-            <a:off x="7315202" y="4416550"/>
-            <a:ext cx="1828800" cy="731400"/>
-          </a:xfrm>
-          <a:prstGeom prst="rect">
-            <a:avLst/>
-          </a:prstGeom>
-        </p:spPr>
-        <p:txBody>
-          <a:bodyPr anchorCtr="0" anchor="b" bIns="91425" lIns="91425" spcFirstLastPara="1" rIns="91425" wrap="square" tIns="91425">
-            <a:noAutofit/>
-          </a:bodyPr>
-          <a:lstStyle/>
-          <a:p>
-            <a:pPr indent="0" lvl="0" marL="0" rtl="0" algn="r">
-              <a:spcBef>
-                <a:spcPts val="0"/>
-              </a:spcBef>
-              <a:spcAft>
-                <a:spcPts val="0"/>
-              </a:spcAft>
-              <a:buNone/>
-            </a:pPr>
-            <a:fld id="{00000000-1234-1234-1234-123412341234}" type="slidenum">
-              <a:rPr lang="en"/>
-              <a:t>‹#›</a:t>
-            </a:fld>
-            <a:endParaRPr/>
-          </a:p>
-          <a:p>
-            <a:pPr indent="0" lvl="0" marL="0" rtl="0" algn="r">
-              <a:spcBef>
-                <a:spcPts val="0"/>
-              </a:spcBef>
-              <a:spcAft>
-                <a:spcPts val="0"/>
-              </a:spcAft>
-              <a:buNone/>
-            </a:pPr>
-            <a:r>
-              <a:rPr b="0" lang="en" sz="900" u="sng">
-                <a:solidFill>
-                  <a:schemeClr val="hlink"/>
-                </a:solidFill>
-                <a:hlinkClick r:id="rId3"/>
-              </a:rPr>
-              <a:t>https://profriehle.com</a:t>
-            </a:r>
-            <a:r>
-              <a:rPr b="0" lang="en" sz="900">
-                <a:solidFill>
-                  <a:schemeClr val="dk2"/>
-                </a:solidFill>
-              </a:rPr>
-              <a:t> </a:t>
-            </a:r>
-            <a:endParaRPr b="0" sz="900">
-              <a:solidFill>
-                <a:schemeClr val="dk2"/>
-              </a:solidFill>
-            </a:endParaRPr>
+            <a:pPr indent="0" lvl="0" marL="0" rtl="0" algn="ctr">
+              <a:spcBef>
+                <a:spcPts val="0"/>
+              </a:spcBef>
+              <a:spcAft>
+                <a:spcPts val="0"/>
+              </a:spcAft>
+              <a:buNone/>
+            </a:pPr>
+            <a:r>
+              <a:rPr lang="en"/>
+              <a:t>6</a:t>
+            </a:r>
+            <a:r>
+              <a:rPr lang="en"/>
+              <a:t>. Quality Assurance</a:t>
+            </a:r>
+            <a:endParaRPr/>
           </a:p>
         </p:txBody>
       </p:sp>
@@ -20630,7 +20722,7 @@
   <p:cSld>
     <p:spTree>
       <p:nvGrpSpPr>
-        <p:cNvPr id="380" name="Shape 380"/>
+        <p:cNvPr id="379" name="Shape 379"/>
         <p:cNvGrpSpPr/>
         <p:nvPr/>
       </p:nvGrpSpPr>
@@ -20644,39 +20736,106 @@
       </p:grpSpPr>
       <p:sp>
         <p:nvSpPr>
-          <p:cNvPr id="381" name="Google Shape;381;p57"/>
+          <p:cNvPr id="380" name="Google Shape;380;p57"/>
           <p:cNvSpPr txBox="1"/>
           <p:nvPr>
-            <p:ph type="ctrTitle"/>
-          </p:nvPr>
-        </p:nvSpPr>
-        <p:spPr>
-          <a:xfrm>
-            <a:off x="0" y="0"/>
-            <a:ext cx="9144000" cy="2388900"/>
+            <p:ph idx="1" type="body"/>
+          </p:nvPr>
+        </p:nvSpPr>
+        <p:spPr>
+          <a:xfrm>
+            <a:off x="274320" y="914400"/>
+            <a:ext cx="8595300" cy="4114800"/>
           </a:xfrm>
           <a:prstGeom prst="rect">
             <a:avLst/>
           </a:prstGeom>
         </p:spPr>
         <p:txBody>
-          <a:bodyPr anchorCtr="0" anchor="b" bIns="274300" lIns="91425" spcFirstLastPara="1" rIns="91425" wrap="square" tIns="91425">
+          <a:bodyPr anchorCtr="0" anchor="t" bIns="0" lIns="0" spcFirstLastPara="1" rIns="0" wrap="square" tIns="0">
             <a:noAutofit/>
           </a:bodyPr>
           <a:lstStyle/>
           <a:p>
-            <a:pPr indent="0" lvl="0" marL="0" rtl="0" algn="ctr">
-              <a:spcBef>
-                <a:spcPts val="0"/>
-              </a:spcBef>
-              <a:spcAft>
-                <a:spcPts val="0"/>
-              </a:spcAft>
-              <a:buNone/>
-            </a:pPr>
-            <a:r>
-              <a:rPr lang="en"/>
-              <a:t>Thank you! Any questions?</a:t>
+            <a:pPr indent="0" lvl="0" marL="0" rtl="0" algn="l">
+              <a:spcBef>
+                <a:spcPts val="0"/>
+              </a:spcBef>
+              <a:spcAft>
+                <a:spcPts val="0"/>
+              </a:spcAft>
+              <a:buNone/>
+            </a:pPr>
+            <a:r>
+              <a:rPr lang="en"/>
+              <a:t>Quality assurance is closely tied to the research methods employed</a:t>
+            </a:r>
+            <a:endParaRPr/>
+          </a:p>
+          <a:p>
+            <a:pPr indent="0" lvl="0" marL="0" rtl="0" algn="l">
+              <a:spcBef>
+                <a:spcPts val="1200"/>
+              </a:spcBef>
+              <a:spcAft>
+                <a:spcPts val="0"/>
+              </a:spcAft>
+              <a:buNone/>
+            </a:pPr>
+            <a:r>
+              <a:rPr lang="en"/>
+              <a:t>In our example (open source governance) these were</a:t>
+            </a:r>
+            <a:endParaRPr/>
+          </a:p>
+          <a:p>
+            <a:pPr indent="-342900" lvl="0" marL="457200" rtl="0" algn="l">
+              <a:spcBef>
+                <a:spcPts val="1200"/>
+              </a:spcBef>
+              <a:spcAft>
+                <a:spcPts val="0"/>
+              </a:spcAft>
+              <a:buSzPts val="1800"/>
+              <a:buChar char="●"/>
+            </a:pPr>
+            <a:r>
+              <a:rPr lang="en"/>
+              <a:t>Participant observation</a:t>
+            </a:r>
+            <a:endParaRPr/>
+          </a:p>
+          <a:p>
+            <a:pPr indent="-342900" lvl="0" marL="457200" rtl="0" algn="l">
+              <a:spcBef>
+                <a:spcPts val="0"/>
+              </a:spcBef>
+              <a:spcAft>
+                <a:spcPts val="0"/>
+              </a:spcAft>
+              <a:buSzPts val="1800"/>
+              <a:buChar char="●"/>
+            </a:pPr>
+            <a:r>
+              <a:rPr lang="en"/>
+              <a:t>Practitioner interviews</a:t>
+            </a:r>
+            <a:endParaRPr/>
+          </a:p>
+          <a:p>
+            <a:pPr indent="-342900" lvl="0" marL="457200" rtl="0" algn="l">
+              <a:spcBef>
+                <a:spcPts val="0"/>
+              </a:spcBef>
+              <a:spcAft>
+                <a:spcPts val="0"/>
+              </a:spcAft>
+              <a:buSzPts val="1800"/>
+              <a:buChar char="●"/>
+            </a:pPr>
+            <a:r>
+              <a:rPr lang="en"/>
+              <a:t>Qualitative data analysis</a:t>
             </a:r>
             <a:endParaRPr/>
           </a:p>
@@ -20684,120 +20843,114 @@
       </p:sp>
       <p:sp>
         <p:nvSpPr>
-          <p:cNvPr id="382" name="Google Shape;382;p57"/>
+          <p:cNvPr id="381" name="Google Shape;381;p57"/>
           <p:cNvSpPr txBox="1"/>
           <p:nvPr>
-            <p:ph idx="1" type="subTitle"/>
-          </p:nvPr>
-        </p:nvSpPr>
-        <p:spPr>
-          <a:xfrm>
-            <a:off x="0" y="2569475"/>
-            <a:ext cx="9144000" cy="2574000"/>
+            <p:ph type="title"/>
+          </p:nvPr>
+        </p:nvSpPr>
+        <p:spPr>
+          <a:xfrm>
+            <a:off x="0" y="0"/>
+            <a:ext cx="9144000" cy="685800"/>
           </a:xfrm>
           <a:prstGeom prst="rect">
             <a:avLst/>
           </a:prstGeom>
         </p:spPr>
         <p:txBody>
-          <a:bodyPr anchorCtr="0" anchor="t" bIns="91425" lIns="91425" spcFirstLastPara="1" rIns="91425" wrap="square" tIns="274300">
+          <a:bodyPr anchorCtr="0" anchor="ctr" bIns="91425" lIns="274300" spcFirstLastPara="1" rIns="91425" wrap="square" tIns="91425">
             <a:noAutofit/>
           </a:bodyPr>
           <a:lstStyle/>
           <a:p>
-            <a:pPr indent="0" lvl="0" marL="0" rtl="0" algn="ctr">
-              <a:lnSpc>
-                <a:spcPct val="150000"/>
-              </a:lnSpc>
-              <a:spcBef>
-                <a:spcPts val="0"/>
-              </a:spcBef>
-              <a:spcAft>
-                <a:spcPts val="0"/>
-              </a:spcAft>
-              <a:buNone/>
-            </a:pPr>
-            <a:r>
-              <a:rPr lang="en" u="sng">
+            <a:pPr indent="0" lvl="0" marL="0" rtl="0" algn="l">
+              <a:spcBef>
+                <a:spcPts val="0"/>
+              </a:spcBef>
+              <a:spcAft>
+                <a:spcPts val="0"/>
+              </a:spcAft>
+              <a:buNone/>
+            </a:pPr>
+            <a:r>
+              <a:rPr lang="en"/>
+              <a:t>Quality Assurance</a:t>
+            </a:r>
+            <a:endParaRPr/>
+          </a:p>
+        </p:txBody>
+      </p:sp>
+      <p:sp>
+        <p:nvSpPr>
+          <p:cNvPr id="382" name="Google Shape;382;p57"/>
+          <p:cNvSpPr txBox="1"/>
+          <p:nvPr>
+            <p:ph idx="12" type="sldNum"/>
+          </p:nvPr>
+        </p:nvSpPr>
+        <p:spPr>
+          <a:xfrm>
+            <a:off x="7315202" y="4416550"/>
+            <a:ext cx="1828800" cy="731400"/>
+          </a:xfrm>
+          <a:prstGeom prst="rect">
+            <a:avLst/>
+          </a:prstGeom>
+        </p:spPr>
+        <p:txBody>
+          <a:bodyPr anchorCtr="0" anchor="b" bIns="91425" lIns="91425" spcFirstLastPara="1" rIns="91425" wrap="square" tIns="91425">
+            <a:noAutofit/>
+          </a:bodyPr>
+          <a:lstStyle/>
+          <a:p>
+            <a:pPr indent="0" lvl="0" marL="0" rtl="0" algn="r">
+              <a:spcBef>
+                <a:spcPts val="0"/>
+              </a:spcBef>
+              <a:spcAft>
+                <a:spcPts val="0"/>
+              </a:spcAft>
+              <a:buNone/>
+            </a:pPr>
+            <a:fld id="{00000000-1234-1234-1234-123412341234}" type="slidenum">
+              <a:rPr lang="en"/>
+              <a:t>‹#›</a:t>
+            </a:fld>
+            <a:endParaRPr/>
+          </a:p>
+          <a:p>
+            <a:pPr indent="0" lvl="0" marL="0" rtl="0" algn="r">
+              <a:spcBef>
+                <a:spcPts val="0"/>
+              </a:spcBef>
+              <a:spcAft>
+                <a:spcPts val="0"/>
+              </a:spcAft>
+              <a:buNone/>
+            </a:pPr>
+            <a:r>
+              <a:rPr b="0" lang="en" sz="900" u="sng">
                 <a:solidFill>
                   <a:schemeClr val="hlink"/>
                 </a:solidFill>
                 <a:hlinkClick r:id="rId3"/>
               </a:rPr>
-              <a:t>dirk.riehle@fau.de</a:t>
-            </a:r>
-            <a:r>
-              <a:rPr lang="en"/>
+              <a:t>https://profriehle.com</a:t>
+            </a:r>
+            <a:r>
+              <a:rPr b="0" lang="en" sz="900">
+                <a:solidFill>
+                  <a:schemeClr val="dk2"/>
+                </a:solidFill>
+              </a:rPr>
               <a:t> </a:t>
             </a:r>
-            <a:r>
-              <a:rPr lang="en" sz="2400"/>
-              <a:t>–</a:t>
-            </a:r>
-            <a:r>
-              <a:rPr lang="en"/>
-              <a:t> </a:t>
-            </a:r>
-            <a:r>
-              <a:rPr lang="en" u="sng">
-                <a:solidFill>
-                  <a:schemeClr val="hlink"/>
-                </a:solidFill>
-                <a:hlinkClick r:id="rId4"/>
-              </a:rPr>
-              <a:t>https://oss.cs.fau.de</a:t>
-            </a:r>
-            <a:endParaRPr/>
-          </a:p>
-          <a:p>
-            <a:pPr indent="0" lvl="0" marL="0" rtl="0" algn="ctr">
-              <a:lnSpc>
-                <a:spcPct val="150000"/>
-              </a:lnSpc>
-              <a:spcBef>
-                <a:spcPts val="0"/>
-              </a:spcBef>
-              <a:spcAft>
-                <a:spcPts val="0"/>
-              </a:spcAft>
-              <a:buNone/>
-            </a:pPr>
-            <a:r>
-              <a:rPr lang="en" sz="2400" u="sng">
-                <a:solidFill>
-                  <a:schemeClr val="hlink"/>
-                </a:solidFill>
-                <a:hlinkClick r:id="rId5"/>
-              </a:rPr>
-              <a:t>dirk@riehle.org</a:t>
-            </a:r>
-            <a:r>
-              <a:rPr lang="en" sz="2400"/>
-              <a:t> – </a:t>
-            </a:r>
-            <a:r>
-              <a:rPr lang="en" sz="2400" u="sng">
-                <a:solidFill>
-                  <a:schemeClr val="hlink"/>
-                </a:solidFill>
-                <a:hlinkClick r:id="rId6"/>
-              </a:rPr>
-              <a:t>https://dirkriehle.com</a:t>
-            </a:r>
-            <a:r>
-              <a:rPr lang="en" sz="2400"/>
-              <a:t> – </a:t>
-            </a:r>
-            <a:r>
-              <a:rPr lang="en" sz="2400" u="sng">
-                <a:solidFill>
-                  <a:schemeClr val="hlink"/>
-                </a:solidFill>
-                <a:hlinkClick r:id="rId7"/>
-              </a:rPr>
-              <a:t>@dirkriehle</a:t>
-            </a:r>
-            <a:endParaRPr sz="2400"/>
+            <a:endParaRPr b="0" sz="900">
+              <a:solidFill>
+                <a:schemeClr val="dk2"/>
+              </a:solidFill>
+            </a:endParaRPr>
           </a:p>
         </p:txBody>
       </p:sp>
@@ -20831,6 +20984,147 @@
           <p:cNvPr id="387" name="Google Shape;387;p58"/>
           <p:cNvSpPr txBox="1"/>
           <p:nvPr>
+            <p:ph idx="1" type="body"/>
+          </p:nvPr>
+        </p:nvSpPr>
+        <p:spPr>
+          <a:xfrm>
+            <a:off x="274320" y="914400"/>
+            <a:ext cx="8595300" cy="4114800"/>
+          </a:xfrm>
+          <a:prstGeom prst="rect">
+            <a:avLst/>
+          </a:prstGeom>
+        </p:spPr>
+        <p:txBody>
+          <a:bodyPr anchorCtr="0" anchor="t" bIns="0" lIns="0" spcFirstLastPara="1" rIns="0" wrap="square" tIns="0">
+            <a:noAutofit/>
+          </a:bodyPr>
+          <a:lstStyle/>
+          <a:p>
+            <a:pPr indent="-342900" lvl="0" marL="457200" rtl="0" algn="l">
+              <a:spcBef>
+                <a:spcPts val="0"/>
+              </a:spcBef>
+              <a:spcAft>
+                <a:spcPts val="0"/>
+              </a:spcAft>
+              <a:buSzPts val="1800"/>
+              <a:buAutoNum type="arabicPeriod"/>
+            </a:pPr>
+            <a:r>
+              <a:rPr lang="en"/>
+              <a:t>Action research</a:t>
+            </a:r>
+            <a:endParaRPr/>
+          </a:p>
+          <a:p>
+            <a:pPr indent="-342900" lvl="0" marL="457200" rtl="0" algn="l">
+              <a:spcBef>
+                <a:spcPts val="0"/>
+              </a:spcBef>
+              <a:spcAft>
+                <a:spcPts val="0"/>
+              </a:spcAft>
+              <a:buSzPts val="1800"/>
+              <a:buAutoNum type="arabicPeriod"/>
+            </a:pPr>
+            <a:r>
+              <a:rPr lang="en"/>
+              <a:t>Participatory action research</a:t>
+            </a:r>
+            <a:endParaRPr/>
+          </a:p>
+          <a:p>
+            <a:pPr indent="-342900" lvl="0" marL="457200" rtl="0" algn="l">
+              <a:spcBef>
+                <a:spcPts val="0"/>
+              </a:spcBef>
+              <a:spcAft>
+                <a:spcPts val="0"/>
+              </a:spcAft>
+              <a:buSzPts val="1800"/>
+              <a:buAutoNum type="arabicPeriod"/>
+            </a:pPr>
+            <a:r>
+              <a:rPr lang="en"/>
+              <a:t>Problem identification</a:t>
+            </a:r>
+            <a:endParaRPr/>
+          </a:p>
+          <a:p>
+            <a:pPr indent="-342900" lvl="0" marL="457200" rtl="0" algn="l">
+              <a:spcBef>
+                <a:spcPts val="0"/>
+              </a:spcBef>
+              <a:spcAft>
+                <a:spcPts val="0"/>
+              </a:spcAft>
+              <a:buSzPts val="1800"/>
+              <a:buAutoNum type="arabicPeriod"/>
+            </a:pPr>
+            <a:r>
+              <a:rPr lang="en"/>
+              <a:t>Research design</a:t>
+            </a:r>
+            <a:endParaRPr/>
+          </a:p>
+          <a:p>
+            <a:pPr indent="-342900" lvl="0" marL="457200" rtl="0" algn="l">
+              <a:spcBef>
+                <a:spcPts val="0"/>
+              </a:spcBef>
+              <a:spcAft>
+                <a:spcPts val="0"/>
+              </a:spcAft>
+              <a:buSzPts val="1800"/>
+              <a:buAutoNum type="arabicPeriod"/>
+            </a:pPr>
+            <a:r>
+              <a:rPr lang="en"/>
+              <a:t>The action-feedback loop</a:t>
+            </a:r>
+            <a:endParaRPr/>
+          </a:p>
+          <a:p>
+            <a:pPr indent="-342900" lvl="0" marL="457200" rtl="0" algn="l">
+              <a:spcBef>
+                <a:spcPts val="0"/>
+              </a:spcBef>
+              <a:spcAft>
+                <a:spcPts val="0"/>
+              </a:spcAft>
+              <a:buSzPts val="1800"/>
+              <a:buAutoNum type="arabicPeriod"/>
+            </a:pPr>
+            <a:r>
+              <a:rPr lang="en"/>
+              <a:t>Quality assurance</a:t>
+            </a:r>
+            <a:endParaRPr/>
+          </a:p>
+          <a:p>
+            <a:pPr indent="0" lvl="0" marL="0" rtl="0" algn="l">
+              <a:spcBef>
+                <a:spcPts val="1200"/>
+              </a:spcBef>
+              <a:spcAft>
+                <a:spcPts val="1200"/>
+              </a:spcAft>
+              <a:buNone/>
+            </a:pPr>
+            <a:r>
+              <a:t/>
+            </a:r>
+            <a:endParaRPr/>
+          </a:p>
+        </p:txBody>
+      </p:sp>
+      <p:sp>
+        <p:nvSpPr>
+          <p:cNvPr id="388" name="Google Shape;388;p58"/>
+          <p:cNvSpPr txBox="1"/>
+          <p:nvPr>
             <p:ph type="title"/>
           </p:nvPr>
         </p:nvSpPr>
@@ -20860,7 +21154,7 @@
             </a:pPr>
             <a:r>
               <a:rPr lang="en"/>
-              <a:t>Legal Notices</a:t>
+              <a:t>Summary</a:t>
             </a:r>
             <a:endParaRPr/>
           </a:p>
@@ -20868,7 +21162,7 @@
       </p:sp>
       <p:sp>
         <p:nvSpPr>
-          <p:cNvPr id="388" name="Google Shape;388;p58"/>
+          <p:cNvPr id="389" name="Google Shape;389;p58"/>
           <p:cNvSpPr txBox="1"/>
           <p:nvPr>
             <p:ph idx="12" type="sldNum"/>
@@ -20939,9 +21233,331 @@
           </a:p>
         </p:txBody>
       </p:sp>
-      <p:sp>
-        <p:nvSpPr>
-          <p:cNvPr id="389" name="Google Shape;389;p58"/>
+    </p:spTree>
+  </p:cSld>
+  <p:clrMapOvr>
+    <a:masterClrMapping/>
+  </p:clrMapOvr>
+</p:sld>
+</file>
+
+<file path=ppt/slides/slide52.xml><?xml version="1.0" encoding="utf-8"?>
+<p:sld xmlns:a="http://schemas.openxmlformats.org/drawingml/2006/main" xmlns:r="http://schemas.openxmlformats.org/officeDocument/2006/relationships" xmlns:mc="http://schemas.openxmlformats.org/markup-compatibility/2006" xmlns:mv="urn:schemas-microsoft-com:mac:vml" xmlns:p="http://schemas.openxmlformats.org/presentationml/2006/main" xmlns:c="http://schemas.openxmlformats.org/drawingml/2006/chart" xmlns:dgm="http://schemas.openxmlformats.org/drawingml/2006/diagram" xmlns:o="urn:schemas-microsoft-com:office:office" xmlns:v="urn:schemas-microsoft-com:vml" xmlns:pvml="urn:schemas-microsoft-com:office:powerpoint" xmlns:com="http://schemas.openxmlformats.org/drawingml/2006/compatibility" xmlns:p14="http://schemas.microsoft.com/office/powerpoint/2010/main" xmlns:p15="http://schemas.microsoft.com/office/powerpoint/2012/main" xmlns:ahyp="http://schemas.microsoft.com/office/drawing/2018/hyperlinkcolor">
+  <p:cSld>
+    <p:spTree>
+      <p:nvGrpSpPr>
+        <p:cNvPr id="393" name="Shape 393"/>
+        <p:cNvGrpSpPr/>
+        <p:nvPr/>
+      </p:nvGrpSpPr>
+      <p:grpSpPr>
+        <a:xfrm>
+          <a:off x="0" y="0"/>
+          <a:ext cx="0" cy="0"/>
+          <a:chOff x="0" y="0"/>
+          <a:chExt cx="0" cy="0"/>
+        </a:xfrm>
+      </p:grpSpPr>
+      <p:sp>
+        <p:nvSpPr>
+          <p:cNvPr id="394" name="Google Shape;394;p59"/>
+          <p:cNvSpPr txBox="1"/>
+          <p:nvPr>
+            <p:ph type="ctrTitle"/>
+          </p:nvPr>
+        </p:nvSpPr>
+        <p:spPr>
+          <a:xfrm>
+            <a:off x="0" y="0"/>
+            <a:ext cx="9144000" cy="2388900"/>
+          </a:xfrm>
+          <a:prstGeom prst="rect">
+            <a:avLst/>
+          </a:prstGeom>
+        </p:spPr>
+        <p:txBody>
+          <a:bodyPr anchorCtr="0" anchor="b" bIns="274300" lIns="91425" spcFirstLastPara="1" rIns="91425" wrap="square" tIns="91425">
+            <a:noAutofit/>
+          </a:bodyPr>
+          <a:lstStyle/>
+          <a:p>
+            <a:pPr indent="0" lvl="0" marL="0" rtl="0" algn="ctr">
+              <a:spcBef>
+                <a:spcPts val="0"/>
+              </a:spcBef>
+              <a:spcAft>
+                <a:spcPts val="0"/>
+              </a:spcAft>
+              <a:buNone/>
+            </a:pPr>
+            <a:r>
+              <a:rPr lang="en"/>
+              <a:t>Thank you! Any questions?</a:t>
+            </a:r>
+            <a:endParaRPr/>
+          </a:p>
+        </p:txBody>
+      </p:sp>
+      <p:sp>
+        <p:nvSpPr>
+          <p:cNvPr id="395" name="Google Shape;395;p59"/>
+          <p:cNvSpPr txBox="1"/>
+          <p:nvPr>
+            <p:ph idx="1" type="subTitle"/>
+          </p:nvPr>
+        </p:nvSpPr>
+        <p:spPr>
+          <a:xfrm>
+            <a:off x="0" y="2569475"/>
+            <a:ext cx="9144000" cy="2574000"/>
+          </a:xfrm>
+          <a:prstGeom prst="rect">
+            <a:avLst/>
+          </a:prstGeom>
+        </p:spPr>
+        <p:txBody>
+          <a:bodyPr anchorCtr="0" anchor="t" bIns="91425" lIns="91425" spcFirstLastPara="1" rIns="91425" wrap="square" tIns="274300">
+            <a:noAutofit/>
+          </a:bodyPr>
+          <a:lstStyle/>
+          <a:p>
+            <a:pPr indent="0" lvl="0" marL="0" rtl="0" algn="ctr">
+              <a:lnSpc>
+                <a:spcPct val="150000"/>
+              </a:lnSpc>
+              <a:spcBef>
+                <a:spcPts val="0"/>
+              </a:spcBef>
+              <a:spcAft>
+                <a:spcPts val="0"/>
+              </a:spcAft>
+              <a:buNone/>
+            </a:pPr>
+            <a:r>
+              <a:rPr lang="en" u="sng">
+                <a:solidFill>
+                  <a:schemeClr val="hlink"/>
+                </a:solidFill>
+                <a:hlinkClick r:id="rId3"/>
+              </a:rPr>
+              <a:t>dirk.riehle@fau.de</a:t>
+            </a:r>
+            <a:r>
+              <a:rPr lang="en"/>
+              <a:t> </a:t>
+            </a:r>
+            <a:r>
+              <a:rPr lang="en" sz="2400"/>
+              <a:t>–</a:t>
+            </a:r>
+            <a:r>
+              <a:rPr lang="en"/>
+              <a:t> </a:t>
+            </a:r>
+            <a:r>
+              <a:rPr lang="en" u="sng">
+                <a:solidFill>
+                  <a:schemeClr val="hlink"/>
+                </a:solidFill>
+                <a:hlinkClick r:id="rId4"/>
+              </a:rPr>
+              <a:t>https://oss.cs.fau.de</a:t>
+            </a:r>
+            <a:endParaRPr/>
+          </a:p>
+          <a:p>
+            <a:pPr indent="0" lvl="0" marL="0" rtl="0" algn="ctr">
+              <a:lnSpc>
+                <a:spcPct val="150000"/>
+              </a:lnSpc>
+              <a:spcBef>
+                <a:spcPts val="0"/>
+              </a:spcBef>
+              <a:spcAft>
+                <a:spcPts val="0"/>
+              </a:spcAft>
+              <a:buNone/>
+            </a:pPr>
+            <a:r>
+              <a:rPr lang="en" sz="2400" u="sng">
+                <a:solidFill>
+                  <a:schemeClr val="hlink"/>
+                </a:solidFill>
+                <a:hlinkClick r:id="rId5"/>
+              </a:rPr>
+              <a:t>dirk@riehle.org</a:t>
+            </a:r>
+            <a:r>
+              <a:rPr lang="en" sz="2400"/>
+              <a:t> – </a:t>
+            </a:r>
+            <a:r>
+              <a:rPr lang="en" sz="2400" u="sng">
+                <a:solidFill>
+                  <a:schemeClr val="hlink"/>
+                </a:solidFill>
+                <a:hlinkClick r:id="rId6"/>
+              </a:rPr>
+              <a:t>https://dirkriehle.com</a:t>
+            </a:r>
+            <a:r>
+              <a:rPr lang="en" sz="2400"/>
+              <a:t> – </a:t>
+            </a:r>
+            <a:r>
+              <a:rPr lang="en" sz="2400" u="sng">
+                <a:solidFill>
+                  <a:schemeClr val="hlink"/>
+                </a:solidFill>
+                <a:hlinkClick r:id="rId7"/>
+              </a:rPr>
+              <a:t>@dirkriehle</a:t>
+            </a:r>
+            <a:endParaRPr sz="2400"/>
+          </a:p>
+        </p:txBody>
+      </p:sp>
+    </p:spTree>
+  </p:cSld>
+  <p:clrMapOvr>
+    <a:masterClrMapping/>
+  </p:clrMapOvr>
+</p:sld>
+</file>
+
+<file path=ppt/slides/slide53.xml><?xml version="1.0" encoding="utf-8"?>
+<p:sld xmlns:a="http://schemas.openxmlformats.org/drawingml/2006/main" xmlns:r="http://schemas.openxmlformats.org/officeDocument/2006/relationships" xmlns:mc="http://schemas.openxmlformats.org/markup-compatibility/2006" xmlns:mv="urn:schemas-microsoft-com:mac:vml" xmlns:p="http://schemas.openxmlformats.org/presentationml/2006/main" xmlns:c="http://schemas.openxmlformats.org/drawingml/2006/chart" xmlns:dgm="http://schemas.openxmlformats.org/drawingml/2006/diagram" xmlns:o="urn:schemas-microsoft-com:office:office" xmlns:v="urn:schemas-microsoft-com:vml" xmlns:pvml="urn:schemas-microsoft-com:office:powerpoint" xmlns:com="http://schemas.openxmlformats.org/drawingml/2006/compatibility" xmlns:p14="http://schemas.microsoft.com/office/powerpoint/2010/main" xmlns:p15="http://schemas.microsoft.com/office/powerpoint/2012/main" xmlns:ahyp="http://schemas.microsoft.com/office/drawing/2018/hyperlinkcolor">
+  <p:cSld>
+    <p:spTree>
+      <p:nvGrpSpPr>
+        <p:cNvPr id="399" name="Shape 399"/>
+        <p:cNvGrpSpPr/>
+        <p:nvPr/>
+      </p:nvGrpSpPr>
+      <p:grpSpPr>
+        <a:xfrm>
+          <a:off x="0" y="0"/>
+          <a:ext cx="0" cy="0"/>
+          <a:chOff x="0" y="0"/>
+          <a:chExt cx="0" cy="0"/>
+        </a:xfrm>
+      </p:grpSpPr>
+      <p:sp>
+        <p:nvSpPr>
+          <p:cNvPr id="400" name="Google Shape;400;p60"/>
+          <p:cNvSpPr txBox="1"/>
+          <p:nvPr>
+            <p:ph type="title"/>
+          </p:nvPr>
+        </p:nvSpPr>
+        <p:spPr>
+          <a:xfrm>
+            <a:off x="0" y="0"/>
+            <a:ext cx="9144000" cy="685800"/>
+          </a:xfrm>
+          <a:prstGeom prst="rect">
+            <a:avLst/>
+          </a:prstGeom>
+        </p:spPr>
+        <p:txBody>
+          <a:bodyPr anchorCtr="0" anchor="ctr" bIns="91425" lIns="274300" spcFirstLastPara="1" rIns="91425" wrap="square" tIns="91425">
+            <a:noAutofit/>
+          </a:bodyPr>
+          <a:lstStyle/>
+          <a:p>
+            <a:pPr indent="0" lvl="0" marL="0" rtl="0" algn="l">
+              <a:spcBef>
+                <a:spcPts val="0"/>
+              </a:spcBef>
+              <a:spcAft>
+                <a:spcPts val="0"/>
+              </a:spcAft>
+              <a:buNone/>
+            </a:pPr>
+            <a:r>
+              <a:rPr lang="en"/>
+              <a:t>Legal Notices</a:t>
+            </a:r>
+            <a:endParaRPr/>
+          </a:p>
+        </p:txBody>
+      </p:sp>
+      <p:sp>
+        <p:nvSpPr>
+          <p:cNvPr id="401" name="Google Shape;401;p60"/>
+          <p:cNvSpPr txBox="1"/>
+          <p:nvPr>
+            <p:ph idx="12" type="sldNum"/>
+          </p:nvPr>
+        </p:nvSpPr>
+        <p:spPr>
+          <a:xfrm>
+            <a:off x="7315202" y="4416550"/>
+            <a:ext cx="1828800" cy="731400"/>
+          </a:xfrm>
+          <a:prstGeom prst="rect">
+            <a:avLst/>
+          </a:prstGeom>
+        </p:spPr>
+        <p:txBody>
+          <a:bodyPr anchorCtr="0" anchor="b" bIns="91425" lIns="91425" spcFirstLastPara="1" rIns="91425" wrap="square" tIns="91425">
+            <a:noAutofit/>
+          </a:bodyPr>
+          <a:lstStyle/>
+          <a:p>
+            <a:pPr indent="0" lvl="0" marL="0" rtl="0" algn="r">
+              <a:spcBef>
+                <a:spcPts val="0"/>
+              </a:spcBef>
+              <a:spcAft>
+                <a:spcPts val="0"/>
+              </a:spcAft>
+              <a:buNone/>
+            </a:pPr>
+            <a:fld id="{00000000-1234-1234-1234-123412341234}" type="slidenum">
+              <a:rPr lang="en"/>
+              <a:t>‹#›</a:t>
+            </a:fld>
+            <a:endParaRPr/>
+          </a:p>
+          <a:p>
+            <a:pPr indent="0" lvl="0" marL="0" rtl="0" algn="r">
+              <a:spcBef>
+                <a:spcPts val="0"/>
+              </a:spcBef>
+              <a:spcAft>
+                <a:spcPts val="0"/>
+              </a:spcAft>
+              <a:buNone/>
+            </a:pPr>
+            <a:r>
+              <a:rPr b="0" lang="en" sz="900" u="sng">
+                <a:solidFill>
+                  <a:schemeClr val="hlink"/>
+                </a:solidFill>
+                <a:hlinkClick r:id="rId3"/>
+              </a:rPr>
+              <a:t>https://profriehle.com</a:t>
+            </a:r>
+            <a:r>
+              <a:rPr b="0" lang="en" sz="900">
+                <a:solidFill>
+                  <a:schemeClr val="dk2"/>
+                </a:solidFill>
+              </a:rPr>
+              <a:t> </a:t>
+            </a:r>
+            <a:endParaRPr b="0" sz="900">
+              <a:solidFill>
+                <a:schemeClr val="dk2"/>
+              </a:solidFill>
+            </a:endParaRPr>
+          </a:p>
+        </p:txBody>
+      </p:sp>
+      <p:sp>
+        <p:nvSpPr>
+          <p:cNvPr id="402" name="Google Shape;402;p60"/>
           <p:cNvSpPr txBox="1"/>
           <p:nvPr>
             <p:ph idx="1" type="body"/>
@@ -21441,7 +22057,11 @@
             </a:pPr>
             <a:r>
               <a:rPr lang="en"/>
-              <a:t>The action research process uses established research methods to</a:t>
+              <a:t>Action</a:t>
+            </a:r>
+            <a:r>
+              <a:rPr lang="en"/>
+              <a:t> research is linear yet iterative</a:t>
             </a:r>
             <a:endParaRPr/>
           </a:p>
@@ -21458,7 +22078,15 @@
             </a:pPr>
             <a:r>
               <a:rPr lang="en"/>
-              <a:t>Identify (research) problem</a:t>
+              <a:t>Identify (</a:t>
+            </a:r>
+            <a:r>
+              <a:rPr lang="en"/>
+              <a:t>research) </a:t>
+            </a:r>
+            <a:r>
+              <a:rPr lang="en"/>
+              <a:t>problem</a:t>
             </a:r>
             <a:endParaRPr/>
           </a:p>
@@ -21475,7 +22103,15 @@
             </a:pPr>
             <a:r>
               <a:rPr lang="en"/>
-              <a:t>Create research design</a:t>
+              <a:t>Create </a:t>
+            </a:r>
+            <a:r>
+              <a:rPr lang="en"/>
+              <a:t>research </a:t>
+            </a:r>
+            <a:r>
+              <a:rPr lang="en"/>
+              <a:t>design</a:t>
             </a:r>
             <a:endParaRPr/>
           </a:p>
@@ -21599,7 +22235,7 @@
         </p:blipFill>
         <p:spPr>
           <a:xfrm>
-            <a:off x="6126480" y="914400"/>
+            <a:off x="6126425" y="914400"/>
             <a:ext cx="2743200" cy="3773640"/>
           </a:xfrm>
           <a:prstGeom prst="rect">

--- a/Lecture slides/NYT C04 - Action Research.pptx
+++ b/Lecture slides/NYT C04 - Action Research.pptx
@@ -743,7 +743,7 @@
   <p:cSld>
     <p:spTree>
       <p:nvGrpSpPr>
-        <p:cNvPr id="32" name="Shape 32"/>
+        <p:cNvPr id="33" name="Shape 33"/>
         <p:cNvGrpSpPr/>
         <p:nvPr/>
       </p:nvGrpSpPr>
@@ -757,7 +757,7 @@
       </p:grpSpPr>
       <p:sp>
         <p:nvSpPr>
-          <p:cNvPr id="33" name="Google Shape;33;g2c3601aed9a_0_188:notes"/>
+          <p:cNvPr id="34" name="Google Shape;34;g2c3601aed9a_0_188:notes"/>
           <p:cNvSpPr/>
           <p:nvPr>
             <p:ph idx="2" type="sldImg"/>
@@ -792,7 +792,7 @@
       </p:sp>
       <p:sp>
         <p:nvSpPr>
-          <p:cNvPr id="34" name="Google Shape;34;g2c3601aed9a_0_188:notes"/>
+          <p:cNvPr id="35" name="Google Shape;35;g2c3601aed9a_0_188:notes"/>
           <p:cNvSpPr txBox="1"/>
           <p:nvPr>
             <p:ph idx="1" type="body"/>
@@ -842,7 +842,7 @@
   <p:cSld>
     <p:spTree>
       <p:nvGrpSpPr>
-        <p:cNvPr id="94" name="Shape 94"/>
+        <p:cNvPr id="95" name="Shape 95"/>
         <p:cNvGrpSpPr/>
         <p:nvPr/>
       </p:nvGrpSpPr>
@@ -856,7 +856,7 @@
       </p:grpSpPr>
       <p:sp>
         <p:nvSpPr>
-          <p:cNvPr id="95" name="Google Shape;95;g124ad2ef21c_0_41:notes"/>
+          <p:cNvPr id="96" name="Google Shape;96;g124ad2ef21c_0_41:notes"/>
           <p:cNvSpPr/>
           <p:nvPr>
             <p:ph idx="2" type="sldImg"/>
@@ -891,7 +891,7 @@
       </p:sp>
       <p:sp>
         <p:nvSpPr>
-          <p:cNvPr id="96" name="Google Shape;96;g124ad2ef21c_0_41:notes"/>
+          <p:cNvPr id="97" name="Google Shape;97;g124ad2ef21c_0_41:notes"/>
           <p:cNvSpPr txBox="1"/>
           <p:nvPr>
             <p:ph idx="1" type="body"/>
@@ -941,7 +941,7 @@
   <p:cSld>
     <p:spTree>
       <p:nvGrpSpPr>
-        <p:cNvPr id="101" name="Shape 101"/>
+        <p:cNvPr id="102" name="Shape 102"/>
         <p:cNvGrpSpPr/>
         <p:nvPr/>
       </p:nvGrpSpPr>
@@ -955,7 +955,7 @@
       </p:grpSpPr>
       <p:sp>
         <p:nvSpPr>
-          <p:cNvPr id="102" name="Google Shape;102;g2179b616e8b_0_0:notes"/>
+          <p:cNvPr id="103" name="Google Shape;103;g2179b616e8b_0_0:notes"/>
           <p:cNvSpPr/>
           <p:nvPr>
             <p:ph idx="2" type="sldImg"/>
@@ -990,7 +990,7 @@
       </p:sp>
       <p:sp>
         <p:nvSpPr>
-          <p:cNvPr id="103" name="Google Shape;103;g2179b616e8b_0_0:notes"/>
+          <p:cNvPr id="104" name="Google Shape;104;g2179b616e8b_0_0:notes"/>
           <p:cNvSpPr txBox="1"/>
           <p:nvPr>
             <p:ph idx="1" type="body"/>
@@ -1040,7 +1040,7 @@
   <p:cSld>
     <p:spTree>
       <p:nvGrpSpPr>
-        <p:cNvPr id="109" name="Shape 109"/>
+        <p:cNvPr id="110" name="Shape 110"/>
         <p:cNvGrpSpPr/>
         <p:nvPr/>
       </p:nvGrpSpPr>
@@ -1054,7 +1054,7 @@
       </p:grpSpPr>
       <p:sp>
         <p:nvSpPr>
-          <p:cNvPr id="110" name="Google Shape;110;g11bb148f78e_0_25:notes"/>
+          <p:cNvPr id="111" name="Google Shape;111;g11bb148f78e_0_25:notes"/>
           <p:cNvSpPr/>
           <p:nvPr>
             <p:ph idx="2" type="sldImg"/>
@@ -1089,7 +1089,7 @@
       </p:sp>
       <p:sp>
         <p:nvSpPr>
-          <p:cNvPr id="111" name="Google Shape;111;g11bb148f78e_0_25:notes"/>
+          <p:cNvPr id="112" name="Google Shape;112;g11bb148f78e_0_25:notes"/>
           <p:cNvSpPr txBox="1"/>
           <p:nvPr>
             <p:ph idx="1" type="body"/>
@@ -1139,7 +1139,7 @@
   <p:cSld>
     <p:spTree>
       <p:nvGrpSpPr>
-        <p:cNvPr id="116" name="Shape 116"/>
+        <p:cNvPr id="117" name="Shape 117"/>
         <p:cNvGrpSpPr/>
         <p:nvPr/>
       </p:nvGrpSpPr>
@@ -1153,7 +1153,7 @@
       </p:grpSpPr>
       <p:sp>
         <p:nvSpPr>
-          <p:cNvPr id="117" name="Google Shape;117;g133abade362_0_43:notes"/>
+          <p:cNvPr id="118" name="Google Shape;118;g133abade362_0_43:notes"/>
           <p:cNvSpPr/>
           <p:nvPr>
             <p:ph idx="2" type="sldImg"/>
@@ -1188,7 +1188,7 @@
       </p:sp>
       <p:sp>
         <p:nvSpPr>
-          <p:cNvPr id="118" name="Google Shape;118;g133abade362_0_43:notes"/>
+          <p:cNvPr id="119" name="Google Shape;119;g133abade362_0_43:notes"/>
           <p:cNvSpPr txBox="1"/>
           <p:nvPr>
             <p:ph idx="1" type="body"/>
@@ -1238,7 +1238,7 @@
   <p:cSld>
     <p:spTree>
       <p:nvGrpSpPr>
-        <p:cNvPr id="123" name="Shape 123"/>
+        <p:cNvPr id="124" name="Shape 124"/>
         <p:cNvGrpSpPr/>
         <p:nvPr/>
       </p:nvGrpSpPr>
@@ -1252,7 +1252,7 @@
       </p:grpSpPr>
       <p:sp>
         <p:nvSpPr>
-          <p:cNvPr id="124" name="Google Shape;124;g11bb148f78e_0_0:notes"/>
+          <p:cNvPr id="125" name="Google Shape;125;g11bb148f78e_0_0:notes"/>
           <p:cNvSpPr/>
           <p:nvPr>
             <p:ph idx="2" type="sldImg"/>
@@ -1287,7 +1287,7 @@
       </p:sp>
       <p:sp>
         <p:nvSpPr>
-          <p:cNvPr id="125" name="Google Shape;125;g11bb148f78e_0_0:notes"/>
+          <p:cNvPr id="126" name="Google Shape;126;g11bb148f78e_0_0:notes"/>
           <p:cNvSpPr txBox="1"/>
           <p:nvPr>
             <p:ph idx="1" type="body"/>
@@ -1337,7 +1337,7 @@
   <p:cSld>
     <p:spTree>
       <p:nvGrpSpPr>
-        <p:cNvPr id="128" name="Shape 128"/>
+        <p:cNvPr id="129" name="Shape 129"/>
         <p:cNvGrpSpPr/>
         <p:nvPr/>
       </p:nvGrpSpPr>
@@ -1351,7 +1351,7 @@
       </p:grpSpPr>
       <p:sp>
         <p:nvSpPr>
-          <p:cNvPr id="129" name="Google Shape;129;g11bb148f78e_0_12:notes"/>
+          <p:cNvPr id="130" name="Google Shape;130;g11bb148f78e_0_12:notes"/>
           <p:cNvSpPr/>
           <p:nvPr>
             <p:ph idx="2" type="sldImg"/>
@@ -1386,7 +1386,7 @@
       </p:sp>
       <p:sp>
         <p:nvSpPr>
-          <p:cNvPr id="130" name="Google Shape;130;g11bb148f78e_0_12:notes"/>
+          <p:cNvPr id="131" name="Google Shape;131;g11bb148f78e_0_12:notes"/>
           <p:cNvSpPr txBox="1"/>
           <p:nvPr>
             <p:ph idx="1" type="body"/>
@@ -1436,7 +1436,7 @@
   <p:cSld>
     <p:spTree>
       <p:nvGrpSpPr>
-        <p:cNvPr id="136" name="Shape 136"/>
+        <p:cNvPr id="137" name="Shape 137"/>
         <p:cNvGrpSpPr/>
         <p:nvPr/>
       </p:nvGrpSpPr>
@@ -1450,7 +1450,7 @@
       </p:grpSpPr>
       <p:sp>
         <p:nvSpPr>
-          <p:cNvPr id="137" name="Google Shape;137;g11bb148f78e_0_18:notes"/>
+          <p:cNvPr id="138" name="Google Shape;138;g11bb148f78e_0_18:notes"/>
           <p:cNvSpPr/>
           <p:nvPr>
             <p:ph idx="2" type="sldImg"/>
@@ -1485,7 +1485,7 @@
       </p:sp>
       <p:sp>
         <p:nvSpPr>
-          <p:cNvPr id="138" name="Google Shape;138;g11bb148f78e_0_18:notes"/>
+          <p:cNvPr id="139" name="Google Shape;139;g11bb148f78e_0_18:notes"/>
           <p:cNvSpPr txBox="1"/>
           <p:nvPr>
             <p:ph idx="1" type="body"/>
@@ -1535,7 +1535,7 @@
   <p:cSld>
     <p:spTree>
       <p:nvGrpSpPr>
-        <p:cNvPr id="144" name="Shape 144"/>
+        <p:cNvPr id="145" name="Shape 145"/>
         <p:cNvGrpSpPr/>
         <p:nvPr/>
       </p:nvGrpSpPr>
@@ -1549,7 +1549,7 @@
       </p:grpSpPr>
       <p:sp>
         <p:nvSpPr>
-          <p:cNvPr id="145" name="Google Shape;145;g133abade362_0_18:notes"/>
+          <p:cNvPr id="146" name="Google Shape;146;g133abade362_0_18:notes"/>
           <p:cNvSpPr/>
           <p:nvPr>
             <p:ph idx="2" type="sldImg"/>
@@ -1584,7 +1584,7 @@
       </p:sp>
       <p:sp>
         <p:nvSpPr>
-          <p:cNvPr id="146" name="Google Shape;146;g133abade362_0_18:notes"/>
+          <p:cNvPr id="147" name="Google Shape;147;g133abade362_0_18:notes"/>
           <p:cNvSpPr txBox="1"/>
           <p:nvPr>
             <p:ph idx="1" type="body"/>
@@ -1634,7 +1634,7 @@
   <p:cSld>
     <p:spTree>
       <p:nvGrpSpPr>
-        <p:cNvPr id="151" name="Shape 151"/>
+        <p:cNvPr id="152" name="Shape 152"/>
         <p:cNvGrpSpPr/>
         <p:nvPr/>
       </p:nvGrpSpPr>
@@ -1648,7 +1648,7 @@
       </p:grpSpPr>
       <p:sp>
         <p:nvSpPr>
-          <p:cNvPr id="152" name="Google Shape;152;g2179b616e8b_0_9:notes"/>
+          <p:cNvPr id="153" name="Google Shape;153;g2179b616e8b_0_9:notes"/>
           <p:cNvSpPr/>
           <p:nvPr>
             <p:ph idx="2" type="sldImg"/>
@@ -1683,7 +1683,7 @@
       </p:sp>
       <p:sp>
         <p:nvSpPr>
-          <p:cNvPr id="153" name="Google Shape;153;g2179b616e8b_0_9:notes"/>
+          <p:cNvPr id="154" name="Google Shape;154;g2179b616e8b_0_9:notes"/>
           <p:cNvSpPr txBox="1"/>
           <p:nvPr>
             <p:ph idx="1" type="body"/>
@@ -1733,7 +1733,7 @@
   <p:cSld>
     <p:spTree>
       <p:nvGrpSpPr>
-        <p:cNvPr id="158" name="Shape 158"/>
+        <p:cNvPr id="159" name="Shape 159"/>
         <p:cNvGrpSpPr/>
         <p:nvPr/>
       </p:nvGrpSpPr>
@@ -1747,7 +1747,7 @@
       </p:grpSpPr>
       <p:sp>
         <p:nvSpPr>
-          <p:cNvPr id="159" name="Google Shape;159;g133abade362_0_36:notes"/>
+          <p:cNvPr id="160" name="Google Shape;160;g133abade362_0_36:notes"/>
           <p:cNvSpPr/>
           <p:nvPr>
             <p:ph idx="2" type="sldImg"/>
@@ -1782,7 +1782,7 @@
       </p:sp>
       <p:sp>
         <p:nvSpPr>
-          <p:cNvPr id="160" name="Google Shape;160;g133abade362_0_36:notes"/>
+          <p:cNvPr id="161" name="Google Shape;161;g133abade362_0_36:notes"/>
           <p:cNvSpPr txBox="1"/>
           <p:nvPr>
             <p:ph idx="1" type="body"/>
@@ -1832,7 +1832,7 @@
   <p:cSld>
     <p:spTree>
       <p:nvGrpSpPr>
-        <p:cNvPr id="38" name="Shape 38"/>
+        <p:cNvPr id="39" name="Shape 39"/>
         <p:cNvGrpSpPr/>
         <p:nvPr/>
       </p:nvGrpSpPr>
@@ -1846,7 +1846,7 @@
       </p:grpSpPr>
       <p:sp>
         <p:nvSpPr>
-          <p:cNvPr id="39" name="Google Shape;39;g127e14a2292_0_0:notes"/>
+          <p:cNvPr id="40" name="Google Shape;40;g127e14a2292_0_0:notes"/>
           <p:cNvSpPr/>
           <p:nvPr>
             <p:ph idx="2" type="sldImg"/>
@@ -1881,7 +1881,7 @@
       </p:sp>
       <p:sp>
         <p:nvSpPr>
-          <p:cNvPr id="40" name="Google Shape;40;g127e14a2292_0_0:notes"/>
+          <p:cNvPr id="41" name="Google Shape;41;g127e14a2292_0_0:notes"/>
           <p:cNvSpPr txBox="1"/>
           <p:nvPr>
             <p:ph idx="1" type="body"/>
@@ -1931,7 +1931,7 @@
   <p:cSld>
     <p:spTree>
       <p:nvGrpSpPr>
-        <p:cNvPr id="166" name="Shape 166"/>
+        <p:cNvPr id="167" name="Shape 167"/>
         <p:cNvGrpSpPr/>
         <p:nvPr/>
       </p:nvGrpSpPr>
@@ -1945,7 +1945,7 @@
       </p:grpSpPr>
       <p:sp>
         <p:nvSpPr>
-          <p:cNvPr id="167" name="Google Shape;167;g133be5e16e8_0_26:notes"/>
+          <p:cNvPr id="168" name="Google Shape;168;g133be5e16e8_0_26:notes"/>
           <p:cNvSpPr/>
           <p:nvPr>
             <p:ph idx="2" type="sldImg"/>
@@ -1980,7 +1980,7 @@
       </p:sp>
       <p:sp>
         <p:nvSpPr>
-          <p:cNvPr id="168" name="Google Shape;168;g133be5e16e8_0_26:notes"/>
+          <p:cNvPr id="169" name="Google Shape;169;g133be5e16e8_0_26:notes"/>
           <p:cNvSpPr txBox="1"/>
           <p:nvPr>
             <p:ph idx="1" type="body"/>
@@ -2030,7 +2030,7 @@
   <p:cSld>
     <p:spTree>
       <p:nvGrpSpPr>
-        <p:cNvPr id="173" name="Shape 173"/>
+        <p:cNvPr id="174" name="Shape 174"/>
         <p:cNvGrpSpPr/>
         <p:nvPr/>
       </p:nvGrpSpPr>
@@ -2044,7 +2044,7 @@
       </p:grpSpPr>
       <p:sp>
         <p:nvSpPr>
-          <p:cNvPr id="174" name="Google Shape;174;g133be5e16e8_0_0:notes"/>
+          <p:cNvPr id="175" name="Google Shape;175;g133be5e16e8_0_0:notes"/>
           <p:cNvSpPr/>
           <p:nvPr>
             <p:ph idx="2" type="sldImg"/>
@@ -2079,7 +2079,7 @@
       </p:sp>
       <p:sp>
         <p:nvSpPr>
-          <p:cNvPr id="175" name="Google Shape;175;g133be5e16e8_0_0:notes"/>
+          <p:cNvPr id="176" name="Google Shape;176;g133be5e16e8_0_0:notes"/>
           <p:cNvSpPr txBox="1"/>
           <p:nvPr>
             <p:ph idx="1" type="body"/>
@@ -2129,7 +2129,7 @@
   <p:cSld>
     <p:spTree>
       <p:nvGrpSpPr>
-        <p:cNvPr id="181" name="Shape 181"/>
+        <p:cNvPr id="182" name="Shape 182"/>
         <p:cNvGrpSpPr/>
         <p:nvPr/>
       </p:nvGrpSpPr>
@@ -2143,7 +2143,7 @@
       </p:grpSpPr>
       <p:sp>
         <p:nvSpPr>
-          <p:cNvPr id="182" name="Google Shape;182;g2c3601aed9a_0_17:notes"/>
+          <p:cNvPr id="183" name="Google Shape;183;g2c3601aed9a_0_17:notes"/>
           <p:cNvSpPr/>
           <p:nvPr>
             <p:ph idx="2" type="sldImg"/>
@@ -2178,7 +2178,7 @@
       </p:sp>
       <p:sp>
         <p:nvSpPr>
-          <p:cNvPr id="183" name="Google Shape;183;g2c3601aed9a_0_17:notes"/>
+          <p:cNvPr id="184" name="Google Shape;184;g2c3601aed9a_0_17:notes"/>
           <p:cNvSpPr txBox="1"/>
           <p:nvPr>
             <p:ph idx="1" type="body"/>
@@ -2228,7 +2228,7 @@
   <p:cSld>
     <p:spTree>
       <p:nvGrpSpPr>
-        <p:cNvPr id="186" name="Shape 186"/>
+        <p:cNvPr id="187" name="Shape 187"/>
         <p:cNvGrpSpPr/>
         <p:nvPr/>
       </p:nvGrpSpPr>
@@ -2242,7 +2242,7 @@
       </p:grpSpPr>
       <p:sp>
         <p:nvSpPr>
-          <p:cNvPr id="187" name="Google Shape;187;gf428e7a1d1_0_19:notes"/>
+          <p:cNvPr id="188" name="Google Shape;188;gf428e7a1d1_0_19:notes"/>
           <p:cNvSpPr/>
           <p:nvPr>
             <p:ph idx="2" type="sldImg"/>
@@ -2277,7 +2277,7 @@
       </p:sp>
       <p:sp>
         <p:nvSpPr>
-          <p:cNvPr id="188" name="Google Shape;188;gf428e7a1d1_0_19:notes"/>
+          <p:cNvPr id="189" name="Google Shape;189;gf428e7a1d1_0_19:notes"/>
           <p:cNvSpPr txBox="1"/>
           <p:nvPr>
             <p:ph idx="1" type="body"/>
@@ -2327,7 +2327,7 @@
   <p:cSld>
     <p:spTree>
       <p:nvGrpSpPr>
-        <p:cNvPr id="193" name="Shape 193"/>
+        <p:cNvPr id="194" name="Shape 194"/>
         <p:cNvGrpSpPr/>
         <p:nvPr/>
       </p:nvGrpSpPr>
@@ -2341,7 +2341,7 @@
       </p:grpSpPr>
       <p:sp>
         <p:nvSpPr>
-          <p:cNvPr id="194" name="Google Shape;194;gf428e7a1d1_0_1:notes"/>
+          <p:cNvPr id="195" name="Google Shape;195;gf428e7a1d1_0_1:notes"/>
           <p:cNvSpPr/>
           <p:nvPr>
             <p:ph idx="2" type="sldImg"/>
@@ -2376,7 +2376,7 @@
       </p:sp>
       <p:sp>
         <p:nvSpPr>
-          <p:cNvPr id="195" name="Google Shape;195;gf428e7a1d1_0_1:notes"/>
+          <p:cNvPr id="196" name="Google Shape;196;gf428e7a1d1_0_1:notes"/>
           <p:cNvSpPr txBox="1"/>
           <p:nvPr>
             <p:ph idx="1" type="body"/>
@@ -2426,7 +2426,7 @@
   <p:cSld>
     <p:spTree>
       <p:nvGrpSpPr>
-        <p:cNvPr id="201" name="Shape 201"/>
+        <p:cNvPr id="202" name="Shape 202"/>
         <p:cNvGrpSpPr/>
         <p:nvPr/>
       </p:nvGrpSpPr>
@@ -2440,7 +2440,7 @@
       </p:grpSpPr>
       <p:sp>
         <p:nvSpPr>
-          <p:cNvPr id="202" name="Google Shape;202;g2c3601aed9a_0_51:notes"/>
+          <p:cNvPr id="203" name="Google Shape;203;g2c3601aed9a_0_51:notes"/>
           <p:cNvSpPr/>
           <p:nvPr>
             <p:ph idx="2" type="sldImg"/>
@@ -2475,7 +2475,7 @@
       </p:sp>
       <p:sp>
         <p:nvSpPr>
-          <p:cNvPr id="203" name="Google Shape;203;g2c3601aed9a_0_51:notes"/>
+          <p:cNvPr id="204" name="Google Shape;204;g2c3601aed9a_0_51:notes"/>
           <p:cNvSpPr txBox="1"/>
           <p:nvPr>
             <p:ph idx="1" type="body"/>
@@ -2525,7 +2525,7 @@
   <p:cSld>
     <p:spTree>
       <p:nvGrpSpPr>
-        <p:cNvPr id="206" name="Shape 206"/>
+        <p:cNvPr id="207" name="Shape 207"/>
         <p:cNvGrpSpPr/>
         <p:nvPr/>
       </p:nvGrpSpPr>
@@ -2539,7 +2539,7 @@
       </p:grpSpPr>
       <p:sp>
         <p:nvSpPr>
-          <p:cNvPr id="207" name="Google Shape;207;g2c3601aed9a_0_9:notes"/>
+          <p:cNvPr id="208" name="Google Shape;208;g2c3601aed9a_0_9:notes"/>
           <p:cNvSpPr/>
           <p:nvPr>
             <p:ph idx="2" type="sldImg"/>
@@ -2574,7 +2574,7 @@
       </p:sp>
       <p:sp>
         <p:nvSpPr>
-          <p:cNvPr id="208" name="Google Shape;208;g2c3601aed9a_0_9:notes"/>
+          <p:cNvPr id="209" name="Google Shape;209;g2c3601aed9a_0_9:notes"/>
           <p:cNvSpPr txBox="1"/>
           <p:nvPr>
             <p:ph idx="1" type="body"/>
@@ -2624,7 +2624,7 @@
   <p:cSld>
     <p:spTree>
       <p:nvGrpSpPr>
-        <p:cNvPr id="213" name="Shape 213"/>
+        <p:cNvPr id="214" name="Shape 214"/>
         <p:cNvGrpSpPr/>
         <p:nvPr/>
       </p:nvGrpSpPr>
@@ -2638,7 +2638,7 @@
       </p:grpSpPr>
       <p:sp>
         <p:nvSpPr>
-          <p:cNvPr id="214" name="Google Shape;214;g2c3601aed9a_0_45:notes"/>
+          <p:cNvPr id="215" name="Google Shape;215;g2c3601aed9a_0_45:notes"/>
           <p:cNvSpPr/>
           <p:nvPr>
             <p:ph idx="2" type="sldImg"/>
@@ -2673,7 +2673,7 @@
       </p:sp>
       <p:sp>
         <p:nvSpPr>
-          <p:cNvPr id="215" name="Google Shape;215;g2c3601aed9a_0_45:notes"/>
+          <p:cNvPr id="216" name="Google Shape;216;g2c3601aed9a_0_45:notes"/>
           <p:cNvSpPr txBox="1"/>
           <p:nvPr>
             <p:ph idx="1" type="body"/>
@@ -2723,7 +2723,7 @@
   <p:cSld>
     <p:spTree>
       <p:nvGrpSpPr>
-        <p:cNvPr id="220" name="Shape 220"/>
+        <p:cNvPr id="221" name="Shape 221"/>
         <p:cNvGrpSpPr/>
         <p:nvPr/>
       </p:nvGrpSpPr>
@@ -2737,7 +2737,7 @@
       </p:grpSpPr>
       <p:sp>
         <p:nvSpPr>
-          <p:cNvPr id="221" name="Google Shape;221;g2c3601aed9a_0_21:notes"/>
+          <p:cNvPr id="222" name="Google Shape;222;g2c3601aed9a_0_21:notes"/>
           <p:cNvSpPr/>
           <p:nvPr>
             <p:ph idx="2" type="sldImg"/>
@@ -2772,7 +2772,7 @@
       </p:sp>
       <p:sp>
         <p:nvSpPr>
-          <p:cNvPr id="222" name="Google Shape;222;g2c3601aed9a_0_21:notes"/>
+          <p:cNvPr id="223" name="Google Shape;223;g2c3601aed9a_0_21:notes"/>
           <p:cNvSpPr txBox="1"/>
           <p:nvPr>
             <p:ph idx="1" type="body"/>
@@ -2822,7 +2822,7 @@
   <p:cSld>
     <p:spTree>
       <p:nvGrpSpPr>
-        <p:cNvPr id="228" name="Shape 228"/>
+        <p:cNvPr id="229" name="Shape 229"/>
         <p:cNvGrpSpPr/>
         <p:nvPr/>
       </p:nvGrpSpPr>
@@ -2836,7 +2836,7 @@
       </p:grpSpPr>
       <p:sp>
         <p:nvSpPr>
-          <p:cNvPr id="229" name="Google Shape;229;g2c3601aed9a_0_32:notes"/>
+          <p:cNvPr id="230" name="Google Shape;230;g2c3601aed9a_0_32:notes"/>
           <p:cNvSpPr/>
           <p:nvPr>
             <p:ph idx="2" type="sldImg"/>
@@ -2871,7 +2871,7 @@
       </p:sp>
       <p:sp>
         <p:nvSpPr>
-          <p:cNvPr id="230" name="Google Shape;230;g2c3601aed9a_0_32:notes"/>
+          <p:cNvPr id="231" name="Google Shape;231;g2c3601aed9a_0_32:notes"/>
           <p:cNvSpPr txBox="1"/>
           <p:nvPr>
             <p:ph idx="1" type="body"/>
@@ -2921,7 +2921,7 @@
   <p:cSld>
     <p:spTree>
       <p:nvGrpSpPr>
-        <p:cNvPr id="45" name="Shape 45"/>
+        <p:cNvPr id="46" name="Shape 46"/>
         <p:cNvGrpSpPr/>
         <p:nvPr/>
       </p:nvGrpSpPr>
@@ -2935,7 +2935,7 @@
       </p:grpSpPr>
       <p:sp>
         <p:nvSpPr>
-          <p:cNvPr id="46" name="Google Shape;46;gf9bad1e87a_0_0:notes"/>
+          <p:cNvPr id="47" name="Google Shape;47;gf9bad1e87a_0_0:notes"/>
           <p:cNvSpPr/>
           <p:nvPr>
             <p:ph idx="2" type="sldImg"/>
@@ -2970,7 +2970,7 @@
       </p:sp>
       <p:sp>
         <p:nvSpPr>
-          <p:cNvPr id="47" name="Google Shape;47;gf9bad1e87a_0_0:notes"/>
+          <p:cNvPr id="48" name="Google Shape;48;gf9bad1e87a_0_0:notes"/>
           <p:cNvSpPr txBox="1"/>
           <p:nvPr>
             <p:ph idx="1" type="body"/>
@@ -3020,7 +3020,7 @@
   <p:cSld>
     <p:spTree>
       <p:nvGrpSpPr>
-        <p:cNvPr id="235" name="Shape 235"/>
+        <p:cNvPr id="236" name="Shape 236"/>
         <p:cNvGrpSpPr/>
         <p:nvPr/>
       </p:nvGrpSpPr>
@@ -3034,7 +3034,7 @@
       </p:grpSpPr>
       <p:sp>
         <p:nvSpPr>
-          <p:cNvPr id="236" name="Google Shape;236;g2c4bb9ecca5_0_0:notes"/>
+          <p:cNvPr id="237" name="Google Shape;237;g2c4bb9ecca5_0_0:notes"/>
           <p:cNvSpPr/>
           <p:nvPr>
             <p:ph idx="2" type="sldImg"/>
@@ -3069,7 +3069,7 @@
       </p:sp>
       <p:sp>
         <p:nvSpPr>
-          <p:cNvPr id="237" name="Google Shape;237;g2c4bb9ecca5_0_0:notes"/>
+          <p:cNvPr id="238" name="Google Shape;238;g2c4bb9ecca5_0_0:notes"/>
           <p:cNvSpPr txBox="1"/>
           <p:nvPr>
             <p:ph idx="1" type="body"/>
@@ -3119,7 +3119,7 @@
   <p:cSld>
     <p:spTree>
       <p:nvGrpSpPr>
-        <p:cNvPr id="242" name="Shape 242"/>
+        <p:cNvPr id="243" name="Shape 243"/>
         <p:cNvGrpSpPr/>
         <p:nvPr/>
       </p:nvGrpSpPr>
@@ -3133,7 +3133,7 @@
       </p:grpSpPr>
       <p:sp>
         <p:nvSpPr>
-          <p:cNvPr id="243" name="Google Shape;243;g2c7a6e2504f_0_0:notes"/>
+          <p:cNvPr id="244" name="Google Shape;244;g2c7a6e2504f_0_0:notes"/>
           <p:cNvSpPr/>
           <p:nvPr>
             <p:ph idx="2" type="sldImg"/>
@@ -3168,7 +3168,7 @@
       </p:sp>
       <p:sp>
         <p:nvSpPr>
-          <p:cNvPr id="244" name="Google Shape;244;g2c7a6e2504f_0_0:notes"/>
+          <p:cNvPr id="245" name="Google Shape;245;g2c7a6e2504f_0_0:notes"/>
           <p:cNvSpPr txBox="1"/>
           <p:nvPr>
             <p:ph idx="1" type="body"/>
@@ -3218,7 +3218,7 @@
   <p:cSld>
     <p:spTree>
       <p:nvGrpSpPr>
-        <p:cNvPr id="249" name="Shape 249"/>
+        <p:cNvPr id="250" name="Shape 250"/>
         <p:cNvGrpSpPr/>
         <p:nvPr/>
       </p:nvGrpSpPr>
@@ -3232,7 +3232,7 @@
       </p:grpSpPr>
       <p:sp>
         <p:nvSpPr>
-          <p:cNvPr id="250" name="Google Shape;250;g2c3601aed9a_0_4:notes"/>
+          <p:cNvPr id="251" name="Google Shape;251;g2c3601aed9a_0_4:notes"/>
           <p:cNvSpPr/>
           <p:nvPr>
             <p:ph idx="2" type="sldImg"/>
@@ -3267,7 +3267,7 @@
       </p:sp>
       <p:sp>
         <p:nvSpPr>
-          <p:cNvPr id="251" name="Google Shape;251;g2c3601aed9a_0_4:notes"/>
+          <p:cNvPr id="252" name="Google Shape;252;g2c3601aed9a_0_4:notes"/>
           <p:cNvSpPr txBox="1"/>
           <p:nvPr>
             <p:ph idx="1" type="body"/>
@@ -3317,7 +3317,7 @@
   <p:cSld>
     <p:spTree>
       <p:nvGrpSpPr>
-        <p:cNvPr id="254" name="Shape 254"/>
+        <p:cNvPr id="255" name="Shape 255"/>
         <p:cNvGrpSpPr/>
         <p:nvPr/>
       </p:nvGrpSpPr>
@@ -3331,7 +3331,7 @@
       </p:grpSpPr>
       <p:sp>
         <p:nvSpPr>
-          <p:cNvPr id="255" name="Google Shape;255;gf428e7a1d1_0_7:notes"/>
+          <p:cNvPr id="256" name="Google Shape;256;gf428e7a1d1_0_7:notes"/>
           <p:cNvSpPr/>
           <p:nvPr>
             <p:ph idx="2" type="sldImg"/>
@@ -3366,7 +3366,7 @@
       </p:sp>
       <p:sp>
         <p:nvSpPr>
-          <p:cNvPr id="256" name="Google Shape;256;gf428e7a1d1_0_7:notes"/>
+          <p:cNvPr id="257" name="Google Shape;257;gf428e7a1d1_0_7:notes"/>
           <p:cNvSpPr txBox="1"/>
           <p:nvPr>
             <p:ph idx="1" type="body"/>
@@ -3416,7 +3416,7 @@
   <p:cSld>
     <p:spTree>
       <p:nvGrpSpPr>
-        <p:cNvPr id="261" name="Shape 261"/>
+        <p:cNvPr id="262" name="Shape 262"/>
         <p:cNvGrpSpPr/>
         <p:nvPr/>
       </p:nvGrpSpPr>
@@ -3430,7 +3430,7 @@
       </p:grpSpPr>
       <p:sp>
         <p:nvSpPr>
-          <p:cNvPr id="262" name="Google Shape;262;gf428e7a1d1_0_13:notes"/>
+          <p:cNvPr id="263" name="Google Shape;263;gf428e7a1d1_0_13:notes"/>
           <p:cNvSpPr/>
           <p:nvPr>
             <p:ph idx="2" type="sldImg"/>
@@ -3465,7 +3465,7 @@
       </p:sp>
       <p:sp>
         <p:nvSpPr>
-          <p:cNvPr id="263" name="Google Shape;263;gf428e7a1d1_0_13:notes"/>
+          <p:cNvPr id="264" name="Google Shape;264;gf428e7a1d1_0_13:notes"/>
           <p:cNvSpPr txBox="1"/>
           <p:nvPr>
             <p:ph idx="1" type="body"/>
@@ -3515,7 +3515,7 @@
   <p:cSld>
     <p:spTree>
       <p:nvGrpSpPr>
-        <p:cNvPr id="268" name="Shape 268"/>
+        <p:cNvPr id="269" name="Shape 269"/>
         <p:cNvGrpSpPr/>
         <p:nvPr/>
       </p:nvGrpSpPr>
@@ -3529,7 +3529,7 @@
       </p:grpSpPr>
       <p:sp>
         <p:nvSpPr>
-          <p:cNvPr id="269" name="Google Shape;269;g2c3601aed9a_0_78:notes"/>
+          <p:cNvPr id="270" name="Google Shape;270;g2c3601aed9a_0_78:notes"/>
           <p:cNvSpPr/>
           <p:nvPr>
             <p:ph idx="2" type="sldImg"/>
@@ -3564,7 +3564,7 @@
       </p:sp>
       <p:sp>
         <p:nvSpPr>
-          <p:cNvPr id="270" name="Google Shape;270;g2c3601aed9a_0_78:notes"/>
+          <p:cNvPr id="271" name="Google Shape;271;g2c3601aed9a_0_78:notes"/>
           <p:cNvSpPr txBox="1"/>
           <p:nvPr>
             <p:ph idx="1" type="body"/>
@@ -3614,7 +3614,7 @@
   <p:cSld>
     <p:spTree>
       <p:nvGrpSpPr>
-        <p:cNvPr id="276" name="Shape 276"/>
+        <p:cNvPr id="277" name="Shape 277"/>
         <p:cNvGrpSpPr/>
         <p:nvPr/>
       </p:nvGrpSpPr>
@@ -3628,7 +3628,7 @@
       </p:grpSpPr>
       <p:sp>
         <p:nvSpPr>
-          <p:cNvPr id="277" name="Google Shape;277;g133be5e16e8_0_8:notes"/>
+          <p:cNvPr id="278" name="Google Shape;278;g133be5e16e8_0_8:notes"/>
           <p:cNvSpPr/>
           <p:nvPr>
             <p:ph idx="2" type="sldImg"/>
@@ -3663,7 +3663,7 @@
       </p:sp>
       <p:sp>
         <p:nvSpPr>
-          <p:cNvPr id="278" name="Google Shape;278;g133be5e16e8_0_8:notes"/>
+          <p:cNvPr id="279" name="Google Shape;279;g133be5e16e8_0_8:notes"/>
           <p:cNvSpPr txBox="1"/>
           <p:nvPr>
             <p:ph idx="1" type="body"/>
@@ -3713,7 +3713,7 @@
   <p:cSld>
     <p:spTree>
       <p:nvGrpSpPr>
-        <p:cNvPr id="283" name="Shape 283"/>
+        <p:cNvPr id="284" name="Shape 284"/>
         <p:cNvGrpSpPr/>
         <p:nvPr/>
       </p:nvGrpSpPr>
@@ -3727,7 +3727,7 @@
       </p:grpSpPr>
       <p:sp>
         <p:nvSpPr>
-          <p:cNvPr id="284" name="Google Shape;284;g133be5e16e8_0_40:notes"/>
+          <p:cNvPr id="285" name="Google Shape;285;g133be5e16e8_0_40:notes"/>
           <p:cNvSpPr/>
           <p:nvPr>
             <p:ph idx="2" type="sldImg"/>
@@ -3762,7 +3762,7 @@
       </p:sp>
       <p:sp>
         <p:nvSpPr>
-          <p:cNvPr id="285" name="Google Shape;285;g133be5e16e8_0_40:notes"/>
+          <p:cNvPr id="286" name="Google Shape;286;g133be5e16e8_0_40:notes"/>
           <p:cNvSpPr txBox="1"/>
           <p:nvPr>
             <p:ph idx="1" type="body"/>
@@ -3812,7 +3812,7 @@
   <p:cSld>
     <p:spTree>
       <p:nvGrpSpPr>
-        <p:cNvPr id="290" name="Shape 290"/>
+        <p:cNvPr id="291" name="Shape 291"/>
         <p:cNvGrpSpPr/>
         <p:nvPr/>
       </p:nvGrpSpPr>
@@ -3826,7 +3826,7 @@
       </p:grpSpPr>
       <p:sp>
         <p:nvSpPr>
-          <p:cNvPr id="291" name="Google Shape;291;g2c3601aed9a_0_86:notes"/>
+          <p:cNvPr id="292" name="Google Shape;292;g2c3601aed9a_0_86:notes"/>
           <p:cNvSpPr/>
           <p:nvPr>
             <p:ph idx="2" type="sldImg"/>
@@ -3861,7 +3861,7 @@
       </p:sp>
       <p:sp>
         <p:nvSpPr>
-          <p:cNvPr id="292" name="Google Shape;292;g2c3601aed9a_0_86:notes"/>
+          <p:cNvPr id="293" name="Google Shape;293;g2c3601aed9a_0_86:notes"/>
           <p:cNvSpPr txBox="1"/>
           <p:nvPr>
             <p:ph idx="1" type="body"/>
@@ -3911,7 +3911,7 @@
   <p:cSld>
     <p:spTree>
       <p:nvGrpSpPr>
-        <p:cNvPr id="298" name="Shape 298"/>
+        <p:cNvPr id="299" name="Shape 299"/>
         <p:cNvGrpSpPr/>
         <p:nvPr/>
       </p:nvGrpSpPr>
@@ -3925,7 +3925,7 @@
       </p:grpSpPr>
       <p:sp>
         <p:nvSpPr>
-          <p:cNvPr id="299" name="Google Shape;299;g133abade362_0_12:notes"/>
+          <p:cNvPr id="300" name="Google Shape;300;g133abade362_0_12:notes"/>
           <p:cNvSpPr/>
           <p:nvPr>
             <p:ph idx="2" type="sldImg"/>
@@ -3960,7 +3960,7 @@
       </p:sp>
       <p:sp>
         <p:nvSpPr>
-          <p:cNvPr id="300" name="Google Shape;300;g133abade362_0_12:notes"/>
+          <p:cNvPr id="301" name="Google Shape;301;g133abade362_0_12:notes"/>
           <p:cNvSpPr txBox="1"/>
           <p:nvPr>
             <p:ph idx="1" type="body"/>
@@ -4010,7 +4010,7 @@
   <p:cSld>
     <p:spTree>
       <p:nvGrpSpPr>
-        <p:cNvPr id="50" name="Shape 50"/>
+        <p:cNvPr id="51" name="Shape 51"/>
         <p:cNvGrpSpPr/>
         <p:nvPr/>
       </p:nvGrpSpPr>
@@ -4024,7 +4024,7 @@
       </p:grpSpPr>
       <p:sp>
         <p:nvSpPr>
-          <p:cNvPr id="51" name="Google Shape;51;g127e14a2292_0_6:notes"/>
+          <p:cNvPr id="52" name="Google Shape;52;g127e14a2292_0_6:notes"/>
           <p:cNvSpPr/>
           <p:nvPr>
             <p:ph idx="2" type="sldImg"/>
@@ -4059,7 +4059,7 @@
       </p:sp>
       <p:sp>
         <p:nvSpPr>
-          <p:cNvPr id="52" name="Google Shape;52;g127e14a2292_0_6:notes"/>
+          <p:cNvPr id="53" name="Google Shape;53;g127e14a2292_0_6:notes"/>
           <p:cNvSpPr txBox="1"/>
           <p:nvPr>
             <p:ph idx="1" type="body"/>
@@ -4109,7 +4109,7 @@
   <p:cSld>
     <p:spTree>
       <p:nvGrpSpPr>
-        <p:cNvPr id="305" name="Shape 305"/>
+        <p:cNvPr id="306" name="Shape 306"/>
         <p:cNvGrpSpPr/>
         <p:nvPr/>
       </p:nvGrpSpPr>
@@ -4123,7 +4123,7 @@
       </p:grpSpPr>
       <p:sp>
         <p:nvSpPr>
-          <p:cNvPr id="306" name="Google Shape;306;g133be5e16e8_0_46:notes"/>
+          <p:cNvPr id="307" name="Google Shape;307;g133be5e16e8_0_46:notes"/>
           <p:cNvSpPr/>
           <p:nvPr>
             <p:ph idx="2" type="sldImg"/>
@@ -4158,7 +4158,7 @@
       </p:sp>
       <p:sp>
         <p:nvSpPr>
-          <p:cNvPr id="307" name="Google Shape;307;g133be5e16e8_0_46:notes"/>
+          <p:cNvPr id="308" name="Google Shape;308;g133be5e16e8_0_46:notes"/>
           <p:cNvSpPr txBox="1"/>
           <p:nvPr>
             <p:ph idx="1" type="body"/>
@@ -4208,7 +4208,7 @@
   <p:cSld>
     <p:spTree>
       <p:nvGrpSpPr>
-        <p:cNvPr id="312" name="Shape 312"/>
+        <p:cNvPr id="313" name="Shape 313"/>
         <p:cNvGrpSpPr/>
         <p:nvPr/>
       </p:nvGrpSpPr>
@@ -4222,7 +4222,7 @@
       </p:grpSpPr>
       <p:sp>
         <p:nvSpPr>
-          <p:cNvPr id="313" name="Google Shape;313;g2c3601aed9a_0_94:notes"/>
+          <p:cNvPr id="314" name="Google Shape;314;g2c3601aed9a_0_94:notes"/>
           <p:cNvSpPr/>
           <p:nvPr>
             <p:ph idx="2" type="sldImg"/>
@@ -4257,7 +4257,7 @@
       </p:sp>
       <p:sp>
         <p:nvSpPr>
-          <p:cNvPr id="314" name="Google Shape;314;g2c3601aed9a_0_94:notes"/>
+          <p:cNvPr id="315" name="Google Shape;315;g2c3601aed9a_0_94:notes"/>
           <p:cNvSpPr txBox="1"/>
           <p:nvPr>
             <p:ph idx="1" type="body"/>
@@ -4307,7 +4307,7 @@
   <p:cSld>
     <p:spTree>
       <p:nvGrpSpPr>
-        <p:cNvPr id="320" name="Shape 320"/>
+        <p:cNvPr id="321" name="Shape 321"/>
         <p:cNvGrpSpPr/>
         <p:nvPr/>
       </p:nvGrpSpPr>
@@ -4321,7 +4321,7 @@
       </p:grpSpPr>
       <p:sp>
         <p:nvSpPr>
-          <p:cNvPr id="321" name="Google Shape;321;g133be5e16e8_0_14:notes"/>
+          <p:cNvPr id="322" name="Google Shape;322;g133be5e16e8_0_14:notes"/>
           <p:cNvSpPr/>
           <p:nvPr>
             <p:ph idx="2" type="sldImg"/>
@@ -4356,7 +4356,7 @@
       </p:sp>
       <p:sp>
         <p:nvSpPr>
-          <p:cNvPr id="322" name="Google Shape;322;g133be5e16e8_0_14:notes"/>
+          <p:cNvPr id="323" name="Google Shape;323;g133be5e16e8_0_14:notes"/>
           <p:cNvSpPr txBox="1"/>
           <p:nvPr>
             <p:ph idx="1" type="body"/>
@@ -4406,7 +4406,7 @@
   <p:cSld>
     <p:spTree>
       <p:nvGrpSpPr>
-        <p:cNvPr id="327" name="Shape 327"/>
+        <p:cNvPr id="328" name="Shape 328"/>
         <p:cNvGrpSpPr/>
         <p:nvPr/>
       </p:nvGrpSpPr>
@@ -4420,7 +4420,7 @@
       </p:grpSpPr>
       <p:sp>
         <p:nvSpPr>
-          <p:cNvPr id="328" name="Google Shape;328;g133be5e16e8_0_52:notes"/>
+          <p:cNvPr id="329" name="Google Shape;329;g133be5e16e8_0_52:notes"/>
           <p:cNvSpPr/>
           <p:nvPr>
             <p:ph idx="2" type="sldImg"/>
@@ -4455,7 +4455,7 @@
       </p:sp>
       <p:sp>
         <p:nvSpPr>
-          <p:cNvPr id="329" name="Google Shape;329;g133be5e16e8_0_52:notes"/>
+          <p:cNvPr id="330" name="Google Shape;330;g133be5e16e8_0_52:notes"/>
           <p:cNvSpPr txBox="1"/>
           <p:nvPr>
             <p:ph idx="1" type="body"/>
@@ -4505,7 +4505,7 @@
   <p:cSld>
     <p:spTree>
       <p:nvGrpSpPr>
-        <p:cNvPr id="334" name="Shape 334"/>
+        <p:cNvPr id="335" name="Shape 335"/>
         <p:cNvGrpSpPr/>
         <p:nvPr/>
       </p:nvGrpSpPr>
@@ -4519,7 +4519,7 @@
       </p:grpSpPr>
       <p:sp>
         <p:nvSpPr>
-          <p:cNvPr id="335" name="Google Shape;335;g2c3601aed9a_0_102:notes"/>
+          <p:cNvPr id="336" name="Google Shape;336;g2c3601aed9a_0_102:notes"/>
           <p:cNvSpPr/>
           <p:nvPr>
             <p:ph idx="2" type="sldImg"/>
@@ -4554,7 +4554,7 @@
       </p:sp>
       <p:sp>
         <p:nvSpPr>
-          <p:cNvPr id="336" name="Google Shape;336;g2c3601aed9a_0_102:notes"/>
+          <p:cNvPr id="337" name="Google Shape;337;g2c3601aed9a_0_102:notes"/>
           <p:cNvSpPr txBox="1"/>
           <p:nvPr>
             <p:ph idx="1" type="body"/>
@@ -4604,7 +4604,7 @@
   <p:cSld>
     <p:spTree>
       <p:nvGrpSpPr>
-        <p:cNvPr id="342" name="Shape 342"/>
+        <p:cNvPr id="343" name="Shape 343"/>
         <p:cNvGrpSpPr/>
         <p:nvPr/>
       </p:nvGrpSpPr>
@@ -4618,7 +4618,7 @@
       </p:grpSpPr>
       <p:sp>
         <p:nvSpPr>
-          <p:cNvPr id="343" name="Google Shape;343;g133be5e16e8_0_20:notes"/>
+          <p:cNvPr id="344" name="Google Shape;344;g133be5e16e8_0_20:notes"/>
           <p:cNvSpPr/>
           <p:nvPr>
             <p:ph idx="2" type="sldImg"/>
@@ -4653,7 +4653,7 @@
       </p:sp>
       <p:sp>
         <p:nvSpPr>
-          <p:cNvPr id="344" name="Google Shape;344;g133be5e16e8_0_20:notes"/>
+          <p:cNvPr id="345" name="Google Shape;345;g133be5e16e8_0_20:notes"/>
           <p:cNvSpPr txBox="1"/>
           <p:nvPr>
             <p:ph idx="1" type="body"/>
@@ -4703,7 +4703,7 @@
   <p:cSld>
     <p:spTree>
       <p:nvGrpSpPr>
-        <p:cNvPr id="349" name="Shape 349"/>
+        <p:cNvPr id="350" name="Shape 350"/>
         <p:cNvGrpSpPr/>
         <p:nvPr/>
       </p:nvGrpSpPr>
@@ -4717,7 +4717,7 @@
       </p:grpSpPr>
       <p:sp>
         <p:nvSpPr>
-          <p:cNvPr id="350" name="Google Shape;350;g133be5e16e8_0_58:notes"/>
+          <p:cNvPr id="351" name="Google Shape;351;g133be5e16e8_0_58:notes"/>
           <p:cNvSpPr/>
           <p:nvPr>
             <p:ph idx="2" type="sldImg"/>
@@ -4752,7 +4752,7 @@
       </p:sp>
       <p:sp>
         <p:nvSpPr>
-          <p:cNvPr id="351" name="Google Shape;351;g133be5e16e8_0_58:notes"/>
+          <p:cNvPr id="352" name="Google Shape;352;g133be5e16e8_0_58:notes"/>
           <p:cNvSpPr txBox="1"/>
           <p:nvPr>
             <p:ph idx="1" type="body"/>
@@ -4802,7 +4802,7 @@
   <p:cSld>
     <p:spTree>
       <p:nvGrpSpPr>
-        <p:cNvPr id="356" name="Shape 356"/>
+        <p:cNvPr id="357" name="Shape 357"/>
         <p:cNvGrpSpPr/>
         <p:nvPr/>
       </p:nvGrpSpPr>
@@ -4816,7 +4816,7 @@
       </p:grpSpPr>
       <p:sp>
         <p:nvSpPr>
-          <p:cNvPr id="357" name="Google Shape;357;g2c3601aed9a_0_117:notes"/>
+          <p:cNvPr id="358" name="Google Shape;358;g2c3601aed9a_0_117:notes"/>
           <p:cNvSpPr/>
           <p:nvPr>
             <p:ph idx="2" type="sldImg"/>
@@ -4851,7 +4851,7 @@
       </p:sp>
       <p:sp>
         <p:nvSpPr>
-          <p:cNvPr id="358" name="Google Shape;358;g2c3601aed9a_0_117:notes"/>
+          <p:cNvPr id="359" name="Google Shape;359;g2c3601aed9a_0_117:notes"/>
           <p:cNvSpPr txBox="1"/>
           <p:nvPr>
             <p:ph idx="1" type="body"/>
@@ -4901,7 +4901,7 @@
   <p:cSld>
     <p:spTree>
       <p:nvGrpSpPr>
-        <p:cNvPr id="364" name="Shape 364"/>
+        <p:cNvPr id="365" name="Shape 365"/>
         <p:cNvGrpSpPr/>
         <p:nvPr/>
       </p:nvGrpSpPr>
@@ -4915,7 +4915,7 @@
       </p:grpSpPr>
       <p:sp>
         <p:nvSpPr>
-          <p:cNvPr id="365" name="Google Shape;365;gf428e7a1d1_0_25:notes"/>
+          <p:cNvPr id="366" name="Google Shape;366;gf428e7a1d1_0_25:notes"/>
           <p:cNvSpPr/>
           <p:nvPr>
             <p:ph idx="2" type="sldImg"/>
@@ -4950,7 +4950,7 @@
       </p:sp>
       <p:sp>
         <p:nvSpPr>
-          <p:cNvPr id="366" name="Google Shape;366;gf428e7a1d1_0_25:notes"/>
+          <p:cNvPr id="367" name="Google Shape;367;gf428e7a1d1_0_25:notes"/>
           <p:cNvSpPr txBox="1"/>
           <p:nvPr>
             <p:ph idx="1" type="body"/>
@@ -5000,7 +5000,7 @@
   <p:cSld>
     <p:spTree>
       <p:nvGrpSpPr>
-        <p:cNvPr id="371" name="Shape 371"/>
+        <p:cNvPr id="372" name="Shape 372"/>
         <p:cNvGrpSpPr/>
         <p:nvPr/>
       </p:nvGrpSpPr>
@@ -5014,7 +5014,7 @@
       </p:grpSpPr>
       <p:sp>
         <p:nvSpPr>
-          <p:cNvPr id="372" name="Google Shape;372;g2179b616e8b_0_23:notes"/>
+          <p:cNvPr id="373" name="Google Shape;373;g2179b616e8b_0_23:notes"/>
           <p:cNvSpPr/>
           <p:nvPr>
             <p:ph idx="2" type="sldImg"/>
@@ -5049,7 +5049,7 @@
       </p:sp>
       <p:sp>
         <p:nvSpPr>
-          <p:cNvPr id="373" name="Google Shape;373;g2179b616e8b_0_23:notes"/>
+          <p:cNvPr id="374" name="Google Shape;374;g2179b616e8b_0_23:notes"/>
           <p:cNvSpPr txBox="1"/>
           <p:nvPr>
             <p:ph idx="1" type="body"/>
@@ -5099,7 +5099,7 @@
   <p:cSld>
     <p:spTree>
       <p:nvGrpSpPr>
-        <p:cNvPr id="57" name="Shape 57"/>
+        <p:cNvPr id="58" name="Shape 58"/>
         <p:cNvGrpSpPr/>
         <p:nvPr/>
       </p:nvGrpSpPr>
@@ -5113,7 +5113,7 @@
       </p:grpSpPr>
       <p:sp>
         <p:nvSpPr>
-          <p:cNvPr id="58" name="Google Shape;58;g2c3601aed9a_0_62:notes"/>
+          <p:cNvPr id="59" name="Google Shape;59;g2c3601aed9a_0_62:notes"/>
           <p:cNvSpPr/>
           <p:nvPr>
             <p:ph idx="2" type="sldImg"/>
@@ -5148,7 +5148,7 @@
       </p:sp>
       <p:sp>
         <p:nvSpPr>
-          <p:cNvPr id="59" name="Google Shape;59;g2c3601aed9a_0_62:notes"/>
+          <p:cNvPr id="60" name="Google Shape;60;g2c3601aed9a_0_62:notes"/>
           <p:cNvSpPr txBox="1"/>
           <p:nvPr>
             <p:ph idx="1" type="body"/>
@@ -5198,7 +5198,7 @@
   <p:cSld>
     <p:spTree>
       <p:nvGrpSpPr>
-        <p:cNvPr id="376" name="Shape 376"/>
+        <p:cNvPr id="377" name="Shape 377"/>
         <p:cNvGrpSpPr/>
         <p:nvPr/>
       </p:nvGrpSpPr>
@@ -5212,7 +5212,7 @@
       </p:grpSpPr>
       <p:sp>
         <p:nvSpPr>
-          <p:cNvPr id="377" name="Google Shape;377;g2c3601aed9a_0_56:notes"/>
+          <p:cNvPr id="378" name="Google Shape;378;g2c3601aed9a_0_56:notes"/>
           <p:cNvSpPr/>
           <p:nvPr>
             <p:ph idx="2" type="sldImg"/>
@@ -5247,7 +5247,7 @@
       </p:sp>
       <p:sp>
         <p:nvSpPr>
-          <p:cNvPr id="378" name="Google Shape;378;g2c3601aed9a_0_56:notes"/>
+          <p:cNvPr id="379" name="Google Shape;379;g2c3601aed9a_0_56:notes"/>
           <p:cNvSpPr txBox="1"/>
           <p:nvPr>
             <p:ph idx="1" type="body"/>
@@ -5297,7 +5297,7 @@
   <p:cSld>
     <p:spTree>
       <p:nvGrpSpPr>
-        <p:cNvPr id="383" name="Shape 383"/>
+        <p:cNvPr id="384" name="Shape 384"/>
         <p:cNvGrpSpPr/>
         <p:nvPr/>
       </p:nvGrpSpPr>
@@ -5311,7 +5311,7 @@
       </p:grpSpPr>
       <p:sp>
         <p:nvSpPr>
-          <p:cNvPr id="384" name="Google Shape;384;g133be5e16e8_0_64:notes"/>
+          <p:cNvPr id="385" name="Google Shape;385;g133be5e16e8_0_64:notes"/>
           <p:cNvSpPr/>
           <p:nvPr>
             <p:ph idx="2" type="sldImg"/>
@@ -5346,7 +5346,7 @@
       </p:sp>
       <p:sp>
         <p:nvSpPr>
-          <p:cNvPr id="385" name="Google Shape;385;g133be5e16e8_0_64:notes"/>
+          <p:cNvPr id="386" name="Google Shape;386;g133be5e16e8_0_64:notes"/>
           <p:cNvSpPr txBox="1"/>
           <p:nvPr>
             <p:ph idx="1" type="body"/>
@@ -5396,7 +5396,7 @@
   <p:cSld>
     <p:spTree>
       <p:nvGrpSpPr>
-        <p:cNvPr id="390" name="Shape 390"/>
+        <p:cNvPr id="391" name="Shape 391"/>
         <p:cNvGrpSpPr/>
         <p:nvPr/>
       </p:nvGrpSpPr>
@@ -5410,7 +5410,7 @@
       </p:grpSpPr>
       <p:sp>
         <p:nvSpPr>
-          <p:cNvPr id="391" name="Google Shape;391;g2390037b54d_0_38:notes"/>
+          <p:cNvPr id="392" name="Google Shape;392;g2390037b54d_0_38:notes"/>
           <p:cNvSpPr/>
           <p:nvPr>
             <p:ph idx="2" type="sldImg"/>
@@ -5445,7 +5445,7 @@
       </p:sp>
       <p:sp>
         <p:nvSpPr>
-          <p:cNvPr id="392" name="Google Shape;392;g2390037b54d_0_38:notes"/>
+          <p:cNvPr id="393" name="Google Shape;393;g2390037b54d_0_38:notes"/>
           <p:cNvSpPr txBox="1"/>
           <p:nvPr>
             <p:ph idx="1" type="body"/>
@@ -5495,7 +5495,7 @@
   <p:cSld>
     <p:spTree>
       <p:nvGrpSpPr>
-        <p:cNvPr id="396" name="Shape 396"/>
+        <p:cNvPr id="397" name="Shape 397"/>
         <p:cNvGrpSpPr/>
         <p:nvPr/>
       </p:nvGrpSpPr>
@@ -5509,7 +5509,7 @@
       </p:grpSpPr>
       <p:sp>
         <p:nvSpPr>
-          <p:cNvPr id="397" name="Google Shape;397;g2390037b54d_0_43:notes"/>
+          <p:cNvPr id="398" name="Google Shape;398;g2390037b54d_0_43:notes"/>
           <p:cNvSpPr/>
           <p:nvPr>
             <p:ph idx="2" type="sldImg"/>
@@ -5544,7 +5544,7 @@
       </p:sp>
       <p:sp>
         <p:nvSpPr>
-          <p:cNvPr id="398" name="Google Shape;398;g2390037b54d_0_43:notes"/>
+          <p:cNvPr id="399" name="Google Shape;399;g2390037b54d_0_43:notes"/>
           <p:cNvSpPr txBox="1"/>
           <p:nvPr>
             <p:ph idx="1" type="body"/>
@@ -5594,7 +5594,7 @@
   <p:cSld>
     <p:spTree>
       <p:nvGrpSpPr>
-        <p:cNvPr id="64" name="Shape 64"/>
+        <p:cNvPr id="65" name="Shape 65"/>
         <p:cNvGrpSpPr/>
         <p:nvPr/>
       </p:nvGrpSpPr>
@@ -5608,7 +5608,7 @@
       </p:grpSpPr>
       <p:sp>
         <p:nvSpPr>
-          <p:cNvPr id="65" name="Google Shape;65;g11d3036de23_0_0:notes"/>
+          <p:cNvPr id="66" name="Google Shape;66;g11d3036de23_0_0:notes"/>
           <p:cNvSpPr/>
           <p:nvPr>
             <p:ph idx="2" type="sldImg"/>
@@ -5643,7 +5643,7 @@
       </p:sp>
       <p:sp>
         <p:nvSpPr>
-          <p:cNvPr id="66" name="Google Shape;66;g11d3036de23_0_0:notes"/>
+          <p:cNvPr id="67" name="Google Shape;67;g11d3036de23_0_0:notes"/>
           <p:cNvSpPr txBox="1"/>
           <p:nvPr>
             <p:ph idx="1" type="body"/>
@@ -5693,7 +5693,7 @@
   <p:cSld>
     <p:spTree>
       <p:nvGrpSpPr>
-        <p:cNvPr id="71" name="Shape 71"/>
+        <p:cNvPr id="72" name="Shape 72"/>
         <p:cNvGrpSpPr/>
         <p:nvPr/>
       </p:nvGrpSpPr>
@@ -5707,7 +5707,7 @@
       </p:grpSpPr>
       <p:sp>
         <p:nvSpPr>
-          <p:cNvPr id="72" name="Google Shape;72;gdb5ccdfa64_0_0:notes"/>
+          <p:cNvPr id="73" name="Google Shape;73;gdb5ccdfa64_0_0:notes"/>
           <p:cNvSpPr/>
           <p:nvPr>
             <p:ph idx="2" type="sldImg"/>
@@ -5742,7 +5742,7 @@
       </p:sp>
       <p:sp>
         <p:nvSpPr>
-          <p:cNvPr id="73" name="Google Shape;73;gdb5ccdfa64_0_0:notes"/>
+          <p:cNvPr id="74" name="Google Shape;74;gdb5ccdfa64_0_0:notes"/>
           <p:cNvSpPr txBox="1"/>
           <p:nvPr>
             <p:ph idx="1" type="body"/>
@@ -5792,7 +5792,7 @@
   <p:cSld>
     <p:spTree>
       <p:nvGrpSpPr>
-        <p:cNvPr id="79" name="Shape 79"/>
+        <p:cNvPr id="80" name="Shape 80"/>
         <p:cNvGrpSpPr/>
         <p:nvPr/>
       </p:nvGrpSpPr>
@@ -5806,7 +5806,7 @@
       </p:grpSpPr>
       <p:sp>
         <p:nvSpPr>
-          <p:cNvPr id="80" name="Google Shape;80;g11bb148f78e_0_32:notes"/>
+          <p:cNvPr id="81" name="Google Shape;81;g11bb148f78e_0_32:notes"/>
           <p:cNvSpPr/>
           <p:nvPr>
             <p:ph idx="2" type="sldImg"/>
@@ -5841,7 +5841,7 @@
       </p:sp>
       <p:sp>
         <p:nvSpPr>
-          <p:cNvPr id="81" name="Google Shape;81;g11bb148f78e_0_32:notes"/>
+          <p:cNvPr id="82" name="Google Shape;82;g11bb148f78e_0_32:notes"/>
           <p:cNvSpPr txBox="1"/>
           <p:nvPr>
             <p:ph idx="1" type="body"/>
@@ -5891,7 +5891,7 @@
   <p:cSld>
     <p:spTree>
       <p:nvGrpSpPr>
-        <p:cNvPr id="86" name="Shape 86"/>
+        <p:cNvPr id="87" name="Shape 87"/>
         <p:cNvGrpSpPr/>
         <p:nvPr/>
       </p:nvGrpSpPr>
@@ -5905,7 +5905,7 @@
       </p:grpSpPr>
       <p:sp>
         <p:nvSpPr>
-          <p:cNvPr id="87" name="Google Shape;87;g127e14a2292_0_12:notes"/>
+          <p:cNvPr id="88" name="Google Shape;88;g127e14a2292_0_12:notes"/>
           <p:cNvSpPr/>
           <p:nvPr>
             <p:ph idx="2" type="sldImg"/>
@@ -5940,7 +5940,7 @@
       </p:sp>
       <p:sp>
         <p:nvSpPr>
-          <p:cNvPr id="88" name="Google Shape;88;g127e14a2292_0_12:notes"/>
+          <p:cNvPr id="89" name="Google Shape;89;g127e14a2292_0_12:notes"/>
           <p:cNvSpPr txBox="1"/>
           <p:nvPr>
             <p:ph idx="1" type="body"/>
@@ -6523,6 +6523,144 @@
           </a:p>
         </p:txBody>
       </p:sp>
+      <p:sp>
+        <p:nvSpPr>
+          <p:cNvPr id="16" name="Google Shape;16;p3"/>
+          <p:cNvSpPr txBox="1"/>
+          <p:nvPr>
+            <p:ph idx="12" type="sldNum"/>
+          </p:nvPr>
+        </p:nvSpPr>
+        <p:spPr>
+          <a:xfrm>
+            <a:off x="7315209" y="4229101"/>
+            <a:ext cx="1828800" cy="914400"/>
+          </a:xfrm>
+          <a:prstGeom prst="rect">
+            <a:avLst/>
+          </a:prstGeom>
+        </p:spPr>
+        <p:txBody>
+          <a:bodyPr anchorCtr="0" anchor="b" bIns="91425" lIns="91425" spcFirstLastPara="1" rIns="91425" wrap="square" tIns="91425">
+            <a:noAutofit/>
+          </a:bodyPr>
+          <a:lstStyle>
+            <a:lvl1pPr lvl="0" rtl="0" algn="r">
+              <a:buNone/>
+              <a:defRPr b="1" sz="2400">
+                <a:solidFill>
+                  <a:schemeClr val="dk1"/>
+                </a:solidFill>
+              </a:defRPr>
+            </a:lvl1pPr>
+            <a:lvl2pPr lvl="1" rtl="0" algn="r">
+              <a:buNone/>
+              <a:defRPr b="1" sz="2400">
+                <a:solidFill>
+                  <a:schemeClr val="dk1"/>
+                </a:solidFill>
+              </a:defRPr>
+            </a:lvl2pPr>
+            <a:lvl3pPr lvl="2" rtl="0" algn="r">
+              <a:buNone/>
+              <a:defRPr b="1" sz="2400">
+                <a:solidFill>
+                  <a:schemeClr val="dk1"/>
+                </a:solidFill>
+              </a:defRPr>
+            </a:lvl3pPr>
+            <a:lvl4pPr lvl="3" rtl="0" algn="r">
+              <a:buNone/>
+              <a:defRPr b="1" sz="2400">
+                <a:solidFill>
+                  <a:schemeClr val="dk1"/>
+                </a:solidFill>
+              </a:defRPr>
+            </a:lvl4pPr>
+            <a:lvl5pPr lvl="4" rtl="0" algn="r">
+              <a:buNone/>
+              <a:defRPr b="1" sz="2400">
+                <a:solidFill>
+                  <a:schemeClr val="dk1"/>
+                </a:solidFill>
+              </a:defRPr>
+            </a:lvl5pPr>
+            <a:lvl6pPr lvl="5" rtl="0" algn="r">
+              <a:buNone/>
+              <a:defRPr b="1" sz="2400">
+                <a:solidFill>
+                  <a:schemeClr val="dk1"/>
+                </a:solidFill>
+              </a:defRPr>
+            </a:lvl6pPr>
+            <a:lvl7pPr lvl="6" rtl="0" algn="r">
+              <a:buNone/>
+              <a:defRPr b="1" sz="2400">
+                <a:solidFill>
+                  <a:schemeClr val="dk1"/>
+                </a:solidFill>
+              </a:defRPr>
+            </a:lvl7pPr>
+            <a:lvl8pPr lvl="7" rtl="0" algn="r">
+              <a:buNone/>
+              <a:defRPr b="1" sz="2400">
+                <a:solidFill>
+                  <a:schemeClr val="dk1"/>
+                </a:solidFill>
+              </a:defRPr>
+            </a:lvl8pPr>
+            <a:lvl9pPr lvl="8" rtl="0" algn="r">
+              <a:buNone/>
+              <a:defRPr b="1" sz="2400">
+                <a:solidFill>
+                  <a:schemeClr val="dk1"/>
+                </a:solidFill>
+              </a:defRPr>
+            </a:lvl9pPr>
+          </a:lstStyle>
+          <a:p>
+            <a:pPr indent="0" lvl="0" marL="0" rtl="0" algn="r">
+              <a:spcBef>
+                <a:spcPts val="0"/>
+              </a:spcBef>
+              <a:spcAft>
+                <a:spcPts val="0"/>
+              </a:spcAft>
+              <a:buNone/>
+            </a:pPr>
+            <a:fld id="{00000000-1234-1234-1234-123412341234}" type="slidenum">
+              <a:rPr lang="en"/>
+              <a:t>‹#›</a:t>
+            </a:fld>
+            <a:endParaRPr/>
+          </a:p>
+          <a:p>
+            <a:pPr indent="0" lvl="0" marL="0" rtl="0" algn="r">
+              <a:spcBef>
+                <a:spcPts val="0"/>
+              </a:spcBef>
+              <a:spcAft>
+                <a:spcPts val="0"/>
+              </a:spcAft>
+              <a:buNone/>
+            </a:pPr>
+            <a:r>
+              <a:rPr b="0" lang="en" sz="1000" u="sng">
+                <a:solidFill>
+                  <a:schemeClr val="hlink"/>
+                </a:solidFill>
+                <a:hlinkClick r:id="rId2"/>
+              </a:rPr>
+              <a:t>uni1.de/nyt</a:t>
+            </a:r>
+            <a:r>
+              <a:rPr b="0" lang="en" sz="1000"/>
+              <a:t> </a:t>
+            </a:r>
+            <a:endParaRPr b="0" sz="1000"/>
+          </a:p>
+        </p:txBody>
+      </p:sp>
     </p:spTree>
   </p:cSld>
   <p:clrMapOvr>
@@ -6536,7 +6674,7 @@
   <p:cSld name="TITLE_AND_BODY">
     <p:spTree>
       <p:nvGrpSpPr>
-        <p:cNvPr id="16" name="Shape 16"/>
+        <p:cNvPr id="17" name="Shape 17"/>
         <p:cNvGrpSpPr/>
         <p:nvPr/>
       </p:nvGrpSpPr>
@@ -6550,7 +6688,7 @@
       </p:grpSpPr>
       <p:sp>
         <p:nvSpPr>
-          <p:cNvPr id="17" name="Google Shape;17;p4"/>
+          <p:cNvPr id="18" name="Google Shape;18;p4"/>
           <p:cNvSpPr txBox="1"/>
           <p:nvPr>
             <p:ph type="title"/>
@@ -6675,7 +6813,7 @@
       </p:sp>
       <p:sp>
         <p:nvSpPr>
-          <p:cNvPr id="18" name="Google Shape;18;p4"/>
+          <p:cNvPr id="19" name="Google Shape;19;p4"/>
           <p:cNvSpPr txBox="1"/>
           <p:nvPr>
             <p:ph idx="1" type="body"/>
@@ -6796,152 +6934,6 @@
             </a:lvl9pPr>
           </a:lstStyle>
           <a:p/>
-        </p:txBody>
-      </p:sp>
-      <p:sp>
-        <p:nvSpPr>
-          <p:cNvPr id="19" name="Google Shape;19;p4"/>
-          <p:cNvSpPr txBox="1"/>
-          <p:nvPr>
-            <p:ph idx="12" type="sldNum"/>
-          </p:nvPr>
-        </p:nvSpPr>
-        <p:spPr>
-          <a:xfrm>
-            <a:off x="7315202" y="4416550"/>
-            <a:ext cx="1828800" cy="731400"/>
-          </a:xfrm>
-          <a:prstGeom prst="rect">
-            <a:avLst/>
-          </a:prstGeom>
-        </p:spPr>
-        <p:txBody>
-          <a:bodyPr anchorCtr="0" anchor="b" bIns="91425" lIns="91425" spcFirstLastPara="1" rIns="91425" wrap="square" tIns="91425">
-            <a:noAutofit/>
-          </a:bodyPr>
-          <a:lstStyle>
-            <a:lvl1pPr lvl="0" rtl="0">
-              <a:buNone/>
-              <a:defRPr>
-                <a:solidFill>
-                  <a:schemeClr val="dk1"/>
-                </a:solidFill>
-              </a:defRPr>
-            </a:lvl1pPr>
-            <a:lvl2pPr lvl="1" rtl="0">
-              <a:buNone/>
-              <a:defRPr>
-                <a:solidFill>
-                  <a:schemeClr val="dk1"/>
-                </a:solidFill>
-              </a:defRPr>
-            </a:lvl2pPr>
-            <a:lvl3pPr lvl="2" rtl="0">
-              <a:buNone/>
-              <a:defRPr>
-                <a:solidFill>
-                  <a:schemeClr val="dk1"/>
-                </a:solidFill>
-              </a:defRPr>
-            </a:lvl3pPr>
-            <a:lvl4pPr lvl="3" rtl="0">
-              <a:buNone/>
-              <a:defRPr>
-                <a:solidFill>
-                  <a:schemeClr val="dk1"/>
-                </a:solidFill>
-              </a:defRPr>
-            </a:lvl4pPr>
-            <a:lvl5pPr lvl="4" rtl="0">
-              <a:buNone/>
-              <a:defRPr>
-                <a:solidFill>
-                  <a:schemeClr val="dk1"/>
-                </a:solidFill>
-              </a:defRPr>
-            </a:lvl5pPr>
-            <a:lvl6pPr lvl="5" rtl="0">
-              <a:buNone/>
-              <a:defRPr>
-                <a:solidFill>
-                  <a:schemeClr val="dk1"/>
-                </a:solidFill>
-              </a:defRPr>
-            </a:lvl6pPr>
-            <a:lvl7pPr lvl="6" rtl="0">
-              <a:buNone/>
-              <a:defRPr>
-                <a:solidFill>
-                  <a:schemeClr val="dk1"/>
-                </a:solidFill>
-              </a:defRPr>
-            </a:lvl7pPr>
-            <a:lvl8pPr lvl="7" rtl="0">
-              <a:buNone/>
-              <a:defRPr>
-                <a:solidFill>
-                  <a:schemeClr val="dk1"/>
-                </a:solidFill>
-              </a:defRPr>
-            </a:lvl8pPr>
-            <a:lvl9pPr lvl="8" rtl="0">
-              <a:buNone/>
-              <a:defRPr>
-                <a:solidFill>
-                  <a:schemeClr val="dk1"/>
-                </a:solidFill>
-              </a:defRPr>
-            </a:lvl9pPr>
-          </a:lstStyle>
-          <a:p>
-            <a:pPr indent="0" lvl="0" marL="0" rtl="0" algn="r">
-              <a:spcBef>
-                <a:spcPts val="0"/>
-              </a:spcBef>
-              <a:spcAft>
-                <a:spcPts val="0"/>
-              </a:spcAft>
-              <a:buNone/>
-            </a:pPr>
-            <a:fld id="{00000000-1234-1234-1234-123412341234}" type="slidenum">
-              <a:rPr lang="en"/>
-              <a:t>‹#›</a:t>
-            </a:fld>
-            <a:endParaRPr/>
-          </a:p>
-          <a:p>
-            <a:pPr indent="0" lvl="0" marL="0" rtl="0" algn="r">
-              <a:spcBef>
-                <a:spcPts val="0"/>
-              </a:spcBef>
-              <a:spcAft>
-                <a:spcPts val="0"/>
-              </a:spcAft>
-              <a:buNone/>
-            </a:pPr>
-            <a:r>
-              <a:rPr b="0" lang="en" sz="900" u="sng">
-                <a:solidFill>
-                  <a:schemeClr val="hlink"/>
-                </a:solidFill>
-                <a:hlinkClick r:id="rId2"/>
-              </a:rPr>
-              <a:t>https://profriehle.com</a:t>
-            </a:r>
-            <a:r>
-              <a:rPr b="0" lang="en" sz="900">
-                <a:solidFill>
-                  <a:schemeClr val="dk2"/>
-                </a:solidFill>
-              </a:rPr>
-              <a:t> </a:t>
-            </a:r>
-            <a:endParaRPr b="0" sz="900">
-              <a:solidFill>
-                <a:schemeClr val="dk2"/>
-              </a:solidFill>
-            </a:endParaRPr>
-          </a:p>
         </p:txBody>
       </p:sp>
       <p:sp>
@@ -6984,6 +6976,144 @@
               <a:t/>
             </a:r>
             <a:endParaRPr/>
+          </a:p>
+        </p:txBody>
+      </p:sp>
+      <p:sp>
+        <p:nvSpPr>
+          <p:cNvPr id="21" name="Google Shape;21;p4"/>
+          <p:cNvSpPr txBox="1"/>
+          <p:nvPr>
+            <p:ph idx="12" type="sldNum"/>
+          </p:nvPr>
+        </p:nvSpPr>
+        <p:spPr>
+          <a:xfrm>
+            <a:off x="7315209" y="4229101"/>
+            <a:ext cx="1828800" cy="914400"/>
+          </a:xfrm>
+          <a:prstGeom prst="rect">
+            <a:avLst/>
+          </a:prstGeom>
+        </p:spPr>
+        <p:txBody>
+          <a:bodyPr anchorCtr="0" anchor="b" bIns="91425" lIns="91425" spcFirstLastPara="1" rIns="91425" wrap="square" tIns="91425">
+            <a:noAutofit/>
+          </a:bodyPr>
+          <a:lstStyle>
+            <a:lvl1pPr lvl="0" rtl="0" algn="r">
+              <a:buNone/>
+              <a:defRPr b="1" sz="2400">
+                <a:solidFill>
+                  <a:schemeClr val="dk1"/>
+                </a:solidFill>
+              </a:defRPr>
+            </a:lvl1pPr>
+            <a:lvl2pPr lvl="1" rtl="0" algn="r">
+              <a:buNone/>
+              <a:defRPr b="1" sz="2400">
+                <a:solidFill>
+                  <a:schemeClr val="dk1"/>
+                </a:solidFill>
+              </a:defRPr>
+            </a:lvl2pPr>
+            <a:lvl3pPr lvl="2" rtl="0" algn="r">
+              <a:buNone/>
+              <a:defRPr b="1" sz="2400">
+                <a:solidFill>
+                  <a:schemeClr val="dk1"/>
+                </a:solidFill>
+              </a:defRPr>
+            </a:lvl3pPr>
+            <a:lvl4pPr lvl="3" rtl="0" algn="r">
+              <a:buNone/>
+              <a:defRPr b="1" sz="2400">
+                <a:solidFill>
+                  <a:schemeClr val="dk1"/>
+                </a:solidFill>
+              </a:defRPr>
+            </a:lvl4pPr>
+            <a:lvl5pPr lvl="4" rtl="0" algn="r">
+              <a:buNone/>
+              <a:defRPr b="1" sz="2400">
+                <a:solidFill>
+                  <a:schemeClr val="dk1"/>
+                </a:solidFill>
+              </a:defRPr>
+            </a:lvl5pPr>
+            <a:lvl6pPr lvl="5" rtl="0" algn="r">
+              <a:buNone/>
+              <a:defRPr b="1" sz="2400">
+                <a:solidFill>
+                  <a:schemeClr val="dk1"/>
+                </a:solidFill>
+              </a:defRPr>
+            </a:lvl6pPr>
+            <a:lvl7pPr lvl="6" rtl="0" algn="r">
+              <a:buNone/>
+              <a:defRPr b="1" sz="2400">
+                <a:solidFill>
+                  <a:schemeClr val="dk1"/>
+                </a:solidFill>
+              </a:defRPr>
+            </a:lvl7pPr>
+            <a:lvl8pPr lvl="7" rtl="0" algn="r">
+              <a:buNone/>
+              <a:defRPr b="1" sz="2400">
+                <a:solidFill>
+                  <a:schemeClr val="dk1"/>
+                </a:solidFill>
+              </a:defRPr>
+            </a:lvl8pPr>
+            <a:lvl9pPr lvl="8" rtl="0" algn="r">
+              <a:buNone/>
+              <a:defRPr b="1" sz="2400">
+                <a:solidFill>
+                  <a:schemeClr val="dk1"/>
+                </a:solidFill>
+              </a:defRPr>
+            </a:lvl9pPr>
+          </a:lstStyle>
+          <a:p>
+            <a:pPr indent="0" lvl="0" marL="0" rtl="0" algn="r">
+              <a:spcBef>
+                <a:spcPts val="0"/>
+              </a:spcBef>
+              <a:spcAft>
+                <a:spcPts val="0"/>
+              </a:spcAft>
+              <a:buNone/>
+            </a:pPr>
+            <a:fld id="{00000000-1234-1234-1234-123412341234}" type="slidenum">
+              <a:rPr lang="en"/>
+              <a:t>‹#›</a:t>
+            </a:fld>
+            <a:endParaRPr/>
+          </a:p>
+          <a:p>
+            <a:pPr indent="0" lvl="0" marL="0" rtl="0" algn="r">
+              <a:spcBef>
+                <a:spcPts val="0"/>
+              </a:spcBef>
+              <a:spcAft>
+                <a:spcPts val="0"/>
+              </a:spcAft>
+              <a:buNone/>
+            </a:pPr>
+            <a:r>
+              <a:rPr b="0" lang="en" sz="1000" u="sng">
+                <a:solidFill>
+                  <a:schemeClr val="hlink"/>
+                </a:solidFill>
+                <a:hlinkClick r:id="rId2"/>
+              </a:rPr>
+              <a:t>uni1.de/nyt</a:t>
+            </a:r>
+            <a:r>
+              <a:rPr b="0" lang="en" sz="1000"/>
+              <a:t> </a:t>
+            </a:r>
+            <a:endParaRPr b="0" sz="1000"/>
           </a:p>
         </p:txBody>
       </p:sp>
@@ -7000,7 +7130,7 @@
   <p:cSld name="TITLE_AND_TWO_COLUMNS">
     <p:spTree>
       <p:nvGrpSpPr>
-        <p:cNvPr id="21" name="Shape 21"/>
+        <p:cNvPr id="22" name="Shape 22"/>
         <p:cNvGrpSpPr/>
         <p:nvPr/>
       </p:nvGrpSpPr>
@@ -7014,7 +7144,7 @@
       </p:grpSpPr>
       <p:sp>
         <p:nvSpPr>
-          <p:cNvPr id="22" name="Google Shape;22;p5"/>
+          <p:cNvPr id="23" name="Google Shape;23;p5"/>
           <p:cNvSpPr txBox="1"/>
           <p:nvPr>
             <p:ph type="title"/>
@@ -7142,7 +7272,7 @@
       </p:sp>
       <p:sp>
         <p:nvSpPr>
-          <p:cNvPr id="23" name="Google Shape;23;p5"/>
+          <p:cNvPr id="24" name="Google Shape;24;p5"/>
           <p:cNvSpPr txBox="1"/>
           <p:nvPr>
             <p:ph idx="1" type="body"/>
@@ -7267,7 +7397,7 @@
       </p:sp>
       <p:sp>
         <p:nvSpPr>
-          <p:cNvPr id="24" name="Google Shape;24;p5"/>
+          <p:cNvPr id="25" name="Google Shape;25;p5"/>
           <p:cNvSpPr txBox="1"/>
           <p:nvPr>
             <p:ph idx="2" type="body"/>
@@ -7388,152 +7518,6 @@
             </a:lvl9pPr>
           </a:lstStyle>
           <a:p/>
-        </p:txBody>
-      </p:sp>
-      <p:sp>
-        <p:nvSpPr>
-          <p:cNvPr id="25" name="Google Shape;25;p5"/>
-          <p:cNvSpPr txBox="1"/>
-          <p:nvPr>
-            <p:ph idx="12" type="sldNum"/>
-          </p:nvPr>
-        </p:nvSpPr>
-        <p:spPr>
-          <a:xfrm>
-            <a:off x="7315202" y="4416550"/>
-            <a:ext cx="1828800" cy="731400"/>
-          </a:xfrm>
-          <a:prstGeom prst="rect">
-            <a:avLst/>
-          </a:prstGeom>
-        </p:spPr>
-        <p:txBody>
-          <a:bodyPr anchorCtr="0" anchor="b" bIns="91425" lIns="91425" spcFirstLastPara="1" rIns="91425" wrap="square" tIns="91425">
-            <a:noAutofit/>
-          </a:bodyPr>
-          <a:lstStyle>
-            <a:lvl1pPr lvl="0">
-              <a:buNone/>
-              <a:defRPr>
-                <a:solidFill>
-                  <a:schemeClr val="dk1"/>
-                </a:solidFill>
-              </a:defRPr>
-            </a:lvl1pPr>
-            <a:lvl2pPr lvl="1">
-              <a:buNone/>
-              <a:defRPr>
-                <a:solidFill>
-                  <a:schemeClr val="dk1"/>
-                </a:solidFill>
-              </a:defRPr>
-            </a:lvl2pPr>
-            <a:lvl3pPr lvl="2">
-              <a:buNone/>
-              <a:defRPr>
-                <a:solidFill>
-                  <a:schemeClr val="dk1"/>
-                </a:solidFill>
-              </a:defRPr>
-            </a:lvl3pPr>
-            <a:lvl4pPr lvl="3">
-              <a:buNone/>
-              <a:defRPr>
-                <a:solidFill>
-                  <a:schemeClr val="dk1"/>
-                </a:solidFill>
-              </a:defRPr>
-            </a:lvl4pPr>
-            <a:lvl5pPr lvl="4">
-              <a:buNone/>
-              <a:defRPr>
-                <a:solidFill>
-                  <a:schemeClr val="dk1"/>
-                </a:solidFill>
-              </a:defRPr>
-            </a:lvl5pPr>
-            <a:lvl6pPr lvl="5">
-              <a:buNone/>
-              <a:defRPr>
-                <a:solidFill>
-                  <a:schemeClr val="dk1"/>
-                </a:solidFill>
-              </a:defRPr>
-            </a:lvl6pPr>
-            <a:lvl7pPr lvl="6">
-              <a:buNone/>
-              <a:defRPr>
-                <a:solidFill>
-                  <a:schemeClr val="dk1"/>
-                </a:solidFill>
-              </a:defRPr>
-            </a:lvl7pPr>
-            <a:lvl8pPr lvl="7">
-              <a:buNone/>
-              <a:defRPr>
-                <a:solidFill>
-                  <a:schemeClr val="dk1"/>
-                </a:solidFill>
-              </a:defRPr>
-            </a:lvl8pPr>
-            <a:lvl9pPr lvl="8">
-              <a:buNone/>
-              <a:defRPr>
-                <a:solidFill>
-                  <a:schemeClr val="dk1"/>
-                </a:solidFill>
-              </a:defRPr>
-            </a:lvl9pPr>
-          </a:lstStyle>
-          <a:p>
-            <a:pPr indent="0" lvl="0" marL="0" rtl="0" algn="r">
-              <a:spcBef>
-                <a:spcPts val="0"/>
-              </a:spcBef>
-              <a:spcAft>
-                <a:spcPts val="0"/>
-              </a:spcAft>
-              <a:buNone/>
-            </a:pPr>
-            <a:fld id="{00000000-1234-1234-1234-123412341234}" type="slidenum">
-              <a:rPr lang="en"/>
-              <a:t>‹#›</a:t>
-            </a:fld>
-            <a:endParaRPr/>
-          </a:p>
-          <a:p>
-            <a:pPr indent="0" lvl="0" marL="0" rtl="0" algn="r">
-              <a:spcBef>
-                <a:spcPts val="0"/>
-              </a:spcBef>
-              <a:spcAft>
-                <a:spcPts val="0"/>
-              </a:spcAft>
-              <a:buNone/>
-            </a:pPr>
-            <a:r>
-              <a:rPr b="0" lang="en" sz="900" u="sng">
-                <a:solidFill>
-                  <a:schemeClr val="hlink"/>
-                </a:solidFill>
-                <a:hlinkClick r:id="rId2"/>
-              </a:rPr>
-              <a:t>https://profriehle.com</a:t>
-            </a:r>
-            <a:r>
-              <a:rPr b="0" lang="en" sz="900">
-                <a:solidFill>
-                  <a:schemeClr val="dk2"/>
-                </a:solidFill>
-              </a:rPr>
-              <a:t> </a:t>
-            </a:r>
-            <a:endParaRPr>
-              <a:solidFill>
-                <a:schemeClr val="dk2"/>
-              </a:solidFill>
-            </a:endParaRPr>
-          </a:p>
         </p:txBody>
       </p:sp>
       <p:sp>
@@ -7576,6 +7560,144 @@
               <a:t/>
             </a:r>
             <a:endParaRPr/>
+          </a:p>
+        </p:txBody>
+      </p:sp>
+      <p:sp>
+        <p:nvSpPr>
+          <p:cNvPr id="27" name="Google Shape;27;p5"/>
+          <p:cNvSpPr txBox="1"/>
+          <p:nvPr>
+            <p:ph idx="12" type="sldNum"/>
+          </p:nvPr>
+        </p:nvSpPr>
+        <p:spPr>
+          <a:xfrm>
+            <a:off x="7315209" y="4229101"/>
+            <a:ext cx="1828800" cy="914400"/>
+          </a:xfrm>
+          <a:prstGeom prst="rect">
+            <a:avLst/>
+          </a:prstGeom>
+        </p:spPr>
+        <p:txBody>
+          <a:bodyPr anchorCtr="0" anchor="b" bIns="91425" lIns="91425" spcFirstLastPara="1" rIns="91425" wrap="square" tIns="91425">
+            <a:noAutofit/>
+          </a:bodyPr>
+          <a:lstStyle>
+            <a:lvl1pPr lvl="0" rtl="0" algn="r">
+              <a:buNone/>
+              <a:defRPr b="1" sz="2400">
+                <a:solidFill>
+                  <a:schemeClr val="dk1"/>
+                </a:solidFill>
+              </a:defRPr>
+            </a:lvl1pPr>
+            <a:lvl2pPr lvl="1" rtl="0" algn="r">
+              <a:buNone/>
+              <a:defRPr b="1" sz="2400">
+                <a:solidFill>
+                  <a:schemeClr val="dk1"/>
+                </a:solidFill>
+              </a:defRPr>
+            </a:lvl2pPr>
+            <a:lvl3pPr lvl="2" rtl="0" algn="r">
+              <a:buNone/>
+              <a:defRPr b="1" sz="2400">
+                <a:solidFill>
+                  <a:schemeClr val="dk1"/>
+                </a:solidFill>
+              </a:defRPr>
+            </a:lvl3pPr>
+            <a:lvl4pPr lvl="3" rtl="0" algn="r">
+              <a:buNone/>
+              <a:defRPr b="1" sz="2400">
+                <a:solidFill>
+                  <a:schemeClr val="dk1"/>
+                </a:solidFill>
+              </a:defRPr>
+            </a:lvl4pPr>
+            <a:lvl5pPr lvl="4" rtl="0" algn="r">
+              <a:buNone/>
+              <a:defRPr b="1" sz="2400">
+                <a:solidFill>
+                  <a:schemeClr val="dk1"/>
+                </a:solidFill>
+              </a:defRPr>
+            </a:lvl5pPr>
+            <a:lvl6pPr lvl="5" rtl="0" algn="r">
+              <a:buNone/>
+              <a:defRPr b="1" sz="2400">
+                <a:solidFill>
+                  <a:schemeClr val="dk1"/>
+                </a:solidFill>
+              </a:defRPr>
+            </a:lvl6pPr>
+            <a:lvl7pPr lvl="6" rtl="0" algn="r">
+              <a:buNone/>
+              <a:defRPr b="1" sz="2400">
+                <a:solidFill>
+                  <a:schemeClr val="dk1"/>
+                </a:solidFill>
+              </a:defRPr>
+            </a:lvl7pPr>
+            <a:lvl8pPr lvl="7" rtl="0" algn="r">
+              <a:buNone/>
+              <a:defRPr b="1" sz="2400">
+                <a:solidFill>
+                  <a:schemeClr val="dk1"/>
+                </a:solidFill>
+              </a:defRPr>
+            </a:lvl8pPr>
+            <a:lvl9pPr lvl="8" rtl="0" algn="r">
+              <a:buNone/>
+              <a:defRPr b="1" sz="2400">
+                <a:solidFill>
+                  <a:schemeClr val="dk1"/>
+                </a:solidFill>
+              </a:defRPr>
+            </a:lvl9pPr>
+          </a:lstStyle>
+          <a:p>
+            <a:pPr indent="0" lvl="0" marL="0" rtl="0" algn="r">
+              <a:spcBef>
+                <a:spcPts val="0"/>
+              </a:spcBef>
+              <a:spcAft>
+                <a:spcPts val="0"/>
+              </a:spcAft>
+              <a:buNone/>
+            </a:pPr>
+            <a:fld id="{00000000-1234-1234-1234-123412341234}" type="slidenum">
+              <a:rPr lang="en"/>
+              <a:t>‹#›</a:t>
+            </a:fld>
+            <a:endParaRPr/>
+          </a:p>
+          <a:p>
+            <a:pPr indent="0" lvl="0" marL="0" rtl="0" algn="r">
+              <a:spcBef>
+                <a:spcPts val="0"/>
+              </a:spcBef>
+              <a:spcAft>
+                <a:spcPts val="0"/>
+              </a:spcAft>
+              <a:buNone/>
+            </a:pPr>
+            <a:r>
+              <a:rPr b="0" lang="en" sz="1000" u="sng">
+                <a:solidFill>
+                  <a:schemeClr val="hlink"/>
+                </a:solidFill>
+                <a:hlinkClick r:id="rId2"/>
+              </a:rPr>
+              <a:t>uni1.de/nyt</a:t>
+            </a:r>
+            <a:r>
+              <a:rPr b="0" lang="en" sz="1000"/>
+              <a:t> </a:t>
+            </a:r>
+            <a:endParaRPr b="0" sz="1000"/>
           </a:p>
         </p:txBody>
       </p:sp>
@@ -7592,7 +7714,7 @@
   <p:cSld name="TITLE_ONLY">
     <p:spTree>
       <p:nvGrpSpPr>
-        <p:cNvPr id="27" name="Shape 27"/>
+        <p:cNvPr id="28" name="Shape 28"/>
         <p:cNvGrpSpPr/>
         <p:nvPr/>
       </p:nvGrpSpPr>
@@ -7606,7 +7728,7 @@
       </p:grpSpPr>
       <p:sp>
         <p:nvSpPr>
-          <p:cNvPr id="28" name="Google Shape;28;p6"/>
+          <p:cNvPr id="29" name="Google Shape;29;p6"/>
           <p:cNvSpPr txBox="1"/>
           <p:nvPr>
             <p:ph type="title"/>
@@ -7727,152 +7849,6 @@
             </a:lvl9pPr>
           </a:lstStyle>
           <a:p/>
-        </p:txBody>
-      </p:sp>
-      <p:sp>
-        <p:nvSpPr>
-          <p:cNvPr id="29" name="Google Shape;29;p6"/>
-          <p:cNvSpPr txBox="1"/>
-          <p:nvPr>
-            <p:ph idx="12" type="sldNum"/>
-          </p:nvPr>
-        </p:nvSpPr>
-        <p:spPr>
-          <a:xfrm>
-            <a:off x="7315202" y="4416550"/>
-            <a:ext cx="1828800" cy="731400"/>
-          </a:xfrm>
-          <a:prstGeom prst="rect">
-            <a:avLst/>
-          </a:prstGeom>
-        </p:spPr>
-        <p:txBody>
-          <a:bodyPr anchorCtr="0" anchor="b" bIns="91425" lIns="91425" spcFirstLastPara="1" rIns="91425" wrap="square" tIns="91425">
-            <a:noAutofit/>
-          </a:bodyPr>
-          <a:lstStyle>
-            <a:lvl1pPr lvl="0">
-              <a:buNone/>
-              <a:defRPr>
-                <a:solidFill>
-                  <a:schemeClr val="dk1"/>
-                </a:solidFill>
-              </a:defRPr>
-            </a:lvl1pPr>
-            <a:lvl2pPr lvl="1">
-              <a:buNone/>
-              <a:defRPr>
-                <a:solidFill>
-                  <a:schemeClr val="dk1"/>
-                </a:solidFill>
-              </a:defRPr>
-            </a:lvl2pPr>
-            <a:lvl3pPr lvl="2">
-              <a:buNone/>
-              <a:defRPr>
-                <a:solidFill>
-                  <a:schemeClr val="dk1"/>
-                </a:solidFill>
-              </a:defRPr>
-            </a:lvl3pPr>
-            <a:lvl4pPr lvl="3">
-              <a:buNone/>
-              <a:defRPr>
-                <a:solidFill>
-                  <a:schemeClr val="dk1"/>
-                </a:solidFill>
-              </a:defRPr>
-            </a:lvl4pPr>
-            <a:lvl5pPr lvl="4">
-              <a:buNone/>
-              <a:defRPr>
-                <a:solidFill>
-                  <a:schemeClr val="dk1"/>
-                </a:solidFill>
-              </a:defRPr>
-            </a:lvl5pPr>
-            <a:lvl6pPr lvl="5">
-              <a:buNone/>
-              <a:defRPr>
-                <a:solidFill>
-                  <a:schemeClr val="dk1"/>
-                </a:solidFill>
-              </a:defRPr>
-            </a:lvl6pPr>
-            <a:lvl7pPr lvl="6">
-              <a:buNone/>
-              <a:defRPr>
-                <a:solidFill>
-                  <a:schemeClr val="dk1"/>
-                </a:solidFill>
-              </a:defRPr>
-            </a:lvl7pPr>
-            <a:lvl8pPr lvl="7">
-              <a:buNone/>
-              <a:defRPr>
-                <a:solidFill>
-                  <a:schemeClr val="dk1"/>
-                </a:solidFill>
-              </a:defRPr>
-            </a:lvl8pPr>
-            <a:lvl9pPr lvl="8">
-              <a:buNone/>
-              <a:defRPr>
-                <a:solidFill>
-                  <a:schemeClr val="dk1"/>
-                </a:solidFill>
-              </a:defRPr>
-            </a:lvl9pPr>
-          </a:lstStyle>
-          <a:p>
-            <a:pPr indent="0" lvl="0" marL="0" rtl="0" algn="r">
-              <a:spcBef>
-                <a:spcPts val="0"/>
-              </a:spcBef>
-              <a:spcAft>
-                <a:spcPts val="0"/>
-              </a:spcAft>
-              <a:buNone/>
-            </a:pPr>
-            <a:fld id="{00000000-1234-1234-1234-123412341234}" type="slidenum">
-              <a:rPr lang="en"/>
-              <a:t>‹#›</a:t>
-            </a:fld>
-            <a:endParaRPr/>
-          </a:p>
-          <a:p>
-            <a:pPr indent="0" lvl="0" marL="0" rtl="0" algn="r">
-              <a:spcBef>
-                <a:spcPts val="0"/>
-              </a:spcBef>
-              <a:spcAft>
-                <a:spcPts val="0"/>
-              </a:spcAft>
-              <a:buNone/>
-            </a:pPr>
-            <a:r>
-              <a:rPr b="0" lang="en" sz="900" u="sng">
-                <a:solidFill>
-                  <a:schemeClr val="hlink"/>
-                </a:solidFill>
-                <a:hlinkClick r:id="rId2"/>
-              </a:rPr>
-              <a:t>https://profriehle.com</a:t>
-            </a:r>
-            <a:r>
-              <a:rPr b="0" lang="en" sz="900">
-                <a:solidFill>
-                  <a:schemeClr val="dk2"/>
-                </a:solidFill>
-              </a:rPr>
-              <a:t> </a:t>
-            </a:r>
-            <a:endParaRPr>
-              <a:solidFill>
-                <a:schemeClr val="dk2"/>
-              </a:solidFill>
-            </a:endParaRPr>
-          </a:p>
         </p:txBody>
       </p:sp>
       <p:sp>
@@ -7915,6 +7891,144 @@
               <a:t/>
             </a:r>
             <a:endParaRPr/>
+          </a:p>
+        </p:txBody>
+      </p:sp>
+      <p:sp>
+        <p:nvSpPr>
+          <p:cNvPr id="31" name="Google Shape;31;p6"/>
+          <p:cNvSpPr txBox="1"/>
+          <p:nvPr>
+            <p:ph idx="12" type="sldNum"/>
+          </p:nvPr>
+        </p:nvSpPr>
+        <p:spPr>
+          <a:xfrm>
+            <a:off x="7315209" y="4229101"/>
+            <a:ext cx="1828800" cy="914400"/>
+          </a:xfrm>
+          <a:prstGeom prst="rect">
+            <a:avLst/>
+          </a:prstGeom>
+        </p:spPr>
+        <p:txBody>
+          <a:bodyPr anchorCtr="0" anchor="b" bIns="91425" lIns="91425" spcFirstLastPara="1" rIns="91425" wrap="square" tIns="91425">
+            <a:noAutofit/>
+          </a:bodyPr>
+          <a:lstStyle>
+            <a:lvl1pPr lvl="0" rtl="0" algn="r">
+              <a:buNone/>
+              <a:defRPr b="1" sz="2400">
+                <a:solidFill>
+                  <a:schemeClr val="dk1"/>
+                </a:solidFill>
+              </a:defRPr>
+            </a:lvl1pPr>
+            <a:lvl2pPr lvl="1" rtl="0" algn="r">
+              <a:buNone/>
+              <a:defRPr b="1" sz="2400">
+                <a:solidFill>
+                  <a:schemeClr val="dk1"/>
+                </a:solidFill>
+              </a:defRPr>
+            </a:lvl2pPr>
+            <a:lvl3pPr lvl="2" rtl="0" algn="r">
+              <a:buNone/>
+              <a:defRPr b="1" sz="2400">
+                <a:solidFill>
+                  <a:schemeClr val="dk1"/>
+                </a:solidFill>
+              </a:defRPr>
+            </a:lvl3pPr>
+            <a:lvl4pPr lvl="3" rtl="0" algn="r">
+              <a:buNone/>
+              <a:defRPr b="1" sz="2400">
+                <a:solidFill>
+                  <a:schemeClr val="dk1"/>
+                </a:solidFill>
+              </a:defRPr>
+            </a:lvl4pPr>
+            <a:lvl5pPr lvl="4" rtl="0" algn="r">
+              <a:buNone/>
+              <a:defRPr b="1" sz="2400">
+                <a:solidFill>
+                  <a:schemeClr val="dk1"/>
+                </a:solidFill>
+              </a:defRPr>
+            </a:lvl5pPr>
+            <a:lvl6pPr lvl="5" rtl="0" algn="r">
+              <a:buNone/>
+              <a:defRPr b="1" sz="2400">
+                <a:solidFill>
+                  <a:schemeClr val="dk1"/>
+                </a:solidFill>
+              </a:defRPr>
+            </a:lvl6pPr>
+            <a:lvl7pPr lvl="6" rtl="0" algn="r">
+              <a:buNone/>
+              <a:defRPr b="1" sz="2400">
+                <a:solidFill>
+                  <a:schemeClr val="dk1"/>
+                </a:solidFill>
+              </a:defRPr>
+            </a:lvl7pPr>
+            <a:lvl8pPr lvl="7" rtl="0" algn="r">
+              <a:buNone/>
+              <a:defRPr b="1" sz="2400">
+                <a:solidFill>
+                  <a:schemeClr val="dk1"/>
+                </a:solidFill>
+              </a:defRPr>
+            </a:lvl8pPr>
+            <a:lvl9pPr lvl="8" rtl="0" algn="r">
+              <a:buNone/>
+              <a:defRPr b="1" sz="2400">
+                <a:solidFill>
+                  <a:schemeClr val="dk1"/>
+                </a:solidFill>
+              </a:defRPr>
+            </a:lvl9pPr>
+          </a:lstStyle>
+          <a:p>
+            <a:pPr indent="0" lvl="0" marL="0" rtl="0" algn="r">
+              <a:spcBef>
+                <a:spcPts val="0"/>
+              </a:spcBef>
+              <a:spcAft>
+                <a:spcPts val="0"/>
+              </a:spcAft>
+              <a:buNone/>
+            </a:pPr>
+            <a:fld id="{00000000-1234-1234-1234-123412341234}" type="slidenum">
+              <a:rPr lang="en"/>
+              <a:t>‹#›</a:t>
+            </a:fld>
+            <a:endParaRPr/>
+          </a:p>
+          <a:p>
+            <a:pPr indent="0" lvl="0" marL="0" rtl="0" algn="r">
+              <a:spcBef>
+                <a:spcPts val="0"/>
+              </a:spcBef>
+              <a:spcAft>
+                <a:spcPts val="0"/>
+              </a:spcAft>
+              <a:buNone/>
+            </a:pPr>
+            <a:r>
+              <a:rPr b="0" lang="en" sz="1000" u="sng">
+                <a:solidFill>
+                  <a:schemeClr val="hlink"/>
+                </a:solidFill>
+                <a:hlinkClick r:id="rId2"/>
+              </a:rPr>
+              <a:t>uni1.de/nyt</a:t>
+            </a:r>
+            <a:r>
+              <a:rPr b="0" lang="en" sz="1000"/>
+              <a:t> </a:t>
+            </a:r>
+            <a:endParaRPr b="0" sz="1000"/>
           </a:p>
         </p:txBody>
       </p:sp>
@@ -7931,7 +8045,7 @@
   <p:cSld name="BLANK">
     <p:spTree>
       <p:nvGrpSpPr>
-        <p:cNvPr id="31" name="Shape 31"/>
+        <p:cNvPr id="32" name="Shape 32"/>
         <p:cNvGrpSpPr/>
         <p:nvPr/>
       </p:nvGrpSpPr>
@@ -8396,8 +8510,8 @@
         </p:nvSpPr>
         <p:spPr>
           <a:xfrm>
-            <a:off x="7315202" y="4416550"/>
-            <a:ext cx="1828800" cy="731400"/>
+            <a:off x="7315209" y="4229101"/>
+            <a:ext cx="1828800" cy="914400"/>
           </a:xfrm>
           <a:prstGeom prst="rect">
             <a:avLst/>
@@ -8416,7 +8530,7 @@
               <a:buNone/>
               <a:defRPr b="1" sz="2400">
                 <a:solidFill>
-                  <a:schemeClr val="dk2"/>
+                  <a:schemeClr val="dk1"/>
                 </a:solidFill>
               </a:defRPr>
             </a:lvl1pPr>
@@ -8424,7 +8538,7 @@
               <a:buNone/>
               <a:defRPr b="1" sz="2400">
                 <a:solidFill>
-                  <a:schemeClr val="dk2"/>
+                  <a:schemeClr val="dk1"/>
                 </a:solidFill>
               </a:defRPr>
             </a:lvl2pPr>
@@ -8432,7 +8546,7 @@
               <a:buNone/>
               <a:defRPr b="1" sz="2400">
                 <a:solidFill>
-                  <a:schemeClr val="dk2"/>
+                  <a:schemeClr val="dk1"/>
                 </a:solidFill>
               </a:defRPr>
             </a:lvl3pPr>
@@ -8440,7 +8554,7 @@
               <a:buNone/>
               <a:defRPr b="1" sz="2400">
                 <a:solidFill>
-                  <a:schemeClr val="dk2"/>
+                  <a:schemeClr val="dk1"/>
                 </a:solidFill>
               </a:defRPr>
             </a:lvl4pPr>
@@ -8448,7 +8562,7 @@
               <a:buNone/>
               <a:defRPr b="1" sz="2400">
                 <a:solidFill>
-                  <a:schemeClr val="dk2"/>
+                  <a:schemeClr val="dk1"/>
                 </a:solidFill>
               </a:defRPr>
             </a:lvl5pPr>
@@ -8456,7 +8570,7 @@
               <a:buNone/>
               <a:defRPr b="1" sz="2400">
                 <a:solidFill>
-                  <a:schemeClr val="dk2"/>
+                  <a:schemeClr val="dk1"/>
                 </a:solidFill>
               </a:defRPr>
             </a:lvl6pPr>
@@ -8464,7 +8578,7 @@
               <a:buNone/>
               <a:defRPr b="1" sz="2400">
                 <a:solidFill>
-                  <a:schemeClr val="dk2"/>
+                  <a:schemeClr val="dk1"/>
                 </a:solidFill>
               </a:defRPr>
             </a:lvl7pPr>
@@ -8472,7 +8586,7 @@
               <a:buNone/>
               <a:defRPr b="1" sz="2400">
                 <a:solidFill>
-                  <a:schemeClr val="dk2"/>
+                  <a:schemeClr val="dk1"/>
                 </a:solidFill>
               </a:defRPr>
             </a:lvl8pPr>
@@ -8480,7 +8594,7 @@
               <a:buNone/>
               <a:defRPr b="1" sz="2400">
                 <a:solidFill>
-                  <a:schemeClr val="dk2"/>
+                  <a:schemeClr val="dk1"/>
                 </a:solidFill>
               </a:defRPr>
             </a:lvl9pPr>
@@ -8512,19 +8626,19 @@
               <a:buNone/>
             </a:pPr>
             <a:r>
-              <a:rPr b="0" lang="en" sz="900" u="sng">
+              <a:rPr b="0" lang="en" sz="1000" u="sng">
                 <a:solidFill>
                   <a:schemeClr val="hlink"/>
                 </a:solidFill>
                 <a:hlinkClick r:id="rId1"/>
               </a:rPr>
-              <a:t>https://profriehle.com</a:t>
-            </a:r>
-            <a:r>
-              <a:rPr b="0" lang="en" sz="900"/>
+              <a:t>uni1.de/nyt</a:t>
+            </a:r>
+            <a:r>
+              <a:rPr b="0" lang="en" sz="1000"/>
               <a:t> </a:t>
             </a:r>
-            <a:endParaRPr b="0" sz="900"/>
+            <a:endParaRPr b="0" sz="1000"/>
           </a:p>
         </p:txBody>
       </p:sp>
@@ -9237,7 +9351,7 @@
   <p:cSld>
     <p:spTree>
       <p:nvGrpSpPr>
-        <p:cNvPr id="35" name="Shape 35"/>
+        <p:cNvPr id="36" name="Shape 36"/>
         <p:cNvGrpSpPr/>
         <p:nvPr/>
       </p:nvGrpSpPr>
@@ -9251,7 +9365,7 @@
       </p:grpSpPr>
       <p:sp>
         <p:nvSpPr>
-          <p:cNvPr id="36" name="Google Shape;36;p8"/>
+          <p:cNvPr id="37" name="Google Shape;37;p8"/>
           <p:cNvSpPr txBox="1"/>
           <p:nvPr>
             <p:ph type="ctrTitle"/>
@@ -9291,7 +9405,7 @@
       </p:sp>
       <p:sp>
         <p:nvSpPr>
-          <p:cNvPr id="37" name="Google Shape;37;p8"/>
+          <p:cNvPr id="38" name="Google Shape;38;p8"/>
           <p:cNvSpPr txBox="1"/>
           <p:nvPr>
             <p:ph idx="1" type="subTitle"/>
@@ -9398,7 +9512,7 @@
   <p:cSld>
     <p:spTree>
       <p:nvGrpSpPr>
-        <p:cNvPr id="97" name="Shape 97"/>
+        <p:cNvPr id="98" name="Shape 98"/>
         <p:cNvGrpSpPr/>
         <p:nvPr/>
       </p:nvGrpSpPr>
@@ -9412,7 +9526,7 @@
       </p:grpSpPr>
       <p:sp>
         <p:nvSpPr>
-          <p:cNvPr id="98" name="Google Shape;98;p17"/>
+          <p:cNvPr id="99" name="Google Shape;99;p17"/>
           <p:cNvSpPr txBox="1"/>
           <p:nvPr>
             <p:ph type="title"/>
@@ -9452,7 +9566,7 @@
       </p:sp>
       <p:sp>
         <p:nvSpPr>
-          <p:cNvPr id="99" name="Google Shape;99;p17"/>
+          <p:cNvPr id="100" name="Google Shape;100;p17"/>
           <p:cNvSpPr txBox="1"/>
           <p:nvPr>
             <p:ph idx="1" type="body"/>
@@ -9527,7 +9641,7 @@
       </p:sp>
       <p:sp>
         <p:nvSpPr>
-          <p:cNvPr id="100" name="Google Shape;100;p17"/>
+          <p:cNvPr id="101" name="Google Shape;101;p17"/>
           <p:cNvSpPr txBox="1"/>
           <p:nvPr>
             <p:ph idx="12" type="sldNum"/>
@@ -9535,8 +9649,8 @@
         </p:nvSpPr>
         <p:spPr>
           <a:xfrm>
-            <a:off x="7315202" y="4416550"/>
-            <a:ext cx="1828800" cy="731400"/>
+            <a:off x="7315209" y="4229101"/>
+            <a:ext cx="1828800" cy="914400"/>
           </a:xfrm>
           <a:prstGeom prst="rect">
             <a:avLst/>
@@ -9574,27 +9688,19 @@
               <a:buNone/>
             </a:pPr>
             <a:r>
-              <a:rPr b="0" lang="en" sz="900" u="sng">
+              <a:rPr b="0" lang="en" sz="1000" u="sng">
                 <a:solidFill>
                   <a:schemeClr val="hlink"/>
                 </a:solidFill>
                 <a:hlinkClick r:id="rId3"/>
               </a:rPr>
-              <a:t>https://profriehle.com</a:t>
-            </a:r>
-            <a:r>
-              <a:rPr b="0" lang="en" sz="900">
-                <a:solidFill>
-                  <a:schemeClr val="dk2"/>
-                </a:solidFill>
-              </a:rPr>
+              <a:t>uni1.de/nyt</a:t>
+            </a:r>
+            <a:r>
+              <a:rPr b="0" lang="en" sz="1000"/>
               <a:t> </a:t>
             </a:r>
-            <a:endParaRPr b="0" sz="900">
-              <a:solidFill>
-                <a:schemeClr val="dk2"/>
-              </a:solidFill>
-            </a:endParaRPr>
+            <a:endParaRPr b="0" sz="1000"/>
           </a:p>
         </p:txBody>
       </p:sp>
@@ -9611,7 +9717,7 @@
   <p:cSld>
     <p:spTree>
       <p:nvGrpSpPr>
-        <p:cNvPr id="104" name="Shape 104"/>
+        <p:cNvPr id="105" name="Shape 105"/>
         <p:cNvGrpSpPr/>
         <p:nvPr/>
       </p:nvGrpSpPr>
@@ -9625,7 +9731,7 @@
       </p:grpSpPr>
       <p:pic>
         <p:nvPicPr>
-          <p:cNvPr id="105" name="Google Shape;105;p18"/>
+          <p:cNvPr id="106" name="Google Shape;106;p18"/>
           <p:cNvPicPr preferRelativeResize="0"/>
           <p:nvPr/>
         </p:nvPicPr>
@@ -9653,7 +9759,7 @@
       </p:pic>
       <p:sp>
         <p:nvSpPr>
-          <p:cNvPr id="106" name="Google Shape;106;p18"/>
+          <p:cNvPr id="107" name="Google Shape;107;p18"/>
           <p:cNvSpPr txBox="1"/>
           <p:nvPr>
             <p:ph type="title"/>
@@ -9693,7 +9799,7 @@
       </p:sp>
       <p:sp>
         <p:nvSpPr>
-          <p:cNvPr id="107" name="Google Shape;107;p18"/>
+          <p:cNvPr id="108" name="Google Shape;108;p18"/>
           <p:cNvSpPr txBox="1"/>
           <p:nvPr>
             <p:ph idx="12" type="sldNum"/>
@@ -9701,8 +9807,8 @@
         </p:nvSpPr>
         <p:spPr>
           <a:xfrm>
-            <a:off x="7315202" y="4416550"/>
-            <a:ext cx="1828800" cy="731400"/>
+            <a:off x="7315209" y="4229101"/>
+            <a:ext cx="1828800" cy="914400"/>
           </a:xfrm>
           <a:prstGeom prst="rect">
             <a:avLst/>
@@ -9740,33 +9846,25 @@
               <a:buNone/>
             </a:pPr>
             <a:r>
-              <a:rPr b="0" lang="en" sz="900" u="sng">
+              <a:rPr b="0" lang="en" sz="1000" u="sng">
                 <a:solidFill>
                   <a:schemeClr val="hlink"/>
                 </a:solidFill>
                 <a:hlinkClick r:id="rId4"/>
               </a:rPr>
-              <a:t>https://profriehle.com</a:t>
-            </a:r>
-            <a:r>
-              <a:rPr b="0" lang="en" sz="900">
-                <a:solidFill>
-                  <a:schemeClr val="dk2"/>
-                </a:solidFill>
-              </a:rPr>
+              <a:t>uni1.de/nyt</a:t>
+            </a:r>
+            <a:r>
+              <a:rPr b="0" lang="en" sz="1000"/>
               <a:t> </a:t>
             </a:r>
-            <a:endParaRPr b="0" sz="900">
-              <a:solidFill>
-                <a:schemeClr val="dk2"/>
-              </a:solidFill>
-            </a:endParaRPr>
+            <a:endParaRPr b="0" sz="1000"/>
           </a:p>
         </p:txBody>
       </p:sp>
       <p:sp>
         <p:nvSpPr>
-          <p:cNvPr id="108" name="Google Shape;108;p18"/>
+          <p:cNvPr id="109" name="Google Shape;109;p18"/>
           <p:cNvSpPr/>
           <p:nvPr/>
         </p:nvSpPr>
@@ -9824,7 +9922,7 @@
   <p:cSld>
     <p:spTree>
       <p:nvGrpSpPr>
-        <p:cNvPr id="112" name="Shape 112"/>
+        <p:cNvPr id="113" name="Shape 113"/>
         <p:cNvGrpSpPr/>
         <p:nvPr/>
       </p:nvGrpSpPr>
@@ -9838,7 +9936,7 @@
       </p:grpSpPr>
       <p:sp>
         <p:nvSpPr>
-          <p:cNvPr id="113" name="Google Shape;113;p19"/>
+          <p:cNvPr id="114" name="Google Shape;114;p19"/>
           <p:cNvSpPr txBox="1"/>
           <p:nvPr>
             <p:ph type="title"/>
@@ -9878,7 +9976,7 @@
       </p:sp>
       <p:sp>
         <p:nvSpPr>
-          <p:cNvPr id="114" name="Google Shape;114;p19"/>
+          <p:cNvPr id="115" name="Google Shape;115;p19"/>
           <p:cNvSpPr txBox="1"/>
           <p:nvPr>
             <p:ph idx="1" type="body"/>
@@ -10022,7 +10120,7 @@
       </p:sp>
       <p:sp>
         <p:nvSpPr>
-          <p:cNvPr id="115" name="Google Shape;115;p19"/>
+          <p:cNvPr id="116" name="Google Shape;116;p19"/>
           <p:cNvSpPr txBox="1"/>
           <p:nvPr>
             <p:ph idx="12" type="sldNum"/>
@@ -10030,8 +10128,8 @@
         </p:nvSpPr>
         <p:spPr>
           <a:xfrm>
-            <a:off x="7315202" y="4416550"/>
-            <a:ext cx="1828800" cy="731400"/>
+            <a:off x="7315209" y="4229101"/>
+            <a:ext cx="1828800" cy="914400"/>
           </a:xfrm>
           <a:prstGeom prst="rect">
             <a:avLst/>
@@ -10069,27 +10167,19 @@
               <a:buNone/>
             </a:pPr>
             <a:r>
-              <a:rPr b="0" lang="en" sz="900" u="sng">
+              <a:rPr b="0" lang="en" sz="1000" u="sng">
                 <a:solidFill>
                   <a:schemeClr val="hlink"/>
                 </a:solidFill>
                 <a:hlinkClick r:id="rId3"/>
               </a:rPr>
-              <a:t>https://profriehle.com</a:t>
-            </a:r>
-            <a:r>
-              <a:rPr b="0" lang="en" sz="900">
-                <a:solidFill>
-                  <a:schemeClr val="dk2"/>
-                </a:solidFill>
-              </a:rPr>
+              <a:t>uni1.de/nyt</a:t>
+            </a:r>
+            <a:r>
+              <a:rPr b="0" lang="en" sz="1000"/>
               <a:t> </a:t>
             </a:r>
-            <a:endParaRPr b="0" sz="900">
-              <a:solidFill>
-                <a:schemeClr val="dk2"/>
-              </a:solidFill>
-            </a:endParaRPr>
+            <a:endParaRPr b="0" sz="1000"/>
           </a:p>
         </p:txBody>
       </p:sp>
@@ -10106,7 +10196,7 @@
   <p:cSld>
     <p:spTree>
       <p:nvGrpSpPr>
-        <p:cNvPr id="119" name="Shape 119"/>
+        <p:cNvPr id="120" name="Shape 120"/>
         <p:cNvGrpSpPr/>
         <p:nvPr/>
       </p:nvGrpSpPr>
@@ -10120,7 +10210,7 @@
       </p:grpSpPr>
       <p:sp>
         <p:nvSpPr>
-          <p:cNvPr id="120" name="Google Shape;120;p20"/>
+          <p:cNvPr id="121" name="Google Shape;121;p20"/>
           <p:cNvSpPr txBox="1"/>
           <p:nvPr>
             <p:ph type="title"/>
@@ -10160,7 +10250,7 @@
       </p:sp>
       <p:sp>
         <p:nvSpPr>
-          <p:cNvPr id="121" name="Google Shape;121;p20"/>
+          <p:cNvPr id="122" name="Google Shape;122;p20"/>
           <p:cNvSpPr txBox="1"/>
           <p:nvPr>
             <p:ph idx="1" type="body"/>
@@ -10250,7 +10340,7 @@
       </p:sp>
       <p:sp>
         <p:nvSpPr>
-          <p:cNvPr id="122" name="Google Shape;122;p20"/>
+          <p:cNvPr id="123" name="Google Shape;123;p20"/>
           <p:cNvSpPr txBox="1"/>
           <p:nvPr>
             <p:ph idx="12" type="sldNum"/>
@@ -10258,8 +10348,8 @@
         </p:nvSpPr>
         <p:spPr>
           <a:xfrm>
-            <a:off x="7315202" y="4416550"/>
-            <a:ext cx="1828800" cy="731400"/>
+            <a:off x="7315209" y="4229101"/>
+            <a:ext cx="1828800" cy="914400"/>
           </a:xfrm>
           <a:prstGeom prst="rect">
             <a:avLst/>
@@ -10297,27 +10387,19 @@
               <a:buNone/>
             </a:pPr>
             <a:r>
-              <a:rPr b="0" lang="en" sz="900" u="sng">
+              <a:rPr b="0" lang="en" sz="1000" u="sng">
                 <a:solidFill>
                   <a:schemeClr val="hlink"/>
                 </a:solidFill>
                 <a:hlinkClick r:id="rId3"/>
               </a:rPr>
-              <a:t>https://profriehle.com</a:t>
-            </a:r>
-            <a:r>
-              <a:rPr b="0" lang="en" sz="900">
-                <a:solidFill>
-                  <a:schemeClr val="dk2"/>
-                </a:solidFill>
-              </a:rPr>
+              <a:t>uni1.de/nyt</a:t>
+            </a:r>
+            <a:r>
+              <a:rPr b="0" lang="en" sz="1000"/>
               <a:t> </a:t>
             </a:r>
-            <a:endParaRPr b="0" sz="900">
-              <a:solidFill>
-                <a:schemeClr val="dk2"/>
-              </a:solidFill>
-            </a:endParaRPr>
+            <a:endParaRPr b="0" sz="1000"/>
           </a:p>
         </p:txBody>
       </p:sp>
@@ -10334,7 +10416,7 @@
   <p:cSld>
     <p:spTree>
       <p:nvGrpSpPr>
-        <p:cNvPr id="126" name="Shape 126"/>
+        <p:cNvPr id="127" name="Shape 127"/>
         <p:cNvGrpSpPr/>
         <p:nvPr/>
       </p:nvGrpSpPr>
@@ -10348,7 +10430,7 @@
       </p:grpSpPr>
       <p:sp>
         <p:nvSpPr>
-          <p:cNvPr id="127" name="Google Shape;127;p21"/>
+          <p:cNvPr id="128" name="Google Shape;128;p21"/>
           <p:cNvSpPr txBox="1"/>
           <p:nvPr>
             <p:ph type="title"/>
@@ -10399,7 +10481,7 @@
   <p:cSld>
     <p:spTree>
       <p:nvGrpSpPr>
-        <p:cNvPr id="131" name="Shape 131"/>
+        <p:cNvPr id="132" name="Shape 132"/>
         <p:cNvGrpSpPr/>
         <p:nvPr/>
       </p:nvGrpSpPr>
@@ -10413,7 +10495,7 @@
       </p:grpSpPr>
       <p:sp>
         <p:nvSpPr>
-          <p:cNvPr id="132" name="Google Shape;132;p22"/>
+          <p:cNvPr id="133" name="Google Shape;133;p22"/>
           <p:cNvSpPr txBox="1"/>
           <p:nvPr>
             <p:ph type="title"/>
@@ -10453,7 +10535,7 @@
       </p:sp>
       <p:sp>
         <p:nvSpPr>
-          <p:cNvPr id="133" name="Google Shape;133;p22"/>
+          <p:cNvPr id="134" name="Google Shape;134;p22"/>
           <p:cNvSpPr txBox="1"/>
           <p:nvPr>
             <p:ph idx="1" type="body"/>
@@ -10627,7 +10709,7 @@
       </p:sp>
       <p:sp>
         <p:nvSpPr>
-          <p:cNvPr id="134" name="Google Shape;134;p22"/>
+          <p:cNvPr id="135" name="Google Shape;135;p22"/>
           <p:cNvSpPr txBox="1"/>
           <p:nvPr>
             <p:ph idx="12" type="sldNum"/>
@@ -10635,8 +10717,8 @@
         </p:nvSpPr>
         <p:spPr>
           <a:xfrm>
-            <a:off x="7315202" y="4416550"/>
-            <a:ext cx="1828800" cy="731400"/>
+            <a:off x="7315209" y="4229101"/>
+            <a:ext cx="1828800" cy="914400"/>
           </a:xfrm>
           <a:prstGeom prst="rect">
             <a:avLst/>
@@ -10674,33 +10756,25 @@
               <a:buNone/>
             </a:pPr>
             <a:r>
-              <a:rPr b="0" lang="en" sz="900" u="sng">
+              <a:rPr b="0" lang="en" sz="1000" u="sng">
                 <a:solidFill>
                   <a:schemeClr val="hlink"/>
                 </a:solidFill>
                 <a:hlinkClick r:id="rId3"/>
               </a:rPr>
-              <a:t>https://profriehle.com</a:t>
-            </a:r>
-            <a:r>
-              <a:rPr b="0" lang="en" sz="900">
-                <a:solidFill>
-                  <a:schemeClr val="dk2"/>
-                </a:solidFill>
-              </a:rPr>
+              <a:t>uni1.de/nyt</a:t>
+            </a:r>
+            <a:r>
+              <a:rPr b="0" lang="en" sz="1000"/>
               <a:t> </a:t>
             </a:r>
-            <a:endParaRPr b="0" sz="900">
-              <a:solidFill>
-                <a:schemeClr val="dk2"/>
-              </a:solidFill>
-            </a:endParaRPr>
+            <a:endParaRPr b="0" sz="1000"/>
           </a:p>
         </p:txBody>
       </p:sp>
       <p:sp>
         <p:nvSpPr>
-          <p:cNvPr id="135" name="Google Shape;135;p22"/>
+          <p:cNvPr id="136" name="Google Shape;136;p22"/>
           <p:cNvSpPr txBox="1"/>
           <p:nvPr/>
         </p:nvSpPr>
@@ -10753,7 +10827,7 @@
   <p:cSld>
     <p:spTree>
       <p:nvGrpSpPr>
-        <p:cNvPr id="139" name="Shape 139"/>
+        <p:cNvPr id="140" name="Shape 140"/>
         <p:cNvGrpSpPr/>
         <p:nvPr/>
       </p:nvGrpSpPr>
@@ -10767,7 +10841,7 @@
       </p:grpSpPr>
       <p:sp>
         <p:nvSpPr>
-          <p:cNvPr id="140" name="Google Shape;140;p23"/>
+          <p:cNvPr id="141" name="Google Shape;141;p23"/>
           <p:cNvSpPr txBox="1"/>
           <p:nvPr>
             <p:ph type="title"/>
@@ -10807,7 +10881,7 @@
       </p:sp>
       <p:sp>
         <p:nvSpPr>
-          <p:cNvPr id="141" name="Google Shape;141;p23"/>
+          <p:cNvPr id="142" name="Google Shape;142;p23"/>
           <p:cNvSpPr txBox="1"/>
           <p:nvPr>
             <p:ph idx="1" type="body"/>
@@ -10984,7 +11058,7 @@
       </p:sp>
       <p:sp>
         <p:nvSpPr>
-          <p:cNvPr id="142" name="Google Shape;142;p23"/>
+          <p:cNvPr id="143" name="Google Shape;143;p23"/>
           <p:cNvSpPr txBox="1"/>
           <p:nvPr>
             <p:ph idx="12" type="sldNum"/>
@@ -10992,8 +11066,8 @@
         </p:nvSpPr>
         <p:spPr>
           <a:xfrm>
-            <a:off x="7315202" y="4416550"/>
-            <a:ext cx="1828800" cy="731400"/>
+            <a:off x="7315209" y="4229101"/>
+            <a:ext cx="1828800" cy="914400"/>
           </a:xfrm>
           <a:prstGeom prst="rect">
             <a:avLst/>
@@ -11031,33 +11105,25 @@
               <a:buNone/>
             </a:pPr>
             <a:r>
-              <a:rPr b="0" lang="en" sz="900" u="sng">
+              <a:rPr b="0" lang="en" sz="1000" u="sng">
                 <a:solidFill>
                   <a:schemeClr val="hlink"/>
                 </a:solidFill>
                 <a:hlinkClick r:id="rId3"/>
               </a:rPr>
-              <a:t>https://profriehle.com</a:t>
-            </a:r>
-            <a:r>
-              <a:rPr b="0" lang="en" sz="900">
-                <a:solidFill>
-                  <a:schemeClr val="dk2"/>
-                </a:solidFill>
-              </a:rPr>
+              <a:t>uni1.de/nyt</a:t>
+            </a:r>
+            <a:r>
+              <a:rPr b="0" lang="en" sz="1000"/>
               <a:t> </a:t>
             </a:r>
-            <a:endParaRPr b="0" sz="900">
-              <a:solidFill>
-                <a:schemeClr val="dk2"/>
-              </a:solidFill>
-            </a:endParaRPr>
+            <a:endParaRPr b="0" sz="1000"/>
           </a:p>
         </p:txBody>
       </p:sp>
       <p:pic>
         <p:nvPicPr>
-          <p:cNvPr id="143" name="Google Shape;143;p23"/>
+          <p:cNvPr id="144" name="Google Shape;144;p23"/>
           <p:cNvPicPr preferRelativeResize="0"/>
           <p:nvPr/>
         </p:nvPicPr>
@@ -11096,7 +11162,7 @@
   <p:cSld>
     <p:spTree>
       <p:nvGrpSpPr>
-        <p:cNvPr id="147" name="Shape 147"/>
+        <p:cNvPr id="148" name="Shape 148"/>
         <p:cNvGrpSpPr/>
         <p:nvPr/>
       </p:nvGrpSpPr>
@@ -11110,7 +11176,7 @@
       </p:grpSpPr>
       <p:sp>
         <p:nvSpPr>
-          <p:cNvPr id="148" name="Google Shape;148;p24"/>
+          <p:cNvPr id="149" name="Google Shape;149;p24"/>
           <p:cNvSpPr txBox="1"/>
           <p:nvPr>
             <p:ph type="title"/>
@@ -11150,7 +11216,7 @@
       </p:sp>
       <p:sp>
         <p:nvSpPr>
-          <p:cNvPr id="149" name="Google Shape;149;p24"/>
+          <p:cNvPr id="150" name="Google Shape;150;p24"/>
           <p:cNvSpPr txBox="1"/>
           <p:nvPr>
             <p:ph idx="1" type="body"/>
@@ -11258,7 +11324,7 @@
       </p:sp>
       <p:sp>
         <p:nvSpPr>
-          <p:cNvPr id="150" name="Google Shape;150;p24"/>
+          <p:cNvPr id="151" name="Google Shape;151;p24"/>
           <p:cNvSpPr txBox="1"/>
           <p:nvPr>
             <p:ph idx="12" type="sldNum"/>
@@ -11266,8 +11332,8 @@
         </p:nvSpPr>
         <p:spPr>
           <a:xfrm>
-            <a:off x="7315202" y="4416550"/>
-            <a:ext cx="1828800" cy="731400"/>
+            <a:off x="7315209" y="4229101"/>
+            <a:ext cx="1828800" cy="914400"/>
           </a:xfrm>
           <a:prstGeom prst="rect">
             <a:avLst/>
@@ -11305,27 +11371,19 @@
               <a:buNone/>
             </a:pPr>
             <a:r>
-              <a:rPr b="0" lang="en" sz="900" u="sng">
+              <a:rPr b="0" lang="en" sz="1000" u="sng">
                 <a:solidFill>
                   <a:schemeClr val="hlink"/>
                 </a:solidFill>
                 <a:hlinkClick r:id="rId3"/>
               </a:rPr>
-              <a:t>https://profriehle.com</a:t>
-            </a:r>
-            <a:r>
-              <a:rPr b="0" lang="en" sz="900">
-                <a:solidFill>
-                  <a:schemeClr val="dk2"/>
-                </a:solidFill>
-              </a:rPr>
+              <a:t>uni1.de/nyt</a:t>
+            </a:r>
+            <a:r>
+              <a:rPr b="0" lang="en" sz="1000"/>
               <a:t> </a:t>
             </a:r>
-            <a:endParaRPr b="0" sz="900">
-              <a:solidFill>
-                <a:schemeClr val="dk2"/>
-              </a:solidFill>
-            </a:endParaRPr>
+            <a:endParaRPr b="0" sz="1000"/>
           </a:p>
         </p:txBody>
       </p:sp>
@@ -11342,7 +11400,7 @@
   <p:cSld>
     <p:spTree>
       <p:nvGrpSpPr>
-        <p:cNvPr id="154" name="Shape 154"/>
+        <p:cNvPr id="155" name="Shape 155"/>
         <p:cNvGrpSpPr/>
         <p:nvPr/>
       </p:nvGrpSpPr>
@@ -11356,7 +11414,7 @@
       </p:grpSpPr>
       <p:sp>
         <p:nvSpPr>
-          <p:cNvPr id="155" name="Google Shape;155;p25"/>
+          <p:cNvPr id="156" name="Google Shape;156;p25"/>
           <p:cNvSpPr txBox="1"/>
           <p:nvPr>
             <p:ph type="title"/>
@@ -11396,7 +11454,7 @@
       </p:sp>
       <p:sp>
         <p:nvSpPr>
-          <p:cNvPr id="156" name="Google Shape;156;p25"/>
+          <p:cNvPr id="157" name="Google Shape;157;p25"/>
           <p:cNvSpPr txBox="1"/>
           <p:nvPr>
             <p:ph idx="1" type="body"/>
@@ -11520,7 +11578,7 @@
       </p:sp>
       <p:sp>
         <p:nvSpPr>
-          <p:cNvPr id="157" name="Google Shape;157;p25"/>
+          <p:cNvPr id="158" name="Google Shape;158;p25"/>
           <p:cNvSpPr txBox="1"/>
           <p:nvPr>
             <p:ph idx="12" type="sldNum"/>
@@ -11528,8 +11586,8 @@
         </p:nvSpPr>
         <p:spPr>
           <a:xfrm>
-            <a:off x="7315202" y="4416550"/>
-            <a:ext cx="1828800" cy="731400"/>
+            <a:off x="7315209" y="4229101"/>
+            <a:ext cx="1828800" cy="914400"/>
           </a:xfrm>
           <a:prstGeom prst="rect">
             <a:avLst/>
@@ -11567,27 +11625,19 @@
               <a:buNone/>
             </a:pPr>
             <a:r>
-              <a:rPr b="0" lang="en" sz="900" u="sng">
+              <a:rPr b="0" lang="en" sz="1000" u="sng">
                 <a:solidFill>
                   <a:schemeClr val="hlink"/>
                 </a:solidFill>
                 <a:hlinkClick r:id="rId3"/>
               </a:rPr>
-              <a:t>https://profriehle.com</a:t>
-            </a:r>
-            <a:r>
-              <a:rPr b="0" lang="en" sz="900">
-                <a:solidFill>
-                  <a:schemeClr val="dk2"/>
-                </a:solidFill>
-              </a:rPr>
+              <a:t>uni1.de/nyt</a:t>
+            </a:r>
+            <a:r>
+              <a:rPr b="0" lang="en" sz="1000"/>
               <a:t> </a:t>
             </a:r>
-            <a:endParaRPr b="0" sz="900">
-              <a:solidFill>
-                <a:schemeClr val="dk2"/>
-              </a:solidFill>
-            </a:endParaRPr>
+            <a:endParaRPr b="0" sz="1000"/>
           </a:p>
         </p:txBody>
       </p:sp>
@@ -11604,7 +11654,7 @@
   <p:cSld>
     <p:spTree>
       <p:nvGrpSpPr>
-        <p:cNvPr id="161" name="Shape 161"/>
+        <p:cNvPr id="162" name="Shape 162"/>
         <p:cNvGrpSpPr/>
         <p:nvPr/>
       </p:nvGrpSpPr>
@@ -11618,7 +11668,7 @@
       </p:grpSpPr>
       <p:sp>
         <p:nvSpPr>
-          <p:cNvPr id="162" name="Google Shape;162;p26"/>
+          <p:cNvPr id="163" name="Google Shape;163;p26"/>
           <p:cNvSpPr txBox="1"/>
           <p:nvPr>
             <p:ph idx="1" type="body"/>
@@ -11692,7 +11742,7 @@
       </p:sp>
       <p:sp>
         <p:nvSpPr>
-          <p:cNvPr id="163" name="Google Shape;163;p26"/>
+          <p:cNvPr id="164" name="Google Shape;164;p26"/>
           <p:cNvSpPr txBox="1"/>
           <p:nvPr>
             <p:ph type="title"/>
@@ -11732,7 +11782,7 @@
       </p:sp>
       <p:sp>
         <p:nvSpPr>
-          <p:cNvPr id="164" name="Google Shape;164;p26"/>
+          <p:cNvPr id="165" name="Google Shape;165;p26"/>
           <p:cNvSpPr txBox="1"/>
           <p:nvPr>
             <p:ph idx="12" type="sldNum"/>
@@ -11740,8 +11790,8 @@
         </p:nvSpPr>
         <p:spPr>
           <a:xfrm>
-            <a:off x="7315202" y="4416550"/>
-            <a:ext cx="1828800" cy="731400"/>
+            <a:off x="7315209" y="4229101"/>
+            <a:ext cx="1828800" cy="914400"/>
           </a:xfrm>
           <a:prstGeom prst="rect">
             <a:avLst/>
@@ -11779,33 +11829,25 @@
               <a:buNone/>
             </a:pPr>
             <a:r>
-              <a:rPr b="0" lang="en" sz="900" u="sng">
+              <a:rPr b="0" lang="en" sz="1000" u="sng">
                 <a:solidFill>
                   <a:schemeClr val="hlink"/>
                 </a:solidFill>
                 <a:hlinkClick r:id="rId3"/>
               </a:rPr>
-              <a:t>https://profriehle.com</a:t>
-            </a:r>
-            <a:r>
-              <a:rPr b="0" lang="en" sz="900">
-                <a:solidFill>
-                  <a:schemeClr val="dk2"/>
-                </a:solidFill>
-              </a:rPr>
+              <a:t>uni1.de/nyt</a:t>
+            </a:r>
+            <a:r>
+              <a:rPr b="0" lang="en" sz="1000"/>
               <a:t> </a:t>
             </a:r>
-            <a:endParaRPr>
-              <a:solidFill>
-                <a:schemeClr val="dk2"/>
-              </a:solidFill>
-            </a:endParaRPr>
+            <a:endParaRPr b="0" sz="1000"/>
           </a:p>
         </p:txBody>
       </p:sp>
       <p:sp>
         <p:nvSpPr>
-          <p:cNvPr id="165" name="Google Shape;165;p26"/>
+          <p:cNvPr id="166" name="Google Shape;166;p26"/>
           <p:cNvSpPr txBox="1"/>
           <p:nvPr>
             <p:ph idx="2" type="body"/>
@@ -11888,7 +11930,7 @@
   <p:cSld>
     <p:spTree>
       <p:nvGrpSpPr>
-        <p:cNvPr id="41" name="Shape 41"/>
+        <p:cNvPr id="42" name="Shape 42"/>
         <p:cNvGrpSpPr/>
         <p:nvPr/>
       </p:nvGrpSpPr>
@@ -11902,7 +11944,7 @@
       </p:grpSpPr>
       <p:sp>
         <p:nvSpPr>
-          <p:cNvPr id="42" name="Google Shape;42;p9"/>
+          <p:cNvPr id="43" name="Google Shape;43;p9"/>
           <p:cNvSpPr txBox="1"/>
           <p:nvPr>
             <p:ph idx="1" type="body"/>
@@ -12043,7 +12085,7 @@
       </p:sp>
       <p:sp>
         <p:nvSpPr>
-          <p:cNvPr id="43" name="Google Shape;43;p9"/>
+          <p:cNvPr id="44" name="Google Shape;44;p9"/>
           <p:cNvSpPr txBox="1"/>
           <p:nvPr>
             <p:ph type="title"/>
@@ -12083,7 +12125,7 @@
       </p:sp>
       <p:sp>
         <p:nvSpPr>
-          <p:cNvPr id="44" name="Google Shape;44;p9"/>
+          <p:cNvPr id="45" name="Google Shape;45;p9"/>
           <p:cNvSpPr txBox="1"/>
           <p:nvPr>
             <p:ph idx="12" type="sldNum"/>
@@ -12091,8 +12133,8 @@
         </p:nvSpPr>
         <p:spPr>
           <a:xfrm>
-            <a:off x="7315202" y="4416550"/>
-            <a:ext cx="1828800" cy="731400"/>
+            <a:off x="7315209" y="4229101"/>
+            <a:ext cx="1828800" cy="914400"/>
           </a:xfrm>
           <a:prstGeom prst="rect">
             <a:avLst/>
@@ -12130,27 +12172,19 @@
               <a:buNone/>
             </a:pPr>
             <a:r>
-              <a:rPr b="0" lang="en" sz="900" u="sng">
+              <a:rPr b="0" lang="en" sz="1000" u="sng">
                 <a:solidFill>
                   <a:schemeClr val="hlink"/>
                 </a:solidFill>
                 <a:hlinkClick r:id="rId3"/>
               </a:rPr>
-              <a:t>https://profriehle.com</a:t>
-            </a:r>
-            <a:r>
-              <a:rPr b="0" lang="en" sz="900">
-                <a:solidFill>
-                  <a:schemeClr val="dk2"/>
-                </a:solidFill>
-              </a:rPr>
+              <a:t>uni1.de/nyt</a:t>
+            </a:r>
+            <a:r>
+              <a:rPr b="0" lang="en" sz="1000"/>
               <a:t> </a:t>
             </a:r>
-            <a:endParaRPr b="0" sz="900">
-              <a:solidFill>
-                <a:schemeClr val="dk2"/>
-              </a:solidFill>
-            </a:endParaRPr>
+            <a:endParaRPr b="0" sz="1000"/>
           </a:p>
         </p:txBody>
       </p:sp>
@@ -12167,7 +12201,7 @@
   <p:cSld>
     <p:spTree>
       <p:nvGrpSpPr>
-        <p:cNvPr id="169" name="Shape 169"/>
+        <p:cNvPr id="170" name="Shape 170"/>
         <p:cNvGrpSpPr/>
         <p:nvPr/>
       </p:nvGrpSpPr>
@@ -12181,7 +12215,7 @@
       </p:grpSpPr>
       <p:sp>
         <p:nvSpPr>
-          <p:cNvPr id="170" name="Google Shape;170;p27"/>
+          <p:cNvPr id="171" name="Google Shape;171;p27"/>
           <p:cNvSpPr txBox="1"/>
           <p:nvPr>
             <p:ph type="title"/>
@@ -12229,7 +12263,7 @@
       </p:sp>
       <p:sp>
         <p:nvSpPr>
-          <p:cNvPr id="171" name="Google Shape;171;p27"/>
+          <p:cNvPr id="172" name="Google Shape;172;p27"/>
           <p:cNvSpPr txBox="1"/>
           <p:nvPr>
             <p:ph idx="12" type="sldNum"/>
@@ -12237,8 +12271,8 @@
         </p:nvSpPr>
         <p:spPr>
           <a:xfrm>
-            <a:off x="7315202" y="4416550"/>
-            <a:ext cx="1828800" cy="731400"/>
+            <a:off x="7315209" y="4229101"/>
+            <a:ext cx="1828800" cy="914400"/>
           </a:xfrm>
           <a:prstGeom prst="rect">
             <a:avLst/>
@@ -12276,33 +12310,25 @@
               <a:buNone/>
             </a:pPr>
             <a:r>
-              <a:rPr b="0" lang="en" sz="900" u="sng">
+              <a:rPr b="0" lang="en" sz="1000" u="sng">
                 <a:solidFill>
                   <a:schemeClr val="hlink"/>
                 </a:solidFill>
                 <a:hlinkClick r:id="rId3"/>
               </a:rPr>
-              <a:t>https://profriehle.com</a:t>
-            </a:r>
-            <a:r>
-              <a:rPr b="0" lang="en" sz="900">
-                <a:solidFill>
-                  <a:schemeClr val="dk2"/>
-                </a:solidFill>
-              </a:rPr>
+              <a:t>uni1.de/nyt</a:t>
+            </a:r>
+            <a:r>
+              <a:rPr b="0" lang="en" sz="1000"/>
               <a:t> </a:t>
             </a:r>
-            <a:endParaRPr b="0" sz="900">
-              <a:solidFill>
-                <a:schemeClr val="dk2"/>
-              </a:solidFill>
-            </a:endParaRPr>
+            <a:endParaRPr b="0" sz="1000"/>
           </a:p>
         </p:txBody>
       </p:sp>
       <p:pic>
         <p:nvPicPr>
-          <p:cNvPr id="172" name="Google Shape;172;p27"/>
+          <p:cNvPr id="173" name="Google Shape;173;p27"/>
           <p:cNvPicPr preferRelativeResize="0"/>
           <p:nvPr/>
         </p:nvPicPr>
@@ -12341,7 +12367,7 @@
   <p:cSld>
     <p:spTree>
       <p:nvGrpSpPr>
-        <p:cNvPr id="176" name="Shape 176"/>
+        <p:cNvPr id="177" name="Shape 177"/>
         <p:cNvGrpSpPr/>
         <p:nvPr/>
       </p:nvGrpSpPr>
@@ -12355,7 +12381,7 @@
       </p:grpSpPr>
       <p:sp>
         <p:nvSpPr>
-          <p:cNvPr id="177" name="Google Shape;177;p28"/>
+          <p:cNvPr id="178" name="Google Shape;178;p28"/>
           <p:cNvSpPr txBox="1"/>
           <p:nvPr>
             <p:ph type="title"/>
@@ -12395,7 +12421,7 @@
       </p:sp>
       <p:sp>
         <p:nvSpPr>
-          <p:cNvPr id="178" name="Google Shape;178;p28"/>
+          <p:cNvPr id="179" name="Google Shape;179;p28"/>
           <p:cNvSpPr txBox="1"/>
           <p:nvPr>
             <p:ph idx="12" type="sldNum"/>
@@ -12403,8 +12429,8 @@
         </p:nvSpPr>
         <p:spPr>
           <a:xfrm>
-            <a:off x="7315202" y="4416550"/>
-            <a:ext cx="1828800" cy="731400"/>
+            <a:off x="7315209" y="4229101"/>
+            <a:ext cx="1828800" cy="914400"/>
           </a:xfrm>
           <a:prstGeom prst="rect">
             <a:avLst/>
@@ -12442,33 +12468,25 @@
               <a:buNone/>
             </a:pPr>
             <a:r>
-              <a:rPr b="0" lang="en" sz="900" u="sng">
+              <a:rPr b="0" lang="en" sz="1000" u="sng">
                 <a:solidFill>
                   <a:schemeClr val="hlink"/>
                 </a:solidFill>
                 <a:hlinkClick r:id="rId3"/>
               </a:rPr>
-              <a:t>https://profriehle.com</a:t>
-            </a:r>
-            <a:r>
-              <a:rPr b="0" lang="en" sz="900">
-                <a:solidFill>
-                  <a:schemeClr val="dk2"/>
-                </a:solidFill>
-              </a:rPr>
+              <a:t>uni1.de/nyt</a:t>
+            </a:r>
+            <a:r>
+              <a:rPr b="0" lang="en" sz="1000"/>
               <a:t> </a:t>
             </a:r>
-            <a:endParaRPr b="0" sz="900">
-              <a:solidFill>
-                <a:schemeClr val="dk2"/>
-              </a:solidFill>
-            </a:endParaRPr>
+            <a:endParaRPr b="0" sz="1000"/>
           </a:p>
         </p:txBody>
       </p:sp>
       <p:graphicFrame>
         <p:nvGraphicFramePr>
-          <p:cNvPr id="179" name="Google Shape;179;p28"/>
+          <p:cNvPr id="180" name="Google Shape;180;p28"/>
           <p:cNvGraphicFramePr/>
           <p:nvPr/>
         </p:nvGraphicFramePr>
@@ -12481,7 +12499,7 @@
             <a:tbl>
               <a:tblPr>
                 <a:noFill/>
-                <a:tableStyleId>{E4AE51B6-B43D-449B-892F-9426A774641F}</a:tableStyleId>
+                <a:tableStyleId>{925B8F33-B0B0-4CD8-9CE5-3976699F01E9}</a:tableStyleId>
               </a:tblPr>
               <a:tblGrid>
                 <a:gridCol w="2148850"/>
@@ -14171,7 +14189,7 @@
       </p:graphicFrame>
       <p:sp>
         <p:nvSpPr>
-          <p:cNvPr id="180" name="Google Shape;180;p28"/>
+          <p:cNvPr id="181" name="Google Shape;181;p28"/>
           <p:cNvSpPr txBox="1"/>
           <p:nvPr/>
         </p:nvSpPr>
@@ -14260,7 +14278,7 @@
   <p:cSld>
     <p:spTree>
       <p:nvGrpSpPr>
-        <p:cNvPr id="184" name="Shape 184"/>
+        <p:cNvPr id="185" name="Shape 185"/>
         <p:cNvGrpSpPr/>
         <p:nvPr/>
       </p:nvGrpSpPr>
@@ -14274,7 +14292,7 @@
       </p:grpSpPr>
       <p:sp>
         <p:nvSpPr>
-          <p:cNvPr id="185" name="Google Shape;185;p29"/>
+          <p:cNvPr id="186" name="Google Shape;186;p29"/>
           <p:cNvSpPr txBox="1"/>
           <p:nvPr>
             <p:ph type="title"/>
@@ -14325,7 +14343,7 @@
   <p:cSld>
     <p:spTree>
       <p:nvGrpSpPr>
-        <p:cNvPr id="189" name="Shape 189"/>
+        <p:cNvPr id="190" name="Shape 190"/>
         <p:cNvGrpSpPr/>
         <p:nvPr/>
       </p:nvGrpSpPr>
@@ -14339,7 +14357,7 @@
       </p:grpSpPr>
       <p:sp>
         <p:nvSpPr>
-          <p:cNvPr id="190" name="Google Shape;190;p30"/>
+          <p:cNvPr id="191" name="Google Shape;191;p30"/>
           <p:cNvSpPr txBox="1"/>
           <p:nvPr>
             <p:ph type="title"/>
@@ -14379,7 +14397,7 @@
       </p:sp>
       <p:sp>
         <p:nvSpPr>
-          <p:cNvPr id="191" name="Google Shape;191;p30"/>
+          <p:cNvPr id="192" name="Google Shape;192;p30"/>
           <p:cNvSpPr txBox="1"/>
           <p:nvPr>
             <p:ph idx="1" type="body"/>
@@ -14520,7 +14538,7 @@
       </p:sp>
       <p:sp>
         <p:nvSpPr>
-          <p:cNvPr id="192" name="Google Shape;192;p30"/>
+          <p:cNvPr id="193" name="Google Shape;193;p30"/>
           <p:cNvSpPr txBox="1"/>
           <p:nvPr>
             <p:ph idx="12" type="sldNum"/>
@@ -14528,8 +14546,8 @@
         </p:nvSpPr>
         <p:spPr>
           <a:xfrm>
-            <a:off x="7315202" y="4416550"/>
-            <a:ext cx="1828800" cy="731400"/>
+            <a:off x="7315209" y="4229101"/>
+            <a:ext cx="1828800" cy="914400"/>
           </a:xfrm>
           <a:prstGeom prst="rect">
             <a:avLst/>
@@ -14567,27 +14585,19 @@
               <a:buNone/>
             </a:pPr>
             <a:r>
-              <a:rPr b="0" lang="en" sz="900" u="sng">
+              <a:rPr b="0" lang="en" sz="1000" u="sng">
                 <a:solidFill>
                   <a:schemeClr val="hlink"/>
                 </a:solidFill>
                 <a:hlinkClick r:id="rId3"/>
               </a:rPr>
-              <a:t>https://profriehle.com</a:t>
-            </a:r>
-            <a:r>
-              <a:rPr b="0" lang="en" sz="900">
-                <a:solidFill>
-                  <a:schemeClr val="dk2"/>
-                </a:solidFill>
-              </a:rPr>
+              <a:t>uni1.de/nyt</a:t>
+            </a:r>
+            <a:r>
+              <a:rPr b="0" lang="en" sz="1000"/>
               <a:t> </a:t>
             </a:r>
-            <a:endParaRPr b="0" sz="900">
-              <a:solidFill>
-                <a:schemeClr val="dk2"/>
-              </a:solidFill>
-            </a:endParaRPr>
+            <a:endParaRPr b="0" sz="1000"/>
           </a:p>
         </p:txBody>
       </p:sp>
@@ -14604,7 +14614,7 @@
   <p:cSld>
     <p:spTree>
       <p:nvGrpSpPr>
-        <p:cNvPr id="196" name="Shape 196"/>
+        <p:cNvPr id="197" name="Shape 197"/>
         <p:cNvGrpSpPr/>
         <p:nvPr/>
       </p:nvGrpSpPr>
@@ -14618,7 +14628,7 @@
       </p:grpSpPr>
       <p:sp>
         <p:nvSpPr>
-          <p:cNvPr id="197" name="Google Shape;197;p31"/>
+          <p:cNvPr id="198" name="Google Shape;198;p31"/>
           <p:cNvSpPr txBox="1"/>
           <p:nvPr>
             <p:ph type="title"/>
@@ -14658,7 +14668,7 @@
       </p:sp>
       <p:sp>
         <p:nvSpPr>
-          <p:cNvPr id="198" name="Google Shape;198;p31"/>
+          <p:cNvPr id="199" name="Google Shape;199;p31"/>
           <p:cNvSpPr txBox="1"/>
           <p:nvPr>
             <p:ph idx="12" type="sldNum"/>
@@ -14666,8 +14676,8 @@
         </p:nvSpPr>
         <p:spPr>
           <a:xfrm>
-            <a:off x="7315202" y="4416550"/>
-            <a:ext cx="1828800" cy="731400"/>
+            <a:off x="7315209" y="4229101"/>
+            <a:ext cx="1828800" cy="914400"/>
           </a:xfrm>
           <a:prstGeom prst="rect">
             <a:avLst/>
@@ -14705,33 +14715,25 @@
               <a:buNone/>
             </a:pPr>
             <a:r>
-              <a:rPr b="0" lang="en" sz="900" u="sng">
+              <a:rPr b="0" lang="en" sz="1000" u="sng">
                 <a:solidFill>
                   <a:schemeClr val="hlink"/>
                 </a:solidFill>
                 <a:hlinkClick r:id="rId3"/>
               </a:rPr>
-              <a:t>https://profriehle.com</a:t>
-            </a:r>
-            <a:r>
-              <a:rPr b="0" lang="en" sz="900">
-                <a:solidFill>
-                  <a:schemeClr val="dk2"/>
-                </a:solidFill>
-              </a:rPr>
+              <a:t>uni1.de/nyt</a:t>
+            </a:r>
+            <a:r>
+              <a:rPr b="0" lang="en" sz="1000"/>
               <a:t> </a:t>
             </a:r>
-            <a:endParaRPr b="0" sz="900">
-              <a:solidFill>
-                <a:schemeClr val="dk2"/>
-              </a:solidFill>
-            </a:endParaRPr>
+            <a:endParaRPr b="0" sz="1000"/>
           </a:p>
         </p:txBody>
       </p:sp>
       <p:sp>
         <p:nvSpPr>
-          <p:cNvPr id="199" name="Google Shape;199;p31"/>
+          <p:cNvPr id="200" name="Google Shape;200;p31"/>
           <p:cNvSpPr txBox="1"/>
           <p:nvPr>
             <p:ph idx="1" type="body"/>
@@ -14786,7 +14788,7 @@
       </p:sp>
       <p:sp>
         <p:nvSpPr>
-          <p:cNvPr id="200" name="Google Shape;200;p31"/>
+          <p:cNvPr id="201" name="Google Shape;201;p31"/>
           <p:cNvSpPr txBox="1"/>
           <p:nvPr/>
         </p:nvSpPr>
@@ -14839,7 +14841,7 @@
   <p:cSld>
     <p:spTree>
       <p:nvGrpSpPr>
-        <p:cNvPr id="204" name="Shape 204"/>
+        <p:cNvPr id="205" name="Shape 205"/>
         <p:cNvGrpSpPr/>
         <p:nvPr/>
       </p:nvGrpSpPr>
@@ -14853,7 +14855,7 @@
       </p:grpSpPr>
       <p:sp>
         <p:nvSpPr>
-          <p:cNvPr id="205" name="Google Shape;205;p32"/>
+          <p:cNvPr id="206" name="Google Shape;206;p32"/>
           <p:cNvSpPr txBox="1"/>
           <p:nvPr>
             <p:ph type="title"/>
@@ -14904,7 +14906,7 @@
   <p:cSld>
     <p:spTree>
       <p:nvGrpSpPr>
-        <p:cNvPr id="209" name="Shape 209"/>
+        <p:cNvPr id="210" name="Shape 210"/>
         <p:cNvGrpSpPr/>
         <p:nvPr/>
       </p:nvGrpSpPr>
@@ -14918,7 +14920,7 @@
       </p:grpSpPr>
       <p:sp>
         <p:nvSpPr>
-          <p:cNvPr id="210" name="Google Shape;210;p33"/>
+          <p:cNvPr id="211" name="Google Shape;211;p33"/>
           <p:cNvSpPr txBox="1"/>
           <p:nvPr>
             <p:ph type="title"/>
@@ -14958,7 +14960,7 @@
       </p:sp>
       <p:sp>
         <p:nvSpPr>
-          <p:cNvPr id="211" name="Google Shape;211;p33"/>
+          <p:cNvPr id="212" name="Google Shape;212;p33"/>
           <p:cNvSpPr txBox="1"/>
           <p:nvPr>
             <p:ph idx="1" type="body"/>
@@ -15049,7 +15051,7 @@
       </p:sp>
       <p:sp>
         <p:nvSpPr>
-          <p:cNvPr id="212" name="Google Shape;212;p33"/>
+          <p:cNvPr id="213" name="Google Shape;213;p33"/>
           <p:cNvSpPr txBox="1"/>
           <p:nvPr>
             <p:ph idx="12" type="sldNum"/>
@@ -15057,8 +15059,8 @@
         </p:nvSpPr>
         <p:spPr>
           <a:xfrm>
-            <a:off x="7315202" y="4416550"/>
-            <a:ext cx="1828800" cy="731400"/>
+            <a:off x="7315209" y="4229101"/>
+            <a:ext cx="1828800" cy="914400"/>
           </a:xfrm>
           <a:prstGeom prst="rect">
             <a:avLst/>
@@ -15096,27 +15098,19 @@
               <a:buNone/>
             </a:pPr>
             <a:r>
-              <a:rPr b="0" lang="en" sz="900" u="sng">
+              <a:rPr b="0" lang="en" sz="1000" u="sng">
                 <a:solidFill>
                   <a:schemeClr val="hlink"/>
                 </a:solidFill>
                 <a:hlinkClick r:id="rId3"/>
               </a:rPr>
-              <a:t>https://profriehle.com</a:t>
-            </a:r>
-            <a:r>
-              <a:rPr b="0" lang="en" sz="900">
-                <a:solidFill>
-                  <a:schemeClr val="dk2"/>
-                </a:solidFill>
-              </a:rPr>
+              <a:t>uni1.de/nyt</a:t>
+            </a:r>
+            <a:r>
+              <a:rPr b="0" lang="en" sz="1000"/>
               <a:t> </a:t>
             </a:r>
-            <a:endParaRPr b="0" sz="900">
-              <a:solidFill>
-                <a:schemeClr val="dk2"/>
-              </a:solidFill>
-            </a:endParaRPr>
+            <a:endParaRPr b="0" sz="1000"/>
           </a:p>
         </p:txBody>
       </p:sp>
@@ -15133,7 +15127,7 @@
   <p:cSld>
     <p:spTree>
       <p:nvGrpSpPr>
-        <p:cNvPr id="216" name="Shape 216"/>
+        <p:cNvPr id="217" name="Shape 217"/>
         <p:cNvGrpSpPr/>
         <p:nvPr/>
       </p:nvGrpSpPr>
@@ -15147,7 +15141,7 @@
       </p:grpSpPr>
       <p:sp>
         <p:nvSpPr>
-          <p:cNvPr id="217" name="Google Shape;217;p34"/>
+          <p:cNvPr id="218" name="Google Shape;218;p34"/>
           <p:cNvSpPr txBox="1"/>
           <p:nvPr>
             <p:ph type="title"/>
@@ -15187,7 +15181,7 @@
       </p:sp>
       <p:sp>
         <p:nvSpPr>
-          <p:cNvPr id="218" name="Google Shape;218;p34"/>
+          <p:cNvPr id="219" name="Google Shape;219;p34"/>
           <p:cNvSpPr txBox="1"/>
           <p:nvPr>
             <p:ph idx="1" type="body"/>
@@ -15324,7 +15318,7 @@
       </p:sp>
       <p:sp>
         <p:nvSpPr>
-          <p:cNvPr id="219" name="Google Shape;219;p34"/>
+          <p:cNvPr id="220" name="Google Shape;220;p34"/>
           <p:cNvSpPr txBox="1"/>
           <p:nvPr>
             <p:ph idx="12" type="sldNum"/>
@@ -15332,8 +15326,8 @@
         </p:nvSpPr>
         <p:spPr>
           <a:xfrm>
-            <a:off x="7315202" y="4416550"/>
-            <a:ext cx="1828800" cy="731400"/>
+            <a:off x="7315209" y="4229101"/>
+            <a:ext cx="1828800" cy="914400"/>
           </a:xfrm>
           <a:prstGeom prst="rect">
             <a:avLst/>
@@ -15371,27 +15365,19 @@
               <a:buNone/>
             </a:pPr>
             <a:r>
-              <a:rPr b="0" lang="en" sz="900" u="sng">
+              <a:rPr b="0" lang="en" sz="1000" u="sng">
                 <a:solidFill>
                   <a:schemeClr val="hlink"/>
                 </a:solidFill>
                 <a:hlinkClick r:id="rId3"/>
               </a:rPr>
-              <a:t>https://profriehle.com</a:t>
-            </a:r>
-            <a:r>
-              <a:rPr b="0" lang="en" sz="900">
-                <a:solidFill>
-                  <a:schemeClr val="dk2"/>
-                </a:solidFill>
-              </a:rPr>
+              <a:t>uni1.de/nyt</a:t>
+            </a:r>
+            <a:r>
+              <a:rPr b="0" lang="en" sz="1000"/>
               <a:t> </a:t>
             </a:r>
-            <a:endParaRPr b="0" sz="900">
-              <a:solidFill>
-                <a:schemeClr val="dk2"/>
-              </a:solidFill>
-            </a:endParaRPr>
+            <a:endParaRPr b="0" sz="1000"/>
           </a:p>
         </p:txBody>
       </p:sp>
@@ -15408,7 +15394,7 @@
   <p:cSld>
     <p:spTree>
       <p:nvGrpSpPr>
-        <p:cNvPr id="223" name="Shape 223"/>
+        <p:cNvPr id="224" name="Shape 224"/>
         <p:cNvGrpSpPr/>
         <p:nvPr/>
       </p:nvGrpSpPr>
@@ -15422,7 +15408,7 @@
       </p:grpSpPr>
       <p:sp>
         <p:nvSpPr>
-          <p:cNvPr id="224" name="Google Shape;224;p35"/>
+          <p:cNvPr id="225" name="Google Shape;225;p35"/>
           <p:cNvSpPr txBox="1"/>
           <p:nvPr>
             <p:ph idx="1" type="body"/>
@@ -15513,7 +15499,7 @@
       </p:sp>
       <p:sp>
         <p:nvSpPr>
-          <p:cNvPr id="225" name="Google Shape;225;p35"/>
+          <p:cNvPr id="226" name="Google Shape;226;p35"/>
           <p:cNvSpPr txBox="1"/>
           <p:nvPr>
             <p:ph type="title"/>
@@ -15553,7 +15539,7 @@
       </p:sp>
       <p:sp>
         <p:nvSpPr>
-          <p:cNvPr id="226" name="Google Shape;226;p35"/>
+          <p:cNvPr id="227" name="Google Shape;227;p35"/>
           <p:cNvSpPr txBox="1"/>
           <p:nvPr>
             <p:ph idx="12" type="sldNum"/>
@@ -15561,8 +15547,8 @@
         </p:nvSpPr>
         <p:spPr>
           <a:xfrm>
-            <a:off x="7315202" y="4416550"/>
-            <a:ext cx="1828800" cy="731400"/>
+            <a:off x="7315209" y="4229101"/>
+            <a:ext cx="1828800" cy="914400"/>
           </a:xfrm>
           <a:prstGeom prst="rect">
             <a:avLst/>
@@ -15600,33 +15586,25 @@
               <a:buNone/>
             </a:pPr>
             <a:r>
-              <a:rPr b="0" lang="en" sz="900" u="sng">
+              <a:rPr b="0" lang="en" sz="1000" u="sng">
                 <a:solidFill>
                   <a:schemeClr val="hlink"/>
                 </a:solidFill>
                 <a:hlinkClick r:id="rId3"/>
               </a:rPr>
-              <a:t>https://profriehle.com</a:t>
-            </a:r>
-            <a:r>
-              <a:rPr b="0" lang="en" sz="900">
-                <a:solidFill>
-                  <a:schemeClr val="dk2"/>
-                </a:solidFill>
-              </a:rPr>
+              <a:t>uni1.de/nyt</a:t>
+            </a:r>
+            <a:r>
+              <a:rPr b="0" lang="en" sz="1000"/>
               <a:t> </a:t>
             </a:r>
-            <a:endParaRPr b="0" sz="900">
-              <a:solidFill>
-                <a:schemeClr val="dk2"/>
-              </a:solidFill>
-            </a:endParaRPr>
+            <a:endParaRPr b="0" sz="1000"/>
           </a:p>
         </p:txBody>
       </p:sp>
       <p:pic>
         <p:nvPicPr>
-          <p:cNvPr id="227" name="Google Shape;227;p35"/>
+          <p:cNvPr id="228" name="Google Shape;228;p35"/>
           <p:cNvPicPr preferRelativeResize="0"/>
           <p:nvPr/>
         </p:nvPicPr>
@@ -15640,8 +15618,8 @@
         </p:blipFill>
         <p:spPr>
           <a:xfrm>
-            <a:off x="3633000" y="914400"/>
-            <a:ext cx="5236613" cy="3657601"/>
+            <a:off x="2975175" y="914400"/>
+            <a:ext cx="5894451" cy="4114800"/>
           </a:xfrm>
           <a:prstGeom prst="rect">
             <a:avLst/>
@@ -15665,7 +15643,7 @@
   <p:cSld>
     <p:spTree>
       <p:nvGrpSpPr>
-        <p:cNvPr id="231" name="Shape 231"/>
+        <p:cNvPr id="232" name="Shape 232"/>
         <p:cNvGrpSpPr/>
         <p:nvPr/>
       </p:nvGrpSpPr>
@@ -15679,7 +15657,7 @@
       </p:grpSpPr>
       <p:sp>
         <p:nvSpPr>
-          <p:cNvPr id="232" name="Google Shape;232;p36"/>
+          <p:cNvPr id="233" name="Google Shape;233;p36"/>
           <p:cNvSpPr txBox="1"/>
           <p:nvPr>
             <p:ph type="title"/>
@@ -15719,7 +15697,7 @@
       </p:sp>
       <p:sp>
         <p:nvSpPr>
-          <p:cNvPr id="233" name="Google Shape;233;p36"/>
+          <p:cNvPr id="234" name="Google Shape;234;p36"/>
           <p:cNvSpPr txBox="1"/>
           <p:nvPr>
             <p:ph idx="12" type="sldNum"/>
@@ -15727,8 +15705,8 @@
         </p:nvSpPr>
         <p:spPr>
           <a:xfrm>
-            <a:off x="7315202" y="4416550"/>
-            <a:ext cx="1828800" cy="731400"/>
+            <a:off x="7315209" y="4229101"/>
+            <a:ext cx="1828800" cy="914400"/>
           </a:xfrm>
           <a:prstGeom prst="rect">
             <a:avLst/>
@@ -15766,33 +15744,25 @@
               <a:buNone/>
             </a:pPr>
             <a:r>
-              <a:rPr b="0" lang="en" sz="900" u="sng">
+              <a:rPr b="0" lang="en" sz="1000" u="sng">
                 <a:solidFill>
                   <a:schemeClr val="hlink"/>
                 </a:solidFill>
                 <a:hlinkClick r:id="rId3"/>
               </a:rPr>
-              <a:t>https://profriehle.com</a:t>
-            </a:r>
-            <a:r>
-              <a:rPr b="0" lang="en" sz="900">
-                <a:solidFill>
-                  <a:schemeClr val="dk2"/>
-                </a:solidFill>
-              </a:rPr>
+              <a:t>uni1.de/nyt</a:t>
+            </a:r>
+            <a:r>
+              <a:rPr b="0" lang="en" sz="1000"/>
               <a:t> </a:t>
             </a:r>
-            <a:endParaRPr b="0" sz="900">
-              <a:solidFill>
-                <a:schemeClr val="dk2"/>
-              </a:solidFill>
-            </a:endParaRPr>
+            <a:endParaRPr b="0" sz="1000"/>
           </a:p>
         </p:txBody>
       </p:sp>
       <p:pic>
         <p:nvPicPr>
-          <p:cNvPr id="234" name="Google Shape;234;p36"/>
+          <p:cNvPr id="235" name="Google Shape;235;p36"/>
           <p:cNvPicPr preferRelativeResize="0"/>
           <p:nvPr/>
         </p:nvPicPr>
@@ -15806,8 +15776,8 @@
         </p:blipFill>
         <p:spPr>
           <a:xfrm>
-            <a:off x="274320" y="914412"/>
-            <a:ext cx="4297681" cy="1172908"/>
+            <a:off x="274330" y="914388"/>
+            <a:ext cx="8595361" cy="2349398"/>
           </a:xfrm>
           <a:prstGeom prst="rect">
             <a:avLst/>
@@ -15831,7 +15801,7 @@
   <p:cSld>
     <p:spTree>
       <p:nvGrpSpPr>
-        <p:cNvPr id="48" name="Shape 48"/>
+        <p:cNvPr id="49" name="Shape 49"/>
         <p:cNvGrpSpPr/>
         <p:nvPr/>
       </p:nvGrpSpPr>
@@ -15845,7 +15815,7 @@
       </p:grpSpPr>
       <p:sp>
         <p:nvSpPr>
-          <p:cNvPr id="49" name="Google Shape;49;p10"/>
+          <p:cNvPr id="50" name="Google Shape;50;p10"/>
           <p:cNvSpPr txBox="1"/>
           <p:nvPr>
             <p:ph type="title"/>
@@ -15896,7 +15866,7 @@
   <p:cSld>
     <p:spTree>
       <p:nvGrpSpPr>
-        <p:cNvPr id="238" name="Shape 238"/>
+        <p:cNvPr id="239" name="Shape 239"/>
         <p:cNvGrpSpPr/>
         <p:nvPr/>
       </p:nvGrpSpPr>
@@ -15910,7 +15880,7 @@
       </p:grpSpPr>
       <p:sp>
         <p:nvSpPr>
-          <p:cNvPr id="239" name="Google Shape;239;p37"/>
+          <p:cNvPr id="240" name="Google Shape;240;p37"/>
           <p:cNvSpPr txBox="1"/>
           <p:nvPr>
             <p:ph type="title"/>
@@ -15950,7 +15920,7 @@
       </p:sp>
       <p:sp>
         <p:nvSpPr>
-          <p:cNvPr id="240" name="Google Shape;240;p37"/>
+          <p:cNvPr id="241" name="Google Shape;241;p37"/>
           <p:cNvSpPr txBox="1"/>
           <p:nvPr>
             <p:ph idx="12" type="sldNum"/>
@@ -15958,8 +15928,8 @@
         </p:nvSpPr>
         <p:spPr>
           <a:xfrm>
-            <a:off x="7315202" y="4416550"/>
-            <a:ext cx="1828800" cy="731400"/>
+            <a:off x="7315209" y="4229101"/>
+            <a:ext cx="1828800" cy="914400"/>
           </a:xfrm>
           <a:prstGeom prst="rect">
             <a:avLst/>
@@ -15997,33 +15967,25 @@
               <a:buNone/>
             </a:pPr>
             <a:r>
-              <a:rPr b="0" lang="en" sz="900" u="sng">
+              <a:rPr b="0" lang="en" sz="1000" u="sng">
                 <a:solidFill>
                   <a:schemeClr val="hlink"/>
                 </a:solidFill>
                 <a:hlinkClick r:id="rId3"/>
               </a:rPr>
-              <a:t>https://profriehle.com</a:t>
-            </a:r>
-            <a:r>
-              <a:rPr b="0" lang="en" sz="900">
-                <a:solidFill>
-                  <a:schemeClr val="dk2"/>
-                </a:solidFill>
-              </a:rPr>
+              <a:t>uni1.de/nyt</a:t>
+            </a:r>
+            <a:r>
+              <a:rPr b="0" lang="en" sz="1000"/>
               <a:t> </a:t>
             </a:r>
-            <a:endParaRPr b="0" sz="900">
-              <a:solidFill>
-                <a:schemeClr val="dk2"/>
-              </a:solidFill>
-            </a:endParaRPr>
+            <a:endParaRPr b="0" sz="1000"/>
           </a:p>
         </p:txBody>
       </p:sp>
       <p:pic>
         <p:nvPicPr>
-          <p:cNvPr id="241" name="Google Shape;241;p37"/>
+          <p:cNvPr id="242" name="Google Shape;242;p37"/>
           <p:cNvPicPr preferRelativeResize="0"/>
           <p:nvPr/>
         </p:nvPicPr>
@@ -16037,8 +15999,8 @@
         </p:blipFill>
         <p:spPr>
           <a:xfrm>
-            <a:off x="4847676" y="914400"/>
-            <a:ext cx="4023361" cy="3108046"/>
+            <a:off x="274320" y="914400"/>
+            <a:ext cx="5328667" cy="4114801"/>
           </a:xfrm>
           <a:prstGeom prst="rect">
             <a:avLst/>
@@ -16062,7 +16024,7 @@
   <p:cSld>
     <p:spTree>
       <p:nvGrpSpPr>
-        <p:cNvPr id="245" name="Shape 245"/>
+        <p:cNvPr id="246" name="Shape 246"/>
         <p:cNvGrpSpPr/>
         <p:nvPr/>
       </p:nvGrpSpPr>
@@ -16076,7 +16038,7 @@
       </p:grpSpPr>
       <p:sp>
         <p:nvSpPr>
-          <p:cNvPr id="246" name="Google Shape;246;p38"/>
+          <p:cNvPr id="247" name="Google Shape;247;p38"/>
           <p:cNvSpPr txBox="1"/>
           <p:nvPr>
             <p:ph type="title"/>
@@ -16116,7 +16078,7 @@
       </p:sp>
       <p:sp>
         <p:nvSpPr>
-          <p:cNvPr id="247" name="Google Shape;247;p38"/>
+          <p:cNvPr id="248" name="Google Shape;248;p38"/>
           <p:cNvSpPr txBox="1"/>
           <p:nvPr>
             <p:ph idx="1" type="body"/>
@@ -16256,7 +16218,7 @@
       </p:sp>
       <p:sp>
         <p:nvSpPr>
-          <p:cNvPr id="248" name="Google Shape;248;p38"/>
+          <p:cNvPr id="249" name="Google Shape;249;p38"/>
           <p:cNvSpPr txBox="1"/>
           <p:nvPr>
             <p:ph idx="12" type="sldNum"/>
@@ -16264,8 +16226,8 @@
         </p:nvSpPr>
         <p:spPr>
           <a:xfrm>
-            <a:off x="7315202" y="4416550"/>
-            <a:ext cx="1828800" cy="731400"/>
+            <a:off x="7315209" y="4229101"/>
+            <a:ext cx="1828800" cy="914400"/>
           </a:xfrm>
           <a:prstGeom prst="rect">
             <a:avLst/>
@@ -16303,27 +16265,19 @@
               <a:buNone/>
             </a:pPr>
             <a:r>
-              <a:rPr b="0" lang="en" sz="900" u="sng">
+              <a:rPr b="0" lang="en" sz="1000" u="sng">
                 <a:solidFill>
                   <a:schemeClr val="hlink"/>
                 </a:solidFill>
                 <a:hlinkClick r:id="rId3"/>
               </a:rPr>
-              <a:t>https://profriehle.com</a:t>
-            </a:r>
-            <a:r>
-              <a:rPr b="0" lang="en" sz="900">
-                <a:solidFill>
-                  <a:schemeClr val="dk2"/>
-                </a:solidFill>
-              </a:rPr>
+              <a:t>uni1.de/nyt</a:t>
+            </a:r>
+            <a:r>
+              <a:rPr b="0" lang="en" sz="1000"/>
               <a:t> </a:t>
             </a:r>
-            <a:endParaRPr b="0" sz="900">
-              <a:solidFill>
-                <a:schemeClr val="dk2"/>
-              </a:solidFill>
-            </a:endParaRPr>
+            <a:endParaRPr b="0" sz="1000"/>
           </a:p>
         </p:txBody>
       </p:sp>
@@ -16340,7 +16294,7 @@
   <p:cSld>
     <p:spTree>
       <p:nvGrpSpPr>
-        <p:cNvPr id="252" name="Shape 252"/>
+        <p:cNvPr id="253" name="Shape 253"/>
         <p:cNvGrpSpPr/>
         <p:nvPr/>
       </p:nvGrpSpPr>
@@ -16354,7 +16308,7 @@
       </p:grpSpPr>
       <p:sp>
         <p:nvSpPr>
-          <p:cNvPr id="253" name="Google Shape;253;p39"/>
+          <p:cNvPr id="254" name="Google Shape;254;p39"/>
           <p:cNvSpPr txBox="1"/>
           <p:nvPr>
             <p:ph type="title"/>
@@ -16405,7 +16359,7 @@
   <p:cSld>
     <p:spTree>
       <p:nvGrpSpPr>
-        <p:cNvPr id="257" name="Shape 257"/>
+        <p:cNvPr id="258" name="Shape 258"/>
         <p:cNvGrpSpPr/>
         <p:nvPr/>
       </p:nvGrpSpPr>
@@ -16419,7 +16373,7 @@
       </p:grpSpPr>
       <p:sp>
         <p:nvSpPr>
-          <p:cNvPr id="258" name="Google Shape;258;p40"/>
+          <p:cNvPr id="259" name="Google Shape;259;p40"/>
           <p:cNvSpPr txBox="1"/>
           <p:nvPr>
             <p:ph type="title"/>
@@ -16459,7 +16413,7 @@
       </p:sp>
       <p:sp>
         <p:nvSpPr>
-          <p:cNvPr id="259" name="Google Shape;259;p40"/>
+          <p:cNvPr id="260" name="Google Shape;260;p40"/>
           <p:cNvSpPr txBox="1"/>
           <p:nvPr>
             <p:ph idx="1" type="body"/>
@@ -16615,7 +16569,7 @@
       </p:sp>
       <p:sp>
         <p:nvSpPr>
-          <p:cNvPr id="260" name="Google Shape;260;p40"/>
+          <p:cNvPr id="261" name="Google Shape;261;p40"/>
           <p:cNvSpPr txBox="1"/>
           <p:nvPr>
             <p:ph idx="12" type="sldNum"/>
@@ -16623,8 +16577,8 @@
         </p:nvSpPr>
         <p:spPr>
           <a:xfrm>
-            <a:off x="7315202" y="4416550"/>
-            <a:ext cx="1828800" cy="731400"/>
+            <a:off x="7315209" y="4229101"/>
+            <a:ext cx="1828800" cy="914400"/>
           </a:xfrm>
           <a:prstGeom prst="rect">
             <a:avLst/>
@@ -16662,27 +16616,19 @@
               <a:buNone/>
             </a:pPr>
             <a:r>
-              <a:rPr b="0" lang="en" sz="900" u="sng">
+              <a:rPr b="0" lang="en" sz="1000" u="sng">
                 <a:solidFill>
                   <a:schemeClr val="hlink"/>
                 </a:solidFill>
                 <a:hlinkClick r:id="rId3"/>
               </a:rPr>
-              <a:t>https://profriehle.com</a:t>
-            </a:r>
-            <a:r>
-              <a:rPr b="0" lang="en" sz="900">
-                <a:solidFill>
-                  <a:schemeClr val="dk2"/>
-                </a:solidFill>
-              </a:rPr>
+              <a:t>uni1.de/nyt</a:t>
+            </a:r>
+            <a:r>
+              <a:rPr b="0" lang="en" sz="1000"/>
               <a:t> </a:t>
             </a:r>
-            <a:endParaRPr b="0" sz="900">
-              <a:solidFill>
-                <a:schemeClr val="dk2"/>
-              </a:solidFill>
-            </a:endParaRPr>
+            <a:endParaRPr b="0" sz="1000"/>
           </a:p>
         </p:txBody>
       </p:sp>
@@ -16699,7 +16645,7 @@
   <p:cSld>
     <p:spTree>
       <p:nvGrpSpPr>
-        <p:cNvPr id="264" name="Shape 264"/>
+        <p:cNvPr id="265" name="Shape 265"/>
         <p:cNvGrpSpPr/>
         <p:nvPr/>
       </p:nvGrpSpPr>
@@ -16713,7 +16659,7 @@
       </p:grpSpPr>
       <p:sp>
         <p:nvSpPr>
-          <p:cNvPr id="265" name="Google Shape;265;p41"/>
+          <p:cNvPr id="266" name="Google Shape;266;p41"/>
           <p:cNvSpPr txBox="1"/>
           <p:nvPr>
             <p:ph type="title"/>
@@ -16753,7 +16699,7 @@
       </p:sp>
       <p:sp>
         <p:nvSpPr>
-          <p:cNvPr id="266" name="Google Shape;266;p41"/>
+          <p:cNvPr id="267" name="Google Shape;267;p41"/>
           <p:cNvSpPr txBox="1"/>
           <p:nvPr>
             <p:ph idx="12" type="sldNum"/>
@@ -16761,8 +16707,8 @@
         </p:nvSpPr>
         <p:spPr>
           <a:xfrm>
-            <a:off x="7315202" y="4416550"/>
-            <a:ext cx="1828800" cy="731400"/>
+            <a:off x="7315209" y="4229101"/>
+            <a:ext cx="1828800" cy="914400"/>
           </a:xfrm>
           <a:prstGeom prst="rect">
             <a:avLst/>
@@ -16800,33 +16746,25 @@
               <a:buNone/>
             </a:pPr>
             <a:r>
-              <a:rPr b="0" lang="en" sz="900" u="sng">
+              <a:rPr b="0" lang="en" sz="1000" u="sng">
                 <a:solidFill>
                   <a:schemeClr val="hlink"/>
                 </a:solidFill>
                 <a:hlinkClick r:id="rId3"/>
               </a:rPr>
-              <a:t>https://profriehle.com</a:t>
-            </a:r>
-            <a:r>
-              <a:rPr b="0" lang="en" sz="900">
-                <a:solidFill>
-                  <a:schemeClr val="dk2"/>
-                </a:solidFill>
-              </a:rPr>
+              <a:t>uni1.de/nyt</a:t>
+            </a:r>
+            <a:r>
+              <a:rPr b="0" lang="en" sz="1000"/>
               <a:t> </a:t>
             </a:r>
-            <a:endParaRPr b="0" sz="900">
-              <a:solidFill>
-                <a:schemeClr val="dk2"/>
-              </a:solidFill>
-            </a:endParaRPr>
+            <a:endParaRPr b="0" sz="1000"/>
           </a:p>
         </p:txBody>
       </p:sp>
       <p:sp>
         <p:nvSpPr>
-          <p:cNvPr id="267" name="Google Shape;267;p41"/>
+          <p:cNvPr id="268" name="Google Shape;268;p41"/>
           <p:cNvSpPr txBox="1"/>
           <p:nvPr>
             <p:ph idx="1" type="body"/>
@@ -16909,7 +16847,7 @@
   <p:cSld>
     <p:spTree>
       <p:nvGrpSpPr>
-        <p:cNvPr id="271" name="Shape 271"/>
+        <p:cNvPr id="272" name="Shape 272"/>
         <p:cNvGrpSpPr/>
         <p:nvPr/>
       </p:nvGrpSpPr>
@@ -16923,7 +16861,7 @@
       </p:grpSpPr>
       <p:sp>
         <p:nvSpPr>
-          <p:cNvPr id="272" name="Google Shape;272;p42"/>
+          <p:cNvPr id="273" name="Google Shape;273;p42"/>
           <p:cNvSpPr txBox="1"/>
           <p:nvPr>
             <p:ph type="title"/>
@@ -16963,7 +16901,7 @@
       </p:sp>
       <p:sp>
         <p:nvSpPr>
-          <p:cNvPr id="273" name="Google Shape;273;p42"/>
+          <p:cNvPr id="274" name="Google Shape;274;p42"/>
           <p:cNvSpPr txBox="1"/>
           <p:nvPr>
             <p:ph idx="12" type="sldNum"/>
@@ -16971,8 +16909,8 @@
         </p:nvSpPr>
         <p:spPr>
           <a:xfrm>
-            <a:off x="7315202" y="4416550"/>
-            <a:ext cx="1828800" cy="731400"/>
+            <a:off x="7315209" y="4229101"/>
+            <a:ext cx="1828800" cy="914400"/>
           </a:xfrm>
           <a:prstGeom prst="rect">
             <a:avLst/>
@@ -17010,33 +16948,25 @@
               <a:buNone/>
             </a:pPr>
             <a:r>
-              <a:rPr b="0" lang="en" sz="900" u="sng">
+              <a:rPr b="0" lang="en" sz="1000" u="sng">
                 <a:solidFill>
                   <a:schemeClr val="hlink"/>
                 </a:solidFill>
                 <a:hlinkClick r:id="rId3"/>
               </a:rPr>
-              <a:t>https://profriehle.com</a:t>
-            </a:r>
-            <a:r>
-              <a:rPr b="0" lang="en" sz="900">
-                <a:solidFill>
-                  <a:schemeClr val="dk2"/>
-                </a:solidFill>
-              </a:rPr>
+              <a:t>uni1.de/nyt</a:t>
+            </a:r>
+            <a:r>
+              <a:rPr b="0" lang="en" sz="1000"/>
               <a:t> </a:t>
             </a:r>
-            <a:endParaRPr>
-              <a:solidFill>
-                <a:schemeClr val="dk2"/>
-              </a:solidFill>
-            </a:endParaRPr>
+            <a:endParaRPr b="0" sz="1000"/>
           </a:p>
         </p:txBody>
       </p:sp>
       <p:sp>
         <p:nvSpPr>
-          <p:cNvPr id="274" name="Google Shape;274;p42"/>
+          <p:cNvPr id="275" name="Google Shape;275;p42"/>
           <p:cNvSpPr txBox="1"/>
           <p:nvPr>
             <p:ph idx="1" type="body"/>
@@ -17093,7 +17023,7 @@
       </p:sp>
       <p:sp>
         <p:nvSpPr>
-          <p:cNvPr id="275" name="Google Shape;275;p42"/>
+          <p:cNvPr id="276" name="Google Shape;276;p42"/>
           <p:cNvSpPr txBox="1"/>
           <p:nvPr>
             <p:ph idx="2" type="body"/>
@@ -17161,7 +17091,7 @@
   <p:cSld>
     <p:spTree>
       <p:nvGrpSpPr>
-        <p:cNvPr id="279" name="Shape 279"/>
+        <p:cNvPr id="280" name="Shape 280"/>
         <p:cNvGrpSpPr/>
         <p:nvPr/>
       </p:nvGrpSpPr>
@@ -17175,7 +17105,7 @@
       </p:grpSpPr>
       <p:sp>
         <p:nvSpPr>
-          <p:cNvPr id="280" name="Google Shape;280;p43"/>
+          <p:cNvPr id="281" name="Google Shape;281;p43"/>
           <p:cNvSpPr txBox="1"/>
           <p:nvPr>
             <p:ph type="title"/>
@@ -17215,7 +17145,7 @@
       </p:sp>
       <p:sp>
         <p:nvSpPr>
-          <p:cNvPr id="281" name="Google Shape;281;p43"/>
+          <p:cNvPr id="282" name="Google Shape;282;p43"/>
           <p:cNvSpPr txBox="1"/>
           <p:nvPr>
             <p:ph idx="1" type="body"/>
@@ -17295,7 +17225,7 @@
       </p:sp>
       <p:sp>
         <p:nvSpPr>
-          <p:cNvPr id="282" name="Google Shape;282;p43"/>
+          <p:cNvPr id="283" name="Google Shape;283;p43"/>
           <p:cNvSpPr txBox="1"/>
           <p:nvPr>
             <p:ph idx="12" type="sldNum"/>
@@ -17303,8 +17233,8 @@
         </p:nvSpPr>
         <p:spPr>
           <a:xfrm>
-            <a:off x="7315202" y="4416550"/>
-            <a:ext cx="1828800" cy="731400"/>
+            <a:off x="7315209" y="4229101"/>
+            <a:ext cx="1828800" cy="914400"/>
           </a:xfrm>
           <a:prstGeom prst="rect">
             <a:avLst/>
@@ -17342,27 +17272,19 @@
               <a:buNone/>
             </a:pPr>
             <a:r>
-              <a:rPr b="0" lang="en" sz="900" u="sng">
+              <a:rPr b="0" lang="en" sz="1000" u="sng">
                 <a:solidFill>
                   <a:schemeClr val="hlink"/>
                 </a:solidFill>
                 <a:hlinkClick r:id="rId3"/>
               </a:rPr>
-              <a:t>https://profriehle.com</a:t>
-            </a:r>
-            <a:r>
-              <a:rPr b="0" lang="en" sz="900">
-                <a:solidFill>
-                  <a:schemeClr val="dk2"/>
-                </a:solidFill>
-              </a:rPr>
+              <a:t>uni1.de/nyt</a:t>
+            </a:r>
+            <a:r>
+              <a:rPr b="0" lang="en" sz="1000"/>
               <a:t> </a:t>
             </a:r>
-            <a:endParaRPr b="0" sz="900">
-              <a:solidFill>
-                <a:schemeClr val="dk2"/>
-              </a:solidFill>
-            </a:endParaRPr>
+            <a:endParaRPr b="0" sz="1000"/>
           </a:p>
         </p:txBody>
       </p:sp>
@@ -17379,7 +17301,7 @@
   <p:cSld>
     <p:spTree>
       <p:nvGrpSpPr>
-        <p:cNvPr id="286" name="Shape 286"/>
+        <p:cNvPr id="287" name="Shape 287"/>
         <p:cNvGrpSpPr/>
         <p:nvPr/>
       </p:nvGrpSpPr>
@@ -17393,7 +17315,7 @@
       </p:grpSpPr>
       <p:sp>
         <p:nvSpPr>
-          <p:cNvPr id="287" name="Google Shape;287;p44"/>
+          <p:cNvPr id="288" name="Google Shape;288;p44"/>
           <p:cNvSpPr txBox="1"/>
           <p:nvPr>
             <p:ph type="title"/>
@@ -17433,7 +17355,7 @@
       </p:sp>
       <p:sp>
         <p:nvSpPr>
-          <p:cNvPr id="288" name="Google Shape;288;p44"/>
+          <p:cNvPr id="289" name="Google Shape;289;p44"/>
           <p:cNvSpPr txBox="1"/>
           <p:nvPr>
             <p:ph idx="1" type="body"/>
@@ -17490,7 +17412,7 @@
       </p:sp>
       <p:sp>
         <p:nvSpPr>
-          <p:cNvPr id="289" name="Google Shape;289;p44"/>
+          <p:cNvPr id="290" name="Google Shape;290;p44"/>
           <p:cNvSpPr txBox="1"/>
           <p:nvPr>
             <p:ph idx="12" type="sldNum"/>
@@ -17498,8 +17420,8 @@
         </p:nvSpPr>
         <p:spPr>
           <a:xfrm>
-            <a:off x="7315202" y="4416550"/>
-            <a:ext cx="1828800" cy="731400"/>
+            <a:off x="7315209" y="4229101"/>
+            <a:ext cx="1828800" cy="914400"/>
           </a:xfrm>
           <a:prstGeom prst="rect">
             <a:avLst/>
@@ -17537,27 +17459,19 @@
               <a:buNone/>
             </a:pPr>
             <a:r>
-              <a:rPr b="0" lang="en" sz="900" u="sng">
+              <a:rPr b="0" lang="en" sz="1000" u="sng">
                 <a:solidFill>
                   <a:schemeClr val="hlink"/>
                 </a:solidFill>
                 <a:hlinkClick r:id="rId3"/>
               </a:rPr>
-              <a:t>https://profriehle.com</a:t>
-            </a:r>
-            <a:r>
-              <a:rPr b="0" lang="en" sz="900">
-                <a:solidFill>
-                  <a:schemeClr val="dk2"/>
-                </a:solidFill>
-              </a:rPr>
+              <a:t>uni1.de/nyt</a:t>
+            </a:r>
+            <a:r>
+              <a:rPr b="0" lang="en" sz="1000"/>
               <a:t> </a:t>
             </a:r>
-            <a:endParaRPr b="0" sz="900">
-              <a:solidFill>
-                <a:schemeClr val="dk2"/>
-              </a:solidFill>
-            </a:endParaRPr>
+            <a:endParaRPr b="0" sz="1000"/>
           </a:p>
         </p:txBody>
       </p:sp>
@@ -17574,7 +17488,7 @@
   <p:cSld>
     <p:spTree>
       <p:nvGrpSpPr>
-        <p:cNvPr id="293" name="Shape 293"/>
+        <p:cNvPr id="294" name="Shape 294"/>
         <p:cNvGrpSpPr/>
         <p:nvPr/>
       </p:nvGrpSpPr>
@@ -17588,7 +17502,7 @@
       </p:grpSpPr>
       <p:sp>
         <p:nvSpPr>
-          <p:cNvPr id="294" name="Google Shape;294;p45"/>
+          <p:cNvPr id="295" name="Google Shape;295;p45"/>
           <p:cNvSpPr txBox="1"/>
           <p:nvPr>
             <p:ph type="title"/>
@@ -17628,7 +17542,7 @@
       </p:sp>
       <p:sp>
         <p:nvSpPr>
-          <p:cNvPr id="295" name="Google Shape;295;p45"/>
+          <p:cNvPr id="296" name="Google Shape;296;p45"/>
           <p:cNvSpPr txBox="1"/>
           <p:nvPr>
             <p:ph idx="12" type="sldNum"/>
@@ -17636,8 +17550,8 @@
         </p:nvSpPr>
         <p:spPr>
           <a:xfrm>
-            <a:off x="7315202" y="4416550"/>
-            <a:ext cx="1828800" cy="731400"/>
+            <a:off x="7315209" y="4229101"/>
+            <a:ext cx="1828800" cy="914400"/>
           </a:xfrm>
           <a:prstGeom prst="rect">
             <a:avLst/>
@@ -17675,33 +17589,25 @@
               <a:buNone/>
             </a:pPr>
             <a:r>
-              <a:rPr b="0" lang="en" sz="900" u="sng">
+              <a:rPr b="0" lang="en" sz="1000" u="sng">
                 <a:solidFill>
                   <a:schemeClr val="hlink"/>
                 </a:solidFill>
                 <a:hlinkClick r:id="rId3"/>
               </a:rPr>
-              <a:t>https://profriehle.com</a:t>
-            </a:r>
-            <a:r>
-              <a:rPr b="0" lang="en" sz="900">
-                <a:solidFill>
-                  <a:schemeClr val="dk2"/>
-                </a:solidFill>
-              </a:rPr>
+              <a:t>uni1.de/nyt</a:t>
+            </a:r>
+            <a:r>
+              <a:rPr b="0" lang="en" sz="1000"/>
               <a:t> </a:t>
             </a:r>
-            <a:endParaRPr>
-              <a:solidFill>
-                <a:schemeClr val="dk2"/>
-              </a:solidFill>
-            </a:endParaRPr>
+            <a:endParaRPr b="0" sz="1000"/>
           </a:p>
         </p:txBody>
       </p:sp>
       <p:sp>
         <p:nvSpPr>
-          <p:cNvPr id="296" name="Google Shape;296;p45"/>
+          <p:cNvPr id="297" name="Google Shape;297;p45"/>
           <p:cNvSpPr txBox="1"/>
           <p:nvPr>
             <p:ph idx="2" type="body"/>
@@ -17758,7 +17664,7 @@
       </p:sp>
       <p:sp>
         <p:nvSpPr>
-          <p:cNvPr id="297" name="Google Shape;297;p45"/>
+          <p:cNvPr id="298" name="Google Shape;298;p45"/>
           <p:cNvSpPr txBox="1"/>
           <p:nvPr>
             <p:ph idx="1" type="body"/>
@@ -17826,7 +17732,7 @@
   <p:cSld>
     <p:spTree>
       <p:nvGrpSpPr>
-        <p:cNvPr id="301" name="Shape 301"/>
+        <p:cNvPr id="302" name="Shape 302"/>
         <p:cNvGrpSpPr/>
         <p:nvPr/>
       </p:nvGrpSpPr>
@@ -17840,7 +17746,7 @@
       </p:grpSpPr>
       <p:sp>
         <p:nvSpPr>
-          <p:cNvPr id="302" name="Google Shape;302;p46"/>
+          <p:cNvPr id="303" name="Google Shape;303;p46"/>
           <p:cNvSpPr txBox="1"/>
           <p:nvPr>
             <p:ph type="title"/>
@@ -17880,7 +17786,7 @@
       </p:sp>
       <p:sp>
         <p:nvSpPr>
-          <p:cNvPr id="303" name="Google Shape;303;p46"/>
+          <p:cNvPr id="304" name="Google Shape;304;p46"/>
           <p:cNvSpPr txBox="1"/>
           <p:nvPr>
             <p:ph idx="1" type="body"/>
@@ -17945,7 +17851,7 @@
       </p:sp>
       <p:sp>
         <p:nvSpPr>
-          <p:cNvPr id="304" name="Google Shape;304;p46"/>
+          <p:cNvPr id="305" name="Google Shape;305;p46"/>
           <p:cNvSpPr txBox="1"/>
           <p:nvPr>
             <p:ph idx="12" type="sldNum"/>
@@ -17953,8 +17859,8 @@
         </p:nvSpPr>
         <p:spPr>
           <a:xfrm>
-            <a:off x="7315202" y="4416550"/>
-            <a:ext cx="1828800" cy="731400"/>
+            <a:off x="7315209" y="4229101"/>
+            <a:ext cx="1828800" cy="914400"/>
           </a:xfrm>
           <a:prstGeom prst="rect">
             <a:avLst/>
@@ -17992,27 +17898,19 @@
               <a:buNone/>
             </a:pPr>
             <a:r>
-              <a:rPr b="0" lang="en" sz="900" u="sng">
+              <a:rPr b="0" lang="en" sz="1000" u="sng">
                 <a:solidFill>
                   <a:schemeClr val="hlink"/>
                 </a:solidFill>
                 <a:hlinkClick r:id="rId3"/>
               </a:rPr>
-              <a:t>https://profriehle.com</a:t>
-            </a:r>
-            <a:r>
-              <a:rPr b="0" lang="en" sz="900">
-                <a:solidFill>
-                  <a:schemeClr val="dk2"/>
-                </a:solidFill>
-              </a:rPr>
+              <a:t>uni1.de/nyt</a:t>
+            </a:r>
+            <a:r>
+              <a:rPr b="0" lang="en" sz="1000"/>
               <a:t> </a:t>
             </a:r>
-            <a:endParaRPr b="0" sz="900">
-              <a:solidFill>
-                <a:schemeClr val="dk2"/>
-              </a:solidFill>
-            </a:endParaRPr>
+            <a:endParaRPr b="0" sz="1000"/>
           </a:p>
         </p:txBody>
       </p:sp>
@@ -18029,7 +17927,7 @@
   <p:cSld>
     <p:spTree>
       <p:nvGrpSpPr>
-        <p:cNvPr id="53" name="Shape 53"/>
+        <p:cNvPr id="54" name="Shape 54"/>
         <p:cNvGrpSpPr/>
         <p:nvPr/>
       </p:nvGrpSpPr>
@@ -18043,7 +17941,7 @@
       </p:grpSpPr>
       <p:sp>
         <p:nvSpPr>
-          <p:cNvPr id="54" name="Google Shape;54;p11"/>
+          <p:cNvPr id="55" name="Google Shape;55;p11"/>
           <p:cNvSpPr txBox="1"/>
           <p:nvPr>
             <p:ph type="title"/>
@@ -18083,7 +17981,7 @@
       </p:sp>
       <p:sp>
         <p:nvSpPr>
-          <p:cNvPr id="55" name="Google Shape;55;p11"/>
+          <p:cNvPr id="56" name="Google Shape;56;p11"/>
           <p:cNvSpPr txBox="1"/>
           <p:nvPr>
             <p:ph idx="1" type="body"/>
@@ -18243,7 +18141,7 @@
       </p:sp>
       <p:sp>
         <p:nvSpPr>
-          <p:cNvPr id="56" name="Google Shape;56;p11"/>
+          <p:cNvPr id="57" name="Google Shape;57;p11"/>
           <p:cNvSpPr txBox="1"/>
           <p:nvPr>
             <p:ph idx="12" type="sldNum"/>
@@ -18251,8 +18149,8 @@
         </p:nvSpPr>
         <p:spPr>
           <a:xfrm>
-            <a:off x="7315202" y="4416550"/>
-            <a:ext cx="1828800" cy="731400"/>
+            <a:off x="7315209" y="4229101"/>
+            <a:ext cx="1828800" cy="914400"/>
           </a:xfrm>
           <a:prstGeom prst="rect">
             <a:avLst/>
@@ -18290,27 +18188,19 @@
               <a:buNone/>
             </a:pPr>
             <a:r>
-              <a:rPr b="0" lang="en" sz="900" u="sng">
+              <a:rPr b="0" lang="en" sz="1000" u="sng">
                 <a:solidFill>
                   <a:schemeClr val="hlink"/>
                 </a:solidFill>
                 <a:hlinkClick r:id="rId3"/>
               </a:rPr>
-              <a:t>https://profriehle.com</a:t>
-            </a:r>
-            <a:r>
-              <a:rPr b="0" lang="en" sz="900">
-                <a:solidFill>
-                  <a:schemeClr val="dk2"/>
-                </a:solidFill>
-              </a:rPr>
+              <a:t>uni1.de/nyt</a:t>
+            </a:r>
+            <a:r>
+              <a:rPr b="0" lang="en" sz="1000"/>
               <a:t> </a:t>
             </a:r>
-            <a:endParaRPr b="0" sz="900">
-              <a:solidFill>
-                <a:schemeClr val="dk2"/>
-              </a:solidFill>
-            </a:endParaRPr>
+            <a:endParaRPr b="0" sz="1000"/>
           </a:p>
         </p:txBody>
       </p:sp>
@@ -18327,7 +18217,7 @@
   <p:cSld>
     <p:spTree>
       <p:nvGrpSpPr>
-        <p:cNvPr id="308" name="Shape 308"/>
+        <p:cNvPr id="309" name="Shape 309"/>
         <p:cNvGrpSpPr/>
         <p:nvPr/>
       </p:nvGrpSpPr>
@@ -18341,7 +18231,7 @@
       </p:grpSpPr>
       <p:sp>
         <p:nvSpPr>
-          <p:cNvPr id="309" name="Google Shape;309;p47"/>
+          <p:cNvPr id="310" name="Google Shape;310;p47"/>
           <p:cNvSpPr txBox="1"/>
           <p:nvPr>
             <p:ph idx="1" type="body"/>
@@ -18415,7 +18305,7 @@
       </p:sp>
       <p:sp>
         <p:nvSpPr>
-          <p:cNvPr id="310" name="Google Shape;310;p47"/>
+          <p:cNvPr id="311" name="Google Shape;311;p47"/>
           <p:cNvSpPr txBox="1"/>
           <p:nvPr>
             <p:ph type="title"/>
@@ -18455,7 +18345,7 @@
       </p:sp>
       <p:sp>
         <p:nvSpPr>
-          <p:cNvPr id="311" name="Google Shape;311;p47"/>
+          <p:cNvPr id="312" name="Google Shape;312;p47"/>
           <p:cNvSpPr txBox="1"/>
           <p:nvPr>
             <p:ph idx="12" type="sldNum"/>
@@ -18463,8 +18353,8 @@
         </p:nvSpPr>
         <p:spPr>
           <a:xfrm>
-            <a:off x="7315202" y="4416550"/>
-            <a:ext cx="1828800" cy="731400"/>
+            <a:off x="7315209" y="4229101"/>
+            <a:ext cx="1828800" cy="914400"/>
           </a:xfrm>
           <a:prstGeom prst="rect">
             <a:avLst/>
@@ -18502,27 +18392,19 @@
               <a:buNone/>
             </a:pPr>
             <a:r>
-              <a:rPr b="0" lang="en" sz="900" u="sng">
+              <a:rPr b="0" lang="en" sz="1000" u="sng">
                 <a:solidFill>
                   <a:schemeClr val="hlink"/>
                 </a:solidFill>
                 <a:hlinkClick r:id="rId3"/>
               </a:rPr>
-              <a:t>https://profriehle.com</a:t>
-            </a:r>
-            <a:r>
-              <a:rPr b="0" lang="en" sz="900">
-                <a:solidFill>
-                  <a:schemeClr val="dk2"/>
-                </a:solidFill>
-              </a:rPr>
+              <a:t>uni1.de/nyt</a:t>
+            </a:r>
+            <a:r>
+              <a:rPr b="0" lang="en" sz="1000"/>
               <a:t> </a:t>
             </a:r>
-            <a:endParaRPr b="0" sz="900">
-              <a:solidFill>
-                <a:schemeClr val="dk2"/>
-              </a:solidFill>
-            </a:endParaRPr>
+            <a:endParaRPr b="0" sz="1000"/>
           </a:p>
         </p:txBody>
       </p:sp>
@@ -18539,7 +18421,7 @@
   <p:cSld>
     <p:spTree>
       <p:nvGrpSpPr>
-        <p:cNvPr id="315" name="Shape 315"/>
+        <p:cNvPr id="316" name="Shape 316"/>
         <p:cNvGrpSpPr/>
         <p:nvPr/>
       </p:nvGrpSpPr>
@@ -18553,7 +18435,7 @@
       </p:grpSpPr>
       <p:sp>
         <p:nvSpPr>
-          <p:cNvPr id="316" name="Google Shape;316;p48"/>
+          <p:cNvPr id="317" name="Google Shape;317;p48"/>
           <p:cNvSpPr txBox="1"/>
           <p:nvPr>
             <p:ph type="title"/>
@@ -18593,7 +18475,7 @@
       </p:sp>
       <p:sp>
         <p:nvSpPr>
-          <p:cNvPr id="317" name="Google Shape;317;p48"/>
+          <p:cNvPr id="318" name="Google Shape;318;p48"/>
           <p:cNvSpPr txBox="1"/>
           <p:nvPr>
             <p:ph idx="12" type="sldNum"/>
@@ -18601,8 +18483,8 @@
         </p:nvSpPr>
         <p:spPr>
           <a:xfrm>
-            <a:off x="7315202" y="4416550"/>
-            <a:ext cx="1828800" cy="731400"/>
+            <a:off x="7315209" y="4229101"/>
+            <a:ext cx="1828800" cy="914400"/>
           </a:xfrm>
           <a:prstGeom prst="rect">
             <a:avLst/>
@@ -18640,33 +18522,25 @@
               <a:buNone/>
             </a:pPr>
             <a:r>
-              <a:rPr b="0" lang="en" sz="900" u="sng">
+              <a:rPr b="0" lang="en" sz="1000" u="sng">
                 <a:solidFill>
                   <a:schemeClr val="hlink"/>
                 </a:solidFill>
                 <a:hlinkClick r:id="rId3"/>
               </a:rPr>
-              <a:t>https://profriehle.com</a:t>
-            </a:r>
-            <a:r>
-              <a:rPr b="0" lang="en" sz="900">
-                <a:solidFill>
-                  <a:schemeClr val="dk2"/>
-                </a:solidFill>
-              </a:rPr>
+              <a:t>uni1.de/nyt</a:t>
+            </a:r>
+            <a:r>
+              <a:rPr b="0" lang="en" sz="1000"/>
               <a:t> </a:t>
             </a:r>
-            <a:endParaRPr>
-              <a:solidFill>
-                <a:schemeClr val="dk2"/>
-              </a:solidFill>
-            </a:endParaRPr>
+            <a:endParaRPr b="0" sz="1000"/>
           </a:p>
         </p:txBody>
       </p:sp>
       <p:sp>
         <p:nvSpPr>
-          <p:cNvPr id="318" name="Google Shape;318;p48"/>
+          <p:cNvPr id="319" name="Google Shape;319;p48"/>
           <p:cNvSpPr txBox="1"/>
           <p:nvPr>
             <p:ph idx="1" type="body"/>
@@ -18723,7 +18597,7 @@
       </p:sp>
       <p:sp>
         <p:nvSpPr>
-          <p:cNvPr id="319" name="Google Shape;319;p48"/>
+          <p:cNvPr id="320" name="Google Shape;320;p48"/>
           <p:cNvSpPr txBox="1"/>
           <p:nvPr>
             <p:ph idx="2" type="body"/>
@@ -18845,7 +18719,7 @@
   <p:cSld>
     <p:spTree>
       <p:nvGrpSpPr>
-        <p:cNvPr id="323" name="Shape 323"/>
+        <p:cNvPr id="324" name="Shape 324"/>
         <p:cNvGrpSpPr/>
         <p:nvPr/>
       </p:nvGrpSpPr>
@@ -18859,7 +18733,7 @@
       </p:grpSpPr>
       <p:sp>
         <p:nvSpPr>
-          <p:cNvPr id="324" name="Google Shape;324;p49"/>
+          <p:cNvPr id="325" name="Google Shape;325;p49"/>
           <p:cNvSpPr txBox="1"/>
           <p:nvPr>
             <p:ph type="title"/>
@@ -18899,7 +18773,7 @@
       </p:sp>
       <p:sp>
         <p:nvSpPr>
-          <p:cNvPr id="325" name="Google Shape;325;p49"/>
+          <p:cNvPr id="326" name="Google Shape;326;p49"/>
           <p:cNvSpPr txBox="1"/>
           <p:nvPr>
             <p:ph idx="1" type="body"/>
@@ -18979,7 +18853,7 @@
       </p:sp>
       <p:sp>
         <p:nvSpPr>
-          <p:cNvPr id="326" name="Google Shape;326;p49"/>
+          <p:cNvPr id="327" name="Google Shape;327;p49"/>
           <p:cNvSpPr txBox="1"/>
           <p:nvPr>
             <p:ph idx="12" type="sldNum"/>
@@ -18987,8 +18861,8 @@
         </p:nvSpPr>
         <p:spPr>
           <a:xfrm>
-            <a:off x="7315202" y="4416550"/>
-            <a:ext cx="1828800" cy="731400"/>
+            <a:off x="7315209" y="4229101"/>
+            <a:ext cx="1828800" cy="914400"/>
           </a:xfrm>
           <a:prstGeom prst="rect">
             <a:avLst/>
@@ -19026,27 +18900,19 @@
               <a:buNone/>
             </a:pPr>
             <a:r>
-              <a:rPr b="0" lang="en" sz="900" u="sng">
+              <a:rPr b="0" lang="en" sz="1000" u="sng">
                 <a:solidFill>
                   <a:schemeClr val="hlink"/>
                 </a:solidFill>
                 <a:hlinkClick r:id="rId3"/>
               </a:rPr>
-              <a:t>https://profriehle.com</a:t>
-            </a:r>
-            <a:r>
-              <a:rPr b="0" lang="en" sz="900">
-                <a:solidFill>
-                  <a:schemeClr val="dk2"/>
-                </a:solidFill>
-              </a:rPr>
+              <a:t>uni1.de/nyt</a:t>
+            </a:r>
+            <a:r>
+              <a:rPr b="0" lang="en" sz="1000"/>
               <a:t> </a:t>
             </a:r>
-            <a:endParaRPr b="0" sz="900">
-              <a:solidFill>
-                <a:schemeClr val="dk2"/>
-              </a:solidFill>
-            </a:endParaRPr>
+            <a:endParaRPr b="0" sz="1000"/>
           </a:p>
         </p:txBody>
       </p:sp>
@@ -19063,7 +18929,7 @@
   <p:cSld>
     <p:spTree>
       <p:nvGrpSpPr>
-        <p:cNvPr id="330" name="Shape 330"/>
+        <p:cNvPr id="331" name="Shape 331"/>
         <p:cNvGrpSpPr/>
         <p:nvPr/>
       </p:nvGrpSpPr>
@@ -19077,7 +18943,7 @@
       </p:grpSpPr>
       <p:sp>
         <p:nvSpPr>
-          <p:cNvPr id="331" name="Google Shape;331;p50"/>
+          <p:cNvPr id="332" name="Google Shape;332;p50"/>
           <p:cNvSpPr txBox="1"/>
           <p:nvPr>
             <p:ph type="title"/>
@@ -19117,7 +18983,7 @@
       </p:sp>
       <p:sp>
         <p:nvSpPr>
-          <p:cNvPr id="332" name="Google Shape;332;p50"/>
+          <p:cNvPr id="333" name="Google Shape;333;p50"/>
           <p:cNvSpPr txBox="1"/>
           <p:nvPr>
             <p:ph idx="12" type="sldNum"/>
@@ -19125,8 +18991,8 @@
         </p:nvSpPr>
         <p:spPr>
           <a:xfrm>
-            <a:off x="7315202" y="4416550"/>
-            <a:ext cx="1828800" cy="731400"/>
+            <a:off x="7315209" y="4229101"/>
+            <a:ext cx="1828800" cy="914400"/>
           </a:xfrm>
           <a:prstGeom prst="rect">
             <a:avLst/>
@@ -19164,33 +19030,25 @@
               <a:buNone/>
             </a:pPr>
             <a:r>
-              <a:rPr b="0" lang="en" sz="900" u="sng">
+              <a:rPr b="0" lang="en" sz="1000" u="sng">
                 <a:solidFill>
                   <a:schemeClr val="hlink"/>
                 </a:solidFill>
                 <a:hlinkClick r:id="rId3"/>
               </a:rPr>
-              <a:t>https://profriehle.com</a:t>
-            </a:r>
-            <a:r>
-              <a:rPr b="0" lang="en" sz="900">
-                <a:solidFill>
-                  <a:schemeClr val="dk2"/>
-                </a:solidFill>
-              </a:rPr>
+              <a:t>uni1.de/nyt</a:t>
+            </a:r>
+            <a:r>
+              <a:rPr b="0" lang="en" sz="1000"/>
               <a:t> </a:t>
             </a:r>
-            <a:endParaRPr b="0" sz="900">
-              <a:solidFill>
-                <a:schemeClr val="dk2"/>
-              </a:solidFill>
-            </a:endParaRPr>
+            <a:endParaRPr b="0" sz="1000"/>
           </a:p>
         </p:txBody>
       </p:sp>
       <p:sp>
         <p:nvSpPr>
-          <p:cNvPr id="333" name="Google Shape;333;p50"/>
+          <p:cNvPr id="334" name="Google Shape;334;p50"/>
           <p:cNvSpPr txBox="1"/>
           <p:nvPr>
             <p:ph idx="1" type="body"/>
@@ -19275,7 +19133,7 @@
   <p:cSld>
     <p:spTree>
       <p:nvGrpSpPr>
-        <p:cNvPr id="337" name="Shape 337"/>
+        <p:cNvPr id="338" name="Shape 338"/>
         <p:cNvGrpSpPr/>
         <p:nvPr/>
       </p:nvGrpSpPr>
@@ -19289,7 +19147,7 @@
       </p:grpSpPr>
       <p:sp>
         <p:nvSpPr>
-          <p:cNvPr id="338" name="Google Shape;338;p51"/>
+          <p:cNvPr id="339" name="Google Shape;339;p51"/>
           <p:cNvSpPr txBox="1"/>
           <p:nvPr>
             <p:ph type="title"/>
@@ -19329,7 +19187,7 @@
       </p:sp>
       <p:sp>
         <p:nvSpPr>
-          <p:cNvPr id="339" name="Google Shape;339;p51"/>
+          <p:cNvPr id="340" name="Google Shape;340;p51"/>
           <p:cNvSpPr txBox="1"/>
           <p:nvPr>
             <p:ph idx="12" type="sldNum"/>
@@ -19337,8 +19195,8 @@
         </p:nvSpPr>
         <p:spPr>
           <a:xfrm>
-            <a:off x="7315202" y="4416550"/>
-            <a:ext cx="1828800" cy="731400"/>
+            <a:off x="7315209" y="4229101"/>
+            <a:ext cx="1828800" cy="914400"/>
           </a:xfrm>
           <a:prstGeom prst="rect">
             <a:avLst/>
@@ -19376,33 +19234,25 @@
               <a:buNone/>
             </a:pPr>
             <a:r>
-              <a:rPr b="0" lang="en" sz="900" u="sng">
+              <a:rPr b="0" lang="en" sz="1000" u="sng">
                 <a:solidFill>
                   <a:schemeClr val="hlink"/>
                 </a:solidFill>
                 <a:hlinkClick r:id="rId3"/>
               </a:rPr>
-              <a:t>https://profriehle.com</a:t>
-            </a:r>
-            <a:r>
-              <a:rPr b="0" lang="en" sz="900">
-                <a:solidFill>
-                  <a:schemeClr val="dk2"/>
-                </a:solidFill>
-              </a:rPr>
+              <a:t>uni1.de/nyt</a:t>
+            </a:r>
+            <a:r>
+              <a:rPr b="0" lang="en" sz="1000"/>
               <a:t> </a:t>
             </a:r>
-            <a:endParaRPr>
-              <a:solidFill>
-                <a:schemeClr val="dk2"/>
-              </a:solidFill>
-            </a:endParaRPr>
+            <a:endParaRPr b="0" sz="1000"/>
           </a:p>
         </p:txBody>
       </p:sp>
       <p:sp>
         <p:nvSpPr>
-          <p:cNvPr id="340" name="Google Shape;340;p51"/>
+          <p:cNvPr id="341" name="Google Shape;341;p51"/>
           <p:cNvSpPr txBox="1"/>
           <p:nvPr>
             <p:ph idx="1" type="body"/>
@@ -19459,7 +19309,7 @@
       </p:sp>
       <p:sp>
         <p:nvSpPr>
-          <p:cNvPr id="341" name="Google Shape;341;p51"/>
+          <p:cNvPr id="342" name="Google Shape;342;p51"/>
           <p:cNvSpPr txBox="1"/>
           <p:nvPr>
             <p:ph idx="2" type="body"/>
@@ -19561,7 +19411,7 @@
   <p:cSld>
     <p:spTree>
       <p:nvGrpSpPr>
-        <p:cNvPr id="345" name="Shape 345"/>
+        <p:cNvPr id="346" name="Shape 346"/>
         <p:cNvGrpSpPr/>
         <p:nvPr/>
       </p:nvGrpSpPr>
@@ -19575,7 +19425,7 @@
       </p:grpSpPr>
       <p:sp>
         <p:nvSpPr>
-          <p:cNvPr id="346" name="Google Shape;346;p52"/>
+          <p:cNvPr id="347" name="Google Shape;347;p52"/>
           <p:cNvSpPr txBox="1"/>
           <p:nvPr>
             <p:ph type="title"/>
@@ -19615,7 +19465,7 @@
       </p:sp>
       <p:sp>
         <p:nvSpPr>
-          <p:cNvPr id="347" name="Google Shape;347;p52"/>
+          <p:cNvPr id="348" name="Google Shape;348;p52"/>
           <p:cNvSpPr txBox="1"/>
           <p:nvPr>
             <p:ph idx="1" type="body"/>
@@ -19680,7 +19530,7 @@
       </p:sp>
       <p:sp>
         <p:nvSpPr>
-          <p:cNvPr id="348" name="Google Shape;348;p52"/>
+          <p:cNvPr id="349" name="Google Shape;349;p52"/>
           <p:cNvSpPr txBox="1"/>
           <p:nvPr>
             <p:ph idx="12" type="sldNum"/>
@@ -19688,8 +19538,8 @@
         </p:nvSpPr>
         <p:spPr>
           <a:xfrm>
-            <a:off x="7315202" y="4416550"/>
-            <a:ext cx="1828800" cy="731400"/>
+            <a:off x="7315209" y="4229101"/>
+            <a:ext cx="1828800" cy="914400"/>
           </a:xfrm>
           <a:prstGeom prst="rect">
             <a:avLst/>
@@ -19727,27 +19577,19 @@
               <a:buNone/>
             </a:pPr>
             <a:r>
-              <a:rPr b="0" lang="en" sz="900" u="sng">
+              <a:rPr b="0" lang="en" sz="1000" u="sng">
                 <a:solidFill>
                   <a:schemeClr val="hlink"/>
                 </a:solidFill>
                 <a:hlinkClick r:id="rId3"/>
               </a:rPr>
-              <a:t>https://profriehle.com</a:t>
-            </a:r>
-            <a:r>
-              <a:rPr b="0" lang="en" sz="900">
-                <a:solidFill>
-                  <a:schemeClr val="dk2"/>
-                </a:solidFill>
-              </a:rPr>
+              <a:t>uni1.de/nyt</a:t>
+            </a:r>
+            <a:r>
+              <a:rPr b="0" lang="en" sz="1000"/>
               <a:t> </a:t>
             </a:r>
-            <a:endParaRPr b="0" sz="900">
-              <a:solidFill>
-                <a:schemeClr val="dk2"/>
-              </a:solidFill>
-            </a:endParaRPr>
+            <a:endParaRPr b="0" sz="1000"/>
           </a:p>
         </p:txBody>
       </p:sp>
@@ -19764,7 +19606,7 @@
   <p:cSld>
     <p:spTree>
       <p:nvGrpSpPr>
-        <p:cNvPr id="352" name="Shape 352"/>
+        <p:cNvPr id="353" name="Shape 353"/>
         <p:cNvGrpSpPr/>
         <p:nvPr/>
       </p:nvGrpSpPr>
@@ -19778,7 +19620,7 @@
       </p:grpSpPr>
       <p:sp>
         <p:nvSpPr>
-          <p:cNvPr id="353" name="Google Shape;353;p53"/>
+          <p:cNvPr id="354" name="Google Shape;354;p53"/>
           <p:cNvSpPr txBox="1"/>
           <p:nvPr>
             <p:ph type="title"/>
@@ -19818,7 +19660,7 @@
       </p:sp>
       <p:sp>
         <p:nvSpPr>
-          <p:cNvPr id="354" name="Google Shape;354;p53"/>
+          <p:cNvPr id="355" name="Google Shape;355;p53"/>
           <p:cNvSpPr txBox="1"/>
           <p:nvPr>
             <p:ph idx="1" type="body"/>
@@ -19858,7 +19700,7 @@
       </p:sp>
       <p:sp>
         <p:nvSpPr>
-          <p:cNvPr id="355" name="Google Shape;355;p53"/>
+          <p:cNvPr id="356" name="Google Shape;356;p53"/>
           <p:cNvSpPr txBox="1"/>
           <p:nvPr>
             <p:ph idx="12" type="sldNum"/>
@@ -19866,8 +19708,8 @@
         </p:nvSpPr>
         <p:spPr>
           <a:xfrm>
-            <a:off x="7315202" y="4416550"/>
-            <a:ext cx="1828800" cy="731400"/>
+            <a:off x="7315209" y="4229101"/>
+            <a:ext cx="1828800" cy="914400"/>
           </a:xfrm>
           <a:prstGeom prst="rect">
             <a:avLst/>
@@ -19905,27 +19747,19 @@
               <a:buNone/>
             </a:pPr>
             <a:r>
-              <a:rPr b="0" lang="en" sz="900" u="sng">
+              <a:rPr b="0" lang="en" sz="1000" u="sng">
                 <a:solidFill>
                   <a:schemeClr val="hlink"/>
                 </a:solidFill>
                 <a:hlinkClick r:id="rId3"/>
               </a:rPr>
-              <a:t>https://profriehle.com</a:t>
-            </a:r>
-            <a:r>
-              <a:rPr b="0" lang="en" sz="900">
-                <a:solidFill>
-                  <a:schemeClr val="dk2"/>
-                </a:solidFill>
-              </a:rPr>
+              <a:t>uni1.de/nyt</a:t>
+            </a:r>
+            <a:r>
+              <a:rPr b="0" lang="en" sz="1000"/>
               <a:t> </a:t>
             </a:r>
-            <a:endParaRPr b="0" sz="900">
-              <a:solidFill>
-                <a:schemeClr val="dk2"/>
-              </a:solidFill>
-            </a:endParaRPr>
+            <a:endParaRPr b="0" sz="1000"/>
           </a:p>
         </p:txBody>
       </p:sp>
@@ -19942,7 +19776,7 @@
   <p:cSld>
     <p:spTree>
       <p:nvGrpSpPr>
-        <p:cNvPr id="359" name="Shape 359"/>
+        <p:cNvPr id="360" name="Shape 360"/>
         <p:cNvGrpSpPr/>
         <p:nvPr/>
       </p:nvGrpSpPr>
@@ -19956,7 +19790,7 @@
       </p:grpSpPr>
       <p:sp>
         <p:nvSpPr>
-          <p:cNvPr id="360" name="Google Shape;360;p54"/>
+          <p:cNvPr id="361" name="Google Shape;361;p54"/>
           <p:cNvSpPr txBox="1"/>
           <p:nvPr>
             <p:ph type="title"/>
@@ -19996,7 +19830,7 @@
       </p:sp>
       <p:sp>
         <p:nvSpPr>
-          <p:cNvPr id="361" name="Google Shape;361;p54"/>
+          <p:cNvPr id="362" name="Google Shape;362;p54"/>
           <p:cNvSpPr txBox="1"/>
           <p:nvPr>
             <p:ph idx="12" type="sldNum"/>
@@ -20004,8 +19838,8 @@
         </p:nvSpPr>
         <p:spPr>
           <a:xfrm>
-            <a:off x="7315202" y="4416550"/>
-            <a:ext cx="1828800" cy="731400"/>
+            <a:off x="7315209" y="4229101"/>
+            <a:ext cx="1828800" cy="914400"/>
           </a:xfrm>
           <a:prstGeom prst="rect">
             <a:avLst/>
@@ -20043,33 +19877,25 @@
               <a:buNone/>
             </a:pPr>
             <a:r>
-              <a:rPr b="0" lang="en" sz="900" u="sng">
+              <a:rPr b="0" lang="en" sz="1000" u="sng">
                 <a:solidFill>
                   <a:schemeClr val="hlink"/>
                 </a:solidFill>
                 <a:hlinkClick r:id="rId3"/>
               </a:rPr>
-              <a:t>https://profriehle.com</a:t>
-            </a:r>
-            <a:r>
-              <a:rPr b="0" lang="en" sz="900">
-                <a:solidFill>
-                  <a:schemeClr val="dk2"/>
-                </a:solidFill>
-              </a:rPr>
+              <a:t>uni1.de/nyt</a:t>
+            </a:r>
+            <a:r>
+              <a:rPr b="0" lang="en" sz="1000"/>
               <a:t> </a:t>
             </a:r>
-            <a:endParaRPr>
-              <a:solidFill>
-                <a:schemeClr val="dk2"/>
-              </a:solidFill>
-            </a:endParaRPr>
+            <a:endParaRPr b="0" sz="1000"/>
           </a:p>
         </p:txBody>
       </p:sp>
       <p:sp>
         <p:nvSpPr>
-          <p:cNvPr id="362" name="Google Shape;362;p54"/>
+          <p:cNvPr id="363" name="Google Shape;363;p54"/>
           <p:cNvSpPr txBox="1"/>
           <p:nvPr>
             <p:ph idx="1" type="body"/>
@@ -20141,7 +19967,7 @@
       </p:sp>
       <p:sp>
         <p:nvSpPr>
-          <p:cNvPr id="363" name="Google Shape;363;p54"/>
+          <p:cNvPr id="364" name="Google Shape;364;p54"/>
           <p:cNvSpPr txBox="1"/>
           <p:nvPr>
             <p:ph idx="2" type="body"/>
@@ -20209,7 +20035,7 @@
   <p:cSld>
     <p:spTree>
       <p:nvGrpSpPr>
-        <p:cNvPr id="367" name="Shape 367"/>
+        <p:cNvPr id="368" name="Shape 368"/>
         <p:cNvGrpSpPr/>
         <p:nvPr/>
       </p:nvGrpSpPr>
@@ -20223,7 +20049,7 @@
       </p:grpSpPr>
       <p:sp>
         <p:nvSpPr>
-          <p:cNvPr id="368" name="Google Shape;368;p55"/>
+          <p:cNvPr id="369" name="Google Shape;369;p55"/>
           <p:cNvSpPr txBox="1"/>
           <p:nvPr>
             <p:ph type="title"/>
@@ -20263,7 +20089,7 @@
       </p:sp>
       <p:sp>
         <p:nvSpPr>
-          <p:cNvPr id="369" name="Google Shape;369;p55"/>
+          <p:cNvPr id="370" name="Google Shape;370;p55"/>
           <p:cNvSpPr txBox="1"/>
           <p:nvPr>
             <p:ph idx="1" type="body"/>
@@ -20337,7 +20163,7 @@
       </p:sp>
       <p:sp>
         <p:nvSpPr>
-          <p:cNvPr id="370" name="Google Shape;370;p55"/>
+          <p:cNvPr id="371" name="Google Shape;371;p55"/>
           <p:cNvSpPr txBox="1"/>
           <p:nvPr>
             <p:ph idx="12" type="sldNum"/>
@@ -20345,8 +20171,8 @@
         </p:nvSpPr>
         <p:spPr>
           <a:xfrm>
-            <a:off x="7315202" y="4416550"/>
-            <a:ext cx="1828800" cy="731400"/>
+            <a:off x="7315209" y="4229101"/>
+            <a:ext cx="1828800" cy="914400"/>
           </a:xfrm>
           <a:prstGeom prst="rect">
             <a:avLst/>
@@ -20384,27 +20210,19 @@
               <a:buNone/>
             </a:pPr>
             <a:r>
-              <a:rPr b="0" lang="en" sz="900" u="sng">
+              <a:rPr b="0" lang="en" sz="1000" u="sng">
                 <a:solidFill>
                   <a:schemeClr val="hlink"/>
                 </a:solidFill>
                 <a:hlinkClick r:id="rId3"/>
               </a:rPr>
-              <a:t>https://profriehle.com</a:t>
-            </a:r>
-            <a:r>
-              <a:rPr b="0" lang="en" sz="900">
-                <a:solidFill>
-                  <a:schemeClr val="dk2"/>
-                </a:solidFill>
-              </a:rPr>
+              <a:t>uni1.de/nyt</a:t>
+            </a:r>
+            <a:r>
+              <a:rPr b="0" lang="en" sz="1000"/>
               <a:t> </a:t>
             </a:r>
-            <a:endParaRPr b="0" sz="900">
-              <a:solidFill>
-                <a:schemeClr val="dk2"/>
-              </a:solidFill>
-            </a:endParaRPr>
+            <a:endParaRPr b="0" sz="1000"/>
           </a:p>
         </p:txBody>
       </p:sp>
@@ -20421,7 +20239,7 @@
   <p:cSld>
     <p:spTree>
       <p:nvGrpSpPr>
-        <p:cNvPr id="374" name="Shape 374"/>
+        <p:cNvPr id="375" name="Shape 375"/>
         <p:cNvGrpSpPr/>
         <p:nvPr/>
       </p:nvGrpSpPr>
@@ -20435,7 +20253,7 @@
       </p:grpSpPr>
       <p:sp>
         <p:nvSpPr>
-          <p:cNvPr id="375" name="Google Shape;375;p56"/>
+          <p:cNvPr id="376" name="Google Shape;376;p56"/>
           <p:cNvSpPr txBox="1"/>
           <p:nvPr>
             <p:ph type="title"/>
@@ -20490,7 +20308,7 @@
   <p:cSld>
     <p:spTree>
       <p:nvGrpSpPr>
-        <p:cNvPr id="60" name="Shape 60"/>
+        <p:cNvPr id="61" name="Shape 61"/>
         <p:cNvGrpSpPr/>
         <p:nvPr/>
       </p:nvGrpSpPr>
@@ -20504,7 +20322,7 @@
       </p:grpSpPr>
       <p:sp>
         <p:nvSpPr>
-          <p:cNvPr id="61" name="Google Shape;61;p12"/>
+          <p:cNvPr id="62" name="Google Shape;62;p12"/>
           <p:cNvSpPr txBox="1"/>
           <p:nvPr>
             <p:ph type="title"/>
@@ -20544,7 +20362,7 @@
       </p:sp>
       <p:sp>
         <p:nvSpPr>
-          <p:cNvPr id="62" name="Google Shape;62;p12"/>
+          <p:cNvPr id="63" name="Google Shape;63;p12"/>
           <p:cNvSpPr txBox="1"/>
           <p:nvPr>
             <p:ph idx="1" type="body"/>
@@ -20638,7 +20456,7 @@
       </p:sp>
       <p:sp>
         <p:nvSpPr>
-          <p:cNvPr id="63" name="Google Shape;63;p12"/>
+          <p:cNvPr id="64" name="Google Shape;64;p12"/>
           <p:cNvSpPr txBox="1"/>
           <p:nvPr>
             <p:ph idx="12" type="sldNum"/>
@@ -20646,8 +20464,8 @@
         </p:nvSpPr>
         <p:spPr>
           <a:xfrm>
-            <a:off x="7315202" y="4416550"/>
-            <a:ext cx="1828800" cy="731400"/>
+            <a:off x="7315209" y="4229101"/>
+            <a:ext cx="1828800" cy="914400"/>
           </a:xfrm>
           <a:prstGeom prst="rect">
             <a:avLst/>
@@ -20685,27 +20503,19 @@
               <a:buNone/>
             </a:pPr>
             <a:r>
-              <a:rPr b="0" lang="en" sz="900" u="sng">
+              <a:rPr b="0" lang="en" sz="1000" u="sng">
                 <a:solidFill>
                   <a:schemeClr val="hlink"/>
                 </a:solidFill>
                 <a:hlinkClick r:id="rId3"/>
               </a:rPr>
-              <a:t>https://profriehle.com</a:t>
-            </a:r>
-            <a:r>
-              <a:rPr b="0" lang="en" sz="900">
-                <a:solidFill>
-                  <a:schemeClr val="dk2"/>
-                </a:solidFill>
-              </a:rPr>
+              <a:t>uni1.de/nyt</a:t>
+            </a:r>
+            <a:r>
+              <a:rPr b="0" lang="en" sz="1000"/>
               <a:t> </a:t>
             </a:r>
-            <a:endParaRPr b="0" sz="900">
-              <a:solidFill>
-                <a:schemeClr val="dk2"/>
-              </a:solidFill>
-            </a:endParaRPr>
+            <a:endParaRPr b="0" sz="1000"/>
           </a:p>
         </p:txBody>
       </p:sp>
@@ -20722,7 +20532,7 @@
   <p:cSld>
     <p:spTree>
       <p:nvGrpSpPr>
-        <p:cNvPr id="379" name="Shape 379"/>
+        <p:cNvPr id="380" name="Shape 380"/>
         <p:cNvGrpSpPr/>
         <p:nvPr/>
       </p:nvGrpSpPr>
@@ -20736,7 +20546,7 @@
       </p:grpSpPr>
       <p:sp>
         <p:nvSpPr>
-          <p:cNvPr id="380" name="Google Shape;380;p57"/>
+          <p:cNvPr id="381" name="Google Shape;381;p57"/>
           <p:cNvSpPr txBox="1"/>
           <p:nvPr>
             <p:ph idx="1" type="body"/>
@@ -20843,7 +20653,7 @@
       </p:sp>
       <p:sp>
         <p:nvSpPr>
-          <p:cNvPr id="381" name="Google Shape;381;p57"/>
+          <p:cNvPr id="382" name="Google Shape;382;p57"/>
           <p:cNvSpPr txBox="1"/>
           <p:nvPr>
             <p:ph type="title"/>
@@ -20883,7 +20693,7 @@
       </p:sp>
       <p:sp>
         <p:nvSpPr>
-          <p:cNvPr id="382" name="Google Shape;382;p57"/>
+          <p:cNvPr id="383" name="Google Shape;383;p57"/>
           <p:cNvSpPr txBox="1"/>
           <p:nvPr>
             <p:ph idx="12" type="sldNum"/>
@@ -20891,8 +20701,8 @@
         </p:nvSpPr>
         <p:spPr>
           <a:xfrm>
-            <a:off x="7315202" y="4416550"/>
-            <a:ext cx="1828800" cy="731400"/>
+            <a:off x="7315209" y="4229101"/>
+            <a:ext cx="1828800" cy="914400"/>
           </a:xfrm>
           <a:prstGeom prst="rect">
             <a:avLst/>
@@ -20930,27 +20740,19 @@
               <a:buNone/>
             </a:pPr>
             <a:r>
-              <a:rPr b="0" lang="en" sz="900" u="sng">
+              <a:rPr b="0" lang="en" sz="1000" u="sng">
                 <a:solidFill>
                   <a:schemeClr val="hlink"/>
                 </a:solidFill>
                 <a:hlinkClick r:id="rId3"/>
               </a:rPr>
-              <a:t>https://profriehle.com</a:t>
-            </a:r>
-            <a:r>
-              <a:rPr b="0" lang="en" sz="900">
-                <a:solidFill>
-                  <a:schemeClr val="dk2"/>
-                </a:solidFill>
-              </a:rPr>
+              <a:t>uni1.de/nyt</a:t>
+            </a:r>
+            <a:r>
+              <a:rPr b="0" lang="en" sz="1000"/>
               <a:t> </a:t>
             </a:r>
-            <a:endParaRPr b="0" sz="900">
-              <a:solidFill>
-                <a:schemeClr val="dk2"/>
-              </a:solidFill>
-            </a:endParaRPr>
+            <a:endParaRPr b="0" sz="1000"/>
           </a:p>
         </p:txBody>
       </p:sp>
@@ -20967,7 +20769,7 @@
   <p:cSld>
     <p:spTree>
       <p:nvGrpSpPr>
-        <p:cNvPr id="386" name="Shape 386"/>
+        <p:cNvPr id="387" name="Shape 387"/>
         <p:cNvGrpSpPr/>
         <p:nvPr/>
       </p:nvGrpSpPr>
@@ -20981,7 +20783,7 @@
       </p:grpSpPr>
       <p:sp>
         <p:nvSpPr>
-          <p:cNvPr id="387" name="Google Shape;387;p58"/>
+          <p:cNvPr id="388" name="Google Shape;388;p58"/>
           <p:cNvSpPr txBox="1"/>
           <p:nvPr>
             <p:ph idx="1" type="body"/>
@@ -21122,7 +20924,7 @@
       </p:sp>
       <p:sp>
         <p:nvSpPr>
-          <p:cNvPr id="388" name="Google Shape;388;p58"/>
+          <p:cNvPr id="389" name="Google Shape;389;p58"/>
           <p:cNvSpPr txBox="1"/>
           <p:nvPr>
             <p:ph type="title"/>
@@ -21162,7 +20964,7 @@
       </p:sp>
       <p:sp>
         <p:nvSpPr>
-          <p:cNvPr id="389" name="Google Shape;389;p58"/>
+          <p:cNvPr id="390" name="Google Shape;390;p58"/>
           <p:cNvSpPr txBox="1"/>
           <p:nvPr>
             <p:ph idx="12" type="sldNum"/>
@@ -21170,8 +20972,8 @@
         </p:nvSpPr>
         <p:spPr>
           <a:xfrm>
-            <a:off x="7315202" y="4416550"/>
-            <a:ext cx="1828800" cy="731400"/>
+            <a:off x="7315209" y="4229101"/>
+            <a:ext cx="1828800" cy="914400"/>
           </a:xfrm>
           <a:prstGeom prst="rect">
             <a:avLst/>
@@ -21209,27 +21011,19 @@
               <a:buNone/>
             </a:pPr>
             <a:r>
-              <a:rPr b="0" lang="en" sz="900" u="sng">
+              <a:rPr b="0" lang="en" sz="1000" u="sng">
                 <a:solidFill>
                   <a:schemeClr val="hlink"/>
                 </a:solidFill>
                 <a:hlinkClick r:id="rId3"/>
               </a:rPr>
-              <a:t>https://profriehle.com</a:t>
-            </a:r>
-            <a:r>
-              <a:rPr b="0" lang="en" sz="900">
-                <a:solidFill>
-                  <a:schemeClr val="dk2"/>
-                </a:solidFill>
-              </a:rPr>
+              <a:t>uni1.de/nyt</a:t>
+            </a:r>
+            <a:r>
+              <a:rPr b="0" lang="en" sz="1000"/>
               <a:t> </a:t>
             </a:r>
-            <a:endParaRPr b="0" sz="900">
-              <a:solidFill>
-                <a:schemeClr val="dk2"/>
-              </a:solidFill>
-            </a:endParaRPr>
+            <a:endParaRPr b="0" sz="1000"/>
           </a:p>
         </p:txBody>
       </p:sp>
@@ -21246,7 +21040,7 @@
   <p:cSld>
     <p:spTree>
       <p:nvGrpSpPr>
-        <p:cNvPr id="393" name="Shape 393"/>
+        <p:cNvPr id="394" name="Shape 394"/>
         <p:cNvGrpSpPr/>
         <p:nvPr/>
       </p:nvGrpSpPr>
@@ -21260,7 +21054,7 @@
       </p:grpSpPr>
       <p:sp>
         <p:nvSpPr>
-          <p:cNvPr id="394" name="Google Shape;394;p59"/>
+          <p:cNvPr id="395" name="Google Shape;395;p59"/>
           <p:cNvSpPr txBox="1"/>
           <p:nvPr>
             <p:ph type="ctrTitle"/>
@@ -21300,7 +21094,7 @@
       </p:sp>
       <p:sp>
         <p:nvSpPr>
-          <p:cNvPr id="395" name="Google Shape;395;p59"/>
+          <p:cNvPr id="396" name="Google Shape;396;p59"/>
           <p:cNvSpPr txBox="1"/>
           <p:nvPr>
             <p:ph idx="1" type="subTitle"/>
@@ -21430,7 +21224,7 @@
   <p:cSld>
     <p:spTree>
       <p:nvGrpSpPr>
-        <p:cNvPr id="399" name="Shape 399"/>
+        <p:cNvPr id="400" name="Shape 400"/>
         <p:cNvGrpSpPr/>
         <p:nvPr/>
       </p:nvGrpSpPr>
@@ -21444,7 +21238,7 @@
       </p:grpSpPr>
       <p:sp>
         <p:nvSpPr>
-          <p:cNvPr id="400" name="Google Shape;400;p60"/>
+          <p:cNvPr id="401" name="Google Shape;401;p60"/>
           <p:cNvSpPr txBox="1"/>
           <p:nvPr>
             <p:ph type="title"/>
@@ -21484,7 +21278,7 @@
       </p:sp>
       <p:sp>
         <p:nvSpPr>
-          <p:cNvPr id="401" name="Google Shape;401;p60"/>
+          <p:cNvPr id="402" name="Google Shape;402;p60"/>
           <p:cNvSpPr txBox="1"/>
           <p:nvPr>
             <p:ph idx="12" type="sldNum"/>
@@ -21492,8 +21286,8 @@
         </p:nvSpPr>
         <p:spPr>
           <a:xfrm>
-            <a:off x="7315202" y="4416550"/>
-            <a:ext cx="1828800" cy="731400"/>
+            <a:off x="7315209" y="4229101"/>
+            <a:ext cx="1828800" cy="914400"/>
           </a:xfrm>
           <a:prstGeom prst="rect">
             <a:avLst/>
@@ -21557,7 +21351,7 @@
       </p:sp>
       <p:sp>
         <p:nvSpPr>
-          <p:cNvPr id="402" name="Google Shape;402;p60"/>
+          <p:cNvPr id="403" name="Google Shape;403;p60"/>
           <p:cNvSpPr txBox="1"/>
           <p:nvPr>
             <p:ph idx="1" type="body"/>
@@ -21652,7 +21446,7 @@
             </a:pPr>
             <a:r>
               <a:rPr lang="en"/>
-              <a:t>© 2012, 2023 Dirk Riehle, some rights reserved</a:t>
+              <a:t>© 2012, 2023, 2024 Dirk Riehle, some rights reserved</a:t>
             </a:r>
             <a:endParaRPr/>
           </a:p>
@@ -21686,7 +21480,7 @@
   <p:cSld>
     <p:spTree>
       <p:nvGrpSpPr>
-        <p:cNvPr id="67" name="Shape 67"/>
+        <p:cNvPr id="68" name="Shape 68"/>
         <p:cNvGrpSpPr/>
         <p:nvPr/>
       </p:nvGrpSpPr>
@@ -21700,7 +21494,7 @@
       </p:grpSpPr>
       <p:sp>
         <p:nvSpPr>
-          <p:cNvPr id="68" name="Google Shape;68;p13"/>
+          <p:cNvPr id="69" name="Google Shape;69;p13"/>
           <p:cNvSpPr txBox="1"/>
           <p:nvPr>
             <p:ph type="title"/>
@@ -21740,7 +21534,7 @@
       </p:sp>
       <p:sp>
         <p:nvSpPr>
-          <p:cNvPr id="69" name="Google Shape;69;p13"/>
+          <p:cNvPr id="70" name="Google Shape;70;p13"/>
           <p:cNvSpPr txBox="1"/>
           <p:nvPr>
             <p:ph idx="1" type="body"/>
@@ -21814,7 +21608,7 @@
       </p:sp>
       <p:sp>
         <p:nvSpPr>
-          <p:cNvPr id="70" name="Google Shape;70;p13"/>
+          <p:cNvPr id="71" name="Google Shape;71;p13"/>
           <p:cNvSpPr txBox="1"/>
           <p:nvPr>
             <p:ph idx="12" type="sldNum"/>
@@ -21822,8 +21616,8 @@
         </p:nvSpPr>
         <p:spPr>
           <a:xfrm>
-            <a:off x="7315202" y="4416550"/>
-            <a:ext cx="1828800" cy="731400"/>
+            <a:off x="7315209" y="4229101"/>
+            <a:ext cx="1828800" cy="914400"/>
           </a:xfrm>
           <a:prstGeom prst="rect">
             <a:avLst/>
@@ -21861,27 +21655,19 @@
               <a:buNone/>
             </a:pPr>
             <a:r>
-              <a:rPr b="0" lang="en" sz="900" u="sng">
+              <a:rPr b="0" lang="en" sz="1000" u="sng">
                 <a:solidFill>
                   <a:schemeClr val="hlink"/>
                 </a:solidFill>
                 <a:hlinkClick r:id="rId3"/>
               </a:rPr>
-              <a:t>https://profriehle.com</a:t>
-            </a:r>
-            <a:r>
-              <a:rPr b="0" lang="en" sz="900">
-                <a:solidFill>
-                  <a:schemeClr val="dk2"/>
-                </a:solidFill>
-              </a:rPr>
+              <a:t>uni1.de/nyt</a:t>
+            </a:r>
+            <a:r>
+              <a:rPr b="0" lang="en" sz="1000"/>
               <a:t> </a:t>
             </a:r>
-            <a:endParaRPr b="0" sz="900">
-              <a:solidFill>
-                <a:schemeClr val="dk2"/>
-              </a:solidFill>
-            </a:endParaRPr>
+            <a:endParaRPr b="0" sz="1000"/>
           </a:p>
         </p:txBody>
       </p:sp>
@@ -21898,7 +21684,7 @@
   <p:cSld>
     <p:spTree>
       <p:nvGrpSpPr>
-        <p:cNvPr id="74" name="Shape 74"/>
+        <p:cNvPr id="75" name="Shape 75"/>
         <p:cNvGrpSpPr/>
         <p:nvPr/>
       </p:nvGrpSpPr>
@@ -21912,7 +21698,7 @@
       </p:grpSpPr>
       <p:sp>
         <p:nvSpPr>
-          <p:cNvPr id="75" name="Google Shape;75;p14"/>
+          <p:cNvPr id="76" name="Google Shape;76;p14"/>
           <p:cNvSpPr txBox="1"/>
           <p:nvPr>
             <p:ph type="title"/>
@@ -21952,7 +21738,7 @@
       </p:sp>
       <p:sp>
         <p:nvSpPr>
-          <p:cNvPr id="76" name="Google Shape;76;p14"/>
+          <p:cNvPr id="77" name="Google Shape;77;p14"/>
           <p:cNvSpPr txBox="1"/>
           <p:nvPr>
             <p:ph idx="12" type="sldNum"/>
@@ -21960,8 +21746,8 @@
         </p:nvSpPr>
         <p:spPr>
           <a:xfrm>
-            <a:off x="7315202" y="4416550"/>
-            <a:ext cx="1828800" cy="731400"/>
+            <a:off x="7315209" y="4229101"/>
+            <a:ext cx="1828800" cy="914400"/>
           </a:xfrm>
           <a:prstGeom prst="rect">
             <a:avLst/>
@@ -21999,33 +21785,25 @@
               <a:buNone/>
             </a:pPr>
             <a:r>
-              <a:rPr b="0" lang="en" sz="900" u="sng">
+              <a:rPr b="0" lang="en" sz="1000" u="sng">
                 <a:solidFill>
                   <a:schemeClr val="hlink"/>
                 </a:solidFill>
                 <a:hlinkClick r:id="rId3"/>
               </a:rPr>
-              <a:t>https://profriehle.com</a:t>
-            </a:r>
-            <a:r>
-              <a:rPr b="0" lang="en" sz="900">
-                <a:solidFill>
-                  <a:schemeClr val="dk2"/>
-                </a:solidFill>
-              </a:rPr>
+              <a:t>uni1.de/nyt</a:t>
+            </a:r>
+            <a:r>
+              <a:rPr b="0" lang="en" sz="1000"/>
               <a:t> </a:t>
             </a:r>
-            <a:endParaRPr b="0" sz="900">
-              <a:solidFill>
-                <a:schemeClr val="dk2"/>
-              </a:solidFill>
-            </a:endParaRPr>
+            <a:endParaRPr b="0" sz="1000"/>
           </a:p>
         </p:txBody>
       </p:sp>
       <p:sp>
         <p:nvSpPr>
-          <p:cNvPr id="77" name="Google Shape;77;p14"/>
+          <p:cNvPr id="78" name="Google Shape;78;p14"/>
           <p:cNvSpPr txBox="1"/>
           <p:nvPr>
             <p:ph idx="1" type="body"/>
@@ -22217,11 +21995,28 @@
             </a:r>
             <a:endParaRPr/>
           </a:p>
+          <a:p>
+            <a:pPr indent="-342900" lvl="0" marL="457200" rtl="0" algn="l">
+              <a:spcBef>
+                <a:spcPts val="0"/>
+              </a:spcBef>
+              <a:spcAft>
+                <a:spcPts val="0"/>
+              </a:spcAft>
+              <a:buSzPts val="1800"/>
+              <a:buAutoNum type="arabicPeriod"/>
+            </a:pPr>
+            <a:r>
+              <a:rPr lang="en"/>
+              <a:t>Report from findings</a:t>
+            </a:r>
+            <a:endParaRPr/>
+          </a:p>
         </p:txBody>
       </p:sp>
       <p:pic>
         <p:nvPicPr>
-          <p:cNvPr id="78" name="Google Shape;78;p14"/>
+          <p:cNvPr id="79" name="Google Shape;79;p14"/>
           <p:cNvPicPr preferRelativeResize="0"/>
           <p:nvPr/>
         </p:nvPicPr>
@@ -22260,7 +22055,7 @@
   <p:cSld>
     <p:spTree>
       <p:nvGrpSpPr>
-        <p:cNvPr id="82" name="Shape 82"/>
+        <p:cNvPr id="83" name="Shape 83"/>
         <p:cNvGrpSpPr/>
         <p:nvPr/>
       </p:nvGrpSpPr>
@@ -22274,7 +22069,7 @@
       </p:grpSpPr>
       <p:sp>
         <p:nvSpPr>
-          <p:cNvPr id="83" name="Google Shape;83;p15"/>
+          <p:cNvPr id="84" name="Google Shape;84;p15"/>
           <p:cNvSpPr txBox="1"/>
           <p:nvPr>
             <p:ph type="title"/>
@@ -22314,7 +22109,7 @@
       </p:sp>
       <p:sp>
         <p:nvSpPr>
-          <p:cNvPr id="84" name="Google Shape;84;p15"/>
+          <p:cNvPr id="85" name="Google Shape;85;p15"/>
           <p:cNvSpPr txBox="1"/>
           <p:nvPr>
             <p:ph idx="1" type="body"/>
@@ -22449,7 +22244,7 @@
       </p:sp>
       <p:sp>
         <p:nvSpPr>
-          <p:cNvPr id="85" name="Google Shape;85;p15"/>
+          <p:cNvPr id="86" name="Google Shape;86;p15"/>
           <p:cNvSpPr txBox="1"/>
           <p:nvPr>
             <p:ph idx="12" type="sldNum"/>
@@ -22457,8 +22252,8 @@
         </p:nvSpPr>
         <p:spPr>
           <a:xfrm>
-            <a:off x="7315202" y="4416550"/>
-            <a:ext cx="1828800" cy="731400"/>
+            <a:off x="7315209" y="4229101"/>
+            <a:ext cx="1828800" cy="914400"/>
           </a:xfrm>
           <a:prstGeom prst="rect">
             <a:avLst/>
@@ -22496,27 +22291,19 @@
               <a:buNone/>
             </a:pPr>
             <a:r>
-              <a:rPr b="0" lang="en" sz="900" u="sng">
+              <a:rPr b="0" lang="en" sz="1000" u="sng">
                 <a:solidFill>
                   <a:schemeClr val="hlink"/>
                 </a:solidFill>
                 <a:hlinkClick r:id="rId3"/>
               </a:rPr>
-              <a:t>https://profriehle.com</a:t>
-            </a:r>
-            <a:r>
-              <a:rPr b="0" lang="en" sz="900">
-                <a:solidFill>
-                  <a:schemeClr val="dk2"/>
-                </a:solidFill>
-              </a:rPr>
+              <a:t>uni1.de/nyt</a:t>
+            </a:r>
+            <a:r>
+              <a:rPr b="0" lang="en" sz="1000"/>
               <a:t> </a:t>
             </a:r>
-            <a:endParaRPr b="0" sz="900">
-              <a:solidFill>
-                <a:schemeClr val="dk2"/>
-              </a:solidFill>
-            </a:endParaRPr>
+            <a:endParaRPr b="0" sz="1000"/>
           </a:p>
         </p:txBody>
       </p:sp>
@@ -22533,7 +22320,7 @@
   <p:cSld>
     <p:spTree>
       <p:nvGrpSpPr>
-        <p:cNvPr id="89" name="Shape 89"/>
+        <p:cNvPr id="90" name="Shape 90"/>
         <p:cNvGrpSpPr/>
         <p:nvPr/>
       </p:nvGrpSpPr>
@@ -22547,7 +22334,7 @@
       </p:grpSpPr>
       <p:sp>
         <p:nvSpPr>
-          <p:cNvPr id="90" name="Google Shape;90;p16"/>
+          <p:cNvPr id="91" name="Google Shape;91;p16"/>
           <p:cNvSpPr txBox="1"/>
           <p:nvPr>
             <p:ph idx="1" type="body"/>
@@ -22715,7 +22502,7 @@
       </p:sp>
       <p:sp>
         <p:nvSpPr>
-          <p:cNvPr id="91" name="Google Shape;91;p16"/>
+          <p:cNvPr id="92" name="Google Shape;92;p16"/>
           <p:cNvSpPr txBox="1"/>
           <p:nvPr>
             <p:ph type="title"/>
@@ -22755,7 +22542,7 @@
       </p:sp>
       <p:sp>
         <p:nvSpPr>
-          <p:cNvPr id="92" name="Google Shape;92;p16"/>
+          <p:cNvPr id="93" name="Google Shape;93;p16"/>
           <p:cNvSpPr txBox="1"/>
           <p:nvPr>
             <p:ph idx="12" type="sldNum"/>
@@ -22763,8 +22550,8 @@
         </p:nvSpPr>
         <p:spPr>
           <a:xfrm>
-            <a:off x="7315202" y="4416550"/>
-            <a:ext cx="1828800" cy="731400"/>
+            <a:off x="7315209" y="4229101"/>
+            <a:ext cx="1828800" cy="914400"/>
           </a:xfrm>
           <a:prstGeom prst="rect">
             <a:avLst/>
@@ -22802,33 +22589,25 @@
               <a:buNone/>
             </a:pPr>
             <a:r>
-              <a:rPr b="0" lang="en" sz="900" u="sng">
+              <a:rPr b="0" lang="en" sz="1000" u="sng">
                 <a:solidFill>
                   <a:schemeClr val="hlink"/>
                 </a:solidFill>
                 <a:hlinkClick r:id="rId3"/>
               </a:rPr>
-              <a:t>https://profriehle.com</a:t>
-            </a:r>
-            <a:r>
-              <a:rPr b="0" lang="en" sz="900">
-                <a:solidFill>
-                  <a:schemeClr val="dk2"/>
-                </a:solidFill>
-              </a:rPr>
+              <a:t>uni1.de/nyt</a:t>
+            </a:r>
+            <a:r>
+              <a:rPr b="0" lang="en" sz="1000"/>
               <a:t> </a:t>
             </a:r>
-            <a:endParaRPr b="0" sz="900">
-              <a:solidFill>
-                <a:schemeClr val="dk2"/>
-              </a:solidFill>
-            </a:endParaRPr>
+            <a:endParaRPr b="0" sz="1000"/>
           </a:p>
         </p:txBody>
       </p:sp>
       <p:sp>
         <p:nvSpPr>
-          <p:cNvPr id="93" name="Google Shape;93;p16"/>
+          <p:cNvPr id="94" name="Google Shape;94;p16"/>
           <p:cNvSpPr txBox="1"/>
           <p:nvPr/>
         </p:nvSpPr>
